--- a/Jogos_em_c.pptx
+++ b/Jogos_em_c.pptx
@@ -1,29 +1,125 @@
 
 <file path=ppt/presentation.xml><?xml version="1.0" encoding="utf-8"?>
-<p:presentation xmlns:a="http://schemas.openxmlformats.org/drawingml/2006/main" xmlns:p="http://schemas.openxmlformats.org/presentationml/2006/main" xmlns:r="http://schemas.openxmlformats.org/officeDocument/2006/relationships" xmlns:p14="http://schemas.microsoft.com/office/powerpoint/2010/main" xmlns:p15="http://schemas.microsoft.com/office/powerpoint/2012/main" xmlns:mc="http://schemas.openxmlformats.org/markup-compatibility/2006">
+<p:presentation xmlns:a="http://schemas.openxmlformats.org/drawingml/2006/main" xmlns:r="http://schemas.openxmlformats.org/officeDocument/2006/relationships" xmlns:p="http://schemas.openxmlformats.org/presentationml/2006/main">
   <p:sldMasterIdLst>
-    <p:sldMasterId id="2147483648" r:id="rId2"/>
-    <p:sldMasterId id="2147483661" r:id="rId3"/>
-    <p:sldMasterId id="2147483674" r:id="rId4"/>
+    <p:sldMasterId id="2147483648" r:id="rId1"/>
+    <p:sldMasterId id="2147483661" r:id="rId2"/>
+    <p:sldMasterId id="2147483674" r:id="rId3"/>
   </p:sldMasterIdLst>
   <p:sldIdLst>
-    <p:sldId id="256" r:id="rId5"/>
-    <p:sldId id="257" r:id="rId6"/>
-    <p:sldId id="258" r:id="rId7"/>
-    <p:sldId id="259" r:id="rId8"/>
-    <p:sldId id="260" r:id="rId9"/>
-    <p:sldId id="261" r:id="rId10"/>
-    <p:sldId id="262" r:id="rId11"/>
+    <p:sldId id="256" r:id="rId4"/>
+    <p:sldId id="257" r:id="rId5"/>
+    <p:sldId id="258" r:id="rId6"/>
+    <p:sldId id="259" r:id="rId7"/>
+    <p:sldId id="260" r:id="rId8"/>
+    <p:sldId id="261" r:id="rId9"/>
+    <p:sldId id="262" r:id="rId10"/>
+    <p:sldId id="265" r:id="rId11"/>
     <p:sldId id="263" r:id="rId12"/>
     <p:sldId id="264" r:id="rId13"/>
   </p:sldIdLst>
   <p:sldSz cx="12192000" cy="6858000"/>
   <p:notesSz cx="7559675" cy="10691813"/>
+  <p:defaultTextStyle>
+    <a:defPPr>
+      <a:defRPr lang="pt-PT"/>
+    </a:defPPr>
+    <a:lvl1pPr marL="0" algn="l" defTabSz="914400" rtl="0" eaLnBrk="1" latinLnBrk="0" hangingPunct="1">
+      <a:defRPr sz="1800" kern="1200">
+        <a:solidFill>
+          <a:schemeClr val="tx1"/>
+        </a:solidFill>
+        <a:latin typeface="+mn-lt"/>
+        <a:ea typeface="+mn-ea"/>
+        <a:cs typeface="+mn-cs"/>
+      </a:defRPr>
+    </a:lvl1pPr>
+    <a:lvl2pPr marL="457200" algn="l" defTabSz="914400" rtl="0" eaLnBrk="1" latinLnBrk="0" hangingPunct="1">
+      <a:defRPr sz="1800" kern="1200">
+        <a:solidFill>
+          <a:schemeClr val="tx1"/>
+        </a:solidFill>
+        <a:latin typeface="+mn-lt"/>
+        <a:ea typeface="+mn-ea"/>
+        <a:cs typeface="+mn-cs"/>
+      </a:defRPr>
+    </a:lvl2pPr>
+    <a:lvl3pPr marL="914400" algn="l" defTabSz="914400" rtl="0" eaLnBrk="1" latinLnBrk="0" hangingPunct="1">
+      <a:defRPr sz="1800" kern="1200">
+        <a:solidFill>
+          <a:schemeClr val="tx1"/>
+        </a:solidFill>
+        <a:latin typeface="+mn-lt"/>
+        <a:ea typeface="+mn-ea"/>
+        <a:cs typeface="+mn-cs"/>
+      </a:defRPr>
+    </a:lvl3pPr>
+    <a:lvl4pPr marL="1371600" algn="l" defTabSz="914400" rtl="0" eaLnBrk="1" latinLnBrk="0" hangingPunct="1">
+      <a:defRPr sz="1800" kern="1200">
+        <a:solidFill>
+          <a:schemeClr val="tx1"/>
+        </a:solidFill>
+        <a:latin typeface="+mn-lt"/>
+        <a:ea typeface="+mn-ea"/>
+        <a:cs typeface="+mn-cs"/>
+      </a:defRPr>
+    </a:lvl4pPr>
+    <a:lvl5pPr marL="1828800" algn="l" defTabSz="914400" rtl="0" eaLnBrk="1" latinLnBrk="0" hangingPunct="1">
+      <a:defRPr sz="1800" kern="1200">
+        <a:solidFill>
+          <a:schemeClr val="tx1"/>
+        </a:solidFill>
+        <a:latin typeface="+mn-lt"/>
+        <a:ea typeface="+mn-ea"/>
+        <a:cs typeface="+mn-cs"/>
+      </a:defRPr>
+    </a:lvl5pPr>
+    <a:lvl6pPr marL="2286000" algn="l" defTabSz="914400" rtl="0" eaLnBrk="1" latinLnBrk="0" hangingPunct="1">
+      <a:defRPr sz="1800" kern="1200">
+        <a:solidFill>
+          <a:schemeClr val="tx1"/>
+        </a:solidFill>
+        <a:latin typeface="+mn-lt"/>
+        <a:ea typeface="+mn-ea"/>
+        <a:cs typeface="+mn-cs"/>
+      </a:defRPr>
+    </a:lvl6pPr>
+    <a:lvl7pPr marL="2743200" algn="l" defTabSz="914400" rtl="0" eaLnBrk="1" latinLnBrk="0" hangingPunct="1">
+      <a:defRPr sz="1800" kern="1200">
+        <a:solidFill>
+          <a:schemeClr val="tx1"/>
+        </a:solidFill>
+        <a:latin typeface="+mn-lt"/>
+        <a:ea typeface="+mn-ea"/>
+        <a:cs typeface="+mn-cs"/>
+      </a:defRPr>
+    </a:lvl7pPr>
+    <a:lvl8pPr marL="3200400" algn="l" defTabSz="914400" rtl="0" eaLnBrk="1" latinLnBrk="0" hangingPunct="1">
+      <a:defRPr sz="1800" kern="1200">
+        <a:solidFill>
+          <a:schemeClr val="tx1"/>
+        </a:solidFill>
+        <a:latin typeface="+mn-lt"/>
+        <a:ea typeface="+mn-ea"/>
+        <a:cs typeface="+mn-cs"/>
+      </a:defRPr>
+    </a:lvl8pPr>
+    <a:lvl9pPr marL="3657600" algn="l" defTabSz="914400" rtl="0" eaLnBrk="1" latinLnBrk="0" hangingPunct="1">
+      <a:defRPr sz="1800" kern="1200">
+        <a:solidFill>
+          <a:schemeClr val="tx1"/>
+        </a:solidFill>
+        <a:latin typeface="+mn-lt"/>
+        <a:ea typeface="+mn-ea"/>
+        <a:cs typeface="+mn-cs"/>
+      </a:defRPr>
+    </a:lvl9pPr>
+  </p:defaultTextStyle>
 </p:presentation>
 </file>
 
 <file path=ppt/slideLayouts/slideLayout1.xml><?xml version="1.0" encoding="utf-8"?>
-<p:sldLayout xmlns:a="http://schemas.openxmlformats.org/drawingml/2006/main" xmlns:p="http://schemas.openxmlformats.org/presentationml/2006/main" xmlns:r="http://schemas.openxmlformats.org/officeDocument/2006/relationships" xmlns:p14="http://schemas.microsoft.com/office/powerpoint/2010/main" xmlns:p15="http://schemas.microsoft.com/office/powerpoint/2012/main" xmlns:mc="http://schemas.openxmlformats.org/markup-compatibility/2006" type="blank" preserve="1">
+<p:sldLayout xmlns:a="http://schemas.openxmlformats.org/drawingml/2006/main" xmlns:r="http://schemas.openxmlformats.org/officeDocument/2006/relationships" xmlns:p="http://schemas.openxmlformats.org/presentationml/2006/main" type="blank" preserve="1">
   <p:cSld name="Blank Slide">
     <p:spTree>
       <p:nvGrpSpPr>
@@ -52,6 +148,7 @@
         <p:spPr/>
         <p:txBody>
           <a:bodyPr/>
+          <a:lstStyle/>
           <a:p>
             <a:r>
               <a:t>Footer</a:t>
@@ -72,10 +169,12 @@
         <p:spPr/>
         <p:txBody>
           <a:bodyPr/>
+          <a:lstStyle/>
           <a:p>
             <a:fld id="{D80AF0DE-86E4-41DD-98FC-2EB0C0826B3B}" type="slidenum">
-              <a:t>&lt;#&gt;</a:t>
+              <a:t>‹nº›</a:t>
             </a:fld>
+            <a:endParaRPr/>
           </a:p>
         </p:txBody>
       </p:sp>
@@ -92,21 +191,22 @@
         <p:spPr/>
         <p:txBody>
           <a:bodyPr/>
-          <a:p>
-            <a:r>
-              <a:rPr lang="en-US"/>
-              <a:t/>
-            </a:r>
+          <a:lstStyle/>
+          <a:p>
+            <a:endParaRPr/>
           </a:p>
         </p:txBody>
       </p:sp>
     </p:spTree>
   </p:cSld>
+  <p:clrMapOvr>
+    <a:masterClrMapping/>
+  </p:clrMapOvr>
 </p:sldLayout>
 </file>
 
 <file path=ppt/slideLayouts/slideLayout10.xml><?xml version="1.0" encoding="utf-8"?>
-<p:sldLayout xmlns:a="http://schemas.openxmlformats.org/drawingml/2006/main" xmlns:p="http://schemas.openxmlformats.org/presentationml/2006/main" xmlns:r="http://schemas.openxmlformats.org/officeDocument/2006/relationships" xmlns:p14="http://schemas.microsoft.com/office/powerpoint/2010/main" xmlns:p15="http://schemas.microsoft.com/office/powerpoint/2012/main" xmlns:mc="http://schemas.openxmlformats.org/markup-compatibility/2006" type="objOverTx" preserve="1">
+<p:sldLayout xmlns:a="http://schemas.openxmlformats.org/drawingml/2006/main" xmlns:r="http://schemas.openxmlformats.org/officeDocument/2006/relationships" xmlns:p="http://schemas.openxmlformats.org/presentationml/2006/main" type="objOverTx" preserve="1">
   <p:cSld name="Title, Content over Content">
     <p:spTree>
       <p:nvGrpSpPr>
@@ -146,11 +246,12 @@
           </a:ln>
         </p:spPr>
         <p:txBody>
-          <a:bodyPr lIns="0" rIns="0" tIns="0" bIns="0" anchor="ctr">
+          <a:bodyPr lIns="0" tIns="0" rIns="0" bIns="0" anchor="ctr">
             <a:noAutofit/>
           </a:bodyPr>
-          <a:p>
-            <a:endParaRPr b="0" lang="pt-PT" sz="1800" spc="-1" strike="noStrike">
+          <a:lstStyle/>
+          <a:p>
+            <a:endParaRPr lang="pt-PT" sz="1800" b="0" strike="noStrike" spc="-1">
               <a:solidFill>
                 <a:srgbClr val="000000"/>
               </a:solidFill>
@@ -183,9 +284,10 @@
           </a:ln>
         </p:spPr>
         <p:txBody>
-          <a:bodyPr lIns="0" rIns="0" tIns="0" bIns="0" anchor="t">
+          <a:bodyPr lIns="0" tIns="0" rIns="0" bIns="0" anchor="t">
             <a:normAutofit/>
           </a:bodyPr>
+          <a:lstStyle/>
           <a:p>
             <a:pPr>
               <a:lnSpc>
@@ -196,7 +298,7 @@
               </a:spcBef>
               <a:buNone/>
             </a:pPr>
-            <a:endParaRPr b="0" lang="pt-PT" sz="2800" spc="-1" strike="noStrike">
+            <a:endParaRPr lang="pt-PT" sz="2800" b="0" strike="noStrike" spc="-1">
               <a:solidFill>
                 <a:srgbClr val="000000"/>
               </a:solidFill>
@@ -229,9 +331,10 @@
           </a:ln>
         </p:spPr>
         <p:txBody>
-          <a:bodyPr lIns="0" rIns="0" tIns="0" bIns="0" anchor="t">
+          <a:bodyPr lIns="0" tIns="0" rIns="0" bIns="0" anchor="t">
             <a:normAutofit/>
           </a:bodyPr>
+          <a:lstStyle/>
           <a:p>
             <a:pPr>
               <a:lnSpc>
@@ -242,7 +345,7 @@
               </a:spcBef>
               <a:buNone/>
             </a:pPr>
-            <a:endParaRPr b="0" lang="pt-PT" sz="2800" spc="-1" strike="noStrike">
+            <a:endParaRPr lang="pt-PT" sz="2800" b="0" strike="noStrike" spc="-1">
               <a:solidFill>
                 <a:srgbClr val="000000"/>
               </a:solidFill>
@@ -264,6 +367,7 @@
         <p:spPr/>
         <p:txBody>
           <a:bodyPr/>
+          <a:lstStyle/>
           <a:p>
             <a:r>
               <a:t>Footer</a:t>
@@ -284,10 +388,12 @@
         <p:spPr/>
         <p:txBody>
           <a:bodyPr/>
+          <a:lstStyle/>
           <a:p>
             <a:fld id="{C327F29C-C9E9-4CB3-8EC8-C3D6CBFFF50C}" type="slidenum">
-              <a:t>&lt;#&gt;</a:t>
+              <a:t>‹nº›</a:t>
             </a:fld>
+            <a:endParaRPr/>
           </a:p>
         </p:txBody>
       </p:sp>
@@ -304,21 +410,22 @@
         <p:spPr/>
         <p:txBody>
           <a:bodyPr/>
-          <a:p>
-            <a:r>
-              <a:rPr lang="en-US"/>
-              <a:t/>
-            </a:r>
+          <a:lstStyle/>
+          <a:p>
+            <a:endParaRPr/>
           </a:p>
         </p:txBody>
       </p:sp>
     </p:spTree>
   </p:cSld>
+  <p:clrMapOvr>
+    <a:masterClrMapping/>
+  </p:clrMapOvr>
 </p:sldLayout>
 </file>
 
 <file path=ppt/slideLayouts/slideLayout11.xml><?xml version="1.0" encoding="utf-8"?>
-<p:sldLayout xmlns:a="http://schemas.openxmlformats.org/drawingml/2006/main" xmlns:p="http://schemas.openxmlformats.org/presentationml/2006/main" xmlns:r="http://schemas.openxmlformats.org/officeDocument/2006/relationships" xmlns:p14="http://schemas.microsoft.com/office/powerpoint/2010/main" xmlns:p15="http://schemas.microsoft.com/office/powerpoint/2012/main" xmlns:mc="http://schemas.openxmlformats.org/markup-compatibility/2006" type="fourObj" preserve="1">
+<p:sldLayout xmlns:a="http://schemas.openxmlformats.org/drawingml/2006/main" xmlns:r="http://schemas.openxmlformats.org/officeDocument/2006/relationships" xmlns:p="http://schemas.openxmlformats.org/presentationml/2006/main" type="fourObj" preserve="1">
   <p:cSld name="Title, 4 Content">
     <p:spTree>
       <p:nvGrpSpPr>
@@ -358,11 +465,12 @@
           </a:ln>
         </p:spPr>
         <p:txBody>
-          <a:bodyPr lIns="0" rIns="0" tIns="0" bIns="0" anchor="ctr">
+          <a:bodyPr lIns="0" tIns="0" rIns="0" bIns="0" anchor="ctr">
             <a:noAutofit/>
           </a:bodyPr>
-          <a:p>
-            <a:endParaRPr b="0" lang="pt-PT" sz="1800" spc="-1" strike="noStrike">
+          <a:lstStyle/>
+          <a:p>
+            <a:endParaRPr lang="pt-PT" sz="1800" b="0" strike="noStrike" spc="-1">
               <a:solidFill>
                 <a:srgbClr val="000000"/>
               </a:solidFill>
@@ -395,9 +503,10 @@
           </a:ln>
         </p:spPr>
         <p:txBody>
-          <a:bodyPr lIns="0" rIns="0" tIns="0" bIns="0" anchor="t">
+          <a:bodyPr lIns="0" tIns="0" rIns="0" bIns="0" anchor="t">
             <a:normAutofit/>
           </a:bodyPr>
+          <a:lstStyle/>
           <a:p>
             <a:pPr>
               <a:lnSpc>
@@ -408,7 +517,7 @@
               </a:spcBef>
               <a:buNone/>
             </a:pPr>
-            <a:endParaRPr b="0" lang="pt-PT" sz="2800" spc="-1" strike="noStrike">
+            <a:endParaRPr lang="pt-PT" sz="2800" b="0" strike="noStrike" spc="-1">
               <a:solidFill>
                 <a:srgbClr val="000000"/>
               </a:solidFill>
@@ -441,9 +550,10 @@
           </a:ln>
         </p:spPr>
         <p:txBody>
-          <a:bodyPr lIns="0" rIns="0" tIns="0" bIns="0" anchor="t">
+          <a:bodyPr lIns="0" tIns="0" rIns="0" bIns="0" anchor="t">
             <a:normAutofit/>
           </a:bodyPr>
+          <a:lstStyle/>
           <a:p>
             <a:pPr>
               <a:lnSpc>
@@ -454,7 +564,7 @@
               </a:spcBef>
               <a:buNone/>
             </a:pPr>
-            <a:endParaRPr b="0" lang="pt-PT" sz="2800" spc="-1" strike="noStrike">
+            <a:endParaRPr lang="pt-PT" sz="2800" b="0" strike="noStrike" spc="-1">
               <a:solidFill>
                 <a:srgbClr val="000000"/>
               </a:solidFill>
@@ -487,9 +597,10 @@
           </a:ln>
         </p:spPr>
         <p:txBody>
-          <a:bodyPr lIns="0" rIns="0" tIns="0" bIns="0" anchor="t">
+          <a:bodyPr lIns="0" tIns="0" rIns="0" bIns="0" anchor="t">
             <a:normAutofit/>
           </a:bodyPr>
+          <a:lstStyle/>
           <a:p>
             <a:pPr>
               <a:lnSpc>
@@ -500,7 +611,7 @@
               </a:spcBef>
               <a:buNone/>
             </a:pPr>
-            <a:endParaRPr b="0" lang="pt-PT" sz="2800" spc="-1" strike="noStrike">
+            <a:endParaRPr lang="pt-PT" sz="2800" b="0" strike="noStrike" spc="-1">
               <a:solidFill>
                 <a:srgbClr val="000000"/>
               </a:solidFill>
@@ -533,9 +644,10 @@
           </a:ln>
         </p:spPr>
         <p:txBody>
-          <a:bodyPr lIns="0" rIns="0" tIns="0" bIns="0" anchor="t">
+          <a:bodyPr lIns="0" tIns="0" rIns="0" bIns="0" anchor="t">
             <a:normAutofit/>
           </a:bodyPr>
+          <a:lstStyle/>
           <a:p>
             <a:pPr>
               <a:lnSpc>
@@ -546,7 +658,7 @@
               </a:spcBef>
               <a:buNone/>
             </a:pPr>
-            <a:endParaRPr b="0" lang="pt-PT" sz="2800" spc="-1" strike="noStrike">
+            <a:endParaRPr lang="pt-PT" sz="2800" b="0" strike="noStrike" spc="-1">
               <a:solidFill>
                 <a:srgbClr val="000000"/>
               </a:solidFill>
@@ -568,6 +680,7 @@
         <p:spPr/>
         <p:txBody>
           <a:bodyPr/>
+          <a:lstStyle/>
           <a:p>
             <a:r>
               <a:t>Footer</a:t>
@@ -588,10 +701,12 @@
         <p:spPr/>
         <p:txBody>
           <a:bodyPr/>
+          <a:lstStyle/>
           <a:p>
             <a:fld id="{301C6857-B52D-4AD8-A84E-ED7F00C2FD13}" type="slidenum">
-              <a:t>&lt;#&gt;</a:t>
+              <a:t>‹nº›</a:t>
             </a:fld>
+            <a:endParaRPr/>
           </a:p>
         </p:txBody>
       </p:sp>
@@ -608,21 +723,22 @@
         <p:spPr/>
         <p:txBody>
           <a:bodyPr/>
-          <a:p>
-            <a:r>
-              <a:rPr lang="en-US"/>
-              <a:t/>
-            </a:r>
+          <a:lstStyle/>
+          <a:p>
+            <a:endParaRPr/>
           </a:p>
         </p:txBody>
       </p:sp>
     </p:spTree>
   </p:cSld>
+  <p:clrMapOvr>
+    <a:masterClrMapping/>
+  </p:clrMapOvr>
 </p:sldLayout>
 </file>
 
 <file path=ppt/slideLayouts/slideLayout12.xml><?xml version="1.0" encoding="utf-8"?>
-<p:sldLayout xmlns:a="http://schemas.openxmlformats.org/drawingml/2006/main" xmlns:p="http://schemas.openxmlformats.org/presentationml/2006/main" xmlns:r="http://schemas.openxmlformats.org/officeDocument/2006/relationships" xmlns:p14="http://schemas.microsoft.com/office/powerpoint/2010/main" xmlns:p15="http://schemas.microsoft.com/office/powerpoint/2012/main" xmlns:mc="http://schemas.openxmlformats.org/markup-compatibility/2006" type="blank" preserve="1">
+<p:sldLayout xmlns:a="http://schemas.openxmlformats.org/drawingml/2006/main" xmlns:r="http://schemas.openxmlformats.org/officeDocument/2006/relationships" xmlns:p="http://schemas.openxmlformats.org/presentationml/2006/main" type="blank" preserve="1">
   <p:cSld name="Title, 6 Content">
     <p:spTree>
       <p:nvGrpSpPr>
@@ -662,11 +778,12 @@
           </a:ln>
         </p:spPr>
         <p:txBody>
-          <a:bodyPr lIns="0" rIns="0" tIns="0" bIns="0" anchor="ctr">
+          <a:bodyPr lIns="0" tIns="0" rIns="0" bIns="0" anchor="ctr">
             <a:noAutofit/>
           </a:bodyPr>
-          <a:p>
-            <a:endParaRPr b="0" lang="pt-PT" sz="1800" spc="-1" strike="noStrike">
+          <a:lstStyle/>
+          <a:p>
+            <a:endParaRPr lang="pt-PT" sz="1800" b="0" strike="noStrike" spc="-1">
               <a:solidFill>
                 <a:srgbClr val="000000"/>
               </a:solidFill>
@@ -699,9 +816,10 @@
           </a:ln>
         </p:spPr>
         <p:txBody>
-          <a:bodyPr lIns="0" rIns="0" tIns="0" bIns="0" anchor="t">
+          <a:bodyPr lIns="0" tIns="0" rIns="0" bIns="0" anchor="t">
             <a:normAutofit/>
           </a:bodyPr>
+          <a:lstStyle/>
           <a:p>
             <a:pPr>
               <a:lnSpc>
@@ -712,7 +830,7 @@
               </a:spcBef>
               <a:buNone/>
             </a:pPr>
-            <a:endParaRPr b="0" lang="pt-PT" sz="2800" spc="-1" strike="noStrike">
+            <a:endParaRPr lang="pt-PT" sz="2800" b="0" strike="noStrike" spc="-1">
               <a:solidFill>
                 <a:srgbClr val="000000"/>
               </a:solidFill>
@@ -745,9 +863,10 @@
           </a:ln>
         </p:spPr>
         <p:txBody>
-          <a:bodyPr lIns="0" rIns="0" tIns="0" bIns="0" anchor="t">
+          <a:bodyPr lIns="0" tIns="0" rIns="0" bIns="0" anchor="t">
             <a:normAutofit/>
           </a:bodyPr>
+          <a:lstStyle/>
           <a:p>
             <a:pPr>
               <a:lnSpc>
@@ -758,7 +877,7 @@
               </a:spcBef>
               <a:buNone/>
             </a:pPr>
-            <a:endParaRPr b="0" lang="pt-PT" sz="2800" spc="-1" strike="noStrike">
+            <a:endParaRPr lang="pt-PT" sz="2800" b="0" strike="noStrike" spc="-1">
               <a:solidFill>
                 <a:srgbClr val="000000"/>
               </a:solidFill>
@@ -791,9 +910,10 @@
           </a:ln>
         </p:spPr>
         <p:txBody>
-          <a:bodyPr lIns="0" rIns="0" tIns="0" bIns="0" anchor="t">
+          <a:bodyPr lIns="0" tIns="0" rIns="0" bIns="0" anchor="t">
             <a:normAutofit/>
           </a:bodyPr>
+          <a:lstStyle/>
           <a:p>
             <a:pPr>
               <a:lnSpc>
@@ -804,7 +924,7 @@
               </a:spcBef>
               <a:buNone/>
             </a:pPr>
-            <a:endParaRPr b="0" lang="pt-PT" sz="2800" spc="-1" strike="noStrike">
+            <a:endParaRPr lang="pt-PT" sz="2800" b="0" strike="noStrike" spc="-1">
               <a:solidFill>
                 <a:srgbClr val="000000"/>
               </a:solidFill>
@@ -837,9 +957,10 @@
           </a:ln>
         </p:spPr>
         <p:txBody>
-          <a:bodyPr lIns="0" rIns="0" tIns="0" bIns="0" anchor="t">
+          <a:bodyPr lIns="0" tIns="0" rIns="0" bIns="0" anchor="t">
             <a:normAutofit/>
           </a:bodyPr>
+          <a:lstStyle/>
           <a:p>
             <a:pPr>
               <a:lnSpc>
@@ -850,7 +971,7 @@
               </a:spcBef>
               <a:buNone/>
             </a:pPr>
-            <a:endParaRPr b="0" lang="pt-PT" sz="2800" spc="-1" strike="noStrike">
+            <a:endParaRPr lang="pt-PT" sz="2800" b="0" strike="noStrike" spc="-1">
               <a:solidFill>
                 <a:srgbClr val="000000"/>
               </a:solidFill>
@@ -883,9 +1004,10 @@
           </a:ln>
         </p:spPr>
         <p:txBody>
-          <a:bodyPr lIns="0" rIns="0" tIns="0" bIns="0" anchor="t">
+          <a:bodyPr lIns="0" tIns="0" rIns="0" bIns="0" anchor="t">
             <a:normAutofit/>
           </a:bodyPr>
+          <a:lstStyle/>
           <a:p>
             <a:pPr>
               <a:lnSpc>
@@ -896,7 +1018,7 @@
               </a:spcBef>
               <a:buNone/>
             </a:pPr>
-            <a:endParaRPr b="0" lang="pt-PT" sz="2800" spc="-1" strike="noStrike">
+            <a:endParaRPr lang="pt-PT" sz="2800" b="0" strike="noStrike" spc="-1">
               <a:solidFill>
                 <a:srgbClr val="000000"/>
               </a:solidFill>
@@ -929,9 +1051,10 @@
           </a:ln>
         </p:spPr>
         <p:txBody>
-          <a:bodyPr lIns="0" rIns="0" tIns="0" bIns="0" anchor="t">
+          <a:bodyPr lIns="0" tIns="0" rIns="0" bIns="0" anchor="t">
             <a:normAutofit/>
           </a:bodyPr>
+          <a:lstStyle/>
           <a:p>
             <a:pPr>
               <a:lnSpc>
@@ -942,7 +1065,7 @@
               </a:spcBef>
               <a:buNone/>
             </a:pPr>
-            <a:endParaRPr b="0" lang="pt-PT" sz="2800" spc="-1" strike="noStrike">
+            <a:endParaRPr lang="pt-PT" sz="2800" b="0" strike="noStrike" spc="-1">
               <a:solidFill>
                 <a:srgbClr val="000000"/>
               </a:solidFill>
@@ -964,6 +1087,7 @@
         <p:spPr/>
         <p:txBody>
           <a:bodyPr/>
+          <a:lstStyle/>
           <a:p>
             <a:r>
               <a:t>Footer</a:t>
@@ -984,10 +1108,12 @@
         <p:spPr/>
         <p:txBody>
           <a:bodyPr/>
+          <a:lstStyle/>
           <a:p>
             <a:fld id="{04ADDE4F-F3F2-46CF-8DA1-1B7491011EBE}" type="slidenum">
-              <a:t>&lt;#&gt;</a:t>
+              <a:t>‹nº›</a:t>
             </a:fld>
+            <a:endParaRPr/>
           </a:p>
         </p:txBody>
       </p:sp>
@@ -1004,21 +1130,22 @@
         <p:spPr/>
         <p:txBody>
           <a:bodyPr/>
-          <a:p>
-            <a:r>
-              <a:rPr lang="en-US"/>
-              <a:t/>
-            </a:r>
+          <a:lstStyle/>
+          <a:p>
+            <a:endParaRPr/>
           </a:p>
         </p:txBody>
       </p:sp>
     </p:spTree>
   </p:cSld>
+  <p:clrMapOvr>
+    <a:masterClrMapping/>
+  </p:clrMapOvr>
 </p:sldLayout>
 </file>
 
 <file path=ppt/slideLayouts/slideLayout13.xml><?xml version="1.0" encoding="utf-8"?>
-<p:sldLayout xmlns:a="http://schemas.openxmlformats.org/drawingml/2006/main" xmlns:p="http://schemas.openxmlformats.org/presentationml/2006/main" xmlns:r="http://schemas.openxmlformats.org/officeDocument/2006/relationships" xmlns:p14="http://schemas.microsoft.com/office/powerpoint/2010/main" xmlns:p15="http://schemas.microsoft.com/office/powerpoint/2012/main" xmlns:mc="http://schemas.openxmlformats.org/markup-compatibility/2006" type="blank" preserve="1">
+<p:sldLayout xmlns:a="http://schemas.openxmlformats.org/drawingml/2006/main" xmlns:r="http://schemas.openxmlformats.org/officeDocument/2006/relationships" xmlns:p="http://schemas.openxmlformats.org/presentationml/2006/main" type="blank" preserve="1">
   <p:cSld name="Blank Slide">
     <p:spTree>
       <p:nvGrpSpPr>
@@ -1047,6 +1174,7 @@
         <p:spPr/>
         <p:txBody>
           <a:bodyPr/>
+          <a:lstStyle/>
           <a:p>
             <a:r>
               <a:t>Footer</a:t>
@@ -1067,10 +1195,12 @@
         <p:spPr/>
         <p:txBody>
           <a:bodyPr/>
+          <a:lstStyle/>
           <a:p>
             <a:fld id="{B5D8A705-91E3-477F-A8D0-8CC4909E0B5D}" type="slidenum">
-              <a:t>&lt;#&gt;</a:t>
+              <a:t>‹nº›</a:t>
             </a:fld>
+            <a:endParaRPr/>
           </a:p>
         </p:txBody>
       </p:sp>
@@ -1087,21 +1217,22 @@
         <p:spPr/>
         <p:txBody>
           <a:bodyPr/>
-          <a:p>
-            <a:r>
-              <a:rPr lang="en-US"/>
-              <a:t/>
-            </a:r>
+          <a:lstStyle/>
+          <a:p>
+            <a:endParaRPr/>
           </a:p>
         </p:txBody>
       </p:sp>
     </p:spTree>
   </p:cSld>
+  <p:clrMapOvr>
+    <a:masterClrMapping/>
+  </p:clrMapOvr>
 </p:sldLayout>
 </file>
 
 <file path=ppt/slideLayouts/slideLayout14.xml><?xml version="1.0" encoding="utf-8"?>
-<p:sldLayout xmlns:a="http://schemas.openxmlformats.org/drawingml/2006/main" xmlns:p="http://schemas.openxmlformats.org/presentationml/2006/main" xmlns:r="http://schemas.openxmlformats.org/officeDocument/2006/relationships" xmlns:p14="http://schemas.microsoft.com/office/powerpoint/2010/main" xmlns:p15="http://schemas.microsoft.com/office/powerpoint/2012/main" xmlns:mc="http://schemas.openxmlformats.org/markup-compatibility/2006" type="tx" preserve="1">
+<p:sldLayout xmlns:a="http://schemas.openxmlformats.org/drawingml/2006/main" xmlns:r="http://schemas.openxmlformats.org/officeDocument/2006/relationships" xmlns:p="http://schemas.openxmlformats.org/presentationml/2006/main" type="tx" preserve="1">
   <p:cSld name="Title Slide">
     <p:spTree>
       <p:nvGrpSpPr>
@@ -1141,11 +1272,12 @@
           </a:ln>
         </p:spPr>
         <p:txBody>
-          <a:bodyPr lIns="0" rIns="0" tIns="0" bIns="0" anchor="ctr">
+          <a:bodyPr lIns="0" tIns="0" rIns="0" bIns="0" anchor="ctr">
             <a:noAutofit/>
           </a:bodyPr>
-          <a:p>
-            <a:endParaRPr b="0" lang="pt-PT" sz="1800" spc="-1" strike="noStrike">
+          <a:lstStyle/>
+          <a:p>
+            <a:endParaRPr lang="pt-PT" sz="1800" b="0" strike="noStrike" spc="-1">
               <a:solidFill>
                 <a:srgbClr val="000000"/>
               </a:solidFill>
@@ -1178,14 +1310,15 @@
           </a:ln>
         </p:spPr>
         <p:txBody>
-          <a:bodyPr lIns="0" rIns="0" tIns="0" bIns="0" anchor="ctr">
+          <a:bodyPr lIns="0" tIns="0" rIns="0" bIns="0" anchor="ctr">
             <a:noAutofit/>
           </a:bodyPr>
+          <a:lstStyle/>
           <a:p>
             <a:pPr algn="ctr">
               <a:buNone/>
             </a:pPr>
-            <a:endParaRPr b="0" lang="en-US" sz="3200" spc="-1" strike="noStrike">
+            <a:endParaRPr lang="en-US" sz="3200" b="0" strike="noStrike" spc="-1">
               <a:latin typeface="Arial"/>
             </a:endParaRPr>
           </a:p>
@@ -1204,6 +1337,7 @@
         <p:spPr/>
         <p:txBody>
           <a:bodyPr/>
+          <a:lstStyle/>
           <a:p>
             <a:r>
               <a:t>Footer</a:t>
@@ -1224,10 +1358,12 @@
         <p:spPr/>
         <p:txBody>
           <a:bodyPr/>
+          <a:lstStyle/>
           <a:p>
             <a:fld id="{C092E470-6954-435E-B811-B57EE3F14F06}" type="slidenum">
-              <a:t>&lt;#&gt;</a:t>
+              <a:t>‹nº›</a:t>
             </a:fld>
+            <a:endParaRPr/>
           </a:p>
         </p:txBody>
       </p:sp>
@@ -1244,21 +1380,22 @@
         <p:spPr/>
         <p:txBody>
           <a:bodyPr/>
-          <a:p>
-            <a:r>
-              <a:rPr lang="en-US"/>
-              <a:t/>
-            </a:r>
+          <a:lstStyle/>
+          <a:p>
+            <a:endParaRPr/>
           </a:p>
         </p:txBody>
       </p:sp>
     </p:spTree>
   </p:cSld>
+  <p:clrMapOvr>
+    <a:masterClrMapping/>
+  </p:clrMapOvr>
 </p:sldLayout>
 </file>
 
 <file path=ppt/slideLayouts/slideLayout15.xml><?xml version="1.0" encoding="utf-8"?>
-<p:sldLayout xmlns:a="http://schemas.openxmlformats.org/drawingml/2006/main" xmlns:p="http://schemas.openxmlformats.org/presentationml/2006/main" xmlns:r="http://schemas.openxmlformats.org/officeDocument/2006/relationships" xmlns:p14="http://schemas.microsoft.com/office/powerpoint/2010/main" xmlns:p15="http://schemas.microsoft.com/office/powerpoint/2012/main" xmlns:mc="http://schemas.openxmlformats.org/markup-compatibility/2006" type="obj" preserve="1">
+<p:sldLayout xmlns:a="http://schemas.openxmlformats.org/drawingml/2006/main" xmlns:r="http://schemas.openxmlformats.org/officeDocument/2006/relationships" xmlns:p="http://schemas.openxmlformats.org/presentationml/2006/main" type="obj" preserve="1">
   <p:cSld name="Title, Content">
     <p:spTree>
       <p:nvGrpSpPr>
@@ -1298,11 +1435,12 @@
           </a:ln>
         </p:spPr>
         <p:txBody>
-          <a:bodyPr lIns="0" rIns="0" tIns="0" bIns="0" anchor="ctr">
+          <a:bodyPr lIns="0" tIns="0" rIns="0" bIns="0" anchor="ctr">
             <a:noAutofit/>
           </a:bodyPr>
-          <a:p>
-            <a:endParaRPr b="0" lang="pt-PT" sz="1800" spc="-1" strike="noStrike">
+          <a:lstStyle/>
+          <a:p>
+            <a:endParaRPr lang="pt-PT" sz="1800" b="0" strike="noStrike" spc="-1">
               <a:solidFill>
                 <a:srgbClr val="000000"/>
               </a:solidFill>
@@ -1335,9 +1473,10 @@
           </a:ln>
         </p:spPr>
         <p:txBody>
-          <a:bodyPr lIns="0" rIns="0" tIns="0" bIns="0" anchor="t">
+          <a:bodyPr lIns="0" tIns="0" rIns="0" bIns="0" anchor="t">
             <a:normAutofit/>
           </a:bodyPr>
+          <a:lstStyle/>
           <a:p>
             <a:pPr>
               <a:lnSpc>
@@ -1348,7 +1487,7 @@
               </a:spcBef>
               <a:buNone/>
             </a:pPr>
-            <a:endParaRPr b="0" lang="pt-PT" sz="2800" spc="-1" strike="noStrike">
+            <a:endParaRPr lang="pt-PT" sz="2800" b="0" strike="noStrike" spc="-1">
               <a:solidFill>
                 <a:srgbClr val="000000"/>
               </a:solidFill>
@@ -1370,6 +1509,7 @@
         <p:spPr/>
         <p:txBody>
           <a:bodyPr/>
+          <a:lstStyle/>
           <a:p>
             <a:r>
               <a:t>Footer</a:t>
@@ -1390,10 +1530,12 @@
         <p:spPr/>
         <p:txBody>
           <a:bodyPr/>
+          <a:lstStyle/>
           <a:p>
             <a:fld id="{03005B06-818D-42B0-881F-85E42A1C1F4C}" type="slidenum">
-              <a:t>&lt;#&gt;</a:t>
+              <a:t>‹nº›</a:t>
             </a:fld>
+            <a:endParaRPr/>
           </a:p>
         </p:txBody>
       </p:sp>
@@ -1410,21 +1552,22 @@
         <p:spPr/>
         <p:txBody>
           <a:bodyPr/>
-          <a:p>
-            <a:r>
-              <a:rPr lang="en-US"/>
-              <a:t/>
-            </a:r>
+          <a:lstStyle/>
+          <a:p>
+            <a:endParaRPr/>
           </a:p>
         </p:txBody>
       </p:sp>
     </p:spTree>
   </p:cSld>
+  <p:clrMapOvr>
+    <a:masterClrMapping/>
+  </p:clrMapOvr>
 </p:sldLayout>
 </file>
 
 <file path=ppt/slideLayouts/slideLayout16.xml><?xml version="1.0" encoding="utf-8"?>
-<p:sldLayout xmlns:a="http://schemas.openxmlformats.org/drawingml/2006/main" xmlns:p="http://schemas.openxmlformats.org/presentationml/2006/main" xmlns:r="http://schemas.openxmlformats.org/officeDocument/2006/relationships" xmlns:p14="http://schemas.microsoft.com/office/powerpoint/2010/main" xmlns:p15="http://schemas.microsoft.com/office/powerpoint/2012/main" xmlns:mc="http://schemas.openxmlformats.org/markup-compatibility/2006" type="twoObj" preserve="1">
+<p:sldLayout xmlns:a="http://schemas.openxmlformats.org/drawingml/2006/main" xmlns:r="http://schemas.openxmlformats.org/officeDocument/2006/relationships" xmlns:p="http://schemas.openxmlformats.org/presentationml/2006/main" type="twoObj" preserve="1">
   <p:cSld name="Title, 2 Content">
     <p:spTree>
       <p:nvGrpSpPr>
@@ -1464,11 +1607,12 @@
           </a:ln>
         </p:spPr>
         <p:txBody>
-          <a:bodyPr lIns="0" rIns="0" tIns="0" bIns="0" anchor="ctr">
+          <a:bodyPr lIns="0" tIns="0" rIns="0" bIns="0" anchor="ctr">
             <a:noAutofit/>
           </a:bodyPr>
-          <a:p>
-            <a:endParaRPr b="0" lang="pt-PT" sz="1800" spc="-1" strike="noStrike">
+          <a:lstStyle/>
+          <a:p>
+            <a:endParaRPr lang="pt-PT" sz="1800" b="0" strike="noStrike" spc="-1">
               <a:solidFill>
                 <a:srgbClr val="000000"/>
               </a:solidFill>
@@ -1501,9 +1645,10 @@
           </a:ln>
         </p:spPr>
         <p:txBody>
-          <a:bodyPr lIns="0" rIns="0" tIns="0" bIns="0" anchor="t">
+          <a:bodyPr lIns="0" tIns="0" rIns="0" bIns="0" anchor="t">
             <a:normAutofit/>
           </a:bodyPr>
+          <a:lstStyle/>
           <a:p>
             <a:pPr>
               <a:lnSpc>
@@ -1514,7 +1659,7 @@
               </a:spcBef>
               <a:buNone/>
             </a:pPr>
-            <a:endParaRPr b="0" lang="pt-PT" sz="2800" spc="-1" strike="noStrike">
+            <a:endParaRPr lang="pt-PT" sz="2800" b="0" strike="noStrike" spc="-1">
               <a:solidFill>
                 <a:srgbClr val="000000"/>
               </a:solidFill>
@@ -1547,9 +1692,10 @@
           </a:ln>
         </p:spPr>
         <p:txBody>
-          <a:bodyPr lIns="0" rIns="0" tIns="0" bIns="0" anchor="t">
+          <a:bodyPr lIns="0" tIns="0" rIns="0" bIns="0" anchor="t">
             <a:normAutofit/>
           </a:bodyPr>
+          <a:lstStyle/>
           <a:p>
             <a:pPr>
               <a:lnSpc>
@@ -1560,7 +1706,7 @@
               </a:spcBef>
               <a:buNone/>
             </a:pPr>
-            <a:endParaRPr b="0" lang="pt-PT" sz="2800" spc="-1" strike="noStrike">
+            <a:endParaRPr lang="pt-PT" sz="2800" b="0" strike="noStrike" spc="-1">
               <a:solidFill>
                 <a:srgbClr val="000000"/>
               </a:solidFill>
@@ -1582,6 +1728,7 @@
         <p:spPr/>
         <p:txBody>
           <a:bodyPr/>
+          <a:lstStyle/>
           <a:p>
             <a:r>
               <a:t>Footer</a:t>
@@ -1602,10 +1749,12 @@
         <p:spPr/>
         <p:txBody>
           <a:bodyPr/>
+          <a:lstStyle/>
           <a:p>
             <a:fld id="{24155D46-00D2-42E9-AA20-5D7D7077D4F0}" type="slidenum">
-              <a:t>&lt;#&gt;</a:t>
+              <a:t>‹nº›</a:t>
             </a:fld>
+            <a:endParaRPr/>
           </a:p>
         </p:txBody>
       </p:sp>
@@ -1622,21 +1771,22 @@
         <p:spPr/>
         <p:txBody>
           <a:bodyPr/>
-          <a:p>
-            <a:r>
-              <a:rPr lang="en-US"/>
-              <a:t/>
-            </a:r>
+          <a:lstStyle/>
+          <a:p>
+            <a:endParaRPr/>
           </a:p>
         </p:txBody>
       </p:sp>
     </p:spTree>
   </p:cSld>
+  <p:clrMapOvr>
+    <a:masterClrMapping/>
+  </p:clrMapOvr>
 </p:sldLayout>
 </file>
 
 <file path=ppt/slideLayouts/slideLayout17.xml><?xml version="1.0" encoding="utf-8"?>
-<p:sldLayout xmlns:a="http://schemas.openxmlformats.org/drawingml/2006/main" xmlns:p="http://schemas.openxmlformats.org/presentationml/2006/main" xmlns:r="http://schemas.openxmlformats.org/officeDocument/2006/relationships" xmlns:p14="http://schemas.microsoft.com/office/powerpoint/2010/main" xmlns:p15="http://schemas.microsoft.com/office/powerpoint/2012/main" xmlns:mc="http://schemas.openxmlformats.org/markup-compatibility/2006" type="titleOnly" preserve="1">
+<p:sldLayout xmlns:a="http://schemas.openxmlformats.org/drawingml/2006/main" xmlns:r="http://schemas.openxmlformats.org/officeDocument/2006/relationships" xmlns:p="http://schemas.openxmlformats.org/presentationml/2006/main" type="titleOnly" preserve="1">
   <p:cSld name="Title Only">
     <p:spTree>
       <p:nvGrpSpPr>
@@ -1676,11 +1826,12 @@
           </a:ln>
         </p:spPr>
         <p:txBody>
-          <a:bodyPr lIns="0" rIns="0" tIns="0" bIns="0" anchor="ctr">
+          <a:bodyPr lIns="0" tIns="0" rIns="0" bIns="0" anchor="ctr">
             <a:noAutofit/>
           </a:bodyPr>
-          <a:p>
-            <a:endParaRPr b="0" lang="pt-PT" sz="1800" spc="-1" strike="noStrike">
+          <a:lstStyle/>
+          <a:p>
+            <a:endParaRPr lang="pt-PT" sz="1800" b="0" strike="noStrike" spc="-1">
               <a:solidFill>
                 <a:srgbClr val="000000"/>
               </a:solidFill>
@@ -1702,6 +1853,7 @@
         <p:spPr/>
         <p:txBody>
           <a:bodyPr/>
+          <a:lstStyle/>
           <a:p>
             <a:r>
               <a:t>Footer</a:t>
@@ -1722,10 +1874,12 @@
         <p:spPr/>
         <p:txBody>
           <a:bodyPr/>
+          <a:lstStyle/>
           <a:p>
             <a:fld id="{3EA7A0EE-C4AD-4E51-BAA7-CE581164A755}" type="slidenum">
-              <a:t>&lt;#&gt;</a:t>
+              <a:t>‹nº›</a:t>
             </a:fld>
+            <a:endParaRPr/>
           </a:p>
         </p:txBody>
       </p:sp>
@@ -1742,21 +1896,22 @@
         <p:spPr/>
         <p:txBody>
           <a:bodyPr/>
-          <a:p>
-            <a:r>
-              <a:rPr lang="en-US"/>
-              <a:t/>
-            </a:r>
+          <a:lstStyle/>
+          <a:p>
+            <a:endParaRPr/>
           </a:p>
         </p:txBody>
       </p:sp>
     </p:spTree>
   </p:cSld>
+  <p:clrMapOvr>
+    <a:masterClrMapping/>
+  </p:clrMapOvr>
 </p:sldLayout>
 </file>
 
 <file path=ppt/slideLayouts/slideLayout18.xml><?xml version="1.0" encoding="utf-8"?>
-<p:sldLayout xmlns:a="http://schemas.openxmlformats.org/drawingml/2006/main" xmlns:p="http://schemas.openxmlformats.org/presentationml/2006/main" xmlns:r="http://schemas.openxmlformats.org/officeDocument/2006/relationships" xmlns:p14="http://schemas.microsoft.com/office/powerpoint/2010/main" xmlns:p15="http://schemas.microsoft.com/office/powerpoint/2012/main" xmlns:mc="http://schemas.openxmlformats.org/markup-compatibility/2006" type="objOnly" preserve="1">
+<p:sldLayout xmlns:a="http://schemas.openxmlformats.org/drawingml/2006/main" xmlns:r="http://schemas.openxmlformats.org/officeDocument/2006/relationships" xmlns:p="http://schemas.openxmlformats.org/presentationml/2006/main" type="objOnly" preserve="1">
   <p:cSld name="Centered Text">
     <p:spTree>
       <p:nvGrpSpPr>
@@ -1796,14 +1951,15 @@
           </a:ln>
         </p:spPr>
         <p:txBody>
-          <a:bodyPr lIns="0" rIns="0" tIns="0" bIns="0" anchor="ctr">
+          <a:bodyPr lIns="0" tIns="0" rIns="0" bIns="0" anchor="ctr">
             <a:noAutofit/>
           </a:bodyPr>
+          <a:lstStyle/>
           <a:p>
             <a:pPr algn="ctr">
               <a:buNone/>
             </a:pPr>
-            <a:endParaRPr b="0" lang="en-US" sz="3200" spc="-1" strike="noStrike">
+            <a:endParaRPr lang="en-US" sz="3200" b="0" strike="noStrike" spc="-1">
               <a:latin typeface="Arial"/>
             </a:endParaRPr>
           </a:p>
@@ -1822,6 +1978,7 @@
         <p:spPr/>
         <p:txBody>
           <a:bodyPr/>
+          <a:lstStyle/>
           <a:p>
             <a:r>
               <a:t>Footer</a:t>
@@ -1842,10 +1999,12 @@
         <p:spPr/>
         <p:txBody>
           <a:bodyPr/>
+          <a:lstStyle/>
           <a:p>
             <a:fld id="{D2A5A8FF-FB12-4D8B-B8F8-AA3E55EC04D8}" type="slidenum">
-              <a:t>&lt;#&gt;</a:t>
+              <a:t>‹nº›</a:t>
             </a:fld>
+            <a:endParaRPr/>
           </a:p>
         </p:txBody>
       </p:sp>
@@ -1862,21 +2021,22 @@
         <p:spPr/>
         <p:txBody>
           <a:bodyPr/>
-          <a:p>
-            <a:r>
-              <a:rPr lang="en-US"/>
-              <a:t/>
-            </a:r>
+          <a:lstStyle/>
+          <a:p>
+            <a:endParaRPr/>
           </a:p>
         </p:txBody>
       </p:sp>
     </p:spTree>
   </p:cSld>
+  <p:clrMapOvr>
+    <a:masterClrMapping/>
+  </p:clrMapOvr>
 </p:sldLayout>
 </file>
 
 <file path=ppt/slideLayouts/slideLayout19.xml><?xml version="1.0" encoding="utf-8"?>
-<p:sldLayout xmlns:a="http://schemas.openxmlformats.org/drawingml/2006/main" xmlns:p="http://schemas.openxmlformats.org/presentationml/2006/main" xmlns:r="http://schemas.openxmlformats.org/officeDocument/2006/relationships" xmlns:p14="http://schemas.microsoft.com/office/powerpoint/2010/main" xmlns:p15="http://schemas.microsoft.com/office/powerpoint/2012/main" xmlns:mc="http://schemas.openxmlformats.org/markup-compatibility/2006" type="twoObjAndObj" preserve="1">
+<p:sldLayout xmlns:a="http://schemas.openxmlformats.org/drawingml/2006/main" xmlns:r="http://schemas.openxmlformats.org/officeDocument/2006/relationships" xmlns:p="http://schemas.openxmlformats.org/presentationml/2006/main" type="twoObjAndObj" preserve="1">
   <p:cSld name="Title, 2 Content and Content">
     <p:spTree>
       <p:nvGrpSpPr>
@@ -1916,11 +2076,12 @@
           </a:ln>
         </p:spPr>
         <p:txBody>
-          <a:bodyPr lIns="0" rIns="0" tIns="0" bIns="0" anchor="ctr">
+          <a:bodyPr lIns="0" tIns="0" rIns="0" bIns="0" anchor="ctr">
             <a:noAutofit/>
           </a:bodyPr>
-          <a:p>
-            <a:endParaRPr b="0" lang="pt-PT" sz="1800" spc="-1" strike="noStrike">
+          <a:lstStyle/>
+          <a:p>
+            <a:endParaRPr lang="pt-PT" sz="1800" b="0" strike="noStrike" spc="-1">
               <a:solidFill>
                 <a:srgbClr val="000000"/>
               </a:solidFill>
@@ -1953,9 +2114,10 @@
           </a:ln>
         </p:spPr>
         <p:txBody>
-          <a:bodyPr lIns="0" rIns="0" tIns="0" bIns="0" anchor="t">
+          <a:bodyPr lIns="0" tIns="0" rIns="0" bIns="0" anchor="t">
             <a:normAutofit/>
           </a:bodyPr>
+          <a:lstStyle/>
           <a:p>
             <a:pPr>
               <a:lnSpc>
@@ -1966,7 +2128,7 @@
               </a:spcBef>
               <a:buNone/>
             </a:pPr>
-            <a:endParaRPr b="0" lang="pt-PT" sz="2800" spc="-1" strike="noStrike">
+            <a:endParaRPr lang="pt-PT" sz="2800" b="0" strike="noStrike" spc="-1">
               <a:solidFill>
                 <a:srgbClr val="000000"/>
               </a:solidFill>
@@ -1999,9 +2161,10 @@
           </a:ln>
         </p:spPr>
         <p:txBody>
-          <a:bodyPr lIns="0" rIns="0" tIns="0" bIns="0" anchor="t">
+          <a:bodyPr lIns="0" tIns="0" rIns="0" bIns="0" anchor="t">
             <a:normAutofit/>
           </a:bodyPr>
+          <a:lstStyle/>
           <a:p>
             <a:pPr>
               <a:lnSpc>
@@ -2012,7 +2175,7 @@
               </a:spcBef>
               <a:buNone/>
             </a:pPr>
-            <a:endParaRPr b="0" lang="pt-PT" sz="2800" spc="-1" strike="noStrike">
+            <a:endParaRPr lang="pt-PT" sz="2800" b="0" strike="noStrike" spc="-1">
               <a:solidFill>
                 <a:srgbClr val="000000"/>
               </a:solidFill>
@@ -2045,9 +2208,10 @@
           </a:ln>
         </p:spPr>
         <p:txBody>
-          <a:bodyPr lIns="0" rIns="0" tIns="0" bIns="0" anchor="t">
+          <a:bodyPr lIns="0" tIns="0" rIns="0" bIns="0" anchor="t">
             <a:normAutofit/>
           </a:bodyPr>
+          <a:lstStyle/>
           <a:p>
             <a:pPr>
               <a:lnSpc>
@@ -2058,7 +2222,7 @@
               </a:spcBef>
               <a:buNone/>
             </a:pPr>
-            <a:endParaRPr b="0" lang="pt-PT" sz="2800" spc="-1" strike="noStrike">
+            <a:endParaRPr lang="pt-PT" sz="2800" b="0" strike="noStrike" spc="-1">
               <a:solidFill>
                 <a:srgbClr val="000000"/>
               </a:solidFill>
@@ -2080,6 +2244,7 @@
         <p:spPr/>
         <p:txBody>
           <a:bodyPr/>
+          <a:lstStyle/>
           <a:p>
             <a:r>
               <a:t>Footer</a:t>
@@ -2100,10 +2265,12 @@
         <p:spPr/>
         <p:txBody>
           <a:bodyPr/>
+          <a:lstStyle/>
           <a:p>
             <a:fld id="{186E5AD3-1748-42B8-88CA-CBEF39C19830}" type="slidenum">
-              <a:t>&lt;#&gt;</a:t>
+              <a:t>‹nº›</a:t>
             </a:fld>
+            <a:endParaRPr/>
           </a:p>
         </p:txBody>
       </p:sp>
@@ -2120,21 +2287,22 @@
         <p:spPr/>
         <p:txBody>
           <a:bodyPr/>
-          <a:p>
-            <a:r>
-              <a:rPr lang="en-US"/>
-              <a:t/>
-            </a:r>
+          <a:lstStyle/>
+          <a:p>
+            <a:endParaRPr/>
           </a:p>
         </p:txBody>
       </p:sp>
     </p:spTree>
   </p:cSld>
+  <p:clrMapOvr>
+    <a:masterClrMapping/>
+  </p:clrMapOvr>
 </p:sldLayout>
 </file>
 
 <file path=ppt/slideLayouts/slideLayout2.xml><?xml version="1.0" encoding="utf-8"?>
-<p:sldLayout xmlns:a="http://schemas.openxmlformats.org/drawingml/2006/main" xmlns:p="http://schemas.openxmlformats.org/presentationml/2006/main" xmlns:r="http://schemas.openxmlformats.org/officeDocument/2006/relationships" xmlns:p14="http://schemas.microsoft.com/office/powerpoint/2010/main" xmlns:p15="http://schemas.microsoft.com/office/powerpoint/2012/main" xmlns:mc="http://schemas.openxmlformats.org/markup-compatibility/2006" type="tx" preserve="1">
+<p:sldLayout xmlns:a="http://schemas.openxmlformats.org/drawingml/2006/main" xmlns:r="http://schemas.openxmlformats.org/officeDocument/2006/relationships" xmlns:p="http://schemas.openxmlformats.org/presentationml/2006/main" type="tx" preserve="1">
   <p:cSld name="Title Slide">
     <p:spTree>
       <p:nvGrpSpPr>
@@ -2174,11 +2342,12 @@
           </a:ln>
         </p:spPr>
         <p:txBody>
-          <a:bodyPr lIns="0" rIns="0" tIns="0" bIns="0" anchor="ctr">
+          <a:bodyPr lIns="0" tIns="0" rIns="0" bIns="0" anchor="ctr">
             <a:noAutofit/>
           </a:bodyPr>
-          <a:p>
-            <a:endParaRPr b="0" lang="pt-PT" sz="1800" spc="-1" strike="noStrike">
+          <a:lstStyle/>
+          <a:p>
+            <a:endParaRPr lang="pt-PT" sz="1800" b="0" strike="noStrike" spc="-1">
               <a:solidFill>
                 <a:srgbClr val="000000"/>
               </a:solidFill>
@@ -2211,14 +2380,15 @@
           </a:ln>
         </p:spPr>
         <p:txBody>
-          <a:bodyPr lIns="0" rIns="0" tIns="0" bIns="0" anchor="ctr">
+          <a:bodyPr lIns="0" tIns="0" rIns="0" bIns="0" anchor="ctr">
             <a:noAutofit/>
           </a:bodyPr>
+          <a:lstStyle/>
           <a:p>
             <a:pPr algn="ctr">
               <a:buNone/>
             </a:pPr>
-            <a:endParaRPr b="0" lang="en-US" sz="3200" spc="-1" strike="noStrike">
+            <a:endParaRPr lang="en-US" sz="3200" b="0" strike="noStrike" spc="-1">
               <a:latin typeface="Arial"/>
             </a:endParaRPr>
           </a:p>
@@ -2237,6 +2407,7 @@
         <p:spPr/>
         <p:txBody>
           <a:bodyPr/>
+          <a:lstStyle/>
           <a:p>
             <a:r>
               <a:t>Footer</a:t>
@@ -2246,7 +2417,7 @@
       </p:sp>
       <p:sp>
         <p:nvSpPr>
-          <p:cNvPr id="5" name="PlaceHolder 4"/>
+          <p:cNvPr id="2" name="PlaceHolder 4"/>
           <p:cNvSpPr>
             <a:spLocks noGrp="1"/>
           </p:cNvSpPr>
@@ -2257,16 +2428,18 @@
         <p:spPr/>
         <p:txBody>
           <a:bodyPr/>
+          <a:lstStyle/>
           <a:p>
             <a:fld id="{AB7FFBE4-BAF7-4439-A6F3-26EA129241A4}" type="slidenum">
-              <a:t>&lt;#&gt;</a:t>
+              <a:t>‹nº›</a:t>
             </a:fld>
-          </a:p>
-        </p:txBody>
-      </p:sp>
-      <p:sp>
-        <p:nvSpPr>
-          <p:cNvPr id="6" name="PlaceHolder 5"/>
+            <a:endParaRPr/>
+          </a:p>
+        </p:txBody>
+      </p:sp>
+      <p:sp>
+        <p:nvSpPr>
+          <p:cNvPr id="3" name="PlaceHolder 5"/>
           <p:cNvSpPr>
             <a:spLocks noGrp="1"/>
           </p:cNvSpPr>
@@ -2277,21 +2450,22 @@
         <p:spPr/>
         <p:txBody>
           <a:bodyPr/>
-          <a:p>
-            <a:r>
-              <a:rPr lang="en-US"/>
-              <a:t/>
-            </a:r>
+          <a:lstStyle/>
+          <a:p>
+            <a:endParaRPr/>
           </a:p>
         </p:txBody>
       </p:sp>
     </p:spTree>
   </p:cSld>
+  <p:clrMapOvr>
+    <a:masterClrMapping/>
+  </p:clrMapOvr>
 </p:sldLayout>
 </file>
 
 <file path=ppt/slideLayouts/slideLayout20.xml><?xml version="1.0" encoding="utf-8"?>
-<p:sldLayout xmlns:a="http://schemas.openxmlformats.org/drawingml/2006/main" xmlns:p="http://schemas.openxmlformats.org/presentationml/2006/main" xmlns:r="http://schemas.openxmlformats.org/officeDocument/2006/relationships" xmlns:p14="http://schemas.microsoft.com/office/powerpoint/2010/main" xmlns:p15="http://schemas.microsoft.com/office/powerpoint/2012/main" xmlns:mc="http://schemas.openxmlformats.org/markup-compatibility/2006" type="objAndTwoObj" preserve="1">
+<p:sldLayout xmlns:a="http://schemas.openxmlformats.org/drawingml/2006/main" xmlns:r="http://schemas.openxmlformats.org/officeDocument/2006/relationships" xmlns:p="http://schemas.openxmlformats.org/presentationml/2006/main" type="objAndTwoObj" preserve="1">
   <p:cSld name="Title Content and 2 Content">
     <p:spTree>
       <p:nvGrpSpPr>
@@ -2331,11 +2505,12 @@
           </a:ln>
         </p:spPr>
         <p:txBody>
-          <a:bodyPr lIns="0" rIns="0" tIns="0" bIns="0" anchor="ctr">
+          <a:bodyPr lIns="0" tIns="0" rIns="0" bIns="0" anchor="ctr">
             <a:noAutofit/>
           </a:bodyPr>
-          <a:p>
-            <a:endParaRPr b="0" lang="pt-PT" sz="1800" spc="-1" strike="noStrike">
+          <a:lstStyle/>
+          <a:p>
+            <a:endParaRPr lang="pt-PT" sz="1800" b="0" strike="noStrike" spc="-1">
               <a:solidFill>
                 <a:srgbClr val="000000"/>
               </a:solidFill>
@@ -2368,9 +2543,10 @@
           </a:ln>
         </p:spPr>
         <p:txBody>
-          <a:bodyPr lIns="0" rIns="0" tIns="0" bIns="0" anchor="t">
+          <a:bodyPr lIns="0" tIns="0" rIns="0" bIns="0" anchor="t">
             <a:normAutofit/>
           </a:bodyPr>
+          <a:lstStyle/>
           <a:p>
             <a:pPr>
               <a:lnSpc>
@@ -2381,7 +2557,7 @@
               </a:spcBef>
               <a:buNone/>
             </a:pPr>
-            <a:endParaRPr b="0" lang="pt-PT" sz="2800" spc="-1" strike="noStrike">
+            <a:endParaRPr lang="pt-PT" sz="2800" b="0" strike="noStrike" spc="-1">
               <a:solidFill>
                 <a:srgbClr val="000000"/>
               </a:solidFill>
@@ -2414,9 +2590,10 @@
           </a:ln>
         </p:spPr>
         <p:txBody>
-          <a:bodyPr lIns="0" rIns="0" tIns="0" bIns="0" anchor="t">
+          <a:bodyPr lIns="0" tIns="0" rIns="0" bIns="0" anchor="t">
             <a:normAutofit/>
           </a:bodyPr>
+          <a:lstStyle/>
           <a:p>
             <a:pPr>
               <a:lnSpc>
@@ -2427,7 +2604,7 @@
               </a:spcBef>
               <a:buNone/>
             </a:pPr>
-            <a:endParaRPr b="0" lang="pt-PT" sz="2800" spc="-1" strike="noStrike">
+            <a:endParaRPr lang="pt-PT" sz="2800" b="0" strike="noStrike" spc="-1">
               <a:solidFill>
                 <a:srgbClr val="000000"/>
               </a:solidFill>
@@ -2460,9 +2637,10 @@
           </a:ln>
         </p:spPr>
         <p:txBody>
-          <a:bodyPr lIns="0" rIns="0" tIns="0" bIns="0" anchor="t">
+          <a:bodyPr lIns="0" tIns="0" rIns="0" bIns="0" anchor="t">
             <a:normAutofit/>
           </a:bodyPr>
+          <a:lstStyle/>
           <a:p>
             <a:pPr>
               <a:lnSpc>
@@ -2473,7 +2651,7 @@
               </a:spcBef>
               <a:buNone/>
             </a:pPr>
-            <a:endParaRPr b="0" lang="pt-PT" sz="2800" spc="-1" strike="noStrike">
+            <a:endParaRPr lang="pt-PT" sz="2800" b="0" strike="noStrike" spc="-1">
               <a:solidFill>
                 <a:srgbClr val="000000"/>
               </a:solidFill>
@@ -2495,6 +2673,7 @@
         <p:spPr/>
         <p:txBody>
           <a:bodyPr/>
+          <a:lstStyle/>
           <a:p>
             <a:r>
               <a:t>Footer</a:t>
@@ -2515,10 +2694,12 @@
         <p:spPr/>
         <p:txBody>
           <a:bodyPr/>
+          <a:lstStyle/>
           <a:p>
             <a:fld id="{FAEDEA36-6030-4889-A274-33939842E258}" type="slidenum">
-              <a:t>&lt;#&gt;</a:t>
+              <a:t>‹nº›</a:t>
             </a:fld>
+            <a:endParaRPr/>
           </a:p>
         </p:txBody>
       </p:sp>
@@ -2535,21 +2716,22 @@
         <p:spPr/>
         <p:txBody>
           <a:bodyPr/>
-          <a:p>
-            <a:r>
-              <a:rPr lang="en-US"/>
-              <a:t/>
-            </a:r>
+          <a:lstStyle/>
+          <a:p>
+            <a:endParaRPr/>
           </a:p>
         </p:txBody>
       </p:sp>
     </p:spTree>
   </p:cSld>
+  <p:clrMapOvr>
+    <a:masterClrMapping/>
+  </p:clrMapOvr>
 </p:sldLayout>
 </file>
 
 <file path=ppt/slideLayouts/slideLayout21.xml><?xml version="1.0" encoding="utf-8"?>
-<p:sldLayout xmlns:a="http://schemas.openxmlformats.org/drawingml/2006/main" xmlns:p="http://schemas.openxmlformats.org/presentationml/2006/main" xmlns:r="http://schemas.openxmlformats.org/officeDocument/2006/relationships" xmlns:p14="http://schemas.microsoft.com/office/powerpoint/2010/main" xmlns:p15="http://schemas.microsoft.com/office/powerpoint/2012/main" xmlns:mc="http://schemas.openxmlformats.org/markup-compatibility/2006" type="twoObjOverTx" preserve="1">
+<p:sldLayout xmlns:a="http://schemas.openxmlformats.org/drawingml/2006/main" xmlns:r="http://schemas.openxmlformats.org/officeDocument/2006/relationships" xmlns:p="http://schemas.openxmlformats.org/presentationml/2006/main" type="twoObjOverTx" preserve="1">
   <p:cSld name="Title, 2 Content over Content">
     <p:spTree>
       <p:nvGrpSpPr>
@@ -2589,11 +2771,12 @@
           </a:ln>
         </p:spPr>
         <p:txBody>
-          <a:bodyPr lIns="0" rIns="0" tIns="0" bIns="0" anchor="ctr">
+          <a:bodyPr lIns="0" tIns="0" rIns="0" bIns="0" anchor="ctr">
             <a:noAutofit/>
           </a:bodyPr>
-          <a:p>
-            <a:endParaRPr b="0" lang="pt-PT" sz="1800" spc="-1" strike="noStrike">
+          <a:lstStyle/>
+          <a:p>
+            <a:endParaRPr lang="pt-PT" sz="1800" b="0" strike="noStrike" spc="-1">
               <a:solidFill>
                 <a:srgbClr val="000000"/>
               </a:solidFill>
@@ -2626,9 +2809,10 @@
           </a:ln>
         </p:spPr>
         <p:txBody>
-          <a:bodyPr lIns="0" rIns="0" tIns="0" bIns="0" anchor="t">
+          <a:bodyPr lIns="0" tIns="0" rIns="0" bIns="0" anchor="t">
             <a:normAutofit/>
           </a:bodyPr>
+          <a:lstStyle/>
           <a:p>
             <a:pPr>
               <a:lnSpc>
@@ -2639,7 +2823,7 @@
               </a:spcBef>
               <a:buNone/>
             </a:pPr>
-            <a:endParaRPr b="0" lang="pt-PT" sz="2800" spc="-1" strike="noStrike">
+            <a:endParaRPr lang="pt-PT" sz="2800" b="0" strike="noStrike" spc="-1">
               <a:solidFill>
                 <a:srgbClr val="000000"/>
               </a:solidFill>
@@ -2672,9 +2856,10 @@
           </a:ln>
         </p:spPr>
         <p:txBody>
-          <a:bodyPr lIns="0" rIns="0" tIns="0" bIns="0" anchor="t">
+          <a:bodyPr lIns="0" tIns="0" rIns="0" bIns="0" anchor="t">
             <a:normAutofit/>
           </a:bodyPr>
+          <a:lstStyle/>
           <a:p>
             <a:pPr>
               <a:lnSpc>
@@ -2685,7 +2870,7 @@
               </a:spcBef>
               <a:buNone/>
             </a:pPr>
-            <a:endParaRPr b="0" lang="pt-PT" sz="2800" spc="-1" strike="noStrike">
+            <a:endParaRPr lang="pt-PT" sz="2800" b="0" strike="noStrike" spc="-1">
               <a:solidFill>
                 <a:srgbClr val="000000"/>
               </a:solidFill>
@@ -2718,9 +2903,10 @@
           </a:ln>
         </p:spPr>
         <p:txBody>
-          <a:bodyPr lIns="0" rIns="0" tIns="0" bIns="0" anchor="t">
+          <a:bodyPr lIns="0" tIns="0" rIns="0" bIns="0" anchor="t">
             <a:normAutofit/>
           </a:bodyPr>
+          <a:lstStyle/>
           <a:p>
             <a:pPr>
               <a:lnSpc>
@@ -2731,7 +2917,7 @@
               </a:spcBef>
               <a:buNone/>
             </a:pPr>
-            <a:endParaRPr b="0" lang="pt-PT" sz="2800" spc="-1" strike="noStrike">
+            <a:endParaRPr lang="pt-PT" sz="2800" b="0" strike="noStrike" spc="-1">
               <a:solidFill>
                 <a:srgbClr val="000000"/>
               </a:solidFill>
@@ -2753,6 +2939,7 @@
         <p:spPr/>
         <p:txBody>
           <a:bodyPr/>
+          <a:lstStyle/>
           <a:p>
             <a:r>
               <a:t>Footer</a:t>
@@ -2773,10 +2960,12 @@
         <p:spPr/>
         <p:txBody>
           <a:bodyPr/>
+          <a:lstStyle/>
           <a:p>
             <a:fld id="{1B1FF07C-85FE-42DF-BEFE-0EB9C978423B}" type="slidenum">
-              <a:t>&lt;#&gt;</a:t>
+              <a:t>‹nº›</a:t>
             </a:fld>
+            <a:endParaRPr/>
           </a:p>
         </p:txBody>
       </p:sp>
@@ -2793,21 +2982,22 @@
         <p:spPr/>
         <p:txBody>
           <a:bodyPr/>
-          <a:p>
-            <a:r>
-              <a:rPr lang="en-US"/>
-              <a:t/>
-            </a:r>
+          <a:lstStyle/>
+          <a:p>
+            <a:endParaRPr/>
           </a:p>
         </p:txBody>
       </p:sp>
     </p:spTree>
   </p:cSld>
+  <p:clrMapOvr>
+    <a:masterClrMapping/>
+  </p:clrMapOvr>
 </p:sldLayout>
 </file>
 
 <file path=ppt/slideLayouts/slideLayout22.xml><?xml version="1.0" encoding="utf-8"?>
-<p:sldLayout xmlns:a="http://schemas.openxmlformats.org/drawingml/2006/main" xmlns:p="http://schemas.openxmlformats.org/presentationml/2006/main" xmlns:r="http://schemas.openxmlformats.org/officeDocument/2006/relationships" xmlns:p14="http://schemas.microsoft.com/office/powerpoint/2010/main" xmlns:p15="http://schemas.microsoft.com/office/powerpoint/2012/main" xmlns:mc="http://schemas.openxmlformats.org/markup-compatibility/2006" type="objOverTx" preserve="1">
+<p:sldLayout xmlns:a="http://schemas.openxmlformats.org/drawingml/2006/main" xmlns:r="http://schemas.openxmlformats.org/officeDocument/2006/relationships" xmlns:p="http://schemas.openxmlformats.org/presentationml/2006/main" type="objOverTx" preserve="1">
   <p:cSld name="Title, Content over Content">
     <p:spTree>
       <p:nvGrpSpPr>
@@ -2847,11 +3037,12 @@
           </a:ln>
         </p:spPr>
         <p:txBody>
-          <a:bodyPr lIns="0" rIns="0" tIns="0" bIns="0" anchor="ctr">
+          <a:bodyPr lIns="0" tIns="0" rIns="0" bIns="0" anchor="ctr">
             <a:noAutofit/>
           </a:bodyPr>
-          <a:p>
-            <a:endParaRPr b="0" lang="pt-PT" sz="1800" spc="-1" strike="noStrike">
+          <a:lstStyle/>
+          <a:p>
+            <a:endParaRPr lang="pt-PT" sz="1800" b="0" strike="noStrike" spc="-1">
               <a:solidFill>
                 <a:srgbClr val="000000"/>
               </a:solidFill>
@@ -2884,9 +3075,10 @@
           </a:ln>
         </p:spPr>
         <p:txBody>
-          <a:bodyPr lIns="0" rIns="0" tIns="0" bIns="0" anchor="t">
+          <a:bodyPr lIns="0" tIns="0" rIns="0" bIns="0" anchor="t">
             <a:normAutofit/>
           </a:bodyPr>
+          <a:lstStyle/>
           <a:p>
             <a:pPr>
               <a:lnSpc>
@@ -2897,7 +3089,7 @@
               </a:spcBef>
               <a:buNone/>
             </a:pPr>
-            <a:endParaRPr b="0" lang="pt-PT" sz="2800" spc="-1" strike="noStrike">
+            <a:endParaRPr lang="pt-PT" sz="2800" b="0" strike="noStrike" spc="-1">
               <a:solidFill>
                 <a:srgbClr val="000000"/>
               </a:solidFill>
@@ -2930,9 +3122,10 @@
           </a:ln>
         </p:spPr>
         <p:txBody>
-          <a:bodyPr lIns="0" rIns="0" tIns="0" bIns="0" anchor="t">
+          <a:bodyPr lIns="0" tIns="0" rIns="0" bIns="0" anchor="t">
             <a:normAutofit/>
           </a:bodyPr>
+          <a:lstStyle/>
           <a:p>
             <a:pPr>
               <a:lnSpc>
@@ -2943,7 +3136,7 @@
               </a:spcBef>
               <a:buNone/>
             </a:pPr>
-            <a:endParaRPr b="0" lang="pt-PT" sz="2800" spc="-1" strike="noStrike">
+            <a:endParaRPr lang="pt-PT" sz="2800" b="0" strike="noStrike" spc="-1">
               <a:solidFill>
                 <a:srgbClr val="000000"/>
               </a:solidFill>
@@ -2965,6 +3158,7 @@
         <p:spPr/>
         <p:txBody>
           <a:bodyPr/>
+          <a:lstStyle/>
           <a:p>
             <a:r>
               <a:t>Footer</a:t>
@@ -2985,10 +3179,12 @@
         <p:spPr/>
         <p:txBody>
           <a:bodyPr/>
+          <a:lstStyle/>
           <a:p>
             <a:fld id="{12AD9335-2D19-4EB1-87DD-022B4634F25F}" type="slidenum">
-              <a:t>&lt;#&gt;</a:t>
+              <a:t>‹nº›</a:t>
             </a:fld>
+            <a:endParaRPr/>
           </a:p>
         </p:txBody>
       </p:sp>
@@ -3005,21 +3201,22 @@
         <p:spPr/>
         <p:txBody>
           <a:bodyPr/>
-          <a:p>
-            <a:r>
-              <a:rPr lang="en-US"/>
-              <a:t/>
-            </a:r>
+          <a:lstStyle/>
+          <a:p>
+            <a:endParaRPr/>
           </a:p>
         </p:txBody>
       </p:sp>
     </p:spTree>
   </p:cSld>
+  <p:clrMapOvr>
+    <a:masterClrMapping/>
+  </p:clrMapOvr>
 </p:sldLayout>
 </file>
 
 <file path=ppt/slideLayouts/slideLayout23.xml><?xml version="1.0" encoding="utf-8"?>
-<p:sldLayout xmlns:a="http://schemas.openxmlformats.org/drawingml/2006/main" xmlns:p="http://schemas.openxmlformats.org/presentationml/2006/main" xmlns:r="http://schemas.openxmlformats.org/officeDocument/2006/relationships" xmlns:p14="http://schemas.microsoft.com/office/powerpoint/2010/main" xmlns:p15="http://schemas.microsoft.com/office/powerpoint/2012/main" xmlns:mc="http://schemas.openxmlformats.org/markup-compatibility/2006" type="fourObj" preserve="1">
+<p:sldLayout xmlns:a="http://schemas.openxmlformats.org/drawingml/2006/main" xmlns:r="http://schemas.openxmlformats.org/officeDocument/2006/relationships" xmlns:p="http://schemas.openxmlformats.org/presentationml/2006/main" type="fourObj" preserve="1">
   <p:cSld name="Title, 4 Content">
     <p:spTree>
       <p:nvGrpSpPr>
@@ -3059,11 +3256,12 @@
           </a:ln>
         </p:spPr>
         <p:txBody>
-          <a:bodyPr lIns="0" rIns="0" tIns="0" bIns="0" anchor="ctr">
+          <a:bodyPr lIns="0" tIns="0" rIns="0" bIns="0" anchor="ctr">
             <a:noAutofit/>
           </a:bodyPr>
-          <a:p>
-            <a:endParaRPr b="0" lang="pt-PT" sz="1800" spc="-1" strike="noStrike">
+          <a:lstStyle/>
+          <a:p>
+            <a:endParaRPr lang="pt-PT" sz="1800" b="0" strike="noStrike" spc="-1">
               <a:solidFill>
                 <a:srgbClr val="000000"/>
               </a:solidFill>
@@ -3096,9 +3294,10 @@
           </a:ln>
         </p:spPr>
         <p:txBody>
-          <a:bodyPr lIns="0" rIns="0" tIns="0" bIns="0" anchor="t">
+          <a:bodyPr lIns="0" tIns="0" rIns="0" bIns="0" anchor="t">
             <a:normAutofit/>
           </a:bodyPr>
+          <a:lstStyle/>
           <a:p>
             <a:pPr>
               <a:lnSpc>
@@ -3109,7 +3308,7 @@
               </a:spcBef>
               <a:buNone/>
             </a:pPr>
-            <a:endParaRPr b="0" lang="pt-PT" sz="2800" spc="-1" strike="noStrike">
+            <a:endParaRPr lang="pt-PT" sz="2800" b="0" strike="noStrike" spc="-1">
               <a:solidFill>
                 <a:srgbClr val="000000"/>
               </a:solidFill>
@@ -3142,9 +3341,10 @@
           </a:ln>
         </p:spPr>
         <p:txBody>
-          <a:bodyPr lIns="0" rIns="0" tIns="0" bIns="0" anchor="t">
+          <a:bodyPr lIns="0" tIns="0" rIns="0" bIns="0" anchor="t">
             <a:normAutofit/>
           </a:bodyPr>
+          <a:lstStyle/>
           <a:p>
             <a:pPr>
               <a:lnSpc>
@@ -3155,7 +3355,7 @@
               </a:spcBef>
               <a:buNone/>
             </a:pPr>
-            <a:endParaRPr b="0" lang="pt-PT" sz="2800" spc="-1" strike="noStrike">
+            <a:endParaRPr lang="pt-PT" sz="2800" b="0" strike="noStrike" spc="-1">
               <a:solidFill>
                 <a:srgbClr val="000000"/>
               </a:solidFill>
@@ -3188,9 +3388,10 @@
           </a:ln>
         </p:spPr>
         <p:txBody>
-          <a:bodyPr lIns="0" rIns="0" tIns="0" bIns="0" anchor="t">
+          <a:bodyPr lIns="0" tIns="0" rIns="0" bIns="0" anchor="t">
             <a:normAutofit/>
           </a:bodyPr>
+          <a:lstStyle/>
           <a:p>
             <a:pPr>
               <a:lnSpc>
@@ -3201,7 +3402,7 @@
               </a:spcBef>
               <a:buNone/>
             </a:pPr>
-            <a:endParaRPr b="0" lang="pt-PT" sz="2800" spc="-1" strike="noStrike">
+            <a:endParaRPr lang="pt-PT" sz="2800" b="0" strike="noStrike" spc="-1">
               <a:solidFill>
                 <a:srgbClr val="000000"/>
               </a:solidFill>
@@ -3234,9 +3435,10 @@
           </a:ln>
         </p:spPr>
         <p:txBody>
-          <a:bodyPr lIns="0" rIns="0" tIns="0" bIns="0" anchor="t">
+          <a:bodyPr lIns="0" tIns="0" rIns="0" bIns="0" anchor="t">
             <a:normAutofit/>
           </a:bodyPr>
+          <a:lstStyle/>
           <a:p>
             <a:pPr>
               <a:lnSpc>
@@ -3247,7 +3449,7 @@
               </a:spcBef>
               <a:buNone/>
             </a:pPr>
-            <a:endParaRPr b="0" lang="pt-PT" sz="2800" spc="-1" strike="noStrike">
+            <a:endParaRPr lang="pt-PT" sz="2800" b="0" strike="noStrike" spc="-1">
               <a:solidFill>
                 <a:srgbClr val="000000"/>
               </a:solidFill>
@@ -3269,6 +3471,7 @@
         <p:spPr/>
         <p:txBody>
           <a:bodyPr/>
+          <a:lstStyle/>
           <a:p>
             <a:r>
               <a:t>Footer</a:t>
@@ -3289,10 +3492,12 @@
         <p:spPr/>
         <p:txBody>
           <a:bodyPr/>
+          <a:lstStyle/>
           <a:p>
             <a:fld id="{8AD0C59B-4A4D-4C57-9C04-A106A54E1516}" type="slidenum">
-              <a:t>&lt;#&gt;</a:t>
+              <a:t>‹nº›</a:t>
             </a:fld>
+            <a:endParaRPr/>
           </a:p>
         </p:txBody>
       </p:sp>
@@ -3309,21 +3514,22 @@
         <p:spPr/>
         <p:txBody>
           <a:bodyPr/>
-          <a:p>
-            <a:r>
-              <a:rPr lang="en-US"/>
-              <a:t/>
-            </a:r>
+          <a:lstStyle/>
+          <a:p>
+            <a:endParaRPr/>
           </a:p>
         </p:txBody>
       </p:sp>
     </p:spTree>
   </p:cSld>
+  <p:clrMapOvr>
+    <a:masterClrMapping/>
+  </p:clrMapOvr>
 </p:sldLayout>
 </file>
 
 <file path=ppt/slideLayouts/slideLayout24.xml><?xml version="1.0" encoding="utf-8"?>
-<p:sldLayout xmlns:a="http://schemas.openxmlformats.org/drawingml/2006/main" xmlns:p="http://schemas.openxmlformats.org/presentationml/2006/main" xmlns:r="http://schemas.openxmlformats.org/officeDocument/2006/relationships" xmlns:p14="http://schemas.microsoft.com/office/powerpoint/2010/main" xmlns:p15="http://schemas.microsoft.com/office/powerpoint/2012/main" xmlns:mc="http://schemas.openxmlformats.org/markup-compatibility/2006" type="blank" preserve="1">
+<p:sldLayout xmlns:a="http://schemas.openxmlformats.org/drawingml/2006/main" xmlns:r="http://schemas.openxmlformats.org/officeDocument/2006/relationships" xmlns:p="http://schemas.openxmlformats.org/presentationml/2006/main" type="blank" preserve="1">
   <p:cSld name="Title, 6 Content">
     <p:spTree>
       <p:nvGrpSpPr>
@@ -3363,11 +3569,12 @@
           </a:ln>
         </p:spPr>
         <p:txBody>
-          <a:bodyPr lIns="0" rIns="0" tIns="0" bIns="0" anchor="ctr">
+          <a:bodyPr lIns="0" tIns="0" rIns="0" bIns="0" anchor="ctr">
             <a:noAutofit/>
           </a:bodyPr>
-          <a:p>
-            <a:endParaRPr b="0" lang="pt-PT" sz="1800" spc="-1" strike="noStrike">
+          <a:lstStyle/>
+          <a:p>
+            <a:endParaRPr lang="pt-PT" sz="1800" b="0" strike="noStrike" spc="-1">
               <a:solidFill>
                 <a:srgbClr val="000000"/>
               </a:solidFill>
@@ -3400,9 +3607,10 @@
           </a:ln>
         </p:spPr>
         <p:txBody>
-          <a:bodyPr lIns="0" rIns="0" tIns="0" bIns="0" anchor="t">
+          <a:bodyPr lIns="0" tIns="0" rIns="0" bIns="0" anchor="t">
             <a:normAutofit/>
           </a:bodyPr>
+          <a:lstStyle/>
           <a:p>
             <a:pPr>
               <a:lnSpc>
@@ -3413,7 +3621,7 @@
               </a:spcBef>
               <a:buNone/>
             </a:pPr>
-            <a:endParaRPr b="0" lang="pt-PT" sz="2800" spc="-1" strike="noStrike">
+            <a:endParaRPr lang="pt-PT" sz="2800" b="0" strike="noStrike" spc="-1">
               <a:solidFill>
                 <a:srgbClr val="000000"/>
               </a:solidFill>
@@ -3446,9 +3654,10 @@
           </a:ln>
         </p:spPr>
         <p:txBody>
-          <a:bodyPr lIns="0" rIns="0" tIns="0" bIns="0" anchor="t">
+          <a:bodyPr lIns="0" tIns="0" rIns="0" bIns="0" anchor="t">
             <a:normAutofit/>
           </a:bodyPr>
+          <a:lstStyle/>
           <a:p>
             <a:pPr>
               <a:lnSpc>
@@ -3459,7 +3668,7 @@
               </a:spcBef>
               <a:buNone/>
             </a:pPr>
-            <a:endParaRPr b="0" lang="pt-PT" sz="2800" spc="-1" strike="noStrike">
+            <a:endParaRPr lang="pt-PT" sz="2800" b="0" strike="noStrike" spc="-1">
               <a:solidFill>
                 <a:srgbClr val="000000"/>
               </a:solidFill>
@@ -3492,9 +3701,10 @@
           </a:ln>
         </p:spPr>
         <p:txBody>
-          <a:bodyPr lIns="0" rIns="0" tIns="0" bIns="0" anchor="t">
+          <a:bodyPr lIns="0" tIns="0" rIns="0" bIns="0" anchor="t">
             <a:normAutofit/>
           </a:bodyPr>
+          <a:lstStyle/>
           <a:p>
             <a:pPr>
               <a:lnSpc>
@@ -3505,7 +3715,7 @@
               </a:spcBef>
               <a:buNone/>
             </a:pPr>
-            <a:endParaRPr b="0" lang="pt-PT" sz="2800" spc="-1" strike="noStrike">
+            <a:endParaRPr lang="pt-PT" sz="2800" b="0" strike="noStrike" spc="-1">
               <a:solidFill>
                 <a:srgbClr val="000000"/>
               </a:solidFill>
@@ -3538,9 +3748,10 @@
           </a:ln>
         </p:spPr>
         <p:txBody>
-          <a:bodyPr lIns="0" rIns="0" tIns="0" bIns="0" anchor="t">
+          <a:bodyPr lIns="0" tIns="0" rIns="0" bIns="0" anchor="t">
             <a:normAutofit/>
           </a:bodyPr>
+          <a:lstStyle/>
           <a:p>
             <a:pPr>
               <a:lnSpc>
@@ -3551,7 +3762,7 @@
               </a:spcBef>
               <a:buNone/>
             </a:pPr>
-            <a:endParaRPr b="0" lang="pt-PT" sz="2800" spc="-1" strike="noStrike">
+            <a:endParaRPr lang="pt-PT" sz="2800" b="0" strike="noStrike" spc="-1">
               <a:solidFill>
                 <a:srgbClr val="000000"/>
               </a:solidFill>
@@ -3584,9 +3795,10 @@
           </a:ln>
         </p:spPr>
         <p:txBody>
-          <a:bodyPr lIns="0" rIns="0" tIns="0" bIns="0" anchor="t">
+          <a:bodyPr lIns="0" tIns="0" rIns="0" bIns="0" anchor="t">
             <a:normAutofit/>
           </a:bodyPr>
+          <a:lstStyle/>
           <a:p>
             <a:pPr>
               <a:lnSpc>
@@ -3597,7 +3809,7 @@
               </a:spcBef>
               <a:buNone/>
             </a:pPr>
-            <a:endParaRPr b="0" lang="pt-PT" sz="2800" spc="-1" strike="noStrike">
+            <a:endParaRPr lang="pt-PT" sz="2800" b="0" strike="noStrike" spc="-1">
               <a:solidFill>
                 <a:srgbClr val="000000"/>
               </a:solidFill>
@@ -3630,9 +3842,10 @@
           </a:ln>
         </p:spPr>
         <p:txBody>
-          <a:bodyPr lIns="0" rIns="0" tIns="0" bIns="0" anchor="t">
+          <a:bodyPr lIns="0" tIns="0" rIns="0" bIns="0" anchor="t">
             <a:normAutofit/>
           </a:bodyPr>
+          <a:lstStyle/>
           <a:p>
             <a:pPr>
               <a:lnSpc>
@@ -3643,7 +3856,7 @@
               </a:spcBef>
               <a:buNone/>
             </a:pPr>
-            <a:endParaRPr b="0" lang="pt-PT" sz="2800" spc="-1" strike="noStrike">
+            <a:endParaRPr lang="pt-PT" sz="2800" b="0" strike="noStrike" spc="-1">
               <a:solidFill>
                 <a:srgbClr val="000000"/>
               </a:solidFill>
@@ -3665,6 +3878,7 @@
         <p:spPr/>
         <p:txBody>
           <a:bodyPr/>
+          <a:lstStyle/>
           <a:p>
             <a:r>
               <a:t>Footer</a:t>
@@ -3685,10 +3899,12 @@
         <p:spPr/>
         <p:txBody>
           <a:bodyPr/>
+          <a:lstStyle/>
           <a:p>
             <a:fld id="{51474413-4A7A-486B-8293-FD374535B2D9}" type="slidenum">
-              <a:t>&lt;#&gt;</a:t>
+              <a:t>‹nº›</a:t>
             </a:fld>
+            <a:endParaRPr/>
           </a:p>
         </p:txBody>
       </p:sp>
@@ -3705,21 +3921,22 @@
         <p:spPr/>
         <p:txBody>
           <a:bodyPr/>
-          <a:p>
-            <a:r>
-              <a:rPr lang="en-US"/>
-              <a:t/>
-            </a:r>
+          <a:lstStyle/>
+          <a:p>
+            <a:endParaRPr/>
           </a:p>
         </p:txBody>
       </p:sp>
     </p:spTree>
   </p:cSld>
+  <p:clrMapOvr>
+    <a:masterClrMapping/>
+  </p:clrMapOvr>
 </p:sldLayout>
 </file>
 
 <file path=ppt/slideLayouts/slideLayout25.xml><?xml version="1.0" encoding="utf-8"?>
-<p:sldLayout xmlns:a="http://schemas.openxmlformats.org/drawingml/2006/main" xmlns:p="http://schemas.openxmlformats.org/presentationml/2006/main" xmlns:r="http://schemas.openxmlformats.org/officeDocument/2006/relationships" xmlns:p14="http://schemas.microsoft.com/office/powerpoint/2010/main" xmlns:p15="http://schemas.microsoft.com/office/powerpoint/2012/main" xmlns:mc="http://schemas.openxmlformats.org/markup-compatibility/2006" type="blank" preserve="1">
+<p:sldLayout xmlns:a="http://schemas.openxmlformats.org/drawingml/2006/main" xmlns:r="http://schemas.openxmlformats.org/officeDocument/2006/relationships" xmlns:p="http://schemas.openxmlformats.org/presentationml/2006/main" type="blank" preserve="1">
   <p:cSld name="Blank Slide">
     <p:spTree>
       <p:nvGrpSpPr>
@@ -3748,6 +3965,7 @@
         <p:spPr/>
         <p:txBody>
           <a:bodyPr/>
+          <a:lstStyle/>
           <a:p>
             <a:r>
               <a:t>Footer</a:t>
@@ -3768,10 +3986,12 @@
         <p:spPr/>
         <p:txBody>
           <a:bodyPr/>
+          <a:lstStyle/>
           <a:p>
             <a:fld id="{3E618C7A-9BD4-45AE-89A7-A6939189029D}" type="slidenum">
-              <a:t>&lt;#&gt;</a:t>
+              <a:t>‹nº›</a:t>
             </a:fld>
+            <a:endParaRPr/>
           </a:p>
         </p:txBody>
       </p:sp>
@@ -3788,21 +4008,22 @@
         <p:spPr/>
         <p:txBody>
           <a:bodyPr/>
-          <a:p>
-            <a:r>
-              <a:rPr lang="en-US"/>
-              <a:t/>
-            </a:r>
+          <a:lstStyle/>
+          <a:p>
+            <a:endParaRPr/>
           </a:p>
         </p:txBody>
       </p:sp>
     </p:spTree>
   </p:cSld>
+  <p:clrMapOvr>
+    <a:masterClrMapping/>
+  </p:clrMapOvr>
 </p:sldLayout>
 </file>
 
 <file path=ppt/slideLayouts/slideLayout26.xml><?xml version="1.0" encoding="utf-8"?>
-<p:sldLayout xmlns:a="http://schemas.openxmlformats.org/drawingml/2006/main" xmlns:p="http://schemas.openxmlformats.org/presentationml/2006/main" xmlns:r="http://schemas.openxmlformats.org/officeDocument/2006/relationships" xmlns:p14="http://schemas.microsoft.com/office/powerpoint/2010/main" xmlns:p15="http://schemas.microsoft.com/office/powerpoint/2012/main" xmlns:mc="http://schemas.openxmlformats.org/markup-compatibility/2006" type="tx" preserve="1">
+<p:sldLayout xmlns:a="http://schemas.openxmlformats.org/drawingml/2006/main" xmlns:r="http://schemas.openxmlformats.org/officeDocument/2006/relationships" xmlns:p="http://schemas.openxmlformats.org/presentationml/2006/main" type="tx" preserve="1">
   <p:cSld name="Title Slide">
     <p:spTree>
       <p:nvGrpSpPr>
@@ -3842,11 +4063,12 @@
           </a:ln>
         </p:spPr>
         <p:txBody>
-          <a:bodyPr lIns="0" rIns="0" tIns="0" bIns="0" anchor="ctr">
+          <a:bodyPr lIns="0" tIns="0" rIns="0" bIns="0" anchor="ctr">
             <a:noAutofit/>
           </a:bodyPr>
-          <a:p>
-            <a:endParaRPr b="0" lang="pt-PT" sz="1800" spc="-1" strike="noStrike">
+          <a:lstStyle/>
+          <a:p>
+            <a:endParaRPr lang="pt-PT" sz="1800" b="0" strike="noStrike" spc="-1">
               <a:solidFill>
                 <a:srgbClr val="000000"/>
               </a:solidFill>
@@ -3879,14 +4101,15 @@
           </a:ln>
         </p:spPr>
         <p:txBody>
-          <a:bodyPr lIns="0" rIns="0" tIns="0" bIns="0" anchor="ctr">
+          <a:bodyPr lIns="0" tIns="0" rIns="0" bIns="0" anchor="ctr">
             <a:noAutofit/>
           </a:bodyPr>
+          <a:lstStyle/>
           <a:p>
             <a:pPr algn="ctr">
               <a:buNone/>
             </a:pPr>
-            <a:endParaRPr b="0" lang="en-US" sz="3200" spc="-1" strike="noStrike">
+            <a:endParaRPr lang="en-US" sz="3200" b="0" strike="noStrike" spc="-1">
               <a:latin typeface="Arial"/>
             </a:endParaRPr>
           </a:p>
@@ -3905,6 +4128,7 @@
         <p:spPr/>
         <p:txBody>
           <a:bodyPr/>
+          <a:lstStyle/>
           <a:p>
             <a:r>
               <a:t>Footer</a:t>
@@ -3925,10 +4149,12 @@
         <p:spPr/>
         <p:txBody>
           <a:bodyPr/>
+          <a:lstStyle/>
           <a:p>
             <a:fld id="{9BE3480C-29D8-4B6D-A9C6-CA9E4BB7F318}" type="slidenum">
-              <a:t>&lt;#&gt;</a:t>
+              <a:t>‹nº›</a:t>
             </a:fld>
+            <a:endParaRPr/>
           </a:p>
         </p:txBody>
       </p:sp>
@@ -3945,21 +4171,22 @@
         <p:spPr/>
         <p:txBody>
           <a:bodyPr/>
-          <a:p>
-            <a:r>
-              <a:rPr lang="en-US"/>
-              <a:t/>
-            </a:r>
+          <a:lstStyle/>
+          <a:p>
+            <a:endParaRPr/>
           </a:p>
         </p:txBody>
       </p:sp>
     </p:spTree>
   </p:cSld>
+  <p:clrMapOvr>
+    <a:masterClrMapping/>
+  </p:clrMapOvr>
 </p:sldLayout>
 </file>
 
 <file path=ppt/slideLayouts/slideLayout27.xml><?xml version="1.0" encoding="utf-8"?>
-<p:sldLayout xmlns:a="http://schemas.openxmlformats.org/drawingml/2006/main" xmlns:p="http://schemas.openxmlformats.org/presentationml/2006/main" xmlns:r="http://schemas.openxmlformats.org/officeDocument/2006/relationships" xmlns:p14="http://schemas.microsoft.com/office/powerpoint/2010/main" xmlns:p15="http://schemas.microsoft.com/office/powerpoint/2012/main" xmlns:mc="http://schemas.openxmlformats.org/markup-compatibility/2006" type="obj" preserve="1">
+<p:sldLayout xmlns:a="http://schemas.openxmlformats.org/drawingml/2006/main" xmlns:r="http://schemas.openxmlformats.org/officeDocument/2006/relationships" xmlns:p="http://schemas.openxmlformats.org/presentationml/2006/main" type="obj" preserve="1">
   <p:cSld name="Title, Content">
     <p:spTree>
       <p:nvGrpSpPr>
@@ -3999,11 +4226,12 @@
           </a:ln>
         </p:spPr>
         <p:txBody>
-          <a:bodyPr lIns="0" rIns="0" tIns="0" bIns="0" anchor="ctr">
+          <a:bodyPr lIns="0" tIns="0" rIns="0" bIns="0" anchor="ctr">
             <a:noAutofit/>
           </a:bodyPr>
-          <a:p>
-            <a:endParaRPr b="0" lang="pt-PT" sz="1800" spc="-1" strike="noStrike">
+          <a:lstStyle/>
+          <a:p>
+            <a:endParaRPr lang="pt-PT" sz="1800" b="0" strike="noStrike" spc="-1">
               <a:solidFill>
                 <a:srgbClr val="000000"/>
               </a:solidFill>
@@ -4036,9 +4264,10 @@
           </a:ln>
         </p:spPr>
         <p:txBody>
-          <a:bodyPr lIns="0" rIns="0" tIns="0" bIns="0" anchor="t">
+          <a:bodyPr lIns="0" tIns="0" rIns="0" bIns="0" anchor="t">
             <a:normAutofit/>
           </a:bodyPr>
+          <a:lstStyle/>
           <a:p>
             <a:pPr>
               <a:lnSpc>
@@ -4049,7 +4278,7 @@
               </a:spcBef>
               <a:buNone/>
             </a:pPr>
-            <a:endParaRPr b="0" lang="pt-PT" sz="2800" spc="-1" strike="noStrike">
+            <a:endParaRPr lang="pt-PT" sz="2800" b="0" strike="noStrike" spc="-1">
               <a:solidFill>
                 <a:srgbClr val="000000"/>
               </a:solidFill>
@@ -4071,6 +4300,7 @@
         <p:spPr/>
         <p:txBody>
           <a:bodyPr/>
+          <a:lstStyle/>
           <a:p>
             <a:r>
               <a:t>Footer</a:t>
@@ -4091,10 +4321,12 @@
         <p:spPr/>
         <p:txBody>
           <a:bodyPr/>
+          <a:lstStyle/>
           <a:p>
             <a:fld id="{5889A064-C1C9-40F0-BA2B-1C4E3447631A}" type="slidenum">
-              <a:t>&lt;#&gt;</a:t>
+              <a:t>‹nº›</a:t>
             </a:fld>
+            <a:endParaRPr/>
           </a:p>
         </p:txBody>
       </p:sp>
@@ -4111,21 +4343,22 @@
         <p:spPr/>
         <p:txBody>
           <a:bodyPr/>
-          <a:p>
-            <a:r>
-              <a:rPr lang="en-US"/>
-              <a:t/>
-            </a:r>
+          <a:lstStyle/>
+          <a:p>
+            <a:endParaRPr/>
           </a:p>
         </p:txBody>
       </p:sp>
     </p:spTree>
   </p:cSld>
+  <p:clrMapOvr>
+    <a:masterClrMapping/>
+  </p:clrMapOvr>
 </p:sldLayout>
 </file>
 
 <file path=ppt/slideLayouts/slideLayout28.xml><?xml version="1.0" encoding="utf-8"?>
-<p:sldLayout xmlns:a="http://schemas.openxmlformats.org/drawingml/2006/main" xmlns:p="http://schemas.openxmlformats.org/presentationml/2006/main" xmlns:r="http://schemas.openxmlformats.org/officeDocument/2006/relationships" xmlns:p14="http://schemas.microsoft.com/office/powerpoint/2010/main" xmlns:p15="http://schemas.microsoft.com/office/powerpoint/2012/main" xmlns:mc="http://schemas.openxmlformats.org/markup-compatibility/2006" type="twoObj" preserve="1">
+<p:sldLayout xmlns:a="http://schemas.openxmlformats.org/drawingml/2006/main" xmlns:r="http://schemas.openxmlformats.org/officeDocument/2006/relationships" xmlns:p="http://schemas.openxmlformats.org/presentationml/2006/main" type="twoObj" preserve="1">
   <p:cSld name="Title, 2 Content">
     <p:spTree>
       <p:nvGrpSpPr>
@@ -4165,11 +4398,12 @@
           </a:ln>
         </p:spPr>
         <p:txBody>
-          <a:bodyPr lIns="0" rIns="0" tIns="0" bIns="0" anchor="ctr">
+          <a:bodyPr lIns="0" tIns="0" rIns="0" bIns="0" anchor="ctr">
             <a:noAutofit/>
           </a:bodyPr>
-          <a:p>
-            <a:endParaRPr b="0" lang="pt-PT" sz="1800" spc="-1" strike="noStrike">
+          <a:lstStyle/>
+          <a:p>
+            <a:endParaRPr lang="pt-PT" sz="1800" b="0" strike="noStrike" spc="-1">
               <a:solidFill>
                 <a:srgbClr val="000000"/>
               </a:solidFill>
@@ -4202,9 +4436,10 @@
           </a:ln>
         </p:spPr>
         <p:txBody>
-          <a:bodyPr lIns="0" rIns="0" tIns="0" bIns="0" anchor="t">
+          <a:bodyPr lIns="0" tIns="0" rIns="0" bIns="0" anchor="t">
             <a:normAutofit/>
           </a:bodyPr>
+          <a:lstStyle/>
           <a:p>
             <a:pPr>
               <a:lnSpc>
@@ -4215,7 +4450,7 @@
               </a:spcBef>
               <a:buNone/>
             </a:pPr>
-            <a:endParaRPr b="0" lang="pt-PT" sz="2800" spc="-1" strike="noStrike">
+            <a:endParaRPr lang="pt-PT" sz="2800" b="0" strike="noStrike" spc="-1">
               <a:solidFill>
                 <a:srgbClr val="000000"/>
               </a:solidFill>
@@ -4248,9 +4483,10 @@
           </a:ln>
         </p:spPr>
         <p:txBody>
-          <a:bodyPr lIns="0" rIns="0" tIns="0" bIns="0" anchor="t">
+          <a:bodyPr lIns="0" tIns="0" rIns="0" bIns="0" anchor="t">
             <a:normAutofit/>
           </a:bodyPr>
+          <a:lstStyle/>
           <a:p>
             <a:pPr>
               <a:lnSpc>
@@ -4261,7 +4497,7 @@
               </a:spcBef>
               <a:buNone/>
             </a:pPr>
-            <a:endParaRPr b="0" lang="pt-PT" sz="2800" spc="-1" strike="noStrike">
+            <a:endParaRPr lang="pt-PT" sz="2800" b="0" strike="noStrike" spc="-1">
               <a:solidFill>
                 <a:srgbClr val="000000"/>
               </a:solidFill>
@@ -4283,6 +4519,7 @@
         <p:spPr/>
         <p:txBody>
           <a:bodyPr/>
+          <a:lstStyle/>
           <a:p>
             <a:r>
               <a:t>Footer</a:t>
@@ -4303,10 +4540,12 @@
         <p:spPr/>
         <p:txBody>
           <a:bodyPr/>
+          <a:lstStyle/>
           <a:p>
             <a:fld id="{E34DC9E8-F933-4BCB-9D45-A367B193D51B}" type="slidenum">
-              <a:t>&lt;#&gt;</a:t>
+              <a:t>‹nº›</a:t>
             </a:fld>
+            <a:endParaRPr/>
           </a:p>
         </p:txBody>
       </p:sp>
@@ -4323,21 +4562,22 @@
         <p:spPr/>
         <p:txBody>
           <a:bodyPr/>
-          <a:p>
-            <a:r>
-              <a:rPr lang="en-US"/>
-              <a:t/>
-            </a:r>
+          <a:lstStyle/>
+          <a:p>
+            <a:endParaRPr/>
           </a:p>
         </p:txBody>
       </p:sp>
     </p:spTree>
   </p:cSld>
+  <p:clrMapOvr>
+    <a:masterClrMapping/>
+  </p:clrMapOvr>
 </p:sldLayout>
 </file>
 
 <file path=ppt/slideLayouts/slideLayout29.xml><?xml version="1.0" encoding="utf-8"?>
-<p:sldLayout xmlns:a="http://schemas.openxmlformats.org/drawingml/2006/main" xmlns:p="http://schemas.openxmlformats.org/presentationml/2006/main" xmlns:r="http://schemas.openxmlformats.org/officeDocument/2006/relationships" xmlns:p14="http://schemas.microsoft.com/office/powerpoint/2010/main" xmlns:p15="http://schemas.microsoft.com/office/powerpoint/2012/main" xmlns:mc="http://schemas.openxmlformats.org/markup-compatibility/2006" type="titleOnly" preserve="1">
+<p:sldLayout xmlns:a="http://schemas.openxmlformats.org/drawingml/2006/main" xmlns:r="http://schemas.openxmlformats.org/officeDocument/2006/relationships" xmlns:p="http://schemas.openxmlformats.org/presentationml/2006/main" type="titleOnly" preserve="1">
   <p:cSld name="Title Only">
     <p:spTree>
       <p:nvGrpSpPr>
@@ -4377,11 +4617,12 @@
           </a:ln>
         </p:spPr>
         <p:txBody>
-          <a:bodyPr lIns="0" rIns="0" tIns="0" bIns="0" anchor="ctr">
+          <a:bodyPr lIns="0" tIns="0" rIns="0" bIns="0" anchor="ctr">
             <a:noAutofit/>
           </a:bodyPr>
-          <a:p>
-            <a:endParaRPr b="0" lang="pt-PT" sz="1800" spc="-1" strike="noStrike">
+          <a:lstStyle/>
+          <a:p>
+            <a:endParaRPr lang="pt-PT" sz="1800" b="0" strike="noStrike" spc="-1">
               <a:solidFill>
                 <a:srgbClr val="000000"/>
               </a:solidFill>
@@ -4403,6 +4644,7 @@
         <p:spPr/>
         <p:txBody>
           <a:bodyPr/>
+          <a:lstStyle/>
           <a:p>
             <a:r>
               <a:t>Footer</a:t>
@@ -4423,10 +4665,12 @@
         <p:spPr/>
         <p:txBody>
           <a:bodyPr/>
+          <a:lstStyle/>
           <a:p>
             <a:fld id="{EC0227AC-C4F1-4C3D-A21D-C913D5EECBD1}" type="slidenum">
-              <a:t>&lt;#&gt;</a:t>
+              <a:t>‹nº›</a:t>
             </a:fld>
+            <a:endParaRPr/>
           </a:p>
         </p:txBody>
       </p:sp>
@@ -4443,21 +4687,22 @@
         <p:spPr/>
         <p:txBody>
           <a:bodyPr/>
-          <a:p>
-            <a:r>
-              <a:rPr lang="en-US"/>
-              <a:t/>
-            </a:r>
+          <a:lstStyle/>
+          <a:p>
+            <a:endParaRPr/>
           </a:p>
         </p:txBody>
       </p:sp>
     </p:spTree>
   </p:cSld>
+  <p:clrMapOvr>
+    <a:masterClrMapping/>
+  </p:clrMapOvr>
 </p:sldLayout>
 </file>
 
 <file path=ppt/slideLayouts/slideLayout3.xml><?xml version="1.0" encoding="utf-8"?>
-<p:sldLayout xmlns:a="http://schemas.openxmlformats.org/drawingml/2006/main" xmlns:p="http://schemas.openxmlformats.org/presentationml/2006/main" xmlns:r="http://schemas.openxmlformats.org/officeDocument/2006/relationships" xmlns:p14="http://schemas.microsoft.com/office/powerpoint/2010/main" xmlns:p15="http://schemas.microsoft.com/office/powerpoint/2012/main" xmlns:mc="http://schemas.openxmlformats.org/markup-compatibility/2006" type="obj" preserve="1">
+<p:sldLayout xmlns:a="http://schemas.openxmlformats.org/drawingml/2006/main" xmlns:r="http://schemas.openxmlformats.org/officeDocument/2006/relationships" xmlns:p="http://schemas.openxmlformats.org/presentationml/2006/main" type="obj" preserve="1">
   <p:cSld name="Title, Content">
     <p:spTree>
       <p:nvGrpSpPr>
@@ -4497,11 +4742,12 @@
           </a:ln>
         </p:spPr>
         <p:txBody>
-          <a:bodyPr lIns="0" rIns="0" tIns="0" bIns="0" anchor="ctr">
+          <a:bodyPr lIns="0" tIns="0" rIns="0" bIns="0" anchor="ctr">
             <a:noAutofit/>
           </a:bodyPr>
-          <a:p>
-            <a:endParaRPr b="0" lang="pt-PT" sz="1800" spc="-1" strike="noStrike">
+          <a:lstStyle/>
+          <a:p>
+            <a:endParaRPr lang="pt-PT" sz="1800" b="0" strike="noStrike" spc="-1">
               <a:solidFill>
                 <a:srgbClr val="000000"/>
               </a:solidFill>
@@ -4534,9 +4780,10 @@
           </a:ln>
         </p:spPr>
         <p:txBody>
-          <a:bodyPr lIns="0" rIns="0" tIns="0" bIns="0" anchor="t">
+          <a:bodyPr lIns="0" tIns="0" rIns="0" bIns="0" anchor="t">
             <a:normAutofit/>
           </a:bodyPr>
+          <a:lstStyle/>
           <a:p>
             <a:pPr>
               <a:lnSpc>
@@ -4547,7 +4794,7 @@
               </a:spcBef>
               <a:buNone/>
             </a:pPr>
-            <a:endParaRPr b="0" lang="pt-PT" sz="2800" spc="-1" strike="noStrike">
+            <a:endParaRPr lang="pt-PT" sz="2800" b="0" strike="noStrike" spc="-1">
               <a:solidFill>
                 <a:srgbClr val="000000"/>
               </a:solidFill>
@@ -4569,6 +4816,7 @@
         <p:spPr/>
         <p:txBody>
           <a:bodyPr/>
+          <a:lstStyle/>
           <a:p>
             <a:r>
               <a:t>Footer</a:t>
@@ -4589,10 +4837,12 @@
         <p:spPr/>
         <p:txBody>
           <a:bodyPr/>
+          <a:lstStyle/>
           <a:p>
             <a:fld id="{E38FDF03-4A7B-4956-A411-F713F75D1C6F}" type="slidenum">
-              <a:t>&lt;#&gt;</a:t>
+              <a:t>‹nº›</a:t>
             </a:fld>
+            <a:endParaRPr/>
           </a:p>
         </p:txBody>
       </p:sp>
@@ -4609,21 +4859,22 @@
         <p:spPr/>
         <p:txBody>
           <a:bodyPr/>
-          <a:p>
-            <a:r>
-              <a:rPr lang="en-US"/>
-              <a:t/>
-            </a:r>
+          <a:lstStyle/>
+          <a:p>
+            <a:endParaRPr/>
           </a:p>
         </p:txBody>
       </p:sp>
     </p:spTree>
   </p:cSld>
+  <p:clrMapOvr>
+    <a:masterClrMapping/>
+  </p:clrMapOvr>
 </p:sldLayout>
 </file>
 
 <file path=ppt/slideLayouts/slideLayout30.xml><?xml version="1.0" encoding="utf-8"?>
-<p:sldLayout xmlns:a="http://schemas.openxmlformats.org/drawingml/2006/main" xmlns:p="http://schemas.openxmlformats.org/presentationml/2006/main" xmlns:r="http://schemas.openxmlformats.org/officeDocument/2006/relationships" xmlns:p14="http://schemas.microsoft.com/office/powerpoint/2010/main" xmlns:p15="http://schemas.microsoft.com/office/powerpoint/2012/main" xmlns:mc="http://schemas.openxmlformats.org/markup-compatibility/2006" type="objOnly" preserve="1">
+<p:sldLayout xmlns:a="http://schemas.openxmlformats.org/drawingml/2006/main" xmlns:r="http://schemas.openxmlformats.org/officeDocument/2006/relationships" xmlns:p="http://schemas.openxmlformats.org/presentationml/2006/main" type="objOnly" preserve="1">
   <p:cSld name="Centered Text">
     <p:spTree>
       <p:nvGrpSpPr>
@@ -4663,14 +4914,15 @@
           </a:ln>
         </p:spPr>
         <p:txBody>
-          <a:bodyPr lIns="0" rIns="0" tIns="0" bIns="0" anchor="ctr">
+          <a:bodyPr lIns="0" tIns="0" rIns="0" bIns="0" anchor="ctr">
             <a:noAutofit/>
           </a:bodyPr>
+          <a:lstStyle/>
           <a:p>
             <a:pPr algn="ctr">
               <a:buNone/>
             </a:pPr>
-            <a:endParaRPr b="0" lang="en-US" sz="3200" spc="-1" strike="noStrike">
+            <a:endParaRPr lang="en-US" sz="3200" b="0" strike="noStrike" spc="-1">
               <a:latin typeface="Arial"/>
             </a:endParaRPr>
           </a:p>
@@ -4689,6 +4941,7 @@
         <p:spPr/>
         <p:txBody>
           <a:bodyPr/>
+          <a:lstStyle/>
           <a:p>
             <a:r>
               <a:t>Footer</a:t>
@@ -4709,10 +4962,12 @@
         <p:spPr/>
         <p:txBody>
           <a:bodyPr/>
+          <a:lstStyle/>
           <a:p>
             <a:fld id="{03E1B27D-AA9D-4941-8ACE-EC406AA0F7D2}" type="slidenum">
-              <a:t>&lt;#&gt;</a:t>
+              <a:t>‹nº›</a:t>
             </a:fld>
+            <a:endParaRPr/>
           </a:p>
         </p:txBody>
       </p:sp>
@@ -4729,21 +4984,22 @@
         <p:spPr/>
         <p:txBody>
           <a:bodyPr/>
-          <a:p>
-            <a:r>
-              <a:rPr lang="en-US"/>
-              <a:t/>
-            </a:r>
+          <a:lstStyle/>
+          <a:p>
+            <a:endParaRPr/>
           </a:p>
         </p:txBody>
       </p:sp>
     </p:spTree>
   </p:cSld>
+  <p:clrMapOvr>
+    <a:masterClrMapping/>
+  </p:clrMapOvr>
 </p:sldLayout>
 </file>
 
 <file path=ppt/slideLayouts/slideLayout31.xml><?xml version="1.0" encoding="utf-8"?>
-<p:sldLayout xmlns:a="http://schemas.openxmlformats.org/drawingml/2006/main" xmlns:p="http://schemas.openxmlformats.org/presentationml/2006/main" xmlns:r="http://schemas.openxmlformats.org/officeDocument/2006/relationships" xmlns:p14="http://schemas.microsoft.com/office/powerpoint/2010/main" xmlns:p15="http://schemas.microsoft.com/office/powerpoint/2012/main" xmlns:mc="http://schemas.openxmlformats.org/markup-compatibility/2006" type="twoObjAndObj" preserve="1">
+<p:sldLayout xmlns:a="http://schemas.openxmlformats.org/drawingml/2006/main" xmlns:r="http://schemas.openxmlformats.org/officeDocument/2006/relationships" xmlns:p="http://schemas.openxmlformats.org/presentationml/2006/main" type="twoObjAndObj" preserve="1">
   <p:cSld name="Title, 2 Content and Content">
     <p:spTree>
       <p:nvGrpSpPr>
@@ -4783,11 +5039,12 @@
           </a:ln>
         </p:spPr>
         <p:txBody>
-          <a:bodyPr lIns="0" rIns="0" tIns="0" bIns="0" anchor="ctr">
+          <a:bodyPr lIns="0" tIns="0" rIns="0" bIns="0" anchor="ctr">
             <a:noAutofit/>
           </a:bodyPr>
-          <a:p>
-            <a:endParaRPr b="0" lang="pt-PT" sz="1800" spc="-1" strike="noStrike">
+          <a:lstStyle/>
+          <a:p>
+            <a:endParaRPr lang="pt-PT" sz="1800" b="0" strike="noStrike" spc="-1">
               <a:solidFill>
                 <a:srgbClr val="000000"/>
               </a:solidFill>
@@ -4820,9 +5077,10 @@
           </a:ln>
         </p:spPr>
         <p:txBody>
-          <a:bodyPr lIns="0" rIns="0" tIns="0" bIns="0" anchor="t">
+          <a:bodyPr lIns="0" tIns="0" rIns="0" bIns="0" anchor="t">
             <a:normAutofit/>
           </a:bodyPr>
+          <a:lstStyle/>
           <a:p>
             <a:pPr>
               <a:lnSpc>
@@ -4833,7 +5091,7 @@
               </a:spcBef>
               <a:buNone/>
             </a:pPr>
-            <a:endParaRPr b="0" lang="pt-PT" sz="2800" spc="-1" strike="noStrike">
+            <a:endParaRPr lang="pt-PT" sz="2800" b="0" strike="noStrike" spc="-1">
               <a:solidFill>
                 <a:srgbClr val="000000"/>
               </a:solidFill>
@@ -4866,9 +5124,10 @@
           </a:ln>
         </p:spPr>
         <p:txBody>
-          <a:bodyPr lIns="0" rIns="0" tIns="0" bIns="0" anchor="t">
+          <a:bodyPr lIns="0" tIns="0" rIns="0" bIns="0" anchor="t">
             <a:normAutofit/>
           </a:bodyPr>
+          <a:lstStyle/>
           <a:p>
             <a:pPr>
               <a:lnSpc>
@@ -4879,7 +5138,7 @@
               </a:spcBef>
               <a:buNone/>
             </a:pPr>
-            <a:endParaRPr b="0" lang="pt-PT" sz="2800" spc="-1" strike="noStrike">
+            <a:endParaRPr lang="pt-PT" sz="2800" b="0" strike="noStrike" spc="-1">
               <a:solidFill>
                 <a:srgbClr val="000000"/>
               </a:solidFill>
@@ -4912,9 +5171,10 @@
           </a:ln>
         </p:spPr>
         <p:txBody>
-          <a:bodyPr lIns="0" rIns="0" tIns="0" bIns="0" anchor="t">
+          <a:bodyPr lIns="0" tIns="0" rIns="0" bIns="0" anchor="t">
             <a:normAutofit/>
           </a:bodyPr>
+          <a:lstStyle/>
           <a:p>
             <a:pPr>
               <a:lnSpc>
@@ -4925,7 +5185,7 @@
               </a:spcBef>
               <a:buNone/>
             </a:pPr>
-            <a:endParaRPr b="0" lang="pt-PT" sz="2800" spc="-1" strike="noStrike">
+            <a:endParaRPr lang="pt-PT" sz="2800" b="0" strike="noStrike" spc="-1">
               <a:solidFill>
                 <a:srgbClr val="000000"/>
               </a:solidFill>
@@ -4947,6 +5207,7 @@
         <p:spPr/>
         <p:txBody>
           <a:bodyPr/>
+          <a:lstStyle/>
           <a:p>
             <a:r>
               <a:t>Footer</a:t>
@@ -4967,10 +5228,12 @@
         <p:spPr/>
         <p:txBody>
           <a:bodyPr/>
+          <a:lstStyle/>
           <a:p>
             <a:fld id="{D3EAFEA3-601B-483A-9F3D-1C691BF71F0C}" type="slidenum">
-              <a:t>&lt;#&gt;</a:t>
+              <a:t>‹nº›</a:t>
             </a:fld>
+            <a:endParaRPr/>
           </a:p>
         </p:txBody>
       </p:sp>
@@ -4987,21 +5250,22 @@
         <p:spPr/>
         <p:txBody>
           <a:bodyPr/>
-          <a:p>
-            <a:r>
-              <a:rPr lang="en-US"/>
-              <a:t/>
-            </a:r>
+          <a:lstStyle/>
+          <a:p>
+            <a:endParaRPr/>
           </a:p>
         </p:txBody>
       </p:sp>
     </p:spTree>
   </p:cSld>
+  <p:clrMapOvr>
+    <a:masterClrMapping/>
+  </p:clrMapOvr>
 </p:sldLayout>
 </file>
 
 <file path=ppt/slideLayouts/slideLayout32.xml><?xml version="1.0" encoding="utf-8"?>
-<p:sldLayout xmlns:a="http://schemas.openxmlformats.org/drawingml/2006/main" xmlns:p="http://schemas.openxmlformats.org/presentationml/2006/main" xmlns:r="http://schemas.openxmlformats.org/officeDocument/2006/relationships" xmlns:p14="http://schemas.microsoft.com/office/powerpoint/2010/main" xmlns:p15="http://schemas.microsoft.com/office/powerpoint/2012/main" xmlns:mc="http://schemas.openxmlformats.org/markup-compatibility/2006" type="objAndTwoObj" preserve="1">
+<p:sldLayout xmlns:a="http://schemas.openxmlformats.org/drawingml/2006/main" xmlns:r="http://schemas.openxmlformats.org/officeDocument/2006/relationships" xmlns:p="http://schemas.openxmlformats.org/presentationml/2006/main" type="objAndTwoObj" preserve="1">
   <p:cSld name="Title Content and 2 Content">
     <p:spTree>
       <p:nvGrpSpPr>
@@ -5041,11 +5305,12 @@
           </a:ln>
         </p:spPr>
         <p:txBody>
-          <a:bodyPr lIns="0" rIns="0" tIns="0" bIns="0" anchor="ctr">
+          <a:bodyPr lIns="0" tIns="0" rIns="0" bIns="0" anchor="ctr">
             <a:noAutofit/>
           </a:bodyPr>
-          <a:p>
-            <a:endParaRPr b="0" lang="pt-PT" sz="1800" spc="-1" strike="noStrike">
+          <a:lstStyle/>
+          <a:p>
+            <a:endParaRPr lang="pt-PT" sz="1800" b="0" strike="noStrike" spc="-1">
               <a:solidFill>
                 <a:srgbClr val="000000"/>
               </a:solidFill>
@@ -5078,9 +5343,10 @@
           </a:ln>
         </p:spPr>
         <p:txBody>
-          <a:bodyPr lIns="0" rIns="0" tIns="0" bIns="0" anchor="t">
+          <a:bodyPr lIns="0" tIns="0" rIns="0" bIns="0" anchor="t">
             <a:normAutofit/>
           </a:bodyPr>
+          <a:lstStyle/>
           <a:p>
             <a:pPr>
               <a:lnSpc>
@@ -5091,7 +5357,7 @@
               </a:spcBef>
               <a:buNone/>
             </a:pPr>
-            <a:endParaRPr b="0" lang="pt-PT" sz="2800" spc="-1" strike="noStrike">
+            <a:endParaRPr lang="pt-PT" sz="2800" b="0" strike="noStrike" spc="-1">
               <a:solidFill>
                 <a:srgbClr val="000000"/>
               </a:solidFill>
@@ -5124,9 +5390,10 @@
           </a:ln>
         </p:spPr>
         <p:txBody>
-          <a:bodyPr lIns="0" rIns="0" tIns="0" bIns="0" anchor="t">
+          <a:bodyPr lIns="0" tIns="0" rIns="0" bIns="0" anchor="t">
             <a:normAutofit/>
           </a:bodyPr>
+          <a:lstStyle/>
           <a:p>
             <a:pPr>
               <a:lnSpc>
@@ -5137,7 +5404,7 @@
               </a:spcBef>
               <a:buNone/>
             </a:pPr>
-            <a:endParaRPr b="0" lang="pt-PT" sz="2800" spc="-1" strike="noStrike">
+            <a:endParaRPr lang="pt-PT" sz="2800" b="0" strike="noStrike" spc="-1">
               <a:solidFill>
                 <a:srgbClr val="000000"/>
               </a:solidFill>
@@ -5170,9 +5437,10 @@
           </a:ln>
         </p:spPr>
         <p:txBody>
-          <a:bodyPr lIns="0" rIns="0" tIns="0" bIns="0" anchor="t">
+          <a:bodyPr lIns="0" tIns="0" rIns="0" bIns="0" anchor="t">
             <a:normAutofit/>
           </a:bodyPr>
+          <a:lstStyle/>
           <a:p>
             <a:pPr>
               <a:lnSpc>
@@ -5183,7 +5451,7 @@
               </a:spcBef>
               <a:buNone/>
             </a:pPr>
-            <a:endParaRPr b="0" lang="pt-PT" sz="2800" spc="-1" strike="noStrike">
+            <a:endParaRPr lang="pt-PT" sz="2800" b="0" strike="noStrike" spc="-1">
               <a:solidFill>
                 <a:srgbClr val="000000"/>
               </a:solidFill>
@@ -5205,6 +5473,7 @@
         <p:spPr/>
         <p:txBody>
           <a:bodyPr/>
+          <a:lstStyle/>
           <a:p>
             <a:r>
               <a:t>Footer</a:t>
@@ -5225,10 +5494,12 @@
         <p:spPr/>
         <p:txBody>
           <a:bodyPr/>
+          <a:lstStyle/>
           <a:p>
             <a:fld id="{9A3F1B6B-1858-4E26-9EDA-141449DED2F6}" type="slidenum">
-              <a:t>&lt;#&gt;</a:t>
+              <a:t>‹nº›</a:t>
             </a:fld>
+            <a:endParaRPr/>
           </a:p>
         </p:txBody>
       </p:sp>
@@ -5245,21 +5516,22 @@
         <p:spPr/>
         <p:txBody>
           <a:bodyPr/>
-          <a:p>
-            <a:r>
-              <a:rPr lang="en-US"/>
-              <a:t/>
-            </a:r>
+          <a:lstStyle/>
+          <a:p>
+            <a:endParaRPr/>
           </a:p>
         </p:txBody>
       </p:sp>
     </p:spTree>
   </p:cSld>
+  <p:clrMapOvr>
+    <a:masterClrMapping/>
+  </p:clrMapOvr>
 </p:sldLayout>
 </file>
 
 <file path=ppt/slideLayouts/slideLayout33.xml><?xml version="1.0" encoding="utf-8"?>
-<p:sldLayout xmlns:a="http://schemas.openxmlformats.org/drawingml/2006/main" xmlns:p="http://schemas.openxmlformats.org/presentationml/2006/main" xmlns:r="http://schemas.openxmlformats.org/officeDocument/2006/relationships" xmlns:p14="http://schemas.microsoft.com/office/powerpoint/2010/main" xmlns:p15="http://schemas.microsoft.com/office/powerpoint/2012/main" xmlns:mc="http://schemas.openxmlformats.org/markup-compatibility/2006" type="twoObjOverTx" preserve="1">
+<p:sldLayout xmlns:a="http://schemas.openxmlformats.org/drawingml/2006/main" xmlns:r="http://schemas.openxmlformats.org/officeDocument/2006/relationships" xmlns:p="http://schemas.openxmlformats.org/presentationml/2006/main" type="twoObjOverTx" preserve="1">
   <p:cSld name="Title, 2 Content over Content">
     <p:spTree>
       <p:nvGrpSpPr>
@@ -5299,11 +5571,12 @@
           </a:ln>
         </p:spPr>
         <p:txBody>
-          <a:bodyPr lIns="0" rIns="0" tIns="0" bIns="0" anchor="ctr">
+          <a:bodyPr lIns="0" tIns="0" rIns="0" bIns="0" anchor="ctr">
             <a:noAutofit/>
           </a:bodyPr>
-          <a:p>
-            <a:endParaRPr b="0" lang="pt-PT" sz="1800" spc="-1" strike="noStrike">
+          <a:lstStyle/>
+          <a:p>
+            <a:endParaRPr lang="pt-PT" sz="1800" b="0" strike="noStrike" spc="-1">
               <a:solidFill>
                 <a:srgbClr val="000000"/>
               </a:solidFill>
@@ -5336,9 +5609,10 @@
           </a:ln>
         </p:spPr>
         <p:txBody>
-          <a:bodyPr lIns="0" rIns="0" tIns="0" bIns="0" anchor="t">
+          <a:bodyPr lIns="0" tIns="0" rIns="0" bIns="0" anchor="t">
             <a:normAutofit/>
           </a:bodyPr>
+          <a:lstStyle/>
           <a:p>
             <a:pPr>
               <a:lnSpc>
@@ -5349,7 +5623,7 @@
               </a:spcBef>
               <a:buNone/>
             </a:pPr>
-            <a:endParaRPr b="0" lang="pt-PT" sz="2800" spc="-1" strike="noStrike">
+            <a:endParaRPr lang="pt-PT" sz="2800" b="0" strike="noStrike" spc="-1">
               <a:solidFill>
                 <a:srgbClr val="000000"/>
               </a:solidFill>
@@ -5382,9 +5656,10 @@
           </a:ln>
         </p:spPr>
         <p:txBody>
-          <a:bodyPr lIns="0" rIns="0" tIns="0" bIns="0" anchor="t">
+          <a:bodyPr lIns="0" tIns="0" rIns="0" bIns="0" anchor="t">
             <a:normAutofit/>
           </a:bodyPr>
+          <a:lstStyle/>
           <a:p>
             <a:pPr>
               <a:lnSpc>
@@ -5395,7 +5670,7 @@
               </a:spcBef>
               <a:buNone/>
             </a:pPr>
-            <a:endParaRPr b="0" lang="pt-PT" sz="2800" spc="-1" strike="noStrike">
+            <a:endParaRPr lang="pt-PT" sz="2800" b="0" strike="noStrike" spc="-1">
               <a:solidFill>
                 <a:srgbClr val="000000"/>
               </a:solidFill>
@@ -5428,9 +5703,10 @@
           </a:ln>
         </p:spPr>
         <p:txBody>
-          <a:bodyPr lIns="0" rIns="0" tIns="0" bIns="0" anchor="t">
+          <a:bodyPr lIns="0" tIns="0" rIns="0" bIns="0" anchor="t">
             <a:normAutofit/>
           </a:bodyPr>
+          <a:lstStyle/>
           <a:p>
             <a:pPr>
               <a:lnSpc>
@@ -5441,7 +5717,7 @@
               </a:spcBef>
               <a:buNone/>
             </a:pPr>
-            <a:endParaRPr b="0" lang="pt-PT" sz="2800" spc="-1" strike="noStrike">
+            <a:endParaRPr lang="pt-PT" sz="2800" b="0" strike="noStrike" spc="-1">
               <a:solidFill>
                 <a:srgbClr val="000000"/>
               </a:solidFill>
@@ -5463,6 +5739,7 @@
         <p:spPr/>
         <p:txBody>
           <a:bodyPr/>
+          <a:lstStyle/>
           <a:p>
             <a:r>
               <a:t>Footer</a:t>
@@ -5483,10 +5760,12 @@
         <p:spPr/>
         <p:txBody>
           <a:bodyPr/>
+          <a:lstStyle/>
           <a:p>
             <a:fld id="{18F93394-553C-41D8-A6BE-9EB8C3F784AF}" type="slidenum">
-              <a:t>&lt;#&gt;</a:t>
+              <a:t>‹nº›</a:t>
             </a:fld>
+            <a:endParaRPr/>
           </a:p>
         </p:txBody>
       </p:sp>
@@ -5503,21 +5782,22 @@
         <p:spPr/>
         <p:txBody>
           <a:bodyPr/>
-          <a:p>
-            <a:r>
-              <a:rPr lang="en-US"/>
-              <a:t/>
-            </a:r>
+          <a:lstStyle/>
+          <a:p>
+            <a:endParaRPr/>
           </a:p>
         </p:txBody>
       </p:sp>
     </p:spTree>
   </p:cSld>
+  <p:clrMapOvr>
+    <a:masterClrMapping/>
+  </p:clrMapOvr>
 </p:sldLayout>
 </file>
 
 <file path=ppt/slideLayouts/slideLayout34.xml><?xml version="1.0" encoding="utf-8"?>
-<p:sldLayout xmlns:a="http://schemas.openxmlformats.org/drawingml/2006/main" xmlns:p="http://schemas.openxmlformats.org/presentationml/2006/main" xmlns:r="http://schemas.openxmlformats.org/officeDocument/2006/relationships" xmlns:p14="http://schemas.microsoft.com/office/powerpoint/2010/main" xmlns:p15="http://schemas.microsoft.com/office/powerpoint/2012/main" xmlns:mc="http://schemas.openxmlformats.org/markup-compatibility/2006" type="objOverTx" preserve="1">
+<p:sldLayout xmlns:a="http://schemas.openxmlformats.org/drawingml/2006/main" xmlns:r="http://schemas.openxmlformats.org/officeDocument/2006/relationships" xmlns:p="http://schemas.openxmlformats.org/presentationml/2006/main" type="objOverTx" preserve="1">
   <p:cSld name="Title, Content over Content">
     <p:spTree>
       <p:nvGrpSpPr>
@@ -5557,11 +5837,12 @@
           </a:ln>
         </p:spPr>
         <p:txBody>
-          <a:bodyPr lIns="0" rIns="0" tIns="0" bIns="0" anchor="ctr">
+          <a:bodyPr lIns="0" tIns="0" rIns="0" bIns="0" anchor="ctr">
             <a:noAutofit/>
           </a:bodyPr>
-          <a:p>
-            <a:endParaRPr b="0" lang="pt-PT" sz="1800" spc="-1" strike="noStrike">
+          <a:lstStyle/>
+          <a:p>
+            <a:endParaRPr lang="pt-PT" sz="1800" b="0" strike="noStrike" spc="-1">
               <a:solidFill>
                 <a:srgbClr val="000000"/>
               </a:solidFill>
@@ -5594,9 +5875,10 @@
           </a:ln>
         </p:spPr>
         <p:txBody>
-          <a:bodyPr lIns="0" rIns="0" tIns="0" bIns="0" anchor="t">
+          <a:bodyPr lIns="0" tIns="0" rIns="0" bIns="0" anchor="t">
             <a:normAutofit/>
           </a:bodyPr>
+          <a:lstStyle/>
           <a:p>
             <a:pPr>
               <a:lnSpc>
@@ -5607,7 +5889,7 @@
               </a:spcBef>
               <a:buNone/>
             </a:pPr>
-            <a:endParaRPr b="0" lang="pt-PT" sz="2800" spc="-1" strike="noStrike">
+            <a:endParaRPr lang="pt-PT" sz="2800" b="0" strike="noStrike" spc="-1">
               <a:solidFill>
                 <a:srgbClr val="000000"/>
               </a:solidFill>
@@ -5640,9 +5922,10 @@
           </a:ln>
         </p:spPr>
         <p:txBody>
-          <a:bodyPr lIns="0" rIns="0" tIns="0" bIns="0" anchor="t">
+          <a:bodyPr lIns="0" tIns="0" rIns="0" bIns="0" anchor="t">
             <a:normAutofit/>
           </a:bodyPr>
+          <a:lstStyle/>
           <a:p>
             <a:pPr>
               <a:lnSpc>
@@ -5653,7 +5936,7 @@
               </a:spcBef>
               <a:buNone/>
             </a:pPr>
-            <a:endParaRPr b="0" lang="pt-PT" sz="2800" spc="-1" strike="noStrike">
+            <a:endParaRPr lang="pt-PT" sz="2800" b="0" strike="noStrike" spc="-1">
               <a:solidFill>
                 <a:srgbClr val="000000"/>
               </a:solidFill>
@@ -5675,6 +5958,7 @@
         <p:spPr/>
         <p:txBody>
           <a:bodyPr/>
+          <a:lstStyle/>
           <a:p>
             <a:r>
               <a:t>Footer</a:t>
@@ -5695,10 +5979,12 @@
         <p:spPr/>
         <p:txBody>
           <a:bodyPr/>
+          <a:lstStyle/>
           <a:p>
             <a:fld id="{433D914F-2D42-470D-BC06-C9FC3CE833F5}" type="slidenum">
-              <a:t>&lt;#&gt;</a:t>
+              <a:t>‹nº›</a:t>
             </a:fld>
+            <a:endParaRPr/>
           </a:p>
         </p:txBody>
       </p:sp>
@@ -5715,21 +6001,22 @@
         <p:spPr/>
         <p:txBody>
           <a:bodyPr/>
-          <a:p>
-            <a:r>
-              <a:rPr lang="en-US"/>
-              <a:t/>
-            </a:r>
+          <a:lstStyle/>
+          <a:p>
+            <a:endParaRPr/>
           </a:p>
         </p:txBody>
       </p:sp>
     </p:spTree>
   </p:cSld>
+  <p:clrMapOvr>
+    <a:masterClrMapping/>
+  </p:clrMapOvr>
 </p:sldLayout>
 </file>
 
 <file path=ppt/slideLayouts/slideLayout35.xml><?xml version="1.0" encoding="utf-8"?>
-<p:sldLayout xmlns:a="http://schemas.openxmlformats.org/drawingml/2006/main" xmlns:p="http://schemas.openxmlformats.org/presentationml/2006/main" xmlns:r="http://schemas.openxmlformats.org/officeDocument/2006/relationships" xmlns:p14="http://schemas.microsoft.com/office/powerpoint/2010/main" xmlns:p15="http://schemas.microsoft.com/office/powerpoint/2012/main" xmlns:mc="http://schemas.openxmlformats.org/markup-compatibility/2006" type="fourObj" preserve="1">
+<p:sldLayout xmlns:a="http://schemas.openxmlformats.org/drawingml/2006/main" xmlns:r="http://schemas.openxmlformats.org/officeDocument/2006/relationships" xmlns:p="http://schemas.openxmlformats.org/presentationml/2006/main" type="fourObj" preserve="1">
   <p:cSld name="Title, 4 Content">
     <p:spTree>
       <p:nvGrpSpPr>
@@ -5769,11 +6056,12 @@
           </a:ln>
         </p:spPr>
         <p:txBody>
-          <a:bodyPr lIns="0" rIns="0" tIns="0" bIns="0" anchor="ctr">
+          <a:bodyPr lIns="0" tIns="0" rIns="0" bIns="0" anchor="ctr">
             <a:noAutofit/>
           </a:bodyPr>
-          <a:p>
-            <a:endParaRPr b="0" lang="pt-PT" sz="1800" spc="-1" strike="noStrike">
+          <a:lstStyle/>
+          <a:p>
+            <a:endParaRPr lang="pt-PT" sz="1800" b="0" strike="noStrike" spc="-1">
               <a:solidFill>
                 <a:srgbClr val="000000"/>
               </a:solidFill>
@@ -5806,9 +6094,10 @@
           </a:ln>
         </p:spPr>
         <p:txBody>
-          <a:bodyPr lIns="0" rIns="0" tIns="0" bIns="0" anchor="t">
+          <a:bodyPr lIns="0" tIns="0" rIns="0" bIns="0" anchor="t">
             <a:normAutofit/>
           </a:bodyPr>
+          <a:lstStyle/>
           <a:p>
             <a:pPr>
               <a:lnSpc>
@@ -5819,7 +6108,7 @@
               </a:spcBef>
               <a:buNone/>
             </a:pPr>
-            <a:endParaRPr b="0" lang="pt-PT" sz="2800" spc="-1" strike="noStrike">
+            <a:endParaRPr lang="pt-PT" sz="2800" b="0" strike="noStrike" spc="-1">
               <a:solidFill>
                 <a:srgbClr val="000000"/>
               </a:solidFill>
@@ -5852,9 +6141,10 @@
           </a:ln>
         </p:spPr>
         <p:txBody>
-          <a:bodyPr lIns="0" rIns="0" tIns="0" bIns="0" anchor="t">
+          <a:bodyPr lIns="0" tIns="0" rIns="0" bIns="0" anchor="t">
             <a:normAutofit/>
           </a:bodyPr>
+          <a:lstStyle/>
           <a:p>
             <a:pPr>
               <a:lnSpc>
@@ -5865,7 +6155,7 @@
               </a:spcBef>
               <a:buNone/>
             </a:pPr>
-            <a:endParaRPr b="0" lang="pt-PT" sz="2800" spc="-1" strike="noStrike">
+            <a:endParaRPr lang="pt-PT" sz="2800" b="0" strike="noStrike" spc="-1">
               <a:solidFill>
                 <a:srgbClr val="000000"/>
               </a:solidFill>
@@ -5898,9 +6188,10 @@
           </a:ln>
         </p:spPr>
         <p:txBody>
-          <a:bodyPr lIns="0" rIns="0" tIns="0" bIns="0" anchor="t">
+          <a:bodyPr lIns="0" tIns="0" rIns="0" bIns="0" anchor="t">
             <a:normAutofit/>
           </a:bodyPr>
+          <a:lstStyle/>
           <a:p>
             <a:pPr>
               <a:lnSpc>
@@ -5911,7 +6202,7 @@
               </a:spcBef>
               <a:buNone/>
             </a:pPr>
-            <a:endParaRPr b="0" lang="pt-PT" sz="2800" spc="-1" strike="noStrike">
+            <a:endParaRPr lang="pt-PT" sz="2800" b="0" strike="noStrike" spc="-1">
               <a:solidFill>
                 <a:srgbClr val="000000"/>
               </a:solidFill>
@@ -5944,9 +6235,10 @@
           </a:ln>
         </p:spPr>
         <p:txBody>
-          <a:bodyPr lIns="0" rIns="0" tIns="0" bIns="0" anchor="t">
+          <a:bodyPr lIns="0" tIns="0" rIns="0" bIns="0" anchor="t">
             <a:normAutofit/>
           </a:bodyPr>
+          <a:lstStyle/>
           <a:p>
             <a:pPr>
               <a:lnSpc>
@@ -5957,7 +6249,7 @@
               </a:spcBef>
               <a:buNone/>
             </a:pPr>
-            <a:endParaRPr b="0" lang="pt-PT" sz="2800" spc="-1" strike="noStrike">
+            <a:endParaRPr lang="pt-PT" sz="2800" b="0" strike="noStrike" spc="-1">
               <a:solidFill>
                 <a:srgbClr val="000000"/>
               </a:solidFill>
@@ -5979,6 +6271,7 @@
         <p:spPr/>
         <p:txBody>
           <a:bodyPr/>
+          <a:lstStyle/>
           <a:p>
             <a:r>
               <a:t>Footer</a:t>
@@ -5999,10 +6292,12 @@
         <p:spPr/>
         <p:txBody>
           <a:bodyPr/>
+          <a:lstStyle/>
           <a:p>
             <a:fld id="{1D43E4AF-1558-4317-A193-2BAFC68ECF42}" type="slidenum">
-              <a:t>&lt;#&gt;</a:t>
+              <a:t>‹nº›</a:t>
             </a:fld>
+            <a:endParaRPr/>
           </a:p>
         </p:txBody>
       </p:sp>
@@ -6019,21 +6314,22 @@
         <p:spPr/>
         <p:txBody>
           <a:bodyPr/>
-          <a:p>
-            <a:r>
-              <a:rPr lang="en-US"/>
-              <a:t/>
-            </a:r>
+          <a:lstStyle/>
+          <a:p>
+            <a:endParaRPr/>
           </a:p>
         </p:txBody>
       </p:sp>
     </p:spTree>
   </p:cSld>
+  <p:clrMapOvr>
+    <a:masterClrMapping/>
+  </p:clrMapOvr>
 </p:sldLayout>
 </file>
 
 <file path=ppt/slideLayouts/slideLayout36.xml><?xml version="1.0" encoding="utf-8"?>
-<p:sldLayout xmlns:a="http://schemas.openxmlformats.org/drawingml/2006/main" xmlns:p="http://schemas.openxmlformats.org/presentationml/2006/main" xmlns:r="http://schemas.openxmlformats.org/officeDocument/2006/relationships" xmlns:p14="http://schemas.microsoft.com/office/powerpoint/2010/main" xmlns:p15="http://schemas.microsoft.com/office/powerpoint/2012/main" xmlns:mc="http://schemas.openxmlformats.org/markup-compatibility/2006" type="blank" preserve="1">
+<p:sldLayout xmlns:a="http://schemas.openxmlformats.org/drawingml/2006/main" xmlns:r="http://schemas.openxmlformats.org/officeDocument/2006/relationships" xmlns:p="http://schemas.openxmlformats.org/presentationml/2006/main" type="blank" preserve="1">
   <p:cSld name="Title, 6 Content">
     <p:spTree>
       <p:nvGrpSpPr>
@@ -6073,11 +6369,12 @@
           </a:ln>
         </p:spPr>
         <p:txBody>
-          <a:bodyPr lIns="0" rIns="0" tIns="0" bIns="0" anchor="ctr">
+          <a:bodyPr lIns="0" tIns="0" rIns="0" bIns="0" anchor="ctr">
             <a:noAutofit/>
           </a:bodyPr>
-          <a:p>
-            <a:endParaRPr b="0" lang="pt-PT" sz="1800" spc="-1" strike="noStrike">
+          <a:lstStyle/>
+          <a:p>
+            <a:endParaRPr lang="pt-PT" sz="1800" b="0" strike="noStrike" spc="-1">
               <a:solidFill>
                 <a:srgbClr val="000000"/>
               </a:solidFill>
@@ -6110,9 +6407,10 @@
           </a:ln>
         </p:spPr>
         <p:txBody>
-          <a:bodyPr lIns="0" rIns="0" tIns="0" bIns="0" anchor="t">
+          <a:bodyPr lIns="0" tIns="0" rIns="0" bIns="0" anchor="t">
             <a:normAutofit/>
           </a:bodyPr>
+          <a:lstStyle/>
           <a:p>
             <a:pPr>
               <a:lnSpc>
@@ -6123,7 +6421,7 @@
               </a:spcBef>
               <a:buNone/>
             </a:pPr>
-            <a:endParaRPr b="0" lang="pt-PT" sz="2800" spc="-1" strike="noStrike">
+            <a:endParaRPr lang="pt-PT" sz="2800" b="0" strike="noStrike" spc="-1">
               <a:solidFill>
                 <a:srgbClr val="000000"/>
               </a:solidFill>
@@ -6156,9 +6454,10 @@
           </a:ln>
         </p:spPr>
         <p:txBody>
-          <a:bodyPr lIns="0" rIns="0" tIns="0" bIns="0" anchor="t">
+          <a:bodyPr lIns="0" tIns="0" rIns="0" bIns="0" anchor="t">
             <a:normAutofit/>
           </a:bodyPr>
+          <a:lstStyle/>
           <a:p>
             <a:pPr>
               <a:lnSpc>
@@ -6169,7 +6468,7 @@
               </a:spcBef>
               <a:buNone/>
             </a:pPr>
-            <a:endParaRPr b="0" lang="pt-PT" sz="2800" spc="-1" strike="noStrike">
+            <a:endParaRPr lang="pt-PT" sz="2800" b="0" strike="noStrike" spc="-1">
               <a:solidFill>
                 <a:srgbClr val="000000"/>
               </a:solidFill>
@@ -6202,9 +6501,10 @@
           </a:ln>
         </p:spPr>
         <p:txBody>
-          <a:bodyPr lIns="0" rIns="0" tIns="0" bIns="0" anchor="t">
+          <a:bodyPr lIns="0" tIns="0" rIns="0" bIns="0" anchor="t">
             <a:normAutofit/>
           </a:bodyPr>
+          <a:lstStyle/>
           <a:p>
             <a:pPr>
               <a:lnSpc>
@@ -6215,7 +6515,7 @@
               </a:spcBef>
               <a:buNone/>
             </a:pPr>
-            <a:endParaRPr b="0" lang="pt-PT" sz="2800" spc="-1" strike="noStrike">
+            <a:endParaRPr lang="pt-PT" sz="2800" b="0" strike="noStrike" spc="-1">
               <a:solidFill>
                 <a:srgbClr val="000000"/>
               </a:solidFill>
@@ -6248,9 +6548,10 @@
           </a:ln>
         </p:spPr>
         <p:txBody>
-          <a:bodyPr lIns="0" rIns="0" tIns="0" bIns="0" anchor="t">
+          <a:bodyPr lIns="0" tIns="0" rIns="0" bIns="0" anchor="t">
             <a:normAutofit/>
           </a:bodyPr>
+          <a:lstStyle/>
           <a:p>
             <a:pPr>
               <a:lnSpc>
@@ -6261,7 +6562,7 @@
               </a:spcBef>
               <a:buNone/>
             </a:pPr>
-            <a:endParaRPr b="0" lang="pt-PT" sz="2800" spc="-1" strike="noStrike">
+            <a:endParaRPr lang="pt-PT" sz="2800" b="0" strike="noStrike" spc="-1">
               <a:solidFill>
                 <a:srgbClr val="000000"/>
               </a:solidFill>
@@ -6294,9 +6595,10 @@
           </a:ln>
         </p:spPr>
         <p:txBody>
-          <a:bodyPr lIns="0" rIns="0" tIns="0" bIns="0" anchor="t">
+          <a:bodyPr lIns="0" tIns="0" rIns="0" bIns="0" anchor="t">
             <a:normAutofit/>
           </a:bodyPr>
+          <a:lstStyle/>
           <a:p>
             <a:pPr>
               <a:lnSpc>
@@ -6307,7 +6609,7 @@
               </a:spcBef>
               <a:buNone/>
             </a:pPr>
-            <a:endParaRPr b="0" lang="pt-PT" sz="2800" spc="-1" strike="noStrike">
+            <a:endParaRPr lang="pt-PT" sz="2800" b="0" strike="noStrike" spc="-1">
               <a:solidFill>
                 <a:srgbClr val="000000"/>
               </a:solidFill>
@@ -6340,9 +6642,10 @@
           </a:ln>
         </p:spPr>
         <p:txBody>
-          <a:bodyPr lIns="0" rIns="0" tIns="0" bIns="0" anchor="t">
+          <a:bodyPr lIns="0" tIns="0" rIns="0" bIns="0" anchor="t">
             <a:normAutofit/>
           </a:bodyPr>
+          <a:lstStyle/>
           <a:p>
             <a:pPr>
               <a:lnSpc>
@@ -6353,7 +6656,7 @@
               </a:spcBef>
               <a:buNone/>
             </a:pPr>
-            <a:endParaRPr b="0" lang="pt-PT" sz="2800" spc="-1" strike="noStrike">
+            <a:endParaRPr lang="pt-PT" sz="2800" b="0" strike="noStrike" spc="-1">
               <a:solidFill>
                 <a:srgbClr val="000000"/>
               </a:solidFill>
@@ -6375,6 +6678,7 @@
         <p:spPr/>
         <p:txBody>
           <a:bodyPr/>
+          <a:lstStyle/>
           <a:p>
             <a:r>
               <a:t>Footer</a:t>
@@ -6395,10 +6699,12 @@
         <p:spPr/>
         <p:txBody>
           <a:bodyPr/>
+          <a:lstStyle/>
           <a:p>
             <a:fld id="{C603A68B-C6CF-4A16-AC1E-13526778A2D4}" type="slidenum">
-              <a:t>&lt;#&gt;</a:t>
+              <a:t>‹nº›</a:t>
             </a:fld>
+            <a:endParaRPr/>
           </a:p>
         </p:txBody>
       </p:sp>
@@ -6415,21 +6721,22 @@
         <p:spPr/>
         <p:txBody>
           <a:bodyPr/>
-          <a:p>
-            <a:r>
-              <a:rPr lang="en-US"/>
-              <a:t/>
-            </a:r>
+          <a:lstStyle/>
+          <a:p>
+            <a:endParaRPr/>
           </a:p>
         </p:txBody>
       </p:sp>
     </p:spTree>
   </p:cSld>
+  <p:clrMapOvr>
+    <a:masterClrMapping/>
+  </p:clrMapOvr>
 </p:sldLayout>
 </file>
 
 <file path=ppt/slideLayouts/slideLayout4.xml><?xml version="1.0" encoding="utf-8"?>
-<p:sldLayout xmlns:a="http://schemas.openxmlformats.org/drawingml/2006/main" xmlns:p="http://schemas.openxmlformats.org/presentationml/2006/main" xmlns:r="http://schemas.openxmlformats.org/officeDocument/2006/relationships" xmlns:p14="http://schemas.microsoft.com/office/powerpoint/2010/main" xmlns:p15="http://schemas.microsoft.com/office/powerpoint/2012/main" xmlns:mc="http://schemas.openxmlformats.org/markup-compatibility/2006" type="twoObj" preserve="1">
+<p:sldLayout xmlns:a="http://schemas.openxmlformats.org/drawingml/2006/main" xmlns:r="http://schemas.openxmlformats.org/officeDocument/2006/relationships" xmlns:p="http://schemas.openxmlformats.org/presentationml/2006/main" type="twoObj" preserve="1">
   <p:cSld name="Title, 2 Content">
     <p:spTree>
       <p:nvGrpSpPr>
@@ -6469,11 +6776,12 @@
           </a:ln>
         </p:spPr>
         <p:txBody>
-          <a:bodyPr lIns="0" rIns="0" tIns="0" bIns="0" anchor="ctr">
+          <a:bodyPr lIns="0" tIns="0" rIns="0" bIns="0" anchor="ctr">
             <a:noAutofit/>
           </a:bodyPr>
-          <a:p>
-            <a:endParaRPr b="0" lang="pt-PT" sz="1800" spc="-1" strike="noStrike">
+          <a:lstStyle/>
+          <a:p>
+            <a:endParaRPr lang="pt-PT" sz="1800" b="0" strike="noStrike" spc="-1">
               <a:solidFill>
                 <a:srgbClr val="000000"/>
               </a:solidFill>
@@ -6506,9 +6814,10 @@
           </a:ln>
         </p:spPr>
         <p:txBody>
-          <a:bodyPr lIns="0" rIns="0" tIns="0" bIns="0" anchor="t">
+          <a:bodyPr lIns="0" tIns="0" rIns="0" bIns="0" anchor="t">
             <a:normAutofit/>
           </a:bodyPr>
+          <a:lstStyle/>
           <a:p>
             <a:pPr>
               <a:lnSpc>
@@ -6519,7 +6828,7 @@
               </a:spcBef>
               <a:buNone/>
             </a:pPr>
-            <a:endParaRPr b="0" lang="pt-PT" sz="2800" spc="-1" strike="noStrike">
+            <a:endParaRPr lang="pt-PT" sz="2800" b="0" strike="noStrike" spc="-1">
               <a:solidFill>
                 <a:srgbClr val="000000"/>
               </a:solidFill>
@@ -6552,9 +6861,10 @@
           </a:ln>
         </p:spPr>
         <p:txBody>
-          <a:bodyPr lIns="0" rIns="0" tIns="0" bIns="0" anchor="t">
+          <a:bodyPr lIns="0" tIns="0" rIns="0" bIns="0" anchor="t">
             <a:normAutofit/>
           </a:bodyPr>
+          <a:lstStyle/>
           <a:p>
             <a:pPr>
               <a:lnSpc>
@@ -6565,7 +6875,7 @@
               </a:spcBef>
               <a:buNone/>
             </a:pPr>
-            <a:endParaRPr b="0" lang="pt-PT" sz="2800" spc="-1" strike="noStrike">
+            <a:endParaRPr lang="pt-PT" sz="2800" b="0" strike="noStrike" spc="-1">
               <a:solidFill>
                 <a:srgbClr val="000000"/>
               </a:solidFill>
@@ -6587,6 +6897,7 @@
         <p:spPr/>
         <p:txBody>
           <a:bodyPr/>
+          <a:lstStyle/>
           <a:p>
             <a:r>
               <a:t>Footer</a:t>
@@ -6607,10 +6918,12 @@
         <p:spPr/>
         <p:txBody>
           <a:bodyPr/>
+          <a:lstStyle/>
           <a:p>
             <a:fld id="{249484FA-BB28-4967-9E65-B42EFB36CA03}" type="slidenum">
-              <a:t>&lt;#&gt;</a:t>
+              <a:t>‹nº›</a:t>
             </a:fld>
+            <a:endParaRPr/>
           </a:p>
         </p:txBody>
       </p:sp>
@@ -6627,21 +6940,22 @@
         <p:spPr/>
         <p:txBody>
           <a:bodyPr/>
-          <a:p>
-            <a:r>
-              <a:rPr lang="en-US"/>
-              <a:t/>
-            </a:r>
+          <a:lstStyle/>
+          <a:p>
+            <a:endParaRPr/>
           </a:p>
         </p:txBody>
       </p:sp>
     </p:spTree>
   </p:cSld>
+  <p:clrMapOvr>
+    <a:masterClrMapping/>
+  </p:clrMapOvr>
 </p:sldLayout>
 </file>
 
 <file path=ppt/slideLayouts/slideLayout5.xml><?xml version="1.0" encoding="utf-8"?>
-<p:sldLayout xmlns:a="http://schemas.openxmlformats.org/drawingml/2006/main" xmlns:p="http://schemas.openxmlformats.org/presentationml/2006/main" xmlns:r="http://schemas.openxmlformats.org/officeDocument/2006/relationships" xmlns:p14="http://schemas.microsoft.com/office/powerpoint/2010/main" xmlns:p15="http://schemas.microsoft.com/office/powerpoint/2012/main" xmlns:mc="http://schemas.openxmlformats.org/markup-compatibility/2006" type="titleOnly" preserve="1">
+<p:sldLayout xmlns:a="http://schemas.openxmlformats.org/drawingml/2006/main" xmlns:r="http://schemas.openxmlformats.org/officeDocument/2006/relationships" xmlns:p="http://schemas.openxmlformats.org/presentationml/2006/main" type="titleOnly" preserve="1">
   <p:cSld name="Title Only">
     <p:spTree>
       <p:nvGrpSpPr>
@@ -6681,11 +6995,12 @@
           </a:ln>
         </p:spPr>
         <p:txBody>
-          <a:bodyPr lIns="0" rIns="0" tIns="0" bIns="0" anchor="ctr">
+          <a:bodyPr lIns="0" tIns="0" rIns="0" bIns="0" anchor="ctr">
             <a:noAutofit/>
           </a:bodyPr>
-          <a:p>
-            <a:endParaRPr b="0" lang="pt-PT" sz="1800" spc="-1" strike="noStrike">
+          <a:lstStyle/>
+          <a:p>
+            <a:endParaRPr lang="pt-PT" sz="1800" b="0" strike="noStrike" spc="-1">
               <a:solidFill>
                 <a:srgbClr val="000000"/>
               </a:solidFill>
@@ -6707,6 +7022,7 @@
         <p:spPr/>
         <p:txBody>
           <a:bodyPr/>
+          <a:lstStyle/>
           <a:p>
             <a:r>
               <a:t>Footer</a:t>
@@ -6727,10 +7043,12 @@
         <p:spPr/>
         <p:txBody>
           <a:bodyPr/>
+          <a:lstStyle/>
           <a:p>
             <a:fld id="{CE7A6369-E089-49DB-9810-2E8B2C9D7741}" type="slidenum">
-              <a:t>&lt;#&gt;</a:t>
+              <a:t>‹nº›</a:t>
             </a:fld>
+            <a:endParaRPr/>
           </a:p>
         </p:txBody>
       </p:sp>
@@ -6747,21 +7065,22 @@
         <p:spPr/>
         <p:txBody>
           <a:bodyPr/>
-          <a:p>
-            <a:r>
-              <a:rPr lang="en-US"/>
-              <a:t/>
-            </a:r>
+          <a:lstStyle/>
+          <a:p>
+            <a:endParaRPr/>
           </a:p>
         </p:txBody>
       </p:sp>
     </p:spTree>
   </p:cSld>
+  <p:clrMapOvr>
+    <a:masterClrMapping/>
+  </p:clrMapOvr>
 </p:sldLayout>
 </file>
 
 <file path=ppt/slideLayouts/slideLayout6.xml><?xml version="1.0" encoding="utf-8"?>
-<p:sldLayout xmlns:a="http://schemas.openxmlformats.org/drawingml/2006/main" xmlns:p="http://schemas.openxmlformats.org/presentationml/2006/main" xmlns:r="http://schemas.openxmlformats.org/officeDocument/2006/relationships" xmlns:p14="http://schemas.microsoft.com/office/powerpoint/2010/main" xmlns:p15="http://schemas.microsoft.com/office/powerpoint/2012/main" xmlns:mc="http://schemas.openxmlformats.org/markup-compatibility/2006" type="objOnly" preserve="1">
+<p:sldLayout xmlns:a="http://schemas.openxmlformats.org/drawingml/2006/main" xmlns:r="http://schemas.openxmlformats.org/officeDocument/2006/relationships" xmlns:p="http://schemas.openxmlformats.org/presentationml/2006/main" type="objOnly" preserve="1">
   <p:cSld name="Centered Text">
     <p:spTree>
       <p:nvGrpSpPr>
@@ -6801,14 +7120,15 @@
           </a:ln>
         </p:spPr>
         <p:txBody>
-          <a:bodyPr lIns="0" rIns="0" tIns="0" bIns="0" anchor="ctr">
+          <a:bodyPr lIns="0" tIns="0" rIns="0" bIns="0" anchor="ctr">
             <a:noAutofit/>
           </a:bodyPr>
+          <a:lstStyle/>
           <a:p>
             <a:pPr algn="ctr">
               <a:buNone/>
             </a:pPr>
-            <a:endParaRPr b="0" lang="en-US" sz="3200" spc="-1" strike="noStrike">
+            <a:endParaRPr lang="en-US" sz="3200" b="0" strike="noStrike" spc="-1">
               <a:latin typeface="Arial"/>
             </a:endParaRPr>
           </a:p>
@@ -6827,6 +7147,7 @@
         <p:spPr/>
         <p:txBody>
           <a:bodyPr/>
+          <a:lstStyle/>
           <a:p>
             <a:r>
               <a:t>Footer</a:t>
@@ -6847,10 +7168,12 @@
         <p:spPr/>
         <p:txBody>
           <a:bodyPr/>
+          <a:lstStyle/>
           <a:p>
             <a:fld id="{E14CCA88-E2D5-4377-AAEE-9AB83F8A4A92}" type="slidenum">
-              <a:t>&lt;#&gt;</a:t>
+              <a:t>‹nº›</a:t>
             </a:fld>
+            <a:endParaRPr/>
           </a:p>
         </p:txBody>
       </p:sp>
@@ -6867,21 +7190,22 @@
         <p:spPr/>
         <p:txBody>
           <a:bodyPr/>
-          <a:p>
-            <a:r>
-              <a:rPr lang="en-US"/>
-              <a:t/>
-            </a:r>
+          <a:lstStyle/>
+          <a:p>
+            <a:endParaRPr/>
           </a:p>
         </p:txBody>
       </p:sp>
     </p:spTree>
   </p:cSld>
+  <p:clrMapOvr>
+    <a:masterClrMapping/>
+  </p:clrMapOvr>
 </p:sldLayout>
 </file>
 
 <file path=ppt/slideLayouts/slideLayout7.xml><?xml version="1.0" encoding="utf-8"?>
-<p:sldLayout xmlns:a="http://schemas.openxmlformats.org/drawingml/2006/main" xmlns:p="http://schemas.openxmlformats.org/presentationml/2006/main" xmlns:r="http://schemas.openxmlformats.org/officeDocument/2006/relationships" xmlns:p14="http://schemas.microsoft.com/office/powerpoint/2010/main" xmlns:p15="http://schemas.microsoft.com/office/powerpoint/2012/main" xmlns:mc="http://schemas.openxmlformats.org/markup-compatibility/2006" type="twoObjAndObj" preserve="1">
+<p:sldLayout xmlns:a="http://schemas.openxmlformats.org/drawingml/2006/main" xmlns:r="http://schemas.openxmlformats.org/officeDocument/2006/relationships" xmlns:p="http://schemas.openxmlformats.org/presentationml/2006/main" type="twoObjAndObj" preserve="1">
   <p:cSld name="Title, 2 Content and Content">
     <p:spTree>
       <p:nvGrpSpPr>
@@ -6921,11 +7245,12 @@
           </a:ln>
         </p:spPr>
         <p:txBody>
-          <a:bodyPr lIns="0" rIns="0" tIns="0" bIns="0" anchor="ctr">
+          <a:bodyPr lIns="0" tIns="0" rIns="0" bIns="0" anchor="ctr">
             <a:noAutofit/>
           </a:bodyPr>
-          <a:p>
-            <a:endParaRPr b="0" lang="pt-PT" sz="1800" spc="-1" strike="noStrike">
+          <a:lstStyle/>
+          <a:p>
+            <a:endParaRPr lang="pt-PT" sz="1800" b="0" strike="noStrike" spc="-1">
               <a:solidFill>
                 <a:srgbClr val="000000"/>
               </a:solidFill>
@@ -6958,9 +7283,10 @@
           </a:ln>
         </p:spPr>
         <p:txBody>
-          <a:bodyPr lIns="0" rIns="0" tIns="0" bIns="0" anchor="t">
+          <a:bodyPr lIns="0" tIns="0" rIns="0" bIns="0" anchor="t">
             <a:normAutofit/>
           </a:bodyPr>
+          <a:lstStyle/>
           <a:p>
             <a:pPr>
               <a:lnSpc>
@@ -6971,7 +7297,7 @@
               </a:spcBef>
               <a:buNone/>
             </a:pPr>
-            <a:endParaRPr b="0" lang="pt-PT" sz="2800" spc="-1" strike="noStrike">
+            <a:endParaRPr lang="pt-PT" sz="2800" b="0" strike="noStrike" spc="-1">
               <a:solidFill>
                 <a:srgbClr val="000000"/>
               </a:solidFill>
@@ -7004,9 +7330,10 @@
           </a:ln>
         </p:spPr>
         <p:txBody>
-          <a:bodyPr lIns="0" rIns="0" tIns="0" bIns="0" anchor="t">
+          <a:bodyPr lIns="0" tIns="0" rIns="0" bIns="0" anchor="t">
             <a:normAutofit/>
           </a:bodyPr>
+          <a:lstStyle/>
           <a:p>
             <a:pPr>
               <a:lnSpc>
@@ -7017,7 +7344,7 @@
               </a:spcBef>
               <a:buNone/>
             </a:pPr>
-            <a:endParaRPr b="0" lang="pt-PT" sz="2800" spc="-1" strike="noStrike">
+            <a:endParaRPr lang="pt-PT" sz="2800" b="0" strike="noStrike" spc="-1">
               <a:solidFill>
                 <a:srgbClr val="000000"/>
               </a:solidFill>
@@ -7050,9 +7377,10 @@
           </a:ln>
         </p:spPr>
         <p:txBody>
-          <a:bodyPr lIns="0" rIns="0" tIns="0" bIns="0" anchor="t">
+          <a:bodyPr lIns="0" tIns="0" rIns="0" bIns="0" anchor="t">
             <a:normAutofit/>
           </a:bodyPr>
+          <a:lstStyle/>
           <a:p>
             <a:pPr>
               <a:lnSpc>
@@ -7063,7 +7391,7 @@
               </a:spcBef>
               <a:buNone/>
             </a:pPr>
-            <a:endParaRPr b="0" lang="pt-PT" sz="2800" spc="-1" strike="noStrike">
+            <a:endParaRPr lang="pt-PT" sz="2800" b="0" strike="noStrike" spc="-1">
               <a:solidFill>
                 <a:srgbClr val="000000"/>
               </a:solidFill>
@@ -7085,6 +7413,7 @@
         <p:spPr/>
         <p:txBody>
           <a:bodyPr/>
+          <a:lstStyle/>
           <a:p>
             <a:r>
               <a:t>Footer</a:t>
@@ -7105,10 +7434,12 @@
         <p:spPr/>
         <p:txBody>
           <a:bodyPr/>
+          <a:lstStyle/>
           <a:p>
             <a:fld id="{19E726B0-57C6-4FF3-88D5-E1095473B592}" type="slidenum">
-              <a:t>&lt;#&gt;</a:t>
+              <a:t>‹nº›</a:t>
             </a:fld>
+            <a:endParaRPr/>
           </a:p>
         </p:txBody>
       </p:sp>
@@ -7125,21 +7456,22 @@
         <p:spPr/>
         <p:txBody>
           <a:bodyPr/>
-          <a:p>
-            <a:r>
-              <a:rPr lang="en-US"/>
-              <a:t/>
-            </a:r>
+          <a:lstStyle/>
+          <a:p>
+            <a:endParaRPr/>
           </a:p>
         </p:txBody>
       </p:sp>
     </p:spTree>
   </p:cSld>
+  <p:clrMapOvr>
+    <a:masterClrMapping/>
+  </p:clrMapOvr>
 </p:sldLayout>
 </file>
 
 <file path=ppt/slideLayouts/slideLayout8.xml><?xml version="1.0" encoding="utf-8"?>
-<p:sldLayout xmlns:a="http://schemas.openxmlformats.org/drawingml/2006/main" xmlns:p="http://schemas.openxmlformats.org/presentationml/2006/main" xmlns:r="http://schemas.openxmlformats.org/officeDocument/2006/relationships" xmlns:p14="http://schemas.microsoft.com/office/powerpoint/2010/main" xmlns:p15="http://schemas.microsoft.com/office/powerpoint/2012/main" xmlns:mc="http://schemas.openxmlformats.org/markup-compatibility/2006" type="objAndTwoObj" preserve="1">
+<p:sldLayout xmlns:a="http://schemas.openxmlformats.org/drawingml/2006/main" xmlns:r="http://schemas.openxmlformats.org/officeDocument/2006/relationships" xmlns:p="http://schemas.openxmlformats.org/presentationml/2006/main" type="objAndTwoObj" preserve="1">
   <p:cSld name="Title Content and 2 Content">
     <p:spTree>
       <p:nvGrpSpPr>
@@ -7179,11 +7511,12 @@
           </a:ln>
         </p:spPr>
         <p:txBody>
-          <a:bodyPr lIns="0" rIns="0" tIns="0" bIns="0" anchor="ctr">
+          <a:bodyPr lIns="0" tIns="0" rIns="0" bIns="0" anchor="ctr">
             <a:noAutofit/>
           </a:bodyPr>
-          <a:p>
-            <a:endParaRPr b="0" lang="pt-PT" sz="1800" spc="-1" strike="noStrike">
+          <a:lstStyle/>
+          <a:p>
+            <a:endParaRPr lang="pt-PT" sz="1800" b="0" strike="noStrike" spc="-1">
               <a:solidFill>
                 <a:srgbClr val="000000"/>
               </a:solidFill>
@@ -7216,9 +7549,10 @@
           </a:ln>
         </p:spPr>
         <p:txBody>
-          <a:bodyPr lIns="0" rIns="0" tIns="0" bIns="0" anchor="t">
+          <a:bodyPr lIns="0" tIns="0" rIns="0" bIns="0" anchor="t">
             <a:normAutofit/>
           </a:bodyPr>
+          <a:lstStyle/>
           <a:p>
             <a:pPr>
               <a:lnSpc>
@@ -7229,7 +7563,7 @@
               </a:spcBef>
               <a:buNone/>
             </a:pPr>
-            <a:endParaRPr b="0" lang="pt-PT" sz="2800" spc="-1" strike="noStrike">
+            <a:endParaRPr lang="pt-PT" sz="2800" b="0" strike="noStrike" spc="-1">
               <a:solidFill>
                 <a:srgbClr val="000000"/>
               </a:solidFill>
@@ -7262,9 +7596,10 @@
           </a:ln>
         </p:spPr>
         <p:txBody>
-          <a:bodyPr lIns="0" rIns="0" tIns="0" bIns="0" anchor="t">
+          <a:bodyPr lIns="0" tIns="0" rIns="0" bIns="0" anchor="t">
             <a:normAutofit/>
           </a:bodyPr>
+          <a:lstStyle/>
           <a:p>
             <a:pPr>
               <a:lnSpc>
@@ -7275,7 +7610,7 @@
               </a:spcBef>
               <a:buNone/>
             </a:pPr>
-            <a:endParaRPr b="0" lang="pt-PT" sz="2800" spc="-1" strike="noStrike">
+            <a:endParaRPr lang="pt-PT" sz="2800" b="0" strike="noStrike" spc="-1">
               <a:solidFill>
                 <a:srgbClr val="000000"/>
               </a:solidFill>
@@ -7308,9 +7643,10 @@
           </a:ln>
         </p:spPr>
         <p:txBody>
-          <a:bodyPr lIns="0" rIns="0" tIns="0" bIns="0" anchor="t">
+          <a:bodyPr lIns="0" tIns="0" rIns="0" bIns="0" anchor="t">
             <a:normAutofit/>
           </a:bodyPr>
+          <a:lstStyle/>
           <a:p>
             <a:pPr>
               <a:lnSpc>
@@ -7321,7 +7657,7 @@
               </a:spcBef>
               <a:buNone/>
             </a:pPr>
-            <a:endParaRPr b="0" lang="pt-PT" sz="2800" spc="-1" strike="noStrike">
+            <a:endParaRPr lang="pt-PT" sz="2800" b="0" strike="noStrike" spc="-1">
               <a:solidFill>
                 <a:srgbClr val="000000"/>
               </a:solidFill>
@@ -7343,6 +7679,7 @@
         <p:spPr/>
         <p:txBody>
           <a:bodyPr/>
+          <a:lstStyle/>
           <a:p>
             <a:r>
               <a:t>Footer</a:t>
@@ -7363,10 +7700,12 @@
         <p:spPr/>
         <p:txBody>
           <a:bodyPr/>
+          <a:lstStyle/>
           <a:p>
             <a:fld id="{56087BC6-5646-4EA5-8B8F-DA2514ECF86A}" type="slidenum">
-              <a:t>&lt;#&gt;</a:t>
+              <a:t>‹nº›</a:t>
             </a:fld>
+            <a:endParaRPr/>
           </a:p>
         </p:txBody>
       </p:sp>
@@ -7383,21 +7722,22 @@
         <p:spPr/>
         <p:txBody>
           <a:bodyPr/>
-          <a:p>
-            <a:r>
-              <a:rPr lang="en-US"/>
-              <a:t/>
-            </a:r>
+          <a:lstStyle/>
+          <a:p>
+            <a:endParaRPr/>
           </a:p>
         </p:txBody>
       </p:sp>
     </p:spTree>
   </p:cSld>
+  <p:clrMapOvr>
+    <a:masterClrMapping/>
+  </p:clrMapOvr>
 </p:sldLayout>
 </file>
 
 <file path=ppt/slideLayouts/slideLayout9.xml><?xml version="1.0" encoding="utf-8"?>
-<p:sldLayout xmlns:a="http://schemas.openxmlformats.org/drawingml/2006/main" xmlns:p="http://schemas.openxmlformats.org/presentationml/2006/main" xmlns:r="http://schemas.openxmlformats.org/officeDocument/2006/relationships" xmlns:p14="http://schemas.microsoft.com/office/powerpoint/2010/main" xmlns:p15="http://schemas.microsoft.com/office/powerpoint/2012/main" xmlns:mc="http://schemas.openxmlformats.org/markup-compatibility/2006" type="twoObjOverTx" preserve="1">
+<p:sldLayout xmlns:a="http://schemas.openxmlformats.org/drawingml/2006/main" xmlns:r="http://schemas.openxmlformats.org/officeDocument/2006/relationships" xmlns:p="http://schemas.openxmlformats.org/presentationml/2006/main" type="twoObjOverTx" preserve="1">
   <p:cSld name="Title, 2 Content over Content">
     <p:spTree>
       <p:nvGrpSpPr>
@@ -7437,11 +7777,12 @@
           </a:ln>
         </p:spPr>
         <p:txBody>
-          <a:bodyPr lIns="0" rIns="0" tIns="0" bIns="0" anchor="ctr">
+          <a:bodyPr lIns="0" tIns="0" rIns="0" bIns="0" anchor="ctr">
             <a:noAutofit/>
           </a:bodyPr>
-          <a:p>
-            <a:endParaRPr b="0" lang="pt-PT" sz="1800" spc="-1" strike="noStrike">
+          <a:lstStyle/>
+          <a:p>
+            <a:endParaRPr lang="pt-PT" sz="1800" b="0" strike="noStrike" spc="-1">
               <a:solidFill>
                 <a:srgbClr val="000000"/>
               </a:solidFill>
@@ -7474,9 +7815,10 @@
           </a:ln>
         </p:spPr>
         <p:txBody>
-          <a:bodyPr lIns="0" rIns="0" tIns="0" bIns="0" anchor="t">
+          <a:bodyPr lIns="0" tIns="0" rIns="0" bIns="0" anchor="t">
             <a:normAutofit/>
           </a:bodyPr>
+          <a:lstStyle/>
           <a:p>
             <a:pPr>
               <a:lnSpc>
@@ -7487,7 +7829,7 @@
               </a:spcBef>
               <a:buNone/>
             </a:pPr>
-            <a:endParaRPr b="0" lang="pt-PT" sz="2800" spc="-1" strike="noStrike">
+            <a:endParaRPr lang="pt-PT" sz="2800" b="0" strike="noStrike" spc="-1">
               <a:solidFill>
                 <a:srgbClr val="000000"/>
               </a:solidFill>
@@ -7520,9 +7862,10 @@
           </a:ln>
         </p:spPr>
         <p:txBody>
-          <a:bodyPr lIns="0" rIns="0" tIns="0" bIns="0" anchor="t">
+          <a:bodyPr lIns="0" tIns="0" rIns="0" bIns="0" anchor="t">
             <a:normAutofit/>
           </a:bodyPr>
+          <a:lstStyle/>
           <a:p>
             <a:pPr>
               <a:lnSpc>
@@ -7533,7 +7876,7 @@
               </a:spcBef>
               <a:buNone/>
             </a:pPr>
-            <a:endParaRPr b="0" lang="pt-PT" sz="2800" spc="-1" strike="noStrike">
+            <a:endParaRPr lang="pt-PT" sz="2800" b="0" strike="noStrike" spc="-1">
               <a:solidFill>
                 <a:srgbClr val="000000"/>
               </a:solidFill>
@@ -7566,9 +7909,10 @@
           </a:ln>
         </p:spPr>
         <p:txBody>
-          <a:bodyPr lIns="0" rIns="0" tIns="0" bIns="0" anchor="t">
+          <a:bodyPr lIns="0" tIns="0" rIns="0" bIns="0" anchor="t">
             <a:normAutofit/>
           </a:bodyPr>
+          <a:lstStyle/>
           <a:p>
             <a:pPr>
               <a:lnSpc>
@@ -7579,7 +7923,7 @@
               </a:spcBef>
               <a:buNone/>
             </a:pPr>
-            <a:endParaRPr b="0" lang="pt-PT" sz="2800" spc="-1" strike="noStrike">
+            <a:endParaRPr lang="pt-PT" sz="2800" b="0" strike="noStrike" spc="-1">
               <a:solidFill>
                 <a:srgbClr val="000000"/>
               </a:solidFill>
@@ -7601,6 +7945,7 @@
         <p:spPr/>
         <p:txBody>
           <a:bodyPr/>
+          <a:lstStyle/>
           <a:p>
             <a:r>
               <a:t>Footer</a:t>
@@ -7621,10 +7966,12 @@
         <p:spPr/>
         <p:txBody>
           <a:bodyPr/>
+          <a:lstStyle/>
           <a:p>
             <a:fld id="{731C41C0-8B29-47A8-9EC4-8B073676C1D7}" type="slidenum">
-              <a:t>&lt;#&gt;</a:t>
+              <a:t>‹nº›</a:t>
             </a:fld>
+            <a:endParaRPr/>
           </a:p>
         </p:txBody>
       </p:sp>
@@ -7641,27 +7988,29 @@
         <p:spPr/>
         <p:txBody>
           <a:bodyPr/>
-          <a:p>
-            <a:r>
-              <a:rPr lang="en-US"/>
-              <a:t/>
-            </a:r>
+          <a:lstStyle/>
+          <a:p>
+            <a:endParaRPr/>
           </a:p>
         </p:txBody>
       </p:sp>
     </p:spTree>
   </p:cSld>
+  <p:clrMapOvr>
+    <a:masterClrMapping/>
+  </p:clrMapOvr>
 </p:sldLayout>
 </file>
 
 <file path=ppt/slideMasters/slideMaster1.xml><?xml version="1.0" encoding="utf-8"?>
-<p:sldMaster xmlns:a="http://schemas.openxmlformats.org/drawingml/2006/main" xmlns:p="http://schemas.openxmlformats.org/presentationml/2006/main" xmlns:r="http://schemas.openxmlformats.org/officeDocument/2006/relationships" xmlns:p14="http://schemas.microsoft.com/office/powerpoint/2010/main" xmlns:p15="http://schemas.microsoft.com/office/powerpoint/2012/main" xmlns:mc="http://schemas.openxmlformats.org/markup-compatibility/2006">
+<p:sldMaster xmlns:a="http://schemas.openxmlformats.org/drawingml/2006/main" xmlns:r="http://schemas.openxmlformats.org/officeDocument/2006/relationships" xmlns:p="http://schemas.openxmlformats.org/presentationml/2006/main">
   <p:cSld>
     <p:bg>
       <p:bgPr>
         <a:solidFill>
-          <a:srgbClr val="ffffff"/>
+          <a:srgbClr val="FFFFFF"/>
         </a:solidFill>
+        <a:effectLst/>
       </p:bgPr>
     </p:bg>
     <p:spTree>
@@ -7680,7 +8029,7 @@
       </p:grpSpPr>
       <p:sp>
         <p:nvSpPr>
-          <p:cNvPr id="0" name="PlaceHolder 1"/>
+          <p:cNvPr id="5" name="PlaceHolder 1"/>
           <p:cNvSpPr>
             <a:spLocks noGrp="1"/>
           </p:cNvSpPr>
@@ -7705,6 +8054,7 @@
           <a:bodyPr anchor="b">
             <a:noAutofit/>
           </a:bodyPr>
+          <a:lstStyle/>
           <a:p>
             <a:pPr algn="ctr">
               <a:lnSpc>
@@ -7713,33 +8063,15 @@
               <a:buNone/>
             </a:pPr>
             <a:r>
-              <a:rPr b="0" lang="pt-PT" sz="6000" spc="-1" strike="noStrike">
+              <a:rPr lang="pt-PT" sz="6000" b="0" strike="noStrike" spc="-1">
                 <a:solidFill>
                   <a:srgbClr val="000000"/>
                 </a:solidFill>
                 <a:latin typeface="Calibri Light"/>
               </a:rPr>
-              <a:t>Clique para editar o </a:t>
-            </a:r>
-            <a:r>
-              <a:rPr b="0" lang="pt-PT" sz="6000" spc="-1" strike="noStrike">
-                <a:solidFill>
-                  <a:srgbClr val="000000"/>
-                </a:solidFill>
-                <a:latin typeface="Calibri Light"/>
-              </a:rPr>
-              <a:t>estilo de título do </a:t>
-            </a:r>
-            <a:r>
-              <a:rPr b="0" lang="pt-PT" sz="6000" spc="-1" strike="noStrike">
-                <a:solidFill>
-                  <a:srgbClr val="000000"/>
-                </a:solidFill>
-                <a:latin typeface="Calibri Light"/>
-              </a:rPr>
-              <a:t>Modelo Global</a:t>
-            </a:r>
-            <a:endParaRPr b="0" lang="pt-PT" sz="6000" spc="-1" strike="noStrike">
+              <a:t>Clique para editar o estilo de título do Modelo Global</a:t>
+            </a:r>
+            <a:endParaRPr lang="pt-PT" sz="6000" b="0" strike="noStrike" spc="-1">
               <a:solidFill>
                 <a:srgbClr val="000000"/>
               </a:solidFill>
@@ -7750,7 +8082,7 @@
       </p:sp>
       <p:sp>
         <p:nvSpPr>
-          <p:cNvPr id="1" name="PlaceHolder 2"/>
+          <p:cNvPr id="6" name="PlaceHolder 2"/>
           <p:cNvSpPr>
             <a:spLocks noGrp="1"/>
           </p:cNvSpPr>
@@ -7781,9 +8113,9 @@
                 <a:spcPct val="100000"/>
               </a:lnSpc>
               <a:buNone/>
-              <a:defRPr b="0" lang="pt-PT" sz="1200" spc="-1" strike="noStrike">
+              <a:defRPr lang="pt-PT" sz="1200" b="0" strike="noStrike" spc="-1">
                 <a:solidFill>
-                  <a:srgbClr val="8b8b8b"/>
+                  <a:srgbClr val="8B8B8B"/>
                 </a:solidFill>
                 <a:latin typeface="Calibri"/>
               </a:defRPr>
@@ -7797,15 +8129,15 @@
               <a:buNone/>
             </a:pPr>
             <a:r>
-              <a:rPr b="0" lang="pt-PT" sz="1200" spc="-1" strike="noStrike">
+              <a:rPr lang="pt-PT" sz="1200" b="0" strike="noStrike" spc="-1">
                 <a:solidFill>
-                  <a:srgbClr val="8b8b8b"/>
+                  <a:srgbClr val="8B8B8B"/>
                 </a:solidFill>
                 <a:latin typeface="Calibri"/>
               </a:rPr>
               <a:t> </a:t>
             </a:r>
-            <a:endParaRPr b="0" lang="en-US" sz="1200" spc="-1" strike="noStrike">
+            <a:endParaRPr lang="en-US" sz="1200" b="0" strike="noStrike" spc="-1">
               <a:latin typeface="Times New Roman"/>
             </a:endParaRPr>
           </a:p>
@@ -7841,7 +8173,7 @@
           <a:lstStyle>
             <a:lvl1pPr algn="ctr">
               <a:buNone/>
-              <a:defRPr b="0" lang="en-US" sz="1400" spc="-1" strike="noStrike">
+              <a:defRPr lang="en-US" sz="1400" b="0" strike="noStrike" spc="-1">
                 <a:latin typeface="Times New Roman"/>
               </a:defRPr>
             </a:lvl1pPr>
@@ -7851,14 +8183,11 @@
               <a:buNone/>
             </a:pPr>
             <a:r>
-              <a:rPr b="0" lang="en-US" sz="1400" spc="-1" strike="noStrike">
+              <a:rPr lang="en-US" sz="1400" b="0" strike="noStrike" spc="-1">
                 <a:latin typeface="Times New Roman"/>
               </a:rPr>
               <a:t> </a:t>
             </a:r>
-            <a:endParaRPr b="0" lang="en-US" sz="1400" spc="-1" strike="noStrike">
-              <a:latin typeface="Times New Roman"/>
-            </a:endParaRPr>
           </a:p>
         </p:txBody>
       </p:sp>
@@ -7895,9 +8224,9 @@
                 <a:spcPct val="100000"/>
               </a:lnSpc>
               <a:buNone/>
-              <a:defRPr b="0" lang="pt-PT" sz="1200" spc="-1" strike="noStrike">
+              <a:defRPr lang="pt-PT" sz="1200" b="0" strike="noStrike" spc="-1">
                 <a:solidFill>
-                  <a:srgbClr val="8b8b8b"/>
+                  <a:srgbClr val="8B8B8B"/>
                 </a:solidFill>
                 <a:latin typeface="Calibri"/>
               </a:defRPr>
@@ -7911,15 +8240,15 @@
               <a:buNone/>
             </a:pPr>
             <a:fld id="{046C8CA6-B8FB-4F27-804B-5E5733BC2C24}" type="slidenum">
-              <a:rPr b="0" lang="pt-PT" sz="1200" spc="-1" strike="noStrike">
+              <a:rPr lang="pt-PT" sz="1200" b="0" strike="noStrike" spc="-1">
                 <a:solidFill>
-                  <a:srgbClr val="8b8b8b"/>
+                  <a:srgbClr val="8B8B8B"/>
                 </a:solidFill>
                 <a:latin typeface="Calibri"/>
               </a:rPr>
-              <a:t>9</a:t>
+              <a:t>‹nº›</a:t>
             </a:fld>
-            <a:endParaRPr b="0" lang="en-US" sz="1200" spc="-1" strike="noStrike">
+            <a:endParaRPr lang="en-US" sz="1200" b="0" strike="noStrike" spc="-1">
               <a:latin typeface="Times New Roman"/>
             </a:endParaRPr>
           </a:p>
@@ -7949,9 +8278,10 @@
           </a:ln>
         </p:spPr>
         <p:txBody>
-          <a:bodyPr lIns="0" rIns="0" tIns="0" bIns="0" anchor="t">
+          <a:bodyPr lIns="0" tIns="0" rIns="0" bIns="0" anchor="t">
             <a:normAutofit/>
           </a:bodyPr>
+          <a:lstStyle/>
           <a:p>
             <a:pPr marL="432000" indent="-324000">
               <a:lnSpc>
@@ -7968,32 +8298,17 @@
               <a:buChar char=""/>
             </a:pPr>
             <a:r>
-              <a:rPr b="0" lang="pt-PT" sz="2800" spc="-1" strike="noStrike">
+              <a:rPr lang="pt-PT" sz="2800" b="0" strike="noStrike" spc="-1">
                 <a:solidFill>
                   <a:srgbClr val="000000"/>
                 </a:solidFill>
                 <a:latin typeface="Calibri"/>
               </a:rPr>
-              <a:t>Click to edit the outline </a:t>
-            </a:r>
-            <a:r>
-              <a:rPr b="0" lang="pt-PT" sz="2800" spc="-1" strike="noStrike">
-                <a:solidFill>
-                  <a:srgbClr val="000000"/>
-                </a:solidFill>
-                <a:latin typeface="Calibri"/>
-              </a:rPr>
-              <a:t>text format</a:t>
-            </a:r>
-            <a:endParaRPr b="0" lang="pt-PT" sz="2800" spc="-1" strike="noStrike">
-              <a:solidFill>
-                <a:srgbClr val="000000"/>
-              </a:solidFill>
-              <a:latin typeface="Calibri"/>
-            </a:endParaRPr>
-          </a:p>
-          <a:p>
-            <a:pPr lvl="1" marL="864000" indent="-324000">
+              <a:t>Click to edit the outline text format</a:t>
+            </a:r>
+          </a:p>
+          <a:p>
+            <a:pPr marL="864000" lvl="1" indent="-324000">
               <a:lnSpc>
                 <a:spcPct val="90000"/>
               </a:lnSpc>
@@ -8008,7 +8323,7 @@
               <a:buChar char=""/>
             </a:pPr>
             <a:r>
-              <a:rPr b="0" lang="pt-PT" sz="2000" spc="-1" strike="noStrike">
+              <a:rPr lang="pt-PT" sz="2000" b="0" strike="noStrike" spc="-1">
                 <a:solidFill>
                   <a:srgbClr val="000000"/>
                 </a:solidFill>
@@ -8016,15 +8331,9 @@
               </a:rPr>
               <a:t>Second Outline Level</a:t>
             </a:r>
-            <a:endParaRPr b="0" lang="pt-PT" sz="2000" spc="-1" strike="noStrike">
-              <a:solidFill>
-                <a:srgbClr val="000000"/>
-              </a:solidFill>
-              <a:latin typeface="Calibri"/>
-            </a:endParaRPr>
-          </a:p>
-          <a:p>
-            <a:pPr lvl="2" marL="1296000" indent="-288000">
+          </a:p>
+          <a:p>
+            <a:pPr marL="1296000" lvl="2" indent="-288000">
               <a:lnSpc>
                 <a:spcPct val="90000"/>
               </a:lnSpc>
@@ -8039,7 +8348,7 @@
               <a:buChar char=""/>
             </a:pPr>
             <a:r>
-              <a:rPr b="0" lang="pt-PT" sz="1800" spc="-1" strike="noStrike">
+              <a:rPr lang="pt-PT" sz="1800" b="0" strike="noStrike" spc="-1">
                 <a:solidFill>
                   <a:srgbClr val="000000"/>
                 </a:solidFill>
@@ -8047,15 +8356,9 @@
               </a:rPr>
               <a:t>Third Outline Level</a:t>
             </a:r>
-            <a:endParaRPr b="0" lang="pt-PT" sz="1800" spc="-1" strike="noStrike">
-              <a:solidFill>
-                <a:srgbClr val="000000"/>
-              </a:solidFill>
-              <a:latin typeface="Calibri"/>
-            </a:endParaRPr>
-          </a:p>
-          <a:p>
-            <a:pPr lvl="3" marL="1728000" indent="-216000">
+          </a:p>
+          <a:p>
+            <a:pPr marL="1728000" lvl="3" indent="-216000">
               <a:lnSpc>
                 <a:spcPct val="90000"/>
               </a:lnSpc>
@@ -8070,7 +8373,7 @@
               <a:buChar char=""/>
             </a:pPr>
             <a:r>
-              <a:rPr b="0" lang="pt-PT" sz="1800" spc="-1" strike="noStrike">
+              <a:rPr lang="pt-PT" sz="1800" b="0" strike="noStrike" spc="-1">
                 <a:solidFill>
                   <a:srgbClr val="000000"/>
                 </a:solidFill>
@@ -8078,15 +8381,9 @@
               </a:rPr>
               <a:t>Fourth Outline Level</a:t>
             </a:r>
-            <a:endParaRPr b="0" lang="pt-PT" sz="1800" spc="-1" strike="noStrike">
-              <a:solidFill>
-                <a:srgbClr val="000000"/>
-              </a:solidFill>
-              <a:latin typeface="Calibri"/>
-            </a:endParaRPr>
-          </a:p>
-          <a:p>
-            <a:pPr lvl="4" marL="2160000" indent="-216000">
+          </a:p>
+          <a:p>
+            <a:pPr marL="2160000" lvl="4" indent="-216000">
               <a:lnSpc>
                 <a:spcPct val="90000"/>
               </a:lnSpc>
@@ -8101,7 +8398,7 @@
               <a:buChar char=""/>
             </a:pPr>
             <a:r>
-              <a:rPr b="0" lang="pt-PT" sz="2000" spc="-1" strike="noStrike">
+              <a:rPr lang="pt-PT" sz="2000" b="0" strike="noStrike" spc="-1">
                 <a:solidFill>
                   <a:srgbClr val="000000"/>
                 </a:solidFill>
@@ -8109,15 +8406,9 @@
               </a:rPr>
               <a:t>Fifth Outline Level</a:t>
             </a:r>
-            <a:endParaRPr b="0" lang="pt-PT" sz="2000" spc="-1" strike="noStrike">
-              <a:solidFill>
-                <a:srgbClr val="000000"/>
-              </a:solidFill>
-              <a:latin typeface="Calibri"/>
-            </a:endParaRPr>
-          </a:p>
-          <a:p>
-            <a:pPr lvl="5" marL="2592000" indent="-216000">
+          </a:p>
+          <a:p>
+            <a:pPr marL="2592000" lvl="5" indent="-216000">
               <a:lnSpc>
                 <a:spcPct val="90000"/>
               </a:lnSpc>
@@ -8132,7 +8423,7 @@
               <a:buChar char=""/>
             </a:pPr>
             <a:r>
-              <a:rPr b="0" lang="pt-PT" sz="2000" spc="-1" strike="noStrike">
+              <a:rPr lang="pt-PT" sz="2000" b="0" strike="noStrike" spc="-1">
                 <a:solidFill>
                   <a:srgbClr val="000000"/>
                 </a:solidFill>
@@ -8140,15 +8431,9 @@
               </a:rPr>
               <a:t>Sixth Outline Level</a:t>
             </a:r>
-            <a:endParaRPr b="0" lang="pt-PT" sz="2000" spc="-1" strike="noStrike">
-              <a:solidFill>
-                <a:srgbClr val="000000"/>
-              </a:solidFill>
-              <a:latin typeface="Calibri"/>
-            </a:endParaRPr>
-          </a:p>
-          <a:p>
-            <a:pPr lvl="6" marL="3024000" indent="-216000">
+          </a:p>
+          <a:p>
+            <a:pPr marL="3024000" lvl="6" indent="-216000">
               <a:lnSpc>
                 <a:spcPct val="90000"/>
               </a:lnSpc>
@@ -8163,60 +8448,326 @@
               <a:buChar char=""/>
             </a:pPr>
             <a:r>
-              <a:rPr b="0" lang="pt-PT" sz="2000" spc="-1" strike="noStrike">
+              <a:rPr lang="pt-PT" sz="2000" b="0" strike="noStrike" spc="-1">
                 <a:solidFill>
                   <a:srgbClr val="000000"/>
                 </a:solidFill>
                 <a:latin typeface="Calibri"/>
               </a:rPr>
-              <a:t>Seventh </a:t>
-            </a:r>
-            <a:r>
-              <a:rPr b="0" lang="pt-PT" sz="2000" spc="-1" strike="noStrike">
-                <a:solidFill>
-                  <a:srgbClr val="000000"/>
-                </a:solidFill>
-                <a:latin typeface="Calibri"/>
-              </a:rPr>
-              <a:t>Outline Level</a:t>
-            </a:r>
-            <a:endParaRPr b="0" lang="pt-PT" sz="2000" spc="-1" strike="noStrike">
-              <a:solidFill>
-                <a:srgbClr val="000000"/>
-              </a:solidFill>
-              <a:latin typeface="Calibri"/>
-            </a:endParaRPr>
+              <a:t>Seventh Outline Level</a:t>
+            </a:r>
           </a:p>
         </p:txBody>
       </p:sp>
     </p:spTree>
   </p:cSld>
-  <p:clrMap bg1="lt1" bg2="lt2" tx1="dk1" tx2="dk2" accent1="accent1" accent2="accent2" accent3="accent3" accent4="accent4" accent5="accent5" accent6="accent6" hlink="hlink" folHlink="folHlink"/>
+  <p:clrMap bg1="lt1" tx1="dk1" bg2="lt2" tx2="dk2" accent1="accent1" accent2="accent2" accent3="accent3" accent4="accent4" accent5="accent5" accent6="accent6" hlink="hlink" folHlink="folHlink"/>
   <p:sldLayoutIdLst>
-    <p:sldLayoutId id="2147483649" r:id="rId2"/>
-    <p:sldLayoutId id="2147483650" r:id="rId3"/>
-    <p:sldLayoutId id="2147483651" r:id="rId4"/>
-    <p:sldLayoutId id="2147483652" r:id="rId5"/>
-    <p:sldLayoutId id="2147483653" r:id="rId6"/>
-    <p:sldLayoutId id="2147483654" r:id="rId7"/>
-    <p:sldLayoutId id="2147483655" r:id="rId8"/>
-    <p:sldLayoutId id="2147483656" r:id="rId9"/>
-    <p:sldLayoutId id="2147483657" r:id="rId10"/>
-    <p:sldLayoutId id="2147483658" r:id="rId11"/>
-    <p:sldLayoutId id="2147483659" r:id="rId12"/>
-    <p:sldLayoutId id="2147483660" r:id="rId13"/>
+    <p:sldLayoutId id="2147483649" r:id="rId1"/>
+    <p:sldLayoutId id="2147483650" r:id="rId2"/>
+    <p:sldLayoutId id="2147483651" r:id="rId3"/>
+    <p:sldLayoutId id="2147483652" r:id="rId4"/>
+    <p:sldLayoutId id="2147483653" r:id="rId5"/>
+    <p:sldLayoutId id="2147483654" r:id="rId6"/>
+    <p:sldLayoutId id="2147483655" r:id="rId7"/>
+    <p:sldLayoutId id="2147483656" r:id="rId8"/>
+    <p:sldLayoutId id="2147483657" r:id="rId9"/>
+    <p:sldLayoutId id="2147483658" r:id="rId10"/>
+    <p:sldLayoutId id="2147483659" r:id="rId11"/>
+    <p:sldLayoutId id="2147483660" r:id="rId12"/>
   </p:sldLayoutIdLst>
+  <p:txStyles>
+    <p:titleStyle>
+      <a:lvl1pPr algn="l" defTabSz="914400" rtl="0" eaLnBrk="1" latinLnBrk="0" hangingPunct="1">
+        <a:lnSpc>
+          <a:spcPct val="90000"/>
+        </a:lnSpc>
+        <a:spcBef>
+          <a:spcPct val="0"/>
+        </a:spcBef>
+        <a:buNone/>
+        <a:defRPr sz="4400" kern="1200">
+          <a:solidFill>
+            <a:schemeClr val="tx1"/>
+          </a:solidFill>
+          <a:latin typeface="+mj-lt"/>
+          <a:ea typeface="+mj-ea"/>
+          <a:cs typeface="+mj-cs"/>
+        </a:defRPr>
+      </a:lvl1pPr>
+    </p:titleStyle>
+    <p:bodyStyle>
+      <a:lvl1pPr marL="228600" indent="-228600" algn="l" defTabSz="914400" rtl="0" eaLnBrk="1" latinLnBrk="0" hangingPunct="1">
+        <a:lnSpc>
+          <a:spcPct val="90000"/>
+        </a:lnSpc>
+        <a:spcBef>
+          <a:spcPts val="1000"/>
+        </a:spcBef>
+        <a:buFont typeface="Arial" panose="020B0604020202020204" pitchFamily="34" charset="0"/>
+        <a:buChar char="•"/>
+        <a:defRPr sz="2800" kern="1200">
+          <a:solidFill>
+            <a:schemeClr val="tx1"/>
+          </a:solidFill>
+          <a:latin typeface="+mn-lt"/>
+          <a:ea typeface="+mn-ea"/>
+          <a:cs typeface="+mn-cs"/>
+        </a:defRPr>
+      </a:lvl1pPr>
+      <a:lvl2pPr marL="685800" indent="-228600" algn="l" defTabSz="914400" rtl="0" eaLnBrk="1" latinLnBrk="0" hangingPunct="1">
+        <a:lnSpc>
+          <a:spcPct val="90000"/>
+        </a:lnSpc>
+        <a:spcBef>
+          <a:spcPts val="500"/>
+        </a:spcBef>
+        <a:buFont typeface="Arial" panose="020B0604020202020204" pitchFamily="34" charset="0"/>
+        <a:buChar char="•"/>
+        <a:defRPr sz="2400" kern="1200">
+          <a:solidFill>
+            <a:schemeClr val="tx1"/>
+          </a:solidFill>
+          <a:latin typeface="+mn-lt"/>
+          <a:ea typeface="+mn-ea"/>
+          <a:cs typeface="+mn-cs"/>
+        </a:defRPr>
+      </a:lvl2pPr>
+      <a:lvl3pPr marL="1143000" indent="-228600" algn="l" defTabSz="914400" rtl="0" eaLnBrk="1" latinLnBrk="0" hangingPunct="1">
+        <a:lnSpc>
+          <a:spcPct val="90000"/>
+        </a:lnSpc>
+        <a:spcBef>
+          <a:spcPts val="500"/>
+        </a:spcBef>
+        <a:buFont typeface="Arial" panose="020B0604020202020204" pitchFamily="34" charset="0"/>
+        <a:buChar char="•"/>
+        <a:defRPr sz="2000" kern="1200">
+          <a:solidFill>
+            <a:schemeClr val="tx1"/>
+          </a:solidFill>
+          <a:latin typeface="+mn-lt"/>
+          <a:ea typeface="+mn-ea"/>
+          <a:cs typeface="+mn-cs"/>
+        </a:defRPr>
+      </a:lvl3pPr>
+      <a:lvl4pPr marL="1600200" indent="-228600" algn="l" defTabSz="914400" rtl="0" eaLnBrk="1" latinLnBrk="0" hangingPunct="1">
+        <a:lnSpc>
+          <a:spcPct val="90000"/>
+        </a:lnSpc>
+        <a:spcBef>
+          <a:spcPts val="500"/>
+        </a:spcBef>
+        <a:buFont typeface="Arial" panose="020B0604020202020204" pitchFamily="34" charset="0"/>
+        <a:buChar char="•"/>
+        <a:defRPr sz="1800" kern="1200">
+          <a:solidFill>
+            <a:schemeClr val="tx1"/>
+          </a:solidFill>
+          <a:latin typeface="+mn-lt"/>
+          <a:ea typeface="+mn-ea"/>
+          <a:cs typeface="+mn-cs"/>
+        </a:defRPr>
+      </a:lvl4pPr>
+      <a:lvl5pPr marL="2057400" indent="-228600" algn="l" defTabSz="914400" rtl="0" eaLnBrk="1" latinLnBrk="0" hangingPunct="1">
+        <a:lnSpc>
+          <a:spcPct val="90000"/>
+        </a:lnSpc>
+        <a:spcBef>
+          <a:spcPts val="500"/>
+        </a:spcBef>
+        <a:buFont typeface="Arial" panose="020B0604020202020204" pitchFamily="34" charset="0"/>
+        <a:buChar char="•"/>
+        <a:defRPr sz="1800" kern="1200">
+          <a:solidFill>
+            <a:schemeClr val="tx1"/>
+          </a:solidFill>
+          <a:latin typeface="+mn-lt"/>
+          <a:ea typeface="+mn-ea"/>
+          <a:cs typeface="+mn-cs"/>
+        </a:defRPr>
+      </a:lvl5pPr>
+      <a:lvl6pPr marL="2514600" indent="-228600" algn="l" defTabSz="914400" rtl="0" eaLnBrk="1" latinLnBrk="0" hangingPunct="1">
+        <a:lnSpc>
+          <a:spcPct val="90000"/>
+        </a:lnSpc>
+        <a:spcBef>
+          <a:spcPts val="500"/>
+        </a:spcBef>
+        <a:buFont typeface="Arial" panose="020B0604020202020204" pitchFamily="34" charset="0"/>
+        <a:buChar char="•"/>
+        <a:defRPr sz="1800" kern="1200">
+          <a:solidFill>
+            <a:schemeClr val="tx1"/>
+          </a:solidFill>
+          <a:latin typeface="+mn-lt"/>
+          <a:ea typeface="+mn-ea"/>
+          <a:cs typeface="+mn-cs"/>
+        </a:defRPr>
+      </a:lvl6pPr>
+      <a:lvl7pPr marL="2971800" indent="-228600" algn="l" defTabSz="914400" rtl="0" eaLnBrk="1" latinLnBrk="0" hangingPunct="1">
+        <a:lnSpc>
+          <a:spcPct val="90000"/>
+        </a:lnSpc>
+        <a:spcBef>
+          <a:spcPts val="500"/>
+        </a:spcBef>
+        <a:buFont typeface="Arial" panose="020B0604020202020204" pitchFamily="34" charset="0"/>
+        <a:buChar char="•"/>
+        <a:defRPr sz="1800" kern="1200">
+          <a:solidFill>
+            <a:schemeClr val="tx1"/>
+          </a:solidFill>
+          <a:latin typeface="+mn-lt"/>
+          <a:ea typeface="+mn-ea"/>
+          <a:cs typeface="+mn-cs"/>
+        </a:defRPr>
+      </a:lvl7pPr>
+      <a:lvl8pPr marL="3429000" indent="-228600" algn="l" defTabSz="914400" rtl="0" eaLnBrk="1" latinLnBrk="0" hangingPunct="1">
+        <a:lnSpc>
+          <a:spcPct val="90000"/>
+        </a:lnSpc>
+        <a:spcBef>
+          <a:spcPts val="500"/>
+        </a:spcBef>
+        <a:buFont typeface="Arial" panose="020B0604020202020204" pitchFamily="34" charset="0"/>
+        <a:buChar char="•"/>
+        <a:defRPr sz="1800" kern="1200">
+          <a:solidFill>
+            <a:schemeClr val="tx1"/>
+          </a:solidFill>
+          <a:latin typeface="+mn-lt"/>
+          <a:ea typeface="+mn-ea"/>
+          <a:cs typeface="+mn-cs"/>
+        </a:defRPr>
+      </a:lvl8pPr>
+      <a:lvl9pPr marL="3886200" indent="-228600" algn="l" defTabSz="914400" rtl="0" eaLnBrk="1" latinLnBrk="0" hangingPunct="1">
+        <a:lnSpc>
+          <a:spcPct val="90000"/>
+        </a:lnSpc>
+        <a:spcBef>
+          <a:spcPts val="500"/>
+        </a:spcBef>
+        <a:buFont typeface="Arial" panose="020B0604020202020204" pitchFamily="34" charset="0"/>
+        <a:buChar char="•"/>
+        <a:defRPr sz="1800" kern="1200">
+          <a:solidFill>
+            <a:schemeClr val="tx1"/>
+          </a:solidFill>
+          <a:latin typeface="+mn-lt"/>
+          <a:ea typeface="+mn-ea"/>
+          <a:cs typeface="+mn-cs"/>
+        </a:defRPr>
+      </a:lvl9pPr>
+    </p:bodyStyle>
+    <p:otherStyle>
+      <a:defPPr>
+        <a:defRPr lang="pt-PT"/>
+      </a:defPPr>
+      <a:lvl1pPr marL="0" algn="l" defTabSz="914400" rtl="0" eaLnBrk="1" latinLnBrk="0" hangingPunct="1">
+        <a:defRPr sz="1800" kern="1200">
+          <a:solidFill>
+            <a:schemeClr val="tx1"/>
+          </a:solidFill>
+          <a:latin typeface="+mn-lt"/>
+          <a:ea typeface="+mn-ea"/>
+          <a:cs typeface="+mn-cs"/>
+        </a:defRPr>
+      </a:lvl1pPr>
+      <a:lvl2pPr marL="457200" algn="l" defTabSz="914400" rtl="0" eaLnBrk="1" latinLnBrk="0" hangingPunct="1">
+        <a:defRPr sz="1800" kern="1200">
+          <a:solidFill>
+            <a:schemeClr val="tx1"/>
+          </a:solidFill>
+          <a:latin typeface="+mn-lt"/>
+          <a:ea typeface="+mn-ea"/>
+          <a:cs typeface="+mn-cs"/>
+        </a:defRPr>
+      </a:lvl2pPr>
+      <a:lvl3pPr marL="914400" algn="l" defTabSz="914400" rtl="0" eaLnBrk="1" latinLnBrk="0" hangingPunct="1">
+        <a:defRPr sz="1800" kern="1200">
+          <a:solidFill>
+            <a:schemeClr val="tx1"/>
+          </a:solidFill>
+          <a:latin typeface="+mn-lt"/>
+          <a:ea typeface="+mn-ea"/>
+          <a:cs typeface="+mn-cs"/>
+        </a:defRPr>
+      </a:lvl3pPr>
+      <a:lvl4pPr marL="1371600" algn="l" defTabSz="914400" rtl="0" eaLnBrk="1" latinLnBrk="0" hangingPunct="1">
+        <a:defRPr sz="1800" kern="1200">
+          <a:solidFill>
+            <a:schemeClr val="tx1"/>
+          </a:solidFill>
+          <a:latin typeface="+mn-lt"/>
+          <a:ea typeface="+mn-ea"/>
+          <a:cs typeface="+mn-cs"/>
+        </a:defRPr>
+      </a:lvl4pPr>
+      <a:lvl5pPr marL="1828800" algn="l" defTabSz="914400" rtl="0" eaLnBrk="1" latinLnBrk="0" hangingPunct="1">
+        <a:defRPr sz="1800" kern="1200">
+          <a:solidFill>
+            <a:schemeClr val="tx1"/>
+          </a:solidFill>
+          <a:latin typeface="+mn-lt"/>
+          <a:ea typeface="+mn-ea"/>
+          <a:cs typeface="+mn-cs"/>
+        </a:defRPr>
+      </a:lvl5pPr>
+      <a:lvl6pPr marL="2286000" algn="l" defTabSz="914400" rtl="0" eaLnBrk="1" latinLnBrk="0" hangingPunct="1">
+        <a:defRPr sz="1800" kern="1200">
+          <a:solidFill>
+            <a:schemeClr val="tx1"/>
+          </a:solidFill>
+          <a:latin typeface="+mn-lt"/>
+          <a:ea typeface="+mn-ea"/>
+          <a:cs typeface="+mn-cs"/>
+        </a:defRPr>
+      </a:lvl6pPr>
+      <a:lvl7pPr marL="2743200" algn="l" defTabSz="914400" rtl="0" eaLnBrk="1" latinLnBrk="0" hangingPunct="1">
+        <a:defRPr sz="1800" kern="1200">
+          <a:solidFill>
+            <a:schemeClr val="tx1"/>
+          </a:solidFill>
+          <a:latin typeface="+mn-lt"/>
+          <a:ea typeface="+mn-ea"/>
+          <a:cs typeface="+mn-cs"/>
+        </a:defRPr>
+      </a:lvl7pPr>
+      <a:lvl8pPr marL="3200400" algn="l" defTabSz="914400" rtl="0" eaLnBrk="1" latinLnBrk="0" hangingPunct="1">
+        <a:defRPr sz="1800" kern="1200">
+          <a:solidFill>
+            <a:schemeClr val="tx1"/>
+          </a:solidFill>
+          <a:latin typeface="+mn-lt"/>
+          <a:ea typeface="+mn-ea"/>
+          <a:cs typeface="+mn-cs"/>
+        </a:defRPr>
+      </a:lvl8pPr>
+      <a:lvl9pPr marL="3657600" algn="l" defTabSz="914400" rtl="0" eaLnBrk="1" latinLnBrk="0" hangingPunct="1">
+        <a:defRPr sz="1800" kern="1200">
+          <a:solidFill>
+            <a:schemeClr val="tx1"/>
+          </a:solidFill>
+          <a:latin typeface="+mn-lt"/>
+          <a:ea typeface="+mn-ea"/>
+          <a:cs typeface="+mn-cs"/>
+        </a:defRPr>
+      </a:lvl9pPr>
+    </p:otherStyle>
+  </p:txStyles>
 </p:sldMaster>
 </file>
 
 <file path=ppt/slideMasters/slideMaster2.xml><?xml version="1.0" encoding="utf-8"?>
-<p:sldMaster xmlns:a="http://schemas.openxmlformats.org/drawingml/2006/main" xmlns:p="http://schemas.openxmlformats.org/presentationml/2006/main" xmlns:r="http://schemas.openxmlformats.org/officeDocument/2006/relationships" xmlns:p14="http://schemas.microsoft.com/office/powerpoint/2010/main" xmlns:p15="http://schemas.microsoft.com/office/powerpoint/2012/main" xmlns:mc="http://schemas.openxmlformats.org/markup-compatibility/2006">
+<p:sldMaster xmlns:a="http://schemas.openxmlformats.org/drawingml/2006/main" xmlns:r="http://schemas.openxmlformats.org/officeDocument/2006/relationships" xmlns:p="http://schemas.openxmlformats.org/presentationml/2006/main">
   <p:cSld>
     <p:bg>
       <p:bgPr>
         <a:solidFill>
-          <a:srgbClr val="ffffff"/>
+          <a:srgbClr val="FFFFFF"/>
         </a:solidFill>
+        <a:effectLst/>
       </p:bgPr>
     </p:bg>
     <p:spTree>
@@ -8260,6 +8811,7 @@
           <a:bodyPr anchor="ctr">
             <a:noAutofit/>
           </a:bodyPr>
+          <a:lstStyle/>
           <a:p>
             <a:pPr>
               <a:lnSpc>
@@ -8268,7 +8820,7 @@
               <a:buNone/>
             </a:pPr>
             <a:r>
-              <a:rPr b="0" lang="pt-PT" sz="4400" spc="-1" strike="noStrike">
+              <a:rPr lang="pt-PT" sz="4400" b="0" strike="noStrike" spc="-1">
                 <a:solidFill>
                   <a:srgbClr val="000000"/>
                 </a:solidFill>
@@ -8276,7 +8828,7 @@
               </a:rPr>
               <a:t>Clique para editar o estilo de título do Modelo Global</a:t>
             </a:r>
-            <a:endParaRPr b="0" lang="pt-PT" sz="4400" spc="-1" strike="noStrike">
+            <a:endParaRPr lang="pt-PT" sz="4400" b="0" strike="noStrike" spc="-1">
               <a:solidFill>
                 <a:srgbClr val="000000"/>
               </a:solidFill>
@@ -8312,6 +8864,7 @@
           <a:bodyPr anchor="t">
             <a:noAutofit/>
           </a:bodyPr>
+          <a:lstStyle/>
           <a:p>
             <a:pPr marL="228600" indent="-228600">
               <a:lnSpc>
@@ -8327,7 +8880,7 @@
               <a:buChar char="•"/>
             </a:pPr>
             <a:r>
-              <a:rPr b="0" lang="pt-PT" sz="2800" spc="-1" strike="noStrike">
+              <a:rPr lang="pt-PT" sz="2800" b="0" strike="noStrike" spc="-1">
                 <a:solidFill>
                   <a:srgbClr val="000000"/>
                 </a:solidFill>
@@ -8335,15 +8888,9 @@
               </a:rPr>
               <a:t>Editar os estilos de texto do Modelo Global</a:t>
             </a:r>
-            <a:endParaRPr b="0" lang="pt-PT" sz="2800" spc="-1" strike="noStrike">
-              <a:solidFill>
-                <a:srgbClr val="000000"/>
-              </a:solidFill>
-              <a:latin typeface="Calibri"/>
-            </a:endParaRPr>
-          </a:p>
-          <a:p>
-            <a:pPr lvl="1" marL="685800" indent="-228600">
+          </a:p>
+          <a:p>
+            <a:pPr marL="685800" lvl="1" indent="-228600">
               <a:lnSpc>
                 <a:spcPct val="90000"/>
               </a:lnSpc>
@@ -8357,7 +8904,7 @@
               <a:buChar char="•"/>
             </a:pPr>
             <a:r>
-              <a:rPr b="0" lang="pt-PT" sz="2400" spc="-1" strike="noStrike">
+              <a:rPr lang="pt-PT" sz="2400" b="0" strike="noStrike" spc="-1">
                 <a:solidFill>
                   <a:srgbClr val="000000"/>
                 </a:solidFill>
@@ -8365,15 +8912,9 @@
               </a:rPr>
               <a:t>Segundo nível</a:t>
             </a:r>
-            <a:endParaRPr b="0" lang="pt-PT" sz="2400" spc="-1" strike="noStrike">
-              <a:solidFill>
-                <a:srgbClr val="000000"/>
-              </a:solidFill>
-              <a:latin typeface="Calibri"/>
-            </a:endParaRPr>
-          </a:p>
-          <a:p>
-            <a:pPr lvl="2" marL="1143000" indent="-228600">
+          </a:p>
+          <a:p>
+            <a:pPr marL="1143000" lvl="2" indent="-228600">
               <a:lnSpc>
                 <a:spcPct val="90000"/>
               </a:lnSpc>
@@ -8387,7 +8928,7 @@
               <a:buChar char="•"/>
             </a:pPr>
             <a:r>
-              <a:rPr b="0" lang="pt-PT" sz="2000" spc="-1" strike="noStrike">
+              <a:rPr lang="pt-PT" sz="2000" b="0" strike="noStrike" spc="-1">
                 <a:solidFill>
                   <a:srgbClr val="000000"/>
                 </a:solidFill>
@@ -8395,15 +8936,9 @@
               </a:rPr>
               <a:t>Terceiro nível</a:t>
             </a:r>
-            <a:endParaRPr b="0" lang="pt-PT" sz="2000" spc="-1" strike="noStrike">
-              <a:solidFill>
-                <a:srgbClr val="000000"/>
-              </a:solidFill>
-              <a:latin typeface="Calibri"/>
-            </a:endParaRPr>
-          </a:p>
-          <a:p>
-            <a:pPr lvl="3" marL="1600200" indent="-228600">
+          </a:p>
+          <a:p>
+            <a:pPr marL="1600200" lvl="3" indent="-228600">
               <a:lnSpc>
                 <a:spcPct val="90000"/>
               </a:lnSpc>
@@ -8417,7 +8952,7 @@
               <a:buChar char="•"/>
             </a:pPr>
             <a:r>
-              <a:rPr b="0" lang="pt-PT" sz="1800" spc="-1" strike="noStrike">
+              <a:rPr lang="pt-PT" sz="1800" b="0" strike="noStrike" spc="-1">
                 <a:solidFill>
                   <a:srgbClr val="000000"/>
                 </a:solidFill>
@@ -8425,15 +8960,9 @@
               </a:rPr>
               <a:t>Quarto nível</a:t>
             </a:r>
-            <a:endParaRPr b="0" lang="pt-PT" sz="1800" spc="-1" strike="noStrike">
-              <a:solidFill>
-                <a:srgbClr val="000000"/>
-              </a:solidFill>
-              <a:latin typeface="Calibri"/>
-            </a:endParaRPr>
-          </a:p>
-          <a:p>
-            <a:pPr lvl="4" marL="2057400" indent="-228600">
+          </a:p>
+          <a:p>
+            <a:pPr marL="2057400" lvl="4" indent="-228600">
               <a:lnSpc>
                 <a:spcPct val="90000"/>
               </a:lnSpc>
@@ -8447,7 +8976,7 @@
               <a:buChar char="•"/>
             </a:pPr>
             <a:r>
-              <a:rPr b="0" lang="pt-PT" sz="1800" spc="-1" strike="noStrike">
+              <a:rPr lang="pt-PT" sz="1800" b="0" strike="noStrike" spc="-1">
                 <a:solidFill>
                   <a:srgbClr val="000000"/>
                 </a:solidFill>
@@ -8455,12 +8984,6 @@
               </a:rPr>
               <a:t>Quinto nível</a:t>
             </a:r>
-            <a:endParaRPr b="0" lang="pt-PT" sz="1800" spc="-1" strike="noStrike">
-              <a:solidFill>
-                <a:srgbClr val="000000"/>
-              </a:solidFill>
-              <a:latin typeface="Calibri"/>
-            </a:endParaRPr>
           </a:p>
         </p:txBody>
       </p:sp>
@@ -8497,9 +9020,9 @@
                 <a:spcPct val="100000"/>
               </a:lnSpc>
               <a:buNone/>
-              <a:defRPr b="0" lang="pt-PT" sz="1200" spc="-1" strike="noStrike">
+              <a:defRPr lang="pt-PT" sz="1200" b="0" strike="noStrike" spc="-1">
                 <a:solidFill>
-                  <a:srgbClr val="8b8b8b"/>
+                  <a:srgbClr val="8B8B8B"/>
                 </a:solidFill>
                 <a:latin typeface="Calibri"/>
               </a:defRPr>
@@ -8513,15 +9036,15 @@
               <a:buNone/>
             </a:pPr>
             <a:r>
-              <a:rPr b="0" lang="pt-PT" sz="1200" spc="-1" strike="noStrike">
+              <a:rPr lang="pt-PT" sz="1200" b="0" strike="noStrike" spc="-1">
                 <a:solidFill>
-                  <a:srgbClr val="8b8b8b"/>
+                  <a:srgbClr val="8B8B8B"/>
                 </a:solidFill>
                 <a:latin typeface="Calibri"/>
               </a:rPr>
               <a:t>&lt;date/time&gt;</a:t>
             </a:r>
-            <a:endParaRPr b="0" lang="en-US" sz="1200" spc="-1" strike="noStrike">
+            <a:endParaRPr lang="en-US" sz="1200" b="0" strike="noStrike" spc="-1">
               <a:latin typeface="Times New Roman"/>
             </a:endParaRPr>
           </a:p>
@@ -8557,7 +9080,7 @@
           <a:lstStyle>
             <a:lvl1pPr algn="ctr">
               <a:buNone/>
-              <a:defRPr b="0" lang="en-US" sz="1400" spc="-1" strike="noStrike">
+              <a:defRPr lang="en-US" sz="1400" b="0" strike="noStrike" spc="-1">
                 <a:latin typeface="Times New Roman"/>
               </a:defRPr>
             </a:lvl1pPr>
@@ -8567,14 +9090,11 @@
               <a:buNone/>
             </a:pPr>
             <a:r>
-              <a:rPr b="0" lang="en-US" sz="1400" spc="-1" strike="noStrike">
+              <a:rPr lang="en-US" sz="1400" b="0" strike="noStrike" spc="-1">
                 <a:latin typeface="Times New Roman"/>
               </a:rPr>
               <a:t>&lt;footer&gt;</a:t>
             </a:r>
-            <a:endParaRPr b="0" lang="en-US" sz="1400" spc="-1" strike="noStrike">
-              <a:latin typeface="Times New Roman"/>
-            </a:endParaRPr>
           </a:p>
         </p:txBody>
       </p:sp>
@@ -8611,9 +9131,9 @@
                 <a:spcPct val="100000"/>
               </a:lnSpc>
               <a:buNone/>
-              <a:defRPr b="0" lang="pt-PT" sz="1200" spc="-1" strike="noStrike">
+              <a:defRPr lang="pt-PT" sz="1200" b="0" strike="noStrike" spc="-1">
                 <a:solidFill>
-                  <a:srgbClr val="8b8b8b"/>
+                  <a:srgbClr val="8B8B8B"/>
                 </a:solidFill>
                 <a:latin typeface="Calibri"/>
               </a:defRPr>
@@ -8627,15 +9147,15 @@
               <a:buNone/>
             </a:pPr>
             <a:fld id="{FEAF3802-ADC2-43FB-9759-10741C57491E}" type="slidenum">
-              <a:rPr b="0" lang="pt-PT" sz="1200" spc="-1" strike="noStrike">
+              <a:rPr lang="pt-PT" sz="1200" b="0" strike="noStrike" spc="-1">
                 <a:solidFill>
-                  <a:srgbClr val="8b8b8b"/>
+                  <a:srgbClr val="8B8B8B"/>
                 </a:solidFill>
                 <a:latin typeface="Calibri"/>
               </a:rPr>
-              <a:t>&lt;number&gt;</a:t>
+              <a:t>‹nº›</a:t>
             </a:fld>
-            <a:endParaRPr b="0" lang="en-US" sz="1200" spc="-1" strike="noStrike">
+            <a:endParaRPr lang="en-US" sz="1200" b="0" strike="noStrike" spc="-1">
               <a:latin typeface="Times New Roman"/>
             </a:endParaRPr>
           </a:p>
@@ -8643,32 +9163,313 @@
       </p:sp>
     </p:spTree>
   </p:cSld>
-  <p:clrMap bg1="lt1" bg2="lt2" tx1="dk1" tx2="dk2" accent1="accent1" accent2="accent2" accent3="accent3" accent4="accent4" accent5="accent5" accent6="accent6" hlink="hlink" folHlink="folHlink"/>
+  <p:clrMap bg1="lt1" tx1="dk1" bg2="lt2" tx2="dk2" accent1="accent1" accent2="accent2" accent3="accent3" accent4="accent4" accent5="accent5" accent6="accent6" hlink="hlink" folHlink="folHlink"/>
   <p:sldLayoutIdLst>
-    <p:sldLayoutId id="2147483662" r:id="rId2"/>
-    <p:sldLayoutId id="2147483663" r:id="rId3"/>
-    <p:sldLayoutId id="2147483664" r:id="rId4"/>
-    <p:sldLayoutId id="2147483665" r:id="rId5"/>
-    <p:sldLayoutId id="2147483666" r:id="rId6"/>
-    <p:sldLayoutId id="2147483667" r:id="rId7"/>
-    <p:sldLayoutId id="2147483668" r:id="rId8"/>
-    <p:sldLayoutId id="2147483669" r:id="rId9"/>
-    <p:sldLayoutId id="2147483670" r:id="rId10"/>
-    <p:sldLayoutId id="2147483671" r:id="rId11"/>
-    <p:sldLayoutId id="2147483672" r:id="rId12"/>
-    <p:sldLayoutId id="2147483673" r:id="rId13"/>
+    <p:sldLayoutId id="2147483662" r:id="rId1"/>
+    <p:sldLayoutId id="2147483663" r:id="rId2"/>
+    <p:sldLayoutId id="2147483664" r:id="rId3"/>
+    <p:sldLayoutId id="2147483665" r:id="rId4"/>
+    <p:sldLayoutId id="2147483666" r:id="rId5"/>
+    <p:sldLayoutId id="2147483667" r:id="rId6"/>
+    <p:sldLayoutId id="2147483668" r:id="rId7"/>
+    <p:sldLayoutId id="2147483669" r:id="rId8"/>
+    <p:sldLayoutId id="2147483670" r:id="rId9"/>
+    <p:sldLayoutId id="2147483671" r:id="rId10"/>
+    <p:sldLayoutId id="2147483672" r:id="rId11"/>
+    <p:sldLayoutId id="2147483673" r:id="rId12"/>
   </p:sldLayoutIdLst>
+  <p:txStyles>
+    <p:titleStyle>
+      <a:lvl1pPr algn="l" defTabSz="914400" rtl="0" eaLnBrk="1" latinLnBrk="0" hangingPunct="1">
+        <a:lnSpc>
+          <a:spcPct val="90000"/>
+        </a:lnSpc>
+        <a:spcBef>
+          <a:spcPct val="0"/>
+        </a:spcBef>
+        <a:buNone/>
+        <a:defRPr sz="4400" kern="1200">
+          <a:solidFill>
+            <a:schemeClr val="tx1"/>
+          </a:solidFill>
+          <a:latin typeface="+mj-lt"/>
+          <a:ea typeface="+mj-ea"/>
+          <a:cs typeface="+mj-cs"/>
+        </a:defRPr>
+      </a:lvl1pPr>
+    </p:titleStyle>
+    <p:bodyStyle>
+      <a:lvl1pPr marL="228600" indent="-228600" algn="l" defTabSz="914400" rtl="0" eaLnBrk="1" latinLnBrk="0" hangingPunct="1">
+        <a:lnSpc>
+          <a:spcPct val="90000"/>
+        </a:lnSpc>
+        <a:spcBef>
+          <a:spcPts val="1000"/>
+        </a:spcBef>
+        <a:buFont typeface="Arial" panose="020B0604020202020204" pitchFamily="34" charset="0"/>
+        <a:buChar char="•"/>
+        <a:defRPr sz="2800" kern="1200">
+          <a:solidFill>
+            <a:schemeClr val="tx1"/>
+          </a:solidFill>
+          <a:latin typeface="+mn-lt"/>
+          <a:ea typeface="+mn-ea"/>
+          <a:cs typeface="+mn-cs"/>
+        </a:defRPr>
+      </a:lvl1pPr>
+      <a:lvl2pPr marL="685800" indent="-228600" algn="l" defTabSz="914400" rtl="0" eaLnBrk="1" latinLnBrk="0" hangingPunct="1">
+        <a:lnSpc>
+          <a:spcPct val="90000"/>
+        </a:lnSpc>
+        <a:spcBef>
+          <a:spcPts val="500"/>
+        </a:spcBef>
+        <a:buFont typeface="Arial" panose="020B0604020202020204" pitchFamily="34" charset="0"/>
+        <a:buChar char="•"/>
+        <a:defRPr sz="2400" kern="1200">
+          <a:solidFill>
+            <a:schemeClr val="tx1"/>
+          </a:solidFill>
+          <a:latin typeface="+mn-lt"/>
+          <a:ea typeface="+mn-ea"/>
+          <a:cs typeface="+mn-cs"/>
+        </a:defRPr>
+      </a:lvl2pPr>
+      <a:lvl3pPr marL="1143000" indent="-228600" algn="l" defTabSz="914400" rtl="0" eaLnBrk="1" latinLnBrk="0" hangingPunct="1">
+        <a:lnSpc>
+          <a:spcPct val="90000"/>
+        </a:lnSpc>
+        <a:spcBef>
+          <a:spcPts val="500"/>
+        </a:spcBef>
+        <a:buFont typeface="Arial" panose="020B0604020202020204" pitchFamily="34" charset="0"/>
+        <a:buChar char="•"/>
+        <a:defRPr sz="2000" kern="1200">
+          <a:solidFill>
+            <a:schemeClr val="tx1"/>
+          </a:solidFill>
+          <a:latin typeface="+mn-lt"/>
+          <a:ea typeface="+mn-ea"/>
+          <a:cs typeface="+mn-cs"/>
+        </a:defRPr>
+      </a:lvl3pPr>
+      <a:lvl4pPr marL="1600200" indent="-228600" algn="l" defTabSz="914400" rtl="0" eaLnBrk="1" latinLnBrk="0" hangingPunct="1">
+        <a:lnSpc>
+          <a:spcPct val="90000"/>
+        </a:lnSpc>
+        <a:spcBef>
+          <a:spcPts val="500"/>
+        </a:spcBef>
+        <a:buFont typeface="Arial" panose="020B0604020202020204" pitchFamily="34" charset="0"/>
+        <a:buChar char="•"/>
+        <a:defRPr sz="1800" kern="1200">
+          <a:solidFill>
+            <a:schemeClr val="tx1"/>
+          </a:solidFill>
+          <a:latin typeface="+mn-lt"/>
+          <a:ea typeface="+mn-ea"/>
+          <a:cs typeface="+mn-cs"/>
+        </a:defRPr>
+      </a:lvl4pPr>
+      <a:lvl5pPr marL="2057400" indent="-228600" algn="l" defTabSz="914400" rtl="0" eaLnBrk="1" latinLnBrk="0" hangingPunct="1">
+        <a:lnSpc>
+          <a:spcPct val="90000"/>
+        </a:lnSpc>
+        <a:spcBef>
+          <a:spcPts val="500"/>
+        </a:spcBef>
+        <a:buFont typeface="Arial" panose="020B0604020202020204" pitchFamily="34" charset="0"/>
+        <a:buChar char="•"/>
+        <a:defRPr sz="1800" kern="1200">
+          <a:solidFill>
+            <a:schemeClr val="tx1"/>
+          </a:solidFill>
+          <a:latin typeface="+mn-lt"/>
+          <a:ea typeface="+mn-ea"/>
+          <a:cs typeface="+mn-cs"/>
+        </a:defRPr>
+      </a:lvl5pPr>
+      <a:lvl6pPr marL="2514600" indent="-228600" algn="l" defTabSz="914400" rtl="0" eaLnBrk="1" latinLnBrk="0" hangingPunct="1">
+        <a:lnSpc>
+          <a:spcPct val="90000"/>
+        </a:lnSpc>
+        <a:spcBef>
+          <a:spcPts val="500"/>
+        </a:spcBef>
+        <a:buFont typeface="Arial" panose="020B0604020202020204" pitchFamily="34" charset="0"/>
+        <a:buChar char="•"/>
+        <a:defRPr sz="1800" kern="1200">
+          <a:solidFill>
+            <a:schemeClr val="tx1"/>
+          </a:solidFill>
+          <a:latin typeface="+mn-lt"/>
+          <a:ea typeface="+mn-ea"/>
+          <a:cs typeface="+mn-cs"/>
+        </a:defRPr>
+      </a:lvl6pPr>
+      <a:lvl7pPr marL="2971800" indent="-228600" algn="l" defTabSz="914400" rtl="0" eaLnBrk="1" latinLnBrk="0" hangingPunct="1">
+        <a:lnSpc>
+          <a:spcPct val="90000"/>
+        </a:lnSpc>
+        <a:spcBef>
+          <a:spcPts val="500"/>
+        </a:spcBef>
+        <a:buFont typeface="Arial" panose="020B0604020202020204" pitchFamily="34" charset="0"/>
+        <a:buChar char="•"/>
+        <a:defRPr sz="1800" kern="1200">
+          <a:solidFill>
+            <a:schemeClr val="tx1"/>
+          </a:solidFill>
+          <a:latin typeface="+mn-lt"/>
+          <a:ea typeface="+mn-ea"/>
+          <a:cs typeface="+mn-cs"/>
+        </a:defRPr>
+      </a:lvl7pPr>
+      <a:lvl8pPr marL="3429000" indent="-228600" algn="l" defTabSz="914400" rtl="0" eaLnBrk="1" latinLnBrk="0" hangingPunct="1">
+        <a:lnSpc>
+          <a:spcPct val="90000"/>
+        </a:lnSpc>
+        <a:spcBef>
+          <a:spcPts val="500"/>
+        </a:spcBef>
+        <a:buFont typeface="Arial" panose="020B0604020202020204" pitchFamily="34" charset="0"/>
+        <a:buChar char="•"/>
+        <a:defRPr sz="1800" kern="1200">
+          <a:solidFill>
+            <a:schemeClr val="tx1"/>
+          </a:solidFill>
+          <a:latin typeface="+mn-lt"/>
+          <a:ea typeface="+mn-ea"/>
+          <a:cs typeface="+mn-cs"/>
+        </a:defRPr>
+      </a:lvl8pPr>
+      <a:lvl9pPr marL="3886200" indent="-228600" algn="l" defTabSz="914400" rtl="0" eaLnBrk="1" latinLnBrk="0" hangingPunct="1">
+        <a:lnSpc>
+          <a:spcPct val="90000"/>
+        </a:lnSpc>
+        <a:spcBef>
+          <a:spcPts val="500"/>
+        </a:spcBef>
+        <a:buFont typeface="Arial" panose="020B0604020202020204" pitchFamily="34" charset="0"/>
+        <a:buChar char="•"/>
+        <a:defRPr sz="1800" kern="1200">
+          <a:solidFill>
+            <a:schemeClr val="tx1"/>
+          </a:solidFill>
+          <a:latin typeface="+mn-lt"/>
+          <a:ea typeface="+mn-ea"/>
+          <a:cs typeface="+mn-cs"/>
+        </a:defRPr>
+      </a:lvl9pPr>
+    </p:bodyStyle>
+    <p:otherStyle>
+      <a:defPPr>
+        <a:defRPr lang="pt-PT"/>
+      </a:defPPr>
+      <a:lvl1pPr marL="0" algn="l" defTabSz="914400" rtl="0" eaLnBrk="1" latinLnBrk="0" hangingPunct="1">
+        <a:defRPr sz="1800" kern="1200">
+          <a:solidFill>
+            <a:schemeClr val="tx1"/>
+          </a:solidFill>
+          <a:latin typeface="+mn-lt"/>
+          <a:ea typeface="+mn-ea"/>
+          <a:cs typeface="+mn-cs"/>
+        </a:defRPr>
+      </a:lvl1pPr>
+      <a:lvl2pPr marL="457200" algn="l" defTabSz="914400" rtl="0" eaLnBrk="1" latinLnBrk="0" hangingPunct="1">
+        <a:defRPr sz="1800" kern="1200">
+          <a:solidFill>
+            <a:schemeClr val="tx1"/>
+          </a:solidFill>
+          <a:latin typeface="+mn-lt"/>
+          <a:ea typeface="+mn-ea"/>
+          <a:cs typeface="+mn-cs"/>
+        </a:defRPr>
+      </a:lvl2pPr>
+      <a:lvl3pPr marL="914400" algn="l" defTabSz="914400" rtl="0" eaLnBrk="1" latinLnBrk="0" hangingPunct="1">
+        <a:defRPr sz="1800" kern="1200">
+          <a:solidFill>
+            <a:schemeClr val="tx1"/>
+          </a:solidFill>
+          <a:latin typeface="+mn-lt"/>
+          <a:ea typeface="+mn-ea"/>
+          <a:cs typeface="+mn-cs"/>
+        </a:defRPr>
+      </a:lvl3pPr>
+      <a:lvl4pPr marL="1371600" algn="l" defTabSz="914400" rtl="0" eaLnBrk="1" latinLnBrk="0" hangingPunct="1">
+        <a:defRPr sz="1800" kern="1200">
+          <a:solidFill>
+            <a:schemeClr val="tx1"/>
+          </a:solidFill>
+          <a:latin typeface="+mn-lt"/>
+          <a:ea typeface="+mn-ea"/>
+          <a:cs typeface="+mn-cs"/>
+        </a:defRPr>
+      </a:lvl4pPr>
+      <a:lvl5pPr marL="1828800" algn="l" defTabSz="914400" rtl="0" eaLnBrk="1" latinLnBrk="0" hangingPunct="1">
+        <a:defRPr sz="1800" kern="1200">
+          <a:solidFill>
+            <a:schemeClr val="tx1"/>
+          </a:solidFill>
+          <a:latin typeface="+mn-lt"/>
+          <a:ea typeface="+mn-ea"/>
+          <a:cs typeface="+mn-cs"/>
+        </a:defRPr>
+      </a:lvl5pPr>
+      <a:lvl6pPr marL="2286000" algn="l" defTabSz="914400" rtl="0" eaLnBrk="1" latinLnBrk="0" hangingPunct="1">
+        <a:defRPr sz="1800" kern="1200">
+          <a:solidFill>
+            <a:schemeClr val="tx1"/>
+          </a:solidFill>
+          <a:latin typeface="+mn-lt"/>
+          <a:ea typeface="+mn-ea"/>
+          <a:cs typeface="+mn-cs"/>
+        </a:defRPr>
+      </a:lvl6pPr>
+      <a:lvl7pPr marL="2743200" algn="l" defTabSz="914400" rtl="0" eaLnBrk="1" latinLnBrk="0" hangingPunct="1">
+        <a:defRPr sz="1800" kern="1200">
+          <a:solidFill>
+            <a:schemeClr val="tx1"/>
+          </a:solidFill>
+          <a:latin typeface="+mn-lt"/>
+          <a:ea typeface="+mn-ea"/>
+          <a:cs typeface="+mn-cs"/>
+        </a:defRPr>
+      </a:lvl7pPr>
+      <a:lvl8pPr marL="3200400" algn="l" defTabSz="914400" rtl="0" eaLnBrk="1" latinLnBrk="0" hangingPunct="1">
+        <a:defRPr sz="1800" kern="1200">
+          <a:solidFill>
+            <a:schemeClr val="tx1"/>
+          </a:solidFill>
+          <a:latin typeface="+mn-lt"/>
+          <a:ea typeface="+mn-ea"/>
+          <a:cs typeface="+mn-cs"/>
+        </a:defRPr>
+      </a:lvl8pPr>
+      <a:lvl9pPr marL="3657600" algn="l" defTabSz="914400" rtl="0" eaLnBrk="1" latinLnBrk="0" hangingPunct="1">
+        <a:defRPr sz="1800" kern="1200">
+          <a:solidFill>
+            <a:schemeClr val="tx1"/>
+          </a:solidFill>
+          <a:latin typeface="+mn-lt"/>
+          <a:ea typeface="+mn-ea"/>
+          <a:cs typeface="+mn-cs"/>
+        </a:defRPr>
+      </a:lvl9pPr>
+    </p:otherStyle>
+  </p:txStyles>
 </p:sldMaster>
 </file>
 
 <file path=ppt/slideMasters/slideMaster3.xml><?xml version="1.0" encoding="utf-8"?>
-<p:sldMaster xmlns:a="http://schemas.openxmlformats.org/drawingml/2006/main" xmlns:p="http://schemas.openxmlformats.org/presentationml/2006/main" xmlns:r="http://schemas.openxmlformats.org/officeDocument/2006/relationships" xmlns:p14="http://schemas.microsoft.com/office/powerpoint/2010/main" xmlns:p15="http://schemas.microsoft.com/office/powerpoint/2012/main" xmlns:mc="http://schemas.openxmlformats.org/markup-compatibility/2006">
+<p:sldMaster xmlns:a="http://schemas.openxmlformats.org/drawingml/2006/main" xmlns:r="http://schemas.openxmlformats.org/officeDocument/2006/relationships" xmlns:p="http://schemas.openxmlformats.org/presentationml/2006/main">
   <p:cSld>
     <p:bg>
       <p:bgPr>
         <a:solidFill>
-          <a:srgbClr val="ffffff"/>
+          <a:srgbClr val="FFFFFF"/>
         </a:solidFill>
+        <a:effectLst/>
       </p:bgPr>
     </p:bg>
     <p:spTree>
@@ -8712,6 +9513,7 @@
           <a:bodyPr anchor="b">
             <a:noAutofit/>
           </a:bodyPr>
+          <a:lstStyle/>
           <a:p>
             <a:pPr>
               <a:lnSpc>
@@ -8720,7 +9522,7 @@
               <a:buNone/>
             </a:pPr>
             <a:r>
-              <a:rPr b="0" lang="pt-PT" sz="3200" spc="-1" strike="noStrike">
+              <a:rPr lang="pt-PT" sz="3200" b="0" strike="noStrike" spc="-1">
                 <a:solidFill>
                   <a:srgbClr val="000000"/>
                 </a:solidFill>
@@ -8728,7 +9530,7 @@
               </a:rPr>
               <a:t>Clique para editar o estilo de título do Modelo Global</a:t>
             </a:r>
-            <a:endParaRPr b="0" lang="pt-PT" sz="3200" spc="-1" strike="noStrike">
+            <a:endParaRPr lang="pt-PT" sz="3200" b="0" strike="noStrike" spc="-1">
               <a:solidFill>
                 <a:srgbClr val="000000"/>
               </a:solidFill>
@@ -8764,6 +9566,7 @@
           <a:bodyPr anchor="t">
             <a:noAutofit/>
           </a:bodyPr>
+          <a:lstStyle/>
           <a:p>
             <a:pPr marL="228600" indent="-228600">
               <a:lnSpc>
@@ -8779,7 +9582,7 @@
               <a:buChar char="•"/>
             </a:pPr>
             <a:r>
-              <a:rPr b="0" lang="pt-PT" sz="3200" spc="-1" strike="noStrike">
+              <a:rPr lang="pt-PT" sz="3200" b="0" strike="noStrike" spc="-1">
                 <a:solidFill>
                   <a:srgbClr val="000000"/>
                 </a:solidFill>
@@ -8787,15 +9590,9 @@
               </a:rPr>
               <a:t>Editar os estilos de texto do Modelo Global</a:t>
             </a:r>
-            <a:endParaRPr b="0" lang="pt-PT" sz="3200" spc="-1" strike="noStrike">
-              <a:solidFill>
-                <a:srgbClr val="000000"/>
-              </a:solidFill>
-              <a:latin typeface="Calibri"/>
-            </a:endParaRPr>
-          </a:p>
-          <a:p>
-            <a:pPr lvl="1" marL="685800" indent="-228600">
+          </a:p>
+          <a:p>
+            <a:pPr marL="685800" lvl="1" indent="-228600">
               <a:lnSpc>
                 <a:spcPct val="90000"/>
               </a:lnSpc>
@@ -8809,7 +9606,7 @@
               <a:buChar char="•"/>
             </a:pPr>
             <a:r>
-              <a:rPr b="0" lang="pt-PT" sz="2800" spc="-1" strike="noStrike">
+              <a:rPr lang="pt-PT" sz="2800" b="0" strike="noStrike" spc="-1">
                 <a:solidFill>
                   <a:srgbClr val="000000"/>
                 </a:solidFill>
@@ -8817,15 +9614,9 @@
               </a:rPr>
               <a:t>Segundo nível</a:t>
             </a:r>
-            <a:endParaRPr b="0" lang="pt-PT" sz="2800" spc="-1" strike="noStrike">
-              <a:solidFill>
-                <a:srgbClr val="000000"/>
-              </a:solidFill>
-              <a:latin typeface="Calibri"/>
-            </a:endParaRPr>
-          </a:p>
-          <a:p>
-            <a:pPr lvl="2" marL="1143000" indent="-228600">
+          </a:p>
+          <a:p>
+            <a:pPr marL="1143000" lvl="2" indent="-228600">
               <a:lnSpc>
                 <a:spcPct val="90000"/>
               </a:lnSpc>
@@ -8839,7 +9630,7 @@
               <a:buChar char="•"/>
             </a:pPr>
             <a:r>
-              <a:rPr b="0" lang="pt-PT" sz="2400" spc="-1" strike="noStrike">
+              <a:rPr lang="pt-PT" sz="2400" b="0" strike="noStrike" spc="-1">
                 <a:solidFill>
                   <a:srgbClr val="000000"/>
                 </a:solidFill>
@@ -8847,15 +9638,9 @@
               </a:rPr>
               <a:t>Terceiro nível</a:t>
             </a:r>
-            <a:endParaRPr b="0" lang="pt-PT" sz="2400" spc="-1" strike="noStrike">
-              <a:solidFill>
-                <a:srgbClr val="000000"/>
-              </a:solidFill>
-              <a:latin typeface="Calibri"/>
-            </a:endParaRPr>
-          </a:p>
-          <a:p>
-            <a:pPr lvl="3" marL="1600200" indent="-228600">
+          </a:p>
+          <a:p>
+            <a:pPr marL="1600200" lvl="3" indent="-228600">
               <a:lnSpc>
                 <a:spcPct val="90000"/>
               </a:lnSpc>
@@ -8869,7 +9654,7 @@
               <a:buChar char="•"/>
             </a:pPr>
             <a:r>
-              <a:rPr b="0" lang="pt-PT" sz="2000" spc="-1" strike="noStrike">
+              <a:rPr lang="pt-PT" sz="2000" b="0" strike="noStrike" spc="-1">
                 <a:solidFill>
                   <a:srgbClr val="000000"/>
                 </a:solidFill>
@@ -8877,15 +9662,9 @@
               </a:rPr>
               <a:t>Quarto nível</a:t>
             </a:r>
-            <a:endParaRPr b="0" lang="pt-PT" sz="2000" spc="-1" strike="noStrike">
-              <a:solidFill>
-                <a:srgbClr val="000000"/>
-              </a:solidFill>
-              <a:latin typeface="Calibri"/>
-            </a:endParaRPr>
-          </a:p>
-          <a:p>
-            <a:pPr lvl="4" marL="2057400" indent="-228600">
+          </a:p>
+          <a:p>
+            <a:pPr marL="2057400" lvl="4" indent="-228600">
               <a:lnSpc>
                 <a:spcPct val="90000"/>
               </a:lnSpc>
@@ -8899,7 +9678,7 @@
               <a:buChar char="•"/>
             </a:pPr>
             <a:r>
-              <a:rPr b="0" lang="pt-PT" sz="2000" spc="-1" strike="noStrike">
+              <a:rPr lang="pt-PT" sz="2000" b="0" strike="noStrike" spc="-1">
                 <a:solidFill>
                   <a:srgbClr val="000000"/>
                 </a:solidFill>
@@ -8907,12 +9686,6 @@
               </a:rPr>
               <a:t>Quinto nível</a:t>
             </a:r>
-            <a:endParaRPr b="0" lang="pt-PT" sz="2000" spc="-1" strike="noStrike">
-              <a:solidFill>
-                <a:srgbClr val="000000"/>
-              </a:solidFill>
-              <a:latin typeface="Calibri"/>
-            </a:endParaRPr>
           </a:p>
         </p:txBody>
       </p:sp>
@@ -8943,6 +9716,7 @@
           <a:bodyPr anchor="t">
             <a:noAutofit/>
           </a:bodyPr>
+          <a:lstStyle/>
           <a:p>
             <a:pPr>
               <a:lnSpc>
@@ -8953,11 +9727,11 @@
               </a:spcBef>
               <a:buNone/>
               <a:tabLst>
-                <a:tab algn="l" pos="0"/>
+                <a:tab pos="0" algn="l"/>
               </a:tabLst>
             </a:pPr>
             <a:r>
-              <a:rPr b="0" lang="pt-PT" sz="1600" spc="-1" strike="noStrike">
+              <a:rPr lang="pt-PT" sz="1600" b="0" strike="noStrike" spc="-1">
                 <a:solidFill>
                   <a:srgbClr val="000000"/>
                 </a:solidFill>
@@ -8965,12 +9739,6 @@
               </a:rPr>
               <a:t>Editar os estilos de texto do Modelo Global</a:t>
             </a:r>
-            <a:endParaRPr b="0" lang="pt-PT" sz="1600" spc="-1" strike="noStrike">
-              <a:solidFill>
-                <a:srgbClr val="000000"/>
-              </a:solidFill>
-              <a:latin typeface="Calibri"/>
-            </a:endParaRPr>
           </a:p>
         </p:txBody>
       </p:sp>
@@ -9007,9 +9775,9 @@
                 <a:spcPct val="100000"/>
               </a:lnSpc>
               <a:buNone/>
-              <a:defRPr b="0" lang="pt-PT" sz="1200" spc="-1" strike="noStrike">
+              <a:defRPr lang="pt-PT" sz="1200" b="0" strike="noStrike" spc="-1">
                 <a:solidFill>
-                  <a:srgbClr val="8b8b8b"/>
+                  <a:srgbClr val="8B8B8B"/>
                 </a:solidFill>
                 <a:latin typeface="Calibri"/>
               </a:defRPr>
@@ -9023,15 +9791,15 @@
               <a:buNone/>
             </a:pPr>
             <a:r>
-              <a:rPr b="0" lang="pt-PT" sz="1200" spc="-1" strike="noStrike">
+              <a:rPr lang="pt-PT" sz="1200" b="0" strike="noStrike" spc="-1">
                 <a:solidFill>
-                  <a:srgbClr val="8b8b8b"/>
+                  <a:srgbClr val="8B8B8B"/>
                 </a:solidFill>
                 <a:latin typeface="Calibri"/>
               </a:rPr>
               <a:t>&lt;date/time&gt;</a:t>
             </a:r>
-            <a:endParaRPr b="0" lang="en-US" sz="1200" spc="-1" strike="noStrike">
+            <a:endParaRPr lang="en-US" sz="1200" b="0" strike="noStrike" spc="-1">
               <a:latin typeface="Times New Roman"/>
             </a:endParaRPr>
           </a:p>
@@ -9067,7 +9835,7 @@
           <a:lstStyle>
             <a:lvl1pPr algn="ctr">
               <a:buNone/>
-              <a:defRPr b="0" lang="en-US" sz="1400" spc="-1" strike="noStrike">
+              <a:defRPr lang="en-US" sz="1400" b="0" strike="noStrike" spc="-1">
                 <a:latin typeface="Times New Roman"/>
               </a:defRPr>
             </a:lvl1pPr>
@@ -9077,14 +9845,11 @@
               <a:buNone/>
             </a:pPr>
             <a:r>
-              <a:rPr b="0" lang="en-US" sz="1400" spc="-1" strike="noStrike">
+              <a:rPr lang="en-US" sz="1400" b="0" strike="noStrike" spc="-1">
                 <a:latin typeface="Times New Roman"/>
               </a:rPr>
               <a:t>&lt;footer&gt;</a:t>
             </a:r>
-            <a:endParaRPr b="0" lang="en-US" sz="1400" spc="-1" strike="noStrike">
-              <a:latin typeface="Times New Roman"/>
-            </a:endParaRPr>
           </a:p>
         </p:txBody>
       </p:sp>
@@ -9121,9 +9886,9 @@
                 <a:spcPct val="100000"/>
               </a:lnSpc>
               <a:buNone/>
-              <a:defRPr b="0" lang="pt-PT" sz="1200" spc="-1" strike="noStrike">
+              <a:defRPr lang="pt-PT" sz="1200" b="0" strike="noStrike" spc="-1">
                 <a:solidFill>
-                  <a:srgbClr val="8b8b8b"/>
+                  <a:srgbClr val="8B8B8B"/>
                 </a:solidFill>
                 <a:latin typeface="Calibri"/>
               </a:defRPr>
@@ -9137,15 +9902,15 @@
               <a:buNone/>
             </a:pPr>
             <a:fld id="{FD00122B-DF44-4BC0-8F91-2EFADF9387B9}" type="slidenum">
-              <a:rPr b="0" lang="pt-PT" sz="1200" spc="-1" strike="noStrike">
+              <a:rPr lang="pt-PT" sz="1200" b="0" strike="noStrike" spc="-1">
                 <a:solidFill>
-                  <a:srgbClr val="8b8b8b"/>
+                  <a:srgbClr val="8B8B8B"/>
                 </a:solidFill>
                 <a:latin typeface="Calibri"/>
               </a:rPr>
-              <a:t>&lt;number&gt;</a:t>
+              <a:t>‹nº›</a:t>
             </a:fld>
-            <a:endParaRPr b="0" lang="en-US" sz="1200" spc="-1" strike="noStrike">
+            <a:endParaRPr lang="en-US" sz="1200" b="0" strike="noStrike" spc="-1">
               <a:latin typeface="Times New Roman"/>
             </a:endParaRPr>
           </a:p>
@@ -9153,26 +9918,306 @@
       </p:sp>
     </p:spTree>
   </p:cSld>
-  <p:clrMap bg1="lt1" bg2="lt2" tx1="dk1" tx2="dk2" accent1="accent1" accent2="accent2" accent3="accent3" accent4="accent4" accent5="accent5" accent6="accent6" hlink="hlink" folHlink="folHlink"/>
+  <p:clrMap bg1="lt1" tx1="dk1" bg2="lt2" tx2="dk2" accent1="accent1" accent2="accent2" accent3="accent3" accent4="accent4" accent5="accent5" accent6="accent6" hlink="hlink" folHlink="folHlink"/>
   <p:sldLayoutIdLst>
-    <p:sldLayoutId id="2147483675" r:id="rId2"/>
-    <p:sldLayoutId id="2147483676" r:id="rId3"/>
-    <p:sldLayoutId id="2147483677" r:id="rId4"/>
-    <p:sldLayoutId id="2147483678" r:id="rId5"/>
-    <p:sldLayoutId id="2147483679" r:id="rId6"/>
-    <p:sldLayoutId id="2147483680" r:id="rId7"/>
-    <p:sldLayoutId id="2147483681" r:id="rId8"/>
-    <p:sldLayoutId id="2147483682" r:id="rId9"/>
-    <p:sldLayoutId id="2147483683" r:id="rId10"/>
-    <p:sldLayoutId id="2147483684" r:id="rId11"/>
-    <p:sldLayoutId id="2147483685" r:id="rId12"/>
-    <p:sldLayoutId id="2147483686" r:id="rId13"/>
+    <p:sldLayoutId id="2147483675" r:id="rId1"/>
+    <p:sldLayoutId id="2147483676" r:id="rId2"/>
+    <p:sldLayoutId id="2147483677" r:id="rId3"/>
+    <p:sldLayoutId id="2147483678" r:id="rId4"/>
+    <p:sldLayoutId id="2147483679" r:id="rId5"/>
+    <p:sldLayoutId id="2147483680" r:id="rId6"/>
+    <p:sldLayoutId id="2147483681" r:id="rId7"/>
+    <p:sldLayoutId id="2147483682" r:id="rId8"/>
+    <p:sldLayoutId id="2147483683" r:id="rId9"/>
+    <p:sldLayoutId id="2147483684" r:id="rId10"/>
+    <p:sldLayoutId id="2147483685" r:id="rId11"/>
+    <p:sldLayoutId id="2147483686" r:id="rId12"/>
   </p:sldLayoutIdLst>
+  <p:txStyles>
+    <p:titleStyle>
+      <a:lvl1pPr algn="l" defTabSz="914400" rtl="0" eaLnBrk="1" latinLnBrk="0" hangingPunct="1">
+        <a:lnSpc>
+          <a:spcPct val="90000"/>
+        </a:lnSpc>
+        <a:spcBef>
+          <a:spcPct val="0"/>
+        </a:spcBef>
+        <a:buNone/>
+        <a:defRPr sz="4400" kern="1200">
+          <a:solidFill>
+            <a:schemeClr val="tx1"/>
+          </a:solidFill>
+          <a:latin typeface="+mj-lt"/>
+          <a:ea typeface="+mj-ea"/>
+          <a:cs typeface="+mj-cs"/>
+        </a:defRPr>
+      </a:lvl1pPr>
+    </p:titleStyle>
+    <p:bodyStyle>
+      <a:lvl1pPr marL="228600" indent="-228600" algn="l" defTabSz="914400" rtl="0" eaLnBrk="1" latinLnBrk="0" hangingPunct="1">
+        <a:lnSpc>
+          <a:spcPct val="90000"/>
+        </a:lnSpc>
+        <a:spcBef>
+          <a:spcPts val="1000"/>
+        </a:spcBef>
+        <a:buFont typeface="Arial" panose="020B0604020202020204" pitchFamily="34" charset="0"/>
+        <a:buChar char="•"/>
+        <a:defRPr sz="2800" kern="1200">
+          <a:solidFill>
+            <a:schemeClr val="tx1"/>
+          </a:solidFill>
+          <a:latin typeface="+mn-lt"/>
+          <a:ea typeface="+mn-ea"/>
+          <a:cs typeface="+mn-cs"/>
+        </a:defRPr>
+      </a:lvl1pPr>
+      <a:lvl2pPr marL="685800" indent="-228600" algn="l" defTabSz="914400" rtl="0" eaLnBrk="1" latinLnBrk="0" hangingPunct="1">
+        <a:lnSpc>
+          <a:spcPct val="90000"/>
+        </a:lnSpc>
+        <a:spcBef>
+          <a:spcPts val="500"/>
+        </a:spcBef>
+        <a:buFont typeface="Arial" panose="020B0604020202020204" pitchFamily="34" charset="0"/>
+        <a:buChar char="•"/>
+        <a:defRPr sz="2400" kern="1200">
+          <a:solidFill>
+            <a:schemeClr val="tx1"/>
+          </a:solidFill>
+          <a:latin typeface="+mn-lt"/>
+          <a:ea typeface="+mn-ea"/>
+          <a:cs typeface="+mn-cs"/>
+        </a:defRPr>
+      </a:lvl2pPr>
+      <a:lvl3pPr marL="1143000" indent="-228600" algn="l" defTabSz="914400" rtl="0" eaLnBrk="1" latinLnBrk="0" hangingPunct="1">
+        <a:lnSpc>
+          <a:spcPct val="90000"/>
+        </a:lnSpc>
+        <a:spcBef>
+          <a:spcPts val="500"/>
+        </a:spcBef>
+        <a:buFont typeface="Arial" panose="020B0604020202020204" pitchFamily="34" charset="0"/>
+        <a:buChar char="•"/>
+        <a:defRPr sz="2000" kern="1200">
+          <a:solidFill>
+            <a:schemeClr val="tx1"/>
+          </a:solidFill>
+          <a:latin typeface="+mn-lt"/>
+          <a:ea typeface="+mn-ea"/>
+          <a:cs typeface="+mn-cs"/>
+        </a:defRPr>
+      </a:lvl3pPr>
+      <a:lvl4pPr marL="1600200" indent="-228600" algn="l" defTabSz="914400" rtl="0" eaLnBrk="1" latinLnBrk="0" hangingPunct="1">
+        <a:lnSpc>
+          <a:spcPct val="90000"/>
+        </a:lnSpc>
+        <a:spcBef>
+          <a:spcPts val="500"/>
+        </a:spcBef>
+        <a:buFont typeface="Arial" panose="020B0604020202020204" pitchFamily="34" charset="0"/>
+        <a:buChar char="•"/>
+        <a:defRPr sz="1800" kern="1200">
+          <a:solidFill>
+            <a:schemeClr val="tx1"/>
+          </a:solidFill>
+          <a:latin typeface="+mn-lt"/>
+          <a:ea typeface="+mn-ea"/>
+          <a:cs typeface="+mn-cs"/>
+        </a:defRPr>
+      </a:lvl4pPr>
+      <a:lvl5pPr marL="2057400" indent="-228600" algn="l" defTabSz="914400" rtl="0" eaLnBrk="1" latinLnBrk="0" hangingPunct="1">
+        <a:lnSpc>
+          <a:spcPct val="90000"/>
+        </a:lnSpc>
+        <a:spcBef>
+          <a:spcPts val="500"/>
+        </a:spcBef>
+        <a:buFont typeface="Arial" panose="020B0604020202020204" pitchFamily="34" charset="0"/>
+        <a:buChar char="•"/>
+        <a:defRPr sz="1800" kern="1200">
+          <a:solidFill>
+            <a:schemeClr val="tx1"/>
+          </a:solidFill>
+          <a:latin typeface="+mn-lt"/>
+          <a:ea typeface="+mn-ea"/>
+          <a:cs typeface="+mn-cs"/>
+        </a:defRPr>
+      </a:lvl5pPr>
+      <a:lvl6pPr marL="2514600" indent="-228600" algn="l" defTabSz="914400" rtl="0" eaLnBrk="1" latinLnBrk="0" hangingPunct="1">
+        <a:lnSpc>
+          <a:spcPct val="90000"/>
+        </a:lnSpc>
+        <a:spcBef>
+          <a:spcPts val="500"/>
+        </a:spcBef>
+        <a:buFont typeface="Arial" panose="020B0604020202020204" pitchFamily="34" charset="0"/>
+        <a:buChar char="•"/>
+        <a:defRPr sz="1800" kern="1200">
+          <a:solidFill>
+            <a:schemeClr val="tx1"/>
+          </a:solidFill>
+          <a:latin typeface="+mn-lt"/>
+          <a:ea typeface="+mn-ea"/>
+          <a:cs typeface="+mn-cs"/>
+        </a:defRPr>
+      </a:lvl6pPr>
+      <a:lvl7pPr marL="2971800" indent="-228600" algn="l" defTabSz="914400" rtl="0" eaLnBrk="1" latinLnBrk="0" hangingPunct="1">
+        <a:lnSpc>
+          <a:spcPct val="90000"/>
+        </a:lnSpc>
+        <a:spcBef>
+          <a:spcPts val="500"/>
+        </a:spcBef>
+        <a:buFont typeface="Arial" panose="020B0604020202020204" pitchFamily="34" charset="0"/>
+        <a:buChar char="•"/>
+        <a:defRPr sz="1800" kern="1200">
+          <a:solidFill>
+            <a:schemeClr val="tx1"/>
+          </a:solidFill>
+          <a:latin typeface="+mn-lt"/>
+          <a:ea typeface="+mn-ea"/>
+          <a:cs typeface="+mn-cs"/>
+        </a:defRPr>
+      </a:lvl7pPr>
+      <a:lvl8pPr marL="3429000" indent="-228600" algn="l" defTabSz="914400" rtl="0" eaLnBrk="1" latinLnBrk="0" hangingPunct="1">
+        <a:lnSpc>
+          <a:spcPct val="90000"/>
+        </a:lnSpc>
+        <a:spcBef>
+          <a:spcPts val="500"/>
+        </a:spcBef>
+        <a:buFont typeface="Arial" panose="020B0604020202020204" pitchFamily="34" charset="0"/>
+        <a:buChar char="•"/>
+        <a:defRPr sz="1800" kern="1200">
+          <a:solidFill>
+            <a:schemeClr val="tx1"/>
+          </a:solidFill>
+          <a:latin typeface="+mn-lt"/>
+          <a:ea typeface="+mn-ea"/>
+          <a:cs typeface="+mn-cs"/>
+        </a:defRPr>
+      </a:lvl8pPr>
+      <a:lvl9pPr marL="3886200" indent="-228600" algn="l" defTabSz="914400" rtl="0" eaLnBrk="1" latinLnBrk="0" hangingPunct="1">
+        <a:lnSpc>
+          <a:spcPct val="90000"/>
+        </a:lnSpc>
+        <a:spcBef>
+          <a:spcPts val="500"/>
+        </a:spcBef>
+        <a:buFont typeface="Arial" panose="020B0604020202020204" pitchFamily="34" charset="0"/>
+        <a:buChar char="•"/>
+        <a:defRPr sz="1800" kern="1200">
+          <a:solidFill>
+            <a:schemeClr val="tx1"/>
+          </a:solidFill>
+          <a:latin typeface="+mn-lt"/>
+          <a:ea typeface="+mn-ea"/>
+          <a:cs typeface="+mn-cs"/>
+        </a:defRPr>
+      </a:lvl9pPr>
+    </p:bodyStyle>
+    <p:otherStyle>
+      <a:defPPr>
+        <a:defRPr lang="pt-PT"/>
+      </a:defPPr>
+      <a:lvl1pPr marL="0" algn="l" defTabSz="914400" rtl="0" eaLnBrk="1" latinLnBrk="0" hangingPunct="1">
+        <a:defRPr sz="1800" kern="1200">
+          <a:solidFill>
+            <a:schemeClr val="tx1"/>
+          </a:solidFill>
+          <a:latin typeface="+mn-lt"/>
+          <a:ea typeface="+mn-ea"/>
+          <a:cs typeface="+mn-cs"/>
+        </a:defRPr>
+      </a:lvl1pPr>
+      <a:lvl2pPr marL="457200" algn="l" defTabSz="914400" rtl="0" eaLnBrk="1" latinLnBrk="0" hangingPunct="1">
+        <a:defRPr sz="1800" kern="1200">
+          <a:solidFill>
+            <a:schemeClr val="tx1"/>
+          </a:solidFill>
+          <a:latin typeface="+mn-lt"/>
+          <a:ea typeface="+mn-ea"/>
+          <a:cs typeface="+mn-cs"/>
+        </a:defRPr>
+      </a:lvl2pPr>
+      <a:lvl3pPr marL="914400" algn="l" defTabSz="914400" rtl="0" eaLnBrk="1" latinLnBrk="0" hangingPunct="1">
+        <a:defRPr sz="1800" kern="1200">
+          <a:solidFill>
+            <a:schemeClr val="tx1"/>
+          </a:solidFill>
+          <a:latin typeface="+mn-lt"/>
+          <a:ea typeface="+mn-ea"/>
+          <a:cs typeface="+mn-cs"/>
+        </a:defRPr>
+      </a:lvl3pPr>
+      <a:lvl4pPr marL="1371600" algn="l" defTabSz="914400" rtl="0" eaLnBrk="1" latinLnBrk="0" hangingPunct="1">
+        <a:defRPr sz="1800" kern="1200">
+          <a:solidFill>
+            <a:schemeClr val="tx1"/>
+          </a:solidFill>
+          <a:latin typeface="+mn-lt"/>
+          <a:ea typeface="+mn-ea"/>
+          <a:cs typeface="+mn-cs"/>
+        </a:defRPr>
+      </a:lvl4pPr>
+      <a:lvl5pPr marL="1828800" algn="l" defTabSz="914400" rtl="0" eaLnBrk="1" latinLnBrk="0" hangingPunct="1">
+        <a:defRPr sz="1800" kern="1200">
+          <a:solidFill>
+            <a:schemeClr val="tx1"/>
+          </a:solidFill>
+          <a:latin typeface="+mn-lt"/>
+          <a:ea typeface="+mn-ea"/>
+          <a:cs typeface="+mn-cs"/>
+        </a:defRPr>
+      </a:lvl5pPr>
+      <a:lvl6pPr marL="2286000" algn="l" defTabSz="914400" rtl="0" eaLnBrk="1" latinLnBrk="0" hangingPunct="1">
+        <a:defRPr sz="1800" kern="1200">
+          <a:solidFill>
+            <a:schemeClr val="tx1"/>
+          </a:solidFill>
+          <a:latin typeface="+mn-lt"/>
+          <a:ea typeface="+mn-ea"/>
+          <a:cs typeface="+mn-cs"/>
+        </a:defRPr>
+      </a:lvl6pPr>
+      <a:lvl7pPr marL="2743200" algn="l" defTabSz="914400" rtl="0" eaLnBrk="1" latinLnBrk="0" hangingPunct="1">
+        <a:defRPr sz="1800" kern="1200">
+          <a:solidFill>
+            <a:schemeClr val="tx1"/>
+          </a:solidFill>
+          <a:latin typeface="+mn-lt"/>
+          <a:ea typeface="+mn-ea"/>
+          <a:cs typeface="+mn-cs"/>
+        </a:defRPr>
+      </a:lvl7pPr>
+      <a:lvl8pPr marL="3200400" algn="l" defTabSz="914400" rtl="0" eaLnBrk="1" latinLnBrk="0" hangingPunct="1">
+        <a:defRPr sz="1800" kern="1200">
+          <a:solidFill>
+            <a:schemeClr val="tx1"/>
+          </a:solidFill>
+          <a:latin typeface="+mn-lt"/>
+          <a:ea typeface="+mn-ea"/>
+          <a:cs typeface="+mn-cs"/>
+        </a:defRPr>
+      </a:lvl8pPr>
+      <a:lvl9pPr marL="3657600" algn="l" defTabSz="914400" rtl="0" eaLnBrk="1" latinLnBrk="0" hangingPunct="1">
+        <a:defRPr sz="1800" kern="1200">
+          <a:solidFill>
+            <a:schemeClr val="tx1"/>
+          </a:solidFill>
+          <a:latin typeface="+mn-lt"/>
+          <a:ea typeface="+mn-ea"/>
+          <a:cs typeface="+mn-cs"/>
+        </a:defRPr>
+      </a:lvl9pPr>
+    </p:otherStyle>
+  </p:txStyles>
 </p:sldMaster>
 </file>
 
 <file path=ppt/slides/slide1.xml><?xml version="1.0" encoding="utf-8"?>
-<p:sld xmlns:a="http://schemas.openxmlformats.org/drawingml/2006/main" xmlns:p="http://schemas.openxmlformats.org/presentationml/2006/main" xmlns:r="http://schemas.openxmlformats.org/officeDocument/2006/relationships" xmlns:p14="http://schemas.microsoft.com/office/powerpoint/2010/main" xmlns:p15="http://schemas.microsoft.com/office/powerpoint/2012/main" xmlns:mc="http://schemas.openxmlformats.org/markup-compatibility/2006">
+<p:sld xmlns:a="http://schemas.openxmlformats.org/drawingml/2006/main" xmlns:r="http://schemas.openxmlformats.org/officeDocument/2006/relationships" xmlns:p="http://schemas.openxmlformats.org/presentationml/2006/main">
   <p:cSld>
     <p:spTree>
       <p:nvGrpSpPr>
@@ -9215,6 +10260,7 @@
           <a:bodyPr anchor="b">
             <a:noAutofit/>
           </a:bodyPr>
+          <a:lstStyle/>
           <a:p>
             <a:pPr algn="ctr">
               <a:lnSpc>
@@ -9223,7 +10269,7 @@
               <a:buNone/>
             </a:pPr>
             <a:r>
-              <a:rPr b="0" lang="pt-PT" sz="6000" spc="-1" strike="noStrike">
+              <a:rPr lang="pt-PT" sz="6000" b="0" strike="noStrike" spc="-1">
                 <a:solidFill>
                   <a:srgbClr val="000000"/>
                 </a:solidFill>
@@ -9231,7 +10277,7 @@
               </a:rPr>
               <a:t>Jogos em C</a:t>
             </a:r>
-            <a:endParaRPr b="0" lang="pt-PT" sz="6000" spc="-1" strike="noStrike">
+            <a:endParaRPr lang="pt-PT" sz="6000" b="0" strike="noStrike" spc="-1">
               <a:solidFill>
                 <a:srgbClr val="000000"/>
               </a:solidFill>
@@ -9267,6 +10313,7 @@
           <a:bodyPr anchor="t">
             <a:noAutofit/>
           </a:bodyPr>
+          <a:lstStyle/>
           <a:p>
             <a:pPr algn="ctr">
               <a:lnSpc>
@@ -9277,11 +10324,11 @@
               </a:spcBef>
               <a:buNone/>
               <a:tabLst>
-                <a:tab algn="l" pos="0"/>
+                <a:tab pos="0" algn="l"/>
               </a:tabLst>
             </a:pPr>
             <a:r>
-              <a:rPr b="0" lang="pt-PT" sz="2400" spc="-1" strike="noStrike">
+              <a:rPr lang="pt-PT" sz="2400" b="0" strike="noStrike" spc="-1">
                 <a:solidFill>
                   <a:srgbClr val="000000"/>
                 </a:solidFill>
@@ -9289,7 +10336,7 @@
               </a:rPr>
               <a:t>Artem Shemendiuk nº3</a:t>
             </a:r>
-            <a:endParaRPr b="0" lang="en-US" sz="2400" spc="-1" strike="noStrike">
+            <a:endParaRPr lang="en-US" sz="2400" b="0" strike="noStrike" spc="-1">
               <a:latin typeface="Arial"/>
             </a:endParaRPr>
           </a:p>
@@ -9303,11 +10350,11 @@
               </a:spcBef>
               <a:buNone/>
               <a:tabLst>
-                <a:tab algn="l" pos="0"/>
+                <a:tab pos="0" algn="l"/>
               </a:tabLst>
             </a:pPr>
             <a:r>
-              <a:rPr b="0" lang="pt-PT" sz="2400" spc="-1" strike="noStrike">
+              <a:rPr lang="pt-PT" sz="2400" b="0" strike="noStrike" spc="-1">
                 <a:solidFill>
                   <a:srgbClr val="000000"/>
                 </a:solidFill>
@@ -9316,7 +10363,7 @@
               <a:t>13</a:t>
             </a:r>
             <a:r>
-              <a:rPr b="0" lang="en-US" sz="2400" spc="-1" strike="noStrike">
+              <a:rPr lang="en-US" sz="2400" b="0" strike="noStrike" spc="-1">
                 <a:solidFill>
                   <a:srgbClr val="000000"/>
                 </a:solidFill>
@@ -9324,7 +10371,7 @@
               </a:rPr>
               <a:t>/06/2024</a:t>
             </a:r>
-            <a:endParaRPr b="0" lang="en-US" sz="2400" spc="-1" strike="noStrike">
+            <a:endParaRPr lang="en-US" sz="2400" b="0" strike="noStrike" spc="-1">
               <a:latin typeface="Arial"/>
             </a:endParaRPr>
           </a:p>
@@ -9332,19 +10379,14 @@
       </p:sp>
     </p:spTree>
   </p:cSld>
-  <mc:AlternateContent>
-    <mc:Choice Requires="p14">
-      <p:transition spd="slow" p14:dur="2000"/>
-    </mc:Choice>
-    <mc:Fallback>
-      <p:transition spd="slow"/>
-    </mc:Fallback>
-  </mc:AlternateContent>
+  <p:clrMapOvr>
+    <a:masterClrMapping/>
+  </p:clrMapOvr>
 </p:sld>
 </file>
 
-<file path=ppt/slides/slide2.xml><?xml version="1.0" encoding="utf-8"?>
-<p:sld xmlns:a="http://schemas.openxmlformats.org/drawingml/2006/main" xmlns:p="http://schemas.openxmlformats.org/presentationml/2006/main" xmlns:r="http://schemas.openxmlformats.org/officeDocument/2006/relationships" xmlns:p14="http://schemas.microsoft.com/office/powerpoint/2010/main" xmlns:p15="http://schemas.microsoft.com/office/powerpoint/2012/main" xmlns:mc="http://schemas.openxmlformats.org/markup-compatibility/2006">
+<file path=ppt/slides/slide10.xml><?xml version="1.0" encoding="utf-8"?>
+<p:sld xmlns:a="http://schemas.openxmlformats.org/drawingml/2006/main" xmlns:r="http://schemas.openxmlformats.org/officeDocument/2006/relationships" xmlns:p="http://schemas.openxmlformats.org/presentationml/2006/main">
   <p:cSld>
     <p:spTree>
       <p:nvGrpSpPr>
@@ -9362,7 +10404,7 @@
       </p:grpSpPr>
       <p:sp>
         <p:nvSpPr>
-          <p:cNvPr id="126" name="PlaceHolder 1"/>
+          <p:cNvPr id="145" name="PlaceHolder 1"/>
           <p:cNvSpPr>
             <a:spLocks noGrp="1"/>
           </p:cNvSpPr>
@@ -9387,6 +10429,7 @@
           <a:bodyPr anchor="ctr">
             <a:noAutofit/>
           </a:bodyPr>
+          <a:lstStyle/>
           <a:p>
             <a:pPr>
               <a:lnSpc>
@@ -9395,15 +10438,15 @@
               <a:buNone/>
             </a:pPr>
             <a:r>
-              <a:rPr b="0" lang="pt-PT" sz="4400" spc="-1" strike="noStrike">
+              <a:rPr lang="pt-PT" sz="4400" b="0" strike="noStrike" spc="-1">
                 <a:solidFill>
                   <a:srgbClr val="000000"/>
                 </a:solidFill>
                 <a:latin typeface="Calibri Light"/>
               </a:rPr>
-              <a:t>Índice</a:t>
-            </a:r>
-            <a:endParaRPr b="0" lang="pt-PT" sz="4400" spc="-1" strike="noStrike">
+              <a:t>Conclusão</a:t>
+            </a:r>
+            <a:endParaRPr lang="pt-PT" sz="4400" b="0" strike="noStrike" spc="-1">
               <a:solidFill>
                 <a:srgbClr val="000000"/>
               </a:solidFill>
@@ -9414,7 +10457,7 @@
       </p:sp>
       <p:sp>
         <p:nvSpPr>
-          <p:cNvPr id="127" name="PlaceHolder 2"/>
+          <p:cNvPr id="146" name="PlaceHolder 2"/>
           <p:cNvSpPr>
             <a:spLocks noGrp="1"/>
           </p:cNvSpPr>
@@ -9424,7 +10467,7 @@
         </p:nvSpPr>
         <p:spPr>
           <a:xfrm>
-            <a:off x="838080" y="1825560"/>
+            <a:off x="612997" y="1690200"/>
             <a:ext cx="10515240" cy="4350960"/>
           </a:xfrm>
           <a:prstGeom prst="rect">
@@ -9437,325 +10480,44 @@
         </p:spPr>
         <p:txBody>
           <a:bodyPr anchor="t">
-            <a:normAutofit fontScale="94000"/>
-          </a:bodyPr>
-          <a:p>
-            <a:pPr marL="514440" indent="-514440">
+            <a:noAutofit/>
+          </a:bodyPr>
+          <a:lstStyle/>
+          <a:p>
+            <a:pPr>
               <a:lnSpc>
                 <a:spcPct val="90000"/>
               </a:lnSpc>
               <a:spcBef>
                 <a:spcPts val="1001"/>
               </a:spcBef>
-              <a:buClr>
-                <a:srgbClr val="000000"/>
-              </a:buClr>
-              <a:buFont typeface="Calibri Light"/>
-              <a:buAutoNum type="arabicPeriod"/>
-            </a:pPr>
-            <a:r>
-              <a:rPr b="0" lang="pt-PT" sz="2800" spc="-1" strike="noStrike">
+              <a:buNone/>
+              <a:tabLst>
+                <a:tab pos="0" algn="l"/>
+              </a:tabLst>
+            </a:pPr>
+            <a:r>
+              <a:rPr lang="pt-PT" sz="2800" b="0" strike="noStrike" spc="-1" dirty="0">
                 <a:solidFill>
                   <a:srgbClr val="000000"/>
                 </a:solidFill>
                 <a:latin typeface="Calibri"/>
               </a:rPr>
-              <a:t>Introdução</a:t>
-            </a:r>
-            <a:endParaRPr b="0" lang="pt-PT" sz="2800" spc="-1" strike="noStrike">
-              <a:solidFill>
-                <a:srgbClr val="000000"/>
-              </a:solidFill>
-              <a:latin typeface="Calibri"/>
-            </a:endParaRPr>
-          </a:p>
-          <a:p>
-            <a:pPr marL="514440" indent="-514440">
-              <a:lnSpc>
-                <a:spcPct val="90000"/>
-              </a:lnSpc>
-              <a:spcBef>
-                <a:spcPts val="1001"/>
-              </a:spcBef>
-              <a:buClr>
-                <a:srgbClr val="000000"/>
-              </a:buClr>
-              <a:buFont typeface="Calibri Light"/>
-              <a:buAutoNum type="arabicPeriod"/>
-            </a:pPr>
-            <a:r>
-              <a:rPr b="0" lang="pt-PT" sz="2800" spc="-1" strike="noStrike">
-                <a:solidFill>
-                  <a:srgbClr val="000000"/>
-                </a:solidFill>
-                <a:latin typeface="Calibri"/>
-              </a:rPr>
-              <a:t>Apresentação dos Jogos</a:t>
-            </a:r>
-            <a:endParaRPr b="0" lang="pt-PT" sz="2800" spc="-1" strike="noStrike">
-              <a:solidFill>
-                <a:srgbClr val="000000"/>
-              </a:solidFill>
-              <a:latin typeface="Calibri"/>
-            </a:endParaRPr>
-          </a:p>
-          <a:p>
-            <a:pPr lvl="1" marL="971640" indent="-514440">
-              <a:lnSpc>
-                <a:spcPct val="90000"/>
-              </a:lnSpc>
-              <a:spcBef>
-                <a:spcPts val="499"/>
-              </a:spcBef>
-              <a:buClr>
-                <a:srgbClr val="000000"/>
-              </a:buClr>
-              <a:buFont typeface="Calibri Light"/>
-              <a:buAutoNum type="arabicPeriod"/>
-            </a:pPr>
-            <a:r>
-              <a:rPr b="0" lang="pt-PT" sz="2400" spc="-1" strike="noStrike">
-                <a:solidFill>
-                  <a:srgbClr val="000000"/>
-                </a:solidFill>
-                <a:latin typeface="Calibri"/>
-              </a:rPr>
-              <a:t>Jogo de Cálculos</a:t>
-            </a:r>
-            <a:endParaRPr b="0" lang="pt-PT" sz="2400" spc="-1" strike="noStrike">
-              <a:solidFill>
-                <a:srgbClr val="000000"/>
-              </a:solidFill>
-              <a:latin typeface="Calibri"/>
-            </a:endParaRPr>
-          </a:p>
-          <a:p>
-            <a:pPr lvl="1" marL="971640" indent="-514440">
-              <a:lnSpc>
-                <a:spcPct val="90000"/>
-              </a:lnSpc>
-              <a:spcBef>
-                <a:spcPts val="499"/>
-              </a:spcBef>
-              <a:buClr>
-                <a:srgbClr val="000000"/>
-              </a:buClr>
-              <a:buFont typeface="Calibri Light"/>
-              <a:buAutoNum type="arabicPeriod"/>
-            </a:pPr>
-            <a:r>
-              <a:rPr b="0" lang="pt-PT" sz="2400" spc="-1" strike="noStrike">
-                <a:solidFill>
-                  <a:srgbClr val="000000"/>
-                </a:solidFill>
-                <a:latin typeface="Calibri"/>
-              </a:rPr>
-              <a:t>Adivinhe o Número</a:t>
-            </a:r>
-            <a:endParaRPr b="0" lang="pt-PT" sz="2400" spc="-1" strike="noStrike">
-              <a:solidFill>
-                <a:srgbClr val="000000"/>
-              </a:solidFill>
-              <a:latin typeface="Calibri"/>
-            </a:endParaRPr>
-          </a:p>
-          <a:p>
-            <a:pPr lvl="1" marL="971640" indent="-514440">
-              <a:lnSpc>
-                <a:spcPct val="90000"/>
-              </a:lnSpc>
-              <a:spcBef>
-                <a:spcPts val="499"/>
-              </a:spcBef>
-              <a:buClr>
-                <a:srgbClr val="000000"/>
-              </a:buClr>
-              <a:buFont typeface="Calibri Light"/>
-              <a:buAutoNum type="arabicPeriod"/>
-            </a:pPr>
-            <a:r>
-              <a:rPr b="0" lang="pt-PT" sz="2400" spc="-1" strike="noStrike">
-                <a:solidFill>
-                  <a:srgbClr val="000000"/>
-                </a:solidFill>
-                <a:latin typeface="Calibri"/>
-              </a:rPr>
-              <a:t>Pedra, Papel, Tesoura</a:t>
-            </a:r>
-            <a:endParaRPr b="0" lang="pt-PT" sz="2400" spc="-1" strike="noStrike">
-              <a:solidFill>
-                <a:srgbClr val="000000"/>
-              </a:solidFill>
-              <a:latin typeface="Calibri"/>
-            </a:endParaRPr>
-          </a:p>
-          <a:p>
-            <a:pPr lvl="1" marL="971640" indent="-514440">
-              <a:lnSpc>
-                <a:spcPct val="90000"/>
-              </a:lnSpc>
-              <a:spcBef>
-                <a:spcPts val="499"/>
-              </a:spcBef>
-              <a:buClr>
-                <a:srgbClr val="000000"/>
-              </a:buClr>
-              <a:buFont typeface="Calibri Light"/>
-              <a:buAutoNum type="arabicPeriod"/>
-            </a:pPr>
-            <a:r>
-              <a:rPr b="0" lang="pt-PT" sz="2400" spc="-1" strike="noStrike">
-                <a:solidFill>
-                  <a:srgbClr val="000000"/>
-                </a:solidFill>
-                <a:latin typeface="Calibri"/>
-              </a:rPr>
-              <a:t>Adivinhe a Palavra</a:t>
-            </a:r>
-            <a:endParaRPr b="0" lang="pt-PT" sz="2400" spc="-1" strike="noStrike">
-              <a:solidFill>
-                <a:srgbClr val="000000"/>
-              </a:solidFill>
-              <a:latin typeface="Calibri"/>
-            </a:endParaRPr>
-          </a:p>
-          <a:p>
-            <a:pPr marL="514440" indent="-514440">
-              <a:lnSpc>
-                <a:spcPct val="90000"/>
-              </a:lnSpc>
-              <a:spcBef>
-                <a:spcPts val="1001"/>
-              </a:spcBef>
-              <a:buClr>
-                <a:srgbClr val="000000"/>
-              </a:buClr>
-              <a:buFont typeface="Calibri Light"/>
-              <a:buAutoNum type="arabicPeriod"/>
-            </a:pPr>
-            <a:r>
-              <a:rPr b="0" lang="pt-PT" sz="2800" spc="-1" strike="noStrike">
-                <a:solidFill>
-                  <a:srgbClr val="000000"/>
-                </a:solidFill>
-                <a:latin typeface="Calibri"/>
-              </a:rPr>
-              <a:t>Análise</a:t>
-            </a:r>
-            <a:endParaRPr b="0" lang="pt-PT" sz="2800" spc="-1" strike="noStrike">
-              <a:solidFill>
-                <a:srgbClr val="000000"/>
-              </a:solidFill>
-              <a:latin typeface="Calibri"/>
-            </a:endParaRPr>
-          </a:p>
-          <a:p>
-            <a:pPr marL="514440" indent="-514440">
-              <a:lnSpc>
-                <a:spcPct val="90000"/>
-              </a:lnSpc>
-              <a:spcBef>
-                <a:spcPts val="1001"/>
-              </a:spcBef>
-              <a:buClr>
-                <a:srgbClr val="000000"/>
-              </a:buClr>
-              <a:buFont typeface="Calibri Light"/>
-              <a:buAutoNum type="arabicPeriod"/>
-            </a:pPr>
-            <a:r>
-              <a:rPr b="0" lang="pt-PT" sz="2800" spc="-1" strike="noStrike">
-                <a:solidFill>
-                  <a:srgbClr val="000000"/>
-                </a:solidFill>
-                <a:latin typeface="Calibri"/>
-              </a:rPr>
-              <a:t>Manual do Utilizador</a:t>
-            </a:r>
-            <a:endParaRPr b="0" lang="pt-PT" sz="2800" spc="-1" strike="noStrike">
-              <a:solidFill>
-                <a:srgbClr val="000000"/>
-              </a:solidFill>
-              <a:latin typeface="Calibri"/>
-            </a:endParaRPr>
-          </a:p>
-          <a:p>
-            <a:pPr marL="514440" indent="-514440">
-              <a:lnSpc>
-                <a:spcPct val="90000"/>
-              </a:lnSpc>
-              <a:spcBef>
-                <a:spcPts val="1001"/>
-              </a:spcBef>
-              <a:buClr>
-                <a:srgbClr val="000000"/>
-              </a:buClr>
-              <a:buFont typeface="Calibri Light"/>
-              <a:buAutoNum type="arabicPeriod"/>
-            </a:pPr>
-            <a:r>
-              <a:rPr b="0" lang="pt-PT" sz="2800" spc="-1" strike="noStrike">
-                <a:solidFill>
-                  <a:srgbClr val="000000"/>
-                </a:solidFill>
-                <a:latin typeface="Calibri"/>
-              </a:rPr>
-              <a:t>Conclusão</a:t>
-            </a:r>
-            <a:endParaRPr b="0" lang="pt-PT" sz="2800" spc="-1" strike="noStrike">
-              <a:solidFill>
-                <a:srgbClr val="000000"/>
-              </a:solidFill>
-              <a:latin typeface="Calibri"/>
-            </a:endParaRPr>
-          </a:p>
-          <a:p>
-            <a:pPr marL="514440" indent="-514440">
-              <a:lnSpc>
-                <a:spcPct val="90000"/>
-              </a:lnSpc>
-              <a:spcBef>
-                <a:spcPts val="1001"/>
-              </a:spcBef>
-              <a:buClr>
-                <a:srgbClr val="000000"/>
-              </a:buClr>
-              <a:buFont typeface="Calibri Light"/>
-              <a:buAutoNum type="arabicPeriod"/>
-            </a:pPr>
-            <a:r>
-              <a:rPr b="0" lang="pt-PT" sz="2800" spc="-1" strike="noStrike">
-                <a:solidFill>
-                  <a:srgbClr val="000000"/>
-                </a:solidFill>
-                <a:latin typeface="Calibri"/>
-              </a:rPr>
-              <a:t>Anexos</a:t>
-            </a:r>
-            <a:endParaRPr b="0" lang="pt-PT" sz="2800" spc="-1" strike="noStrike">
-              <a:solidFill>
-                <a:srgbClr val="000000"/>
-              </a:solidFill>
-              <a:latin typeface="Calibri"/>
-            </a:endParaRPr>
+              <a:t>   Nesta apresentação mostrei meu programa na linguagem de programação C. Trabalhei neste projeto durante vários dias, desenvolvendo quatro jogos diferentes que ofereciam desafios divertidos e variados. Foi uma experiência maravilhosa que me ajudou a aprender mais sobre programação e lógica.</a:t>
+            </a:r>
           </a:p>
         </p:txBody>
       </p:sp>
     </p:spTree>
   </p:cSld>
-  <mc:AlternateContent>
-    <mc:Choice Requires="p14">
-      <p:transition spd="slow" p14:dur="2000"/>
-    </mc:Choice>
-    <mc:Fallback>
-      <p:transition spd="slow"/>
-    </mc:Fallback>
-  </mc:AlternateContent>
+  <p:clrMapOvr>
+    <a:masterClrMapping/>
+  </p:clrMapOvr>
 </p:sld>
 </file>
 
-<file path=ppt/slides/slide3.xml><?xml version="1.0" encoding="utf-8"?>
-<p:sld xmlns:a="http://schemas.openxmlformats.org/drawingml/2006/main" xmlns:p="http://schemas.openxmlformats.org/presentationml/2006/main" xmlns:r="http://schemas.openxmlformats.org/officeDocument/2006/relationships" xmlns:p14="http://schemas.microsoft.com/office/powerpoint/2010/main" xmlns:p15="http://schemas.microsoft.com/office/powerpoint/2012/main" xmlns:mc="http://schemas.openxmlformats.org/markup-compatibility/2006">
+<file path=ppt/slides/slide2.xml><?xml version="1.0" encoding="utf-8"?>
+<p:sld xmlns:a="http://schemas.openxmlformats.org/drawingml/2006/main" xmlns:r="http://schemas.openxmlformats.org/officeDocument/2006/relationships" xmlns:p="http://schemas.openxmlformats.org/presentationml/2006/main">
   <p:cSld>
     <p:spTree>
       <p:nvGrpSpPr>
@@ -9773,7 +10535,7 @@
       </p:grpSpPr>
       <p:sp>
         <p:nvSpPr>
-          <p:cNvPr id="128" name="PlaceHolder 1"/>
+          <p:cNvPr id="126" name="PlaceHolder 1"/>
           <p:cNvSpPr>
             <a:spLocks noGrp="1"/>
           </p:cNvSpPr>
@@ -9798,6 +10560,7 @@
           <a:bodyPr anchor="ctr">
             <a:noAutofit/>
           </a:bodyPr>
+          <a:lstStyle/>
           <a:p>
             <a:pPr>
               <a:lnSpc>
@@ -9806,15 +10569,15 @@
               <a:buNone/>
             </a:pPr>
             <a:r>
-              <a:rPr b="0" lang="pt-PT" sz="4400" spc="-1" strike="noStrike">
+              <a:rPr lang="pt-PT" sz="4400" b="0" strike="noStrike" spc="-1">
                 <a:solidFill>
                   <a:srgbClr val="000000"/>
                 </a:solidFill>
                 <a:latin typeface="Calibri Light"/>
               </a:rPr>
-              <a:t>Introdução</a:t>
-            </a:r>
-            <a:endParaRPr b="0" lang="pt-PT" sz="4400" spc="-1" strike="noStrike">
+              <a:t>Índice</a:t>
+            </a:r>
+            <a:endParaRPr lang="pt-PT" sz="4400" b="0" strike="noStrike" spc="-1">
               <a:solidFill>
                 <a:srgbClr val="000000"/>
               </a:solidFill>
@@ -9825,7 +10588,7 @@
       </p:sp>
       <p:sp>
         <p:nvSpPr>
-          <p:cNvPr id="129" name="PlaceHolder 2"/>
+          <p:cNvPr id="127" name="PlaceHolder 2"/>
           <p:cNvSpPr>
             <a:spLocks noGrp="1"/>
           </p:cNvSpPr>
@@ -9848,74 +10611,237 @@
         </p:spPr>
         <p:txBody>
           <a:bodyPr anchor="t">
-            <a:noAutofit/>
-          </a:bodyPr>
-          <a:p>
-            <a:pPr>
+            <a:normAutofit fontScale="94000"/>
+          </a:bodyPr>
+          <a:lstStyle/>
+          <a:p>
+            <a:pPr marL="514440" indent="-514440">
               <a:lnSpc>
                 <a:spcPct val="90000"/>
               </a:lnSpc>
               <a:spcBef>
                 <a:spcPts val="1001"/>
               </a:spcBef>
-              <a:buNone/>
-              <a:tabLst>
-                <a:tab algn="l" pos="0"/>
-              </a:tabLst>
-            </a:pPr>
-            <a:r>
-              <a:rPr b="0" lang="pt-PT" sz="2800" spc="-1" strike="noStrike">
+              <a:buClr>
+                <a:srgbClr val="000000"/>
+              </a:buClr>
+              <a:buFont typeface="Calibri Light"/>
+              <a:buAutoNum type="arabicPeriod"/>
+            </a:pPr>
+            <a:r>
+              <a:rPr lang="pt-PT" sz="2800" b="0" strike="noStrike" spc="-1" dirty="0">
                 <a:solidFill>
                   <a:srgbClr val="000000"/>
                 </a:solidFill>
                 <a:latin typeface="Calibri"/>
               </a:rPr>
-              <a:t>Ola, hoje vou apresentar um programa desenvolvido em C, que inclui quatro jogos distintos: Jogo de Cálculos, Adivinhe o Número, Pedra, Papel, Tesoura e Adivinhe a Palavra. Cada jogo possui suas próprias regras e objetivos, proporcionando uma experiência divertida e variada para os utilizadores.</a:t>
-            </a:r>
-            <a:endParaRPr b="0" lang="pt-PT" sz="2800" spc="-1" strike="noStrike">
-              <a:solidFill>
-                <a:srgbClr val="000000"/>
-              </a:solidFill>
-              <a:latin typeface="Calibri"/>
-            </a:endParaRPr>
-          </a:p>
-          <a:p>
-            <a:pPr>
+              <a:t>Introdução</a:t>
+            </a:r>
+          </a:p>
+          <a:p>
+            <a:pPr marL="514440" indent="-514440">
               <a:lnSpc>
                 <a:spcPct val="90000"/>
               </a:lnSpc>
               <a:spcBef>
                 <a:spcPts val="1001"/>
               </a:spcBef>
-              <a:buNone/>
-              <a:tabLst>
-                <a:tab algn="l" pos="0"/>
-              </a:tabLst>
-            </a:pPr>
-            <a:endParaRPr b="0" lang="pt-PT" sz="2800" spc="-1" strike="noStrike">
-              <a:solidFill>
-                <a:srgbClr val="000000"/>
-              </a:solidFill>
-              <a:latin typeface="Calibri"/>
-            </a:endParaRPr>
+              <a:buClr>
+                <a:srgbClr val="000000"/>
+              </a:buClr>
+              <a:buFont typeface="Calibri Light"/>
+              <a:buAutoNum type="arabicPeriod"/>
+            </a:pPr>
+            <a:r>
+              <a:rPr lang="pt-PT" sz="2800" b="0" strike="noStrike" spc="-1" dirty="0">
+                <a:solidFill>
+                  <a:srgbClr val="000000"/>
+                </a:solidFill>
+                <a:latin typeface="Calibri"/>
+              </a:rPr>
+              <a:t>Apresentação dos Jogos</a:t>
+            </a:r>
+          </a:p>
+          <a:p>
+            <a:pPr marL="971640" lvl="1" indent="-514440">
+              <a:lnSpc>
+                <a:spcPct val="90000"/>
+              </a:lnSpc>
+              <a:spcBef>
+                <a:spcPts val="499"/>
+              </a:spcBef>
+              <a:buClr>
+                <a:srgbClr val="000000"/>
+              </a:buClr>
+              <a:buFont typeface="Calibri Light"/>
+              <a:buAutoNum type="arabicPeriod"/>
+            </a:pPr>
+            <a:r>
+              <a:rPr lang="pt-PT" sz="2400" b="0" strike="noStrike" spc="-1" dirty="0">
+                <a:solidFill>
+                  <a:srgbClr val="000000"/>
+                </a:solidFill>
+                <a:latin typeface="Calibri"/>
+              </a:rPr>
+              <a:t>Jogo de Cálculos</a:t>
+            </a:r>
+          </a:p>
+          <a:p>
+            <a:pPr marL="971640" lvl="1" indent="-514440">
+              <a:lnSpc>
+                <a:spcPct val="90000"/>
+              </a:lnSpc>
+              <a:spcBef>
+                <a:spcPts val="499"/>
+              </a:spcBef>
+              <a:buClr>
+                <a:srgbClr val="000000"/>
+              </a:buClr>
+              <a:buFont typeface="Calibri Light"/>
+              <a:buAutoNum type="arabicPeriod"/>
+            </a:pPr>
+            <a:r>
+              <a:rPr lang="pt-PT" sz="2400" b="0" strike="noStrike" spc="-1" dirty="0">
+                <a:solidFill>
+                  <a:srgbClr val="000000"/>
+                </a:solidFill>
+                <a:latin typeface="Calibri"/>
+              </a:rPr>
+              <a:t>Adivinhe o Número</a:t>
+            </a:r>
+          </a:p>
+          <a:p>
+            <a:pPr marL="971640" lvl="1" indent="-514440">
+              <a:lnSpc>
+                <a:spcPct val="90000"/>
+              </a:lnSpc>
+              <a:spcBef>
+                <a:spcPts val="499"/>
+              </a:spcBef>
+              <a:buClr>
+                <a:srgbClr val="000000"/>
+              </a:buClr>
+              <a:buFont typeface="Calibri Light"/>
+              <a:buAutoNum type="arabicPeriod"/>
+            </a:pPr>
+            <a:r>
+              <a:rPr lang="pt-PT" sz="2400" b="0" strike="noStrike" spc="-1" dirty="0">
+                <a:solidFill>
+                  <a:srgbClr val="000000"/>
+                </a:solidFill>
+                <a:latin typeface="Calibri"/>
+              </a:rPr>
+              <a:t>Pedra, Papel, Tesoura</a:t>
+            </a:r>
+          </a:p>
+          <a:p>
+            <a:pPr marL="971640" lvl="1" indent="-514440">
+              <a:lnSpc>
+                <a:spcPct val="90000"/>
+              </a:lnSpc>
+              <a:spcBef>
+                <a:spcPts val="499"/>
+              </a:spcBef>
+              <a:buClr>
+                <a:srgbClr val="000000"/>
+              </a:buClr>
+              <a:buFont typeface="Calibri Light"/>
+              <a:buAutoNum type="arabicPeriod"/>
+            </a:pPr>
+            <a:r>
+              <a:rPr lang="pt-PT" sz="2400" b="0" strike="noStrike" spc="-1" dirty="0">
+                <a:solidFill>
+                  <a:srgbClr val="000000"/>
+                </a:solidFill>
+                <a:latin typeface="Calibri"/>
+              </a:rPr>
+              <a:t>Adivinhe a Palavra</a:t>
+            </a:r>
+          </a:p>
+          <a:p>
+            <a:pPr marL="514440" indent="-514440">
+              <a:lnSpc>
+                <a:spcPct val="90000"/>
+              </a:lnSpc>
+              <a:spcBef>
+                <a:spcPts val="1001"/>
+              </a:spcBef>
+              <a:buClr>
+                <a:srgbClr val="000000"/>
+              </a:buClr>
+              <a:buFont typeface="Calibri Light"/>
+              <a:buAutoNum type="arabicPeriod"/>
+            </a:pPr>
+            <a:r>
+              <a:rPr lang="pt-PT" sz="2800" b="0" strike="noStrike" spc="-1" dirty="0">
+                <a:solidFill>
+                  <a:srgbClr val="000000"/>
+                </a:solidFill>
+                <a:latin typeface="Calibri"/>
+              </a:rPr>
+              <a:t>Análise</a:t>
+            </a:r>
+          </a:p>
+          <a:p>
+            <a:pPr marL="514440" indent="-514440">
+              <a:lnSpc>
+                <a:spcPct val="90000"/>
+              </a:lnSpc>
+              <a:spcBef>
+                <a:spcPts val="1001"/>
+              </a:spcBef>
+              <a:buClr>
+                <a:srgbClr val="000000"/>
+              </a:buClr>
+              <a:buFont typeface="Calibri Light"/>
+              <a:buAutoNum type="arabicPeriod"/>
+            </a:pPr>
+            <a:r>
+              <a:rPr lang="pt-PT" sz="2800" b="0" strike="noStrike" spc="-1" dirty="0">
+                <a:solidFill>
+                  <a:srgbClr val="000000"/>
+                </a:solidFill>
+                <a:latin typeface="Calibri"/>
+              </a:rPr>
+              <a:t>Manual do Utilizador</a:t>
+            </a:r>
+          </a:p>
+          <a:p>
+            <a:pPr marL="514440" indent="-514440">
+              <a:lnSpc>
+                <a:spcPct val="90000"/>
+              </a:lnSpc>
+              <a:spcBef>
+                <a:spcPts val="1001"/>
+              </a:spcBef>
+              <a:buClr>
+                <a:srgbClr val="000000"/>
+              </a:buClr>
+              <a:buFont typeface="Calibri Light"/>
+              <a:buAutoNum type="arabicPeriod"/>
+            </a:pPr>
+            <a:r>
+              <a:rPr lang="pt-PT" sz="2800" b="0" strike="noStrike" spc="-1" dirty="0">
+                <a:solidFill>
+                  <a:srgbClr val="000000"/>
+                </a:solidFill>
+                <a:latin typeface="Calibri"/>
+              </a:rPr>
+              <a:t>Conclusão</a:t>
+            </a:r>
           </a:p>
         </p:txBody>
       </p:sp>
     </p:spTree>
   </p:cSld>
-  <mc:AlternateContent>
-    <mc:Choice Requires="p14">
-      <p:transition spd="slow" p14:dur="2000"/>
-    </mc:Choice>
-    <mc:Fallback>
-      <p:transition spd="slow"/>
-    </mc:Fallback>
-  </mc:AlternateContent>
+  <p:clrMapOvr>
+    <a:masterClrMapping/>
+  </p:clrMapOvr>
 </p:sld>
 </file>
 
-<file path=ppt/slides/slide4.xml><?xml version="1.0" encoding="utf-8"?>
-<p:sld xmlns:a="http://schemas.openxmlformats.org/drawingml/2006/main" xmlns:p="http://schemas.openxmlformats.org/presentationml/2006/main" xmlns:r="http://schemas.openxmlformats.org/officeDocument/2006/relationships" xmlns:p14="http://schemas.microsoft.com/office/powerpoint/2010/main" xmlns:p15="http://schemas.microsoft.com/office/powerpoint/2012/main" xmlns:mc="http://schemas.openxmlformats.org/markup-compatibility/2006">
+<file path=ppt/slides/slide3.xml><?xml version="1.0" encoding="utf-8"?>
+<p:sld xmlns:a="http://schemas.openxmlformats.org/drawingml/2006/main" xmlns:r="http://schemas.openxmlformats.org/officeDocument/2006/relationships" xmlns:p="http://schemas.openxmlformats.org/presentationml/2006/main">
   <p:cSld>
     <p:spTree>
       <p:nvGrpSpPr>
@@ -9933,7 +10859,7 @@
       </p:grpSpPr>
       <p:sp>
         <p:nvSpPr>
-          <p:cNvPr id="130" name="PlaceHolder 1"/>
+          <p:cNvPr id="128" name="PlaceHolder 1"/>
           <p:cNvSpPr>
             <a:spLocks noGrp="1"/>
           </p:cNvSpPr>
@@ -9943,21 +10869,22 @@
         </p:nvSpPr>
         <p:spPr>
           <a:xfrm>
-            <a:off x="839880" y="317880"/>
-            <a:ext cx="5136480" cy="1242000"/>
-          </a:xfrm>
-          <a:prstGeom prst="rect">
-            <a:avLst/>
-          </a:prstGeom>
-          <a:noFill/>
-          <a:ln w="0">
-            <a:noFill/>
-          </a:ln>
-        </p:spPr>
-        <p:txBody>
-          <a:bodyPr anchor="b">
-            <a:normAutofit/>
-          </a:bodyPr>
+            <a:off x="838080" y="365040"/>
+            <a:ext cx="10515240" cy="1325160"/>
+          </a:xfrm>
+          <a:prstGeom prst="rect">
+            <a:avLst/>
+          </a:prstGeom>
+          <a:noFill/>
+          <a:ln w="0">
+            <a:noFill/>
+          </a:ln>
+        </p:spPr>
+        <p:txBody>
+          <a:bodyPr anchor="ctr">
+            <a:noAutofit/>
+          </a:bodyPr>
+          <a:lstStyle/>
           <a:p>
             <a:pPr>
               <a:lnSpc>
@@ -9966,15 +10893,15 @@
               <a:buNone/>
             </a:pPr>
             <a:r>
-              <a:rPr b="0" lang="pt-PT" sz="3600" spc="-1" strike="noStrike">
+              <a:rPr lang="pt-PT" sz="4400" b="0" strike="noStrike" spc="-1">
                 <a:solidFill>
                   <a:srgbClr val="000000"/>
                 </a:solidFill>
                 <a:latin typeface="Calibri Light"/>
               </a:rPr>
-              <a:t>Jogo de Cálculos</a:t>
-            </a:r>
-            <a:endParaRPr b="0" lang="pt-PT" sz="3600" spc="-1" strike="noStrike">
+              <a:t>Introdução</a:t>
+            </a:r>
+            <a:endParaRPr lang="pt-PT" sz="4400" b="0" strike="noStrike" spc="-1">
               <a:solidFill>
                 <a:srgbClr val="000000"/>
               </a:solidFill>
@@ -9985,7 +10912,7 @@
       </p:sp>
       <p:sp>
         <p:nvSpPr>
-          <p:cNvPr id="131" name="PlaceHolder 2"/>
+          <p:cNvPr id="129" name="PlaceHolder 2"/>
           <p:cNvSpPr>
             <a:spLocks noGrp="1"/>
           </p:cNvSpPr>
@@ -9995,8 +10922,8 @@
         </p:nvSpPr>
         <p:spPr>
           <a:xfrm>
-            <a:off x="836640" y="1659960"/>
-            <a:ext cx="5106960" cy="4210560"/>
+            <a:off x="612997" y="1690200"/>
+            <a:ext cx="10515240" cy="4350960"/>
           </a:xfrm>
           <a:prstGeom prst="rect">
             <a:avLst/>
@@ -10008,8 +10935,9 @@
         </p:spPr>
         <p:txBody>
           <a:bodyPr anchor="t">
-            <a:normAutofit/>
-          </a:bodyPr>
+            <a:noAutofit/>
+          </a:bodyPr>
+          <a:lstStyle/>
           <a:p>
             <a:pPr>
               <a:lnSpc>
@@ -10020,19 +10948,33 @@
               </a:spcBef>
               <a:buNone/>
               <a:tabLst>
-                <a:tab algn="l" pos="0"/>
+                <a:tab pos="0" algn="l"/>
               </a:tabLst>
             </a:pPr>
             <a:r>
-              <a:rPr b="0" lang="pt-PT" sz="2400" spc="-1" strike="noStrike">
+              <a:rPr lang="pt-PT" sz="2800" b="0" strike="noStrike" spc="-1" dirty="0">
                 <a:solidFill>
                   <a:srgbClr val="000000"/>
                 </a:solidFill>
                 <a:latin typeface="Calibri"/>
               </a:rPr>
-              <a:t>O Jogo de Cálculos desafia com expressões matemáticas simples envolvendo duas variáveis (a e b) e operações básicas. Começa com 3 pontos de vida e requer 3 respostas corretas para vencer. Respostas certas aumentam os pontos, erradas diminuem os pontos de vida. Termina ao atingir a pontuação necessária ou perder todos os pontos de vida.</a:t>
-            </a:r>
-            <a:endParaRPr b="0" lang="pt-PT" sz="2400" spc="-1" strike="noStrike">
+              <a:t>   Ola, hoje vou apresentar um programa desenvolvido em C, que inclui quatro jogos distintos: Jogo de Cálculos, Adivinhe o Número, Pedra, Papel, Tesoura e Adivinhe a Palavra. Cada jogo possui suas próprias regras e objetivos, proporcionando uma experiência divertida e variada para os utilizadores.</a:t>
+            </a:r>
+          </a:p>
+          <a:p>
+            <a:pPr>
+              <a:lnSpc>
+                <a:spcPct val="90000"/>
+              </a:lnSpc>
+              <a:spcBef>
+                <a:spcPts val="1001"/>
+              </a:spcBef>
+              <a:buNone/>
+              <a:tabLst>
+                <a:tab pos="0" algn="l"/>
+              </a:tabLst>
+            </a:pPr>
+            <a:endParaRPr lang="pt-PT" sz="2800" b="0" strike="noStrike" spc="-1" dirty="0">
               <a:solidFill>
                 <a:srgbClr val="000000"/>
               </a:solidFill>
@@ -10041,51 +10983,16 @@
           </a:p>
         </p:txBody>
       </p:sp>
-      <p:pic>
-        <p:nvPicPr>
-          <p:cNvPr id="132" name="Marcador de Posição de Conteúdo 7" descr=""/>
-          <p:cNvPicPr/>
-          <p:nvPr/>
-        </p:nvPicPr>
-        <p:blipFill>
-          <a:blip r:embed="rId1"/>
-          <a:stretch/>
-        </p:blipFill>
-        <p:spPr>
-          <a:xfrm>
-            <a:off x="5976720" y="2482200"/>
-            <a:ext cx="5963040" cy="1893600"/>
-          </a:xfrm>
-          <a:prstGeom prst="rect">
-            <a:avLst/>
-          </a:prstGeom>
-          <a:ln w="0">
-            <a:noFill/>
-          </a:ln>
-          <a:effectLst>
-            <a:outerShdw algn="tl" blurRad="291960" dir="2700000" dist="139498" rotWithShape="0">
-              <a:srgbClr val="333333">
-                <a:alpha val="65000"/>
-              </a:srgbClr>
-            </a:outerShdw>
-          </a:effectLst>
-        </p:spPr>
-      </p:pic>
     </p:spTree>
   </p:cSld>
-  <mc:AlternateContent>
-    <mc:Choice Requires="p14">
-      <p:transition spd="slow" p14:dur="2000"/>
-    </mc:Choice>
-    <mc:Fallback>
-      <p:transition spd="slow"/>
-    </mc:Fallback>
-  </mc:AlternateContent>
+  <p:clrMapOvr>
+    <a:masterClrMapping/>
+  </p:clrMapOvr>
 </p:sld>
 </file>
 
-<file path=ppt/slides/slide5.xml><?xml version="1.0" encoding="utf-8"?>
-<p:sld xmlns:a="http://schemas.openxmlformats.org/drawingml/2006/main" xmlns:p="http://schemas.openxmlformats.org/presentationml/2006/main" xmlns:r="http://schemas.openxmlformats.org/officeDocument/2006/relationships" xmlns:p14="http://schemas.microsoft.com/office/powerpoint/2010/main" xmlns:p15="http://schemas.microsoft.com/office/powerpoint/2012/main" xmlns:mc="http://schemas.openxmlformats.org/markup-compatibility/2006">
+<file path=ppt/slides/slide4.xml><?xml version="1.0" encoding="utf-8"?>
+<p:sld xmlns:a="http://schemas.openxmlformats.org/drawingml/2006/main" xmlns:r="http://schemas.openxmlformats.org/officeDocument/2006/relationships" xmlns:p="http://schemas.openxmlformats.org/presentationml/2006/main">
   <p:cSld>
     <p:spTree>
       <p:nvGrpSpPr>
@@ -10103,7 +11010,7 @@
       </p:grpSpPr>
       <p:sp>
         <p:nvSpPr>
-          <p:cNvPr id="133" name="PlaceHolder 1"/>
+          <p:cNvPr id="130" name="PlaceHolder 1"/>
           <p:cNvSpPr>
             <a:spLocks noGrp="1"/>
           </p:cNvSpPr>
@@ -10128,6 +11035,7 @@
           <a:bodyPr anchor="b">
             <a:normAutofit/>
           </a:bodyPr>
+          <a:lstStyle/>
           <a:p>
             <a:pPr>
               <a:lnSpc>
@@ -10136,15 +11044,15 @@
               <a:buNone/>
             </a:pPr>
             <a:r>
-              <a:rPr b="0" lang="pt-PT" sz="3600" spc="-1" strike="noStrike">
+              <a:rPr lang="pt-PT" sz="3600" b="0" strike="noStrike" spc="-1">
                 <a:solidFill>
                   <a:srgbClr val="000000"/>
                 </a:solidFill>
                 <a:latin typeface="Calibri Light"/>
               </a:rPr>
-              <a:t>Adivinhe o Número</a:t>
-            </a:r>
-            <a:endParaRPr b="0" lang="pt-PT" sz="3600" spc="-1" strike="noStrike">
+              <a:t>Jogo de Cálculos</a:t>
+            </a:r>
+            <a:endParaRPr lang="pt-PT" sz="3600" b="0" strike="noStrike" spc="-1">
               <a:solidFill>
                 <a:srgbClr val="000000"/>
               </a:solidFill>
@@ -10155,7 +11063,7 @@
       </p:sp>
       <p:sp>
         <p:nvSpPr>
-          <p:cNvPr id="134" name="PlaceHolder 2"/>
+          <p:cNvPr id="131" name="PlaceHolder 2"/>
           <p:cNvSpPr>
             <a:spLocks noGrp="1"/>
           </p:cNvSpPr>
@@ -10165,8 +11073,8 @@
         </p:nvSpPr>
         <p:spPr>
           <a:xfrm>
-            <a:off x="836640" y="1659960"/>
-            <a:ext cx="5136480" cy="4210560"/>
+            <a:off x="625625" y="1758434"/>
+            <a:ext cx="5106960" cy="4210560"/>
           </a:xfrm>
           <a:prstGeom prst="rect">
             <a:avLst/>
@@ -10180,6 +11088,7 @@
           <a:bodyPr anchor="t">
             <a:normAutofit/>
           </a:bodyPr>
+          <a:lstStyle/>
           <a:p>
             <a:pPr>
               <a:lnSpc>
@@ -10190,65 +11099,61 @@
               </a:spcBef>
               <a:buNone/>
               <a:tabLst>
-                <a:tab algn="l" pos="0"/>
+                <a:tab pos="0" algn="l"/>
               </a:tabLst>
             </a:pPr>
             <a:r>
-              <a:rPr b="0" lang="pt-PT" sz="2400" spc="-1" strike="noStrike">
+              <a:rPr lang="pt-PT" sz="2400" b="0" strike="noStrike" spc="-1" dirty="0">
                 <a:solidFill>
                   <a:srgbClr val="000000"/>
                 </a:solidFill>
                 <a:latin typeface="Calibri"/>
               </a:rPr>
-              <a:t>Em Adivinhe o Número, o jogador tenta adivinhar um número entre 1 e 100. Recebe dicas se o número é maior ou menor após cada tentativa. Começa com 8 pontos de vida, perdendo um por tentativa incorreta. Termina ao acertar o número ou perder todos os pontos.</a:t>
-            </a:r>
-            <a:endParaRPr b="0" lang="pt-PT" sz="2400" spc="-1" strike="noStrike">
-              <a:solidFill>
-                <a:srgbClr val="000000"/>
-              </a:solidFill>
-              <a:latin typeface="Calibri"/>
-            </a:endParaRPr>
+              <a:t>   O Jogo de Cálculos desafia com expressões matemáticas simples envolvendo duas variáveis (a e b) e operações básicas. Começa com 3 pontos de vida e requer 3 respostas corretas para vencer. Respostas certas aumentam os pontos, erradas diminuem os pontos de vida. Termina ao atingir a pontuação necessária ou perder todos os pontos de vida.</a:t>
+            </a:r>
           </a:p>
         </p:txBody>
       </p:sp>
       <p:pic>
         <p:nvPicPr>
-          <p:cNvPr id="135" name="Marcador de Posição de Conteúdo 7" descr=""/>
+          <p:cNvPr id="132" name="Marcador de Posição de Conteúdo 7"/>
           <p:cNvPicPr/>
           <p:nvPr/>
         </p:nvPicPr>
         <p:blipFill>
-          <a:blip r:embed="rId1"/>
+          <a:blip r:embed="rId2"/>
           <a:stretch/>
         </p:blipFill>
         <p:spPr>
           <a:xfrm>
-            <a:off x="6443280" y="2044080"/>
-            <a:ext cx="5019840" cy="2467080"/>
-          </a:xfrm>
-          <a:prstGeom prst="rect">
-            <a:avLst/>
-          </a:prstGeom>
-          <a:ln w="0">
-            <a:noFill/>
-          </a:ln>
+            <a:off x="5976360" y="2228981"/>
+            <a:ext cx="5963040" cy="1893600"/>
+          </a:xfrm>
+          <a:prstGeom prst="rect">
+            <a:avLst/>
+          </a:prstGeom>
+          <a:ln w="0">
+            <a:noFill/>
+          </a:ln>
+          <a:effectLst>
+            <a:outerShdw blurRad="291960" dist="139498" dir="2700000" algn="tl" rotWithShape="0">
+              <a:srgbClr val="333333">
+                <a:alpha val="65000"/>
+              </a:srgbClr>
+            </a:outerShdw>
+          </a:effectLst>
         </p:spPr>
       </p:pic>
     </p:spTree>
   </p:cSld>
-  <mc:AlternateContent>
-    <mc:Choice Requires="p14">
-      <p:transition spd="slow" p14:dur="2000"/>
-    </mc:Choice>
-    <mc:Fallback>
-      <p:transition spd="slow"/>
-    </mc:Fallback>
-  </mc:AlternateContent>
+  <p:clrMapOvr>
+    <a:masterClrMapping/>
+  </p:clrMapOvr>
 </p:sld>
 </file>
 
-<file path=ppt/slides/slide6.xml><?xml version="1.0" encoding="utf-8"?>
-<p:sld xmlns:a="http://schemas.openxmlformats.org/drawingml/2006/main" xmlns:p="http://schemas.openxmlformats.org/presentationml/2006/main" xmlns:r="http://schemas.openxmlformats.org/officeDocument/2006/relationships" xmlns:p14="http://schemas.microsoft.com/office/powerpoint/2010/main" xmlns:p15="http://schemas.microsoft.com/office/powerpoint/2012/main" xmlns:mc="http://schemas.openxmlformats.org/markup-compatibility/2006">
+<file path=ppt/slides/slide5.xml><?xml version="1.0" encoding="utf-8"?>
+<p:sld xmlns:a="http://schemas.openxmlformats.org/drawingml/2006/main" xmlns:r="http://schemas.openxmlformats.org/officeDocument/2006/relationships" xmlns:p="http://schemas.openxmlformats.org/presentationml/2006/main">
   <p:cSld>
     <p:spTree>
       <p:nvGrpSpPr>
@@ -10266,7 +11171,7 @@
       </p:grpSpPr>
       <p:sp>
         <p:nvSpPr>
-          <p:cNvPr id="136" name="PlaceHolder 1"/>
+          <p:cNvPr id="133" name="PlaceHolder 1"/>
           <p:cNvSpPr>
             <a:spLocks noGrp="1"/>
           </p:cNvSpPr>
@@ -10291,6 +11196,7 @@
           <a:bodyPr anchor="b">
             <a:normAutofit/>
           </a:bodyPr>
+          <a:lstStyle/>
           <a:p>
             <a:pPr>
               <a:lnSpc>
@@ -10299,15 +11205,15 @@
               <a:buNone/>
             </a:pPr>
             <a:r>
-              <a:rPr b="0" lang="pt-PT" sz="3600" spc="-1" strike="noStrike">
+              <a:rPr lang="pt-PT" sz="3600" b="0" strike="noStrike" spc="-1">
                 <a:solidFill>
                   <a:srgbClr val="000000"/>
                 </a:solidFill>
                 <a:latin typeface="Calibri Light"/>
               </a:rPr>
-              <a:t>Pedra, Papel, Tesoura</a:t>
-            </a:r>
-            <a:endParaRPr b="0" lang="pt-PT" sz="3600" spc="-1" strike="noStrike">
+              <a:t>Adivinhe o Número</a:t>
+            </a:r>
+            <a:endParaRPr lang="pt-PT" sz="3600" b="0" strike="noStrike" spc="-1">
               <a:solidFill>
                 <a:srgbClr val="000000"/>
               </a:solidFill>
@@ -10316,32 +11222,9 @@
           </a:p>
         </p:txBody>
       </p:sp>
-      <p:pic>
-        <p:nvPicPr>
-          <p:cNvPr id="137" name="Marcador de Posição de Conteúdo 5" descr=""/>
-          <p:cNvPicPr/>
-          <p:nvPr/>
-        </p:nvPicPr>
-        <p:blipFill>
-          <a:blip r:embed="rId1"/>
-          <a:stretch/>
-        </p:blipFill>
-        <p:spPr>
-          <a:xfrm>
-            <a:off x="6218280" y="2233080"/>
-            <a:ext cx="5596920" cy="2391480"/>
-          </a:xfrm>
-          <a:prstGeom prst="rect">
-            <a:avLst/>
-          </a:prstGeom>
-          <a:ln w="0">
-            <a:noFill/>
-          </a:ln>
-        </p:spPr>
-      </p:pic>
-      <p:sp>
-        <p:nvSpPr>
-          <p:cNvPr id="138" name="PlaceHolder 2"/>
+      <p:sp>
+        <p:nvSpPr>
+          <p:cNvPr id="134" name="PlaceHolder 2"/>
           <p:cNvSpPr>
             <a:spLocks noGrp="1"/>
           </p:cNvSpPr>
@@ -10351,7 +11234,7 @@
         </p:nvSpPr>
         <p:spPr>
           <a:xfrm>
-            <a:off x="836640" y="1659960"/>
+            <a:off x="612241" y="1672422"/>
             <a:ext cx="5136480" cy="4210560"/>
           </a:xfrm>
           <a:prstGeom prst="rect">
@@ -10364,8 +11247,9 @@
         </p:spPr>
         <p:txBody>
           <a:bodyPr anchor="t">
-            <a:normAutofit fontScale="97000"/>
-          </a:bodyPr>
+            <a:normAutofit/>
+          </a:bodyPr>
+          <a:lstStyle/>
           <a:p>
             <a:pPr>
               <a:lnSpc>
@@ -10376,42 +11260,54 @@
               </a:spcBef>
               <a:buNone/>
               <a:tabLst>
-                <a:tab algn="l" pos="0"/>
+                <a:tab pos="0" algn="l"/>
               </a:tabLst>
             </a:pPr>
             <a:r>
-              <a:rPr b="0" lang="pt-PT" sz="2400" spc="-1" strike="noStrike">
+              <a:rPr lang="pt-PT" sz="2400" b="0" strike="noStrike" spc="-1" dirty="0">
                 <a:solidFill>
                   <a:srgbClr val="000000"/>
                 </a:solidFill>
                 <a:latin typeface="Calibri"/>
               </a:rPr>
-              <a:t>No Pedra, Papel, Tesoura, o jogador enfrenta o computador escolhendo entre pedra, papel ou tesoura. As regras são simples: pedra vence tesoura, tesoura vence papel e papel vence pedra. Começa com 5 pontos de vida e precisa de 3 vitórias. Cada vitória dá um ponto, cada derrota tira um ponto de vida. O jogo acaba com 3 vitórias ou zero pontos de vida.</a:t>
-            </a:r>
-            <a:endParaRPr b="0" lang="pt-PT" sz="2400" spc="-1" strike="noStrike">
-              <a:solidFill>
-                <a:srgbClr val="000000"/>
-              </a:solidFill>
-              <a:latin typeface="Calibri"/>
-            </a:endParaRPr>
-          </a:p>
-        </p:txBody>
-      </p:sp>
+              <a:t>   Em Adivinhe o Número, o jogador tenta adivinhar um número entre 1 e 100. Recebe dicas se o número é maior ou menor após cada tentativa. Começa com 8 pontos de vida, perdendo um por tentativa incorreta. Termina ao acertar o número ou perder todos os pontos.</a:t>
+            </a:r>
+          </a:p>
+        </p:txBody>
+      </p:sp>
+      <p:pic>
+        <p:nvPicPr>
+          <p:cNvPr id="135" name="Marcador de Posição de Conteúdo 7"/>
+          <p:cNvPicPr/>
+          <p:nvPr/>
+        </p:nvPicPr>
+        <p:blipFill>
+          <a:blip r:embed="rId2"/>
+          <a:stretch/>
+        </p:blipFill>
+        <p:spPr>
+          <a:xfrm>
+            <a:off x="6443280" y="2044080"/>
+            <a:ext cx="5019840" cy="2467080"/>
+          </a:xfrm>
+          <a:prstGeom prst="rect">
+            <a:avLst/>
+          </a:prstGeom>
+          <a:ln w="0">
+            <a:noFill/>
+          </a:ln>
+        </p:spPr>
+      </p:pic>
     </p:spTree>
   </p:cSld>
-  <mc:AlternateContent>
-    <mc:Choice Requires="p14">
-      <p:transition spd="slow" p14:dur="2000"/>
-    </mc:Choice>
-    <mc:Fallback>
-      <p:transition spd="slow"/>
-    </mc:Fallback>
-  </mc:AlternateContent>
+  <p:clrMapOvr>
+    <a:masterClrMapping/>
+  </p:clrMapOvr>
 </p:sld>
 </file>
 
-<file path=ppt/slides/slide7.xml><?xml version="1.0" encoding="utf-8"?>
-<p:sld xmlns:a="http://schemas.openxmlformats.org/drawingml/2006/main" xmlns:p="http://schemas.openxmlformats.org/presentationml/2006/main" xmlns:r="http://schemas.openxmlformats.org/officeDocument/2006/relationships" xmlns:p14="http://schemas.microsoft.com/office/powerpoint/2010/main" xmlns:p15="http://schemas.microsoft.com/office/powerpoint/2012/main" xmlns:mc="http://schemas.openxmlformats.org/markup-compatibility/2006">
+<file path=ppt/slides/slide6.xml><?xml version="1.0" encoding="utf-8"?>
+<p:sld xmlns:a="http://schemas.openxmlformats.org/drawingml/2006/main" xmlns:r="http://schemas.openxmlformats.org/officeDocument/2006/relationships" xmlns:p="http://schemas.openxmlformats.org/presentationml/2006/main">
   <p:cSld>
     <p:spTree>
       <p:nvGrpSpPr>
@@ -10429,7 +11325,7 @@
       </p:grpSpPr>
       <p:sp>
         <p:nvSpPr>
-          <p:cNvPr id="139" name="PlaceHolder 1"/>
+          <p:cNvPr id="136" name="PlaceHolder 1"/>
           <p:cNvSpPr>
             <a:spLocks noGrp="1"/>
           </p:cNvSpPr>
@@ -10454,6 +11350,7 @@
           <a:bodyPr anchor="b">
             <a:normAutofit/>
           </a:bodyPr>
+          <a:lstStyle/>
           <a:p>
             <a:pPr>
               <a:lnSpc>
@@ -10462,15 +11359,15 @@
               <a:buNone/>
             </a:pPr>
             <a:r>
-              <a:rPr b="0" lang="pt-PT" sz="3600" spc="-1" strike="noStrike">
+              <a:rPr lang="pt-PT" sz="3600" b="0" strike="noStrike" spc="-1">
                 <a:solidFill>
                   <a:srgbClr val="000000"/>
                 </a:solidFill>
                 <a:latin typeface="Calibri Light"/>
               </a:rPr>
-              <a:t>Adivinhe a palavra</a:t>
-            </a:r>
-            <a:endParaRPr b="0" lang="pt-PT" sz="3600" spc="-1" strike="noStrike">
+              <a:t>Pedra, Papel, Tesoura</a:t>
+            </a:r>
+            <a:endParaRPr lang="pt-PT" sz="3600" b="0" strike="noStrike" spc="-1">
               <a:solidFill>
                 <a:srgbClr val="000000"/>
               </a:solidFill>
@@ -10481,18 +11378,18 @@
       </p:sp>
       <p:pic>
         <p:nvPicPr>
-          <p:cNvPr id="140" name="Marcador de Posição de Conteúdo 4" descr=""/>
+          <p:cNvPr id="137" name="Marcador de Posição de Conteúdo 5"/>
           <p:cNvPicPr/>
           <p:nvPr/>
         </p:nvPicPr>
         <p:blipFill>
-          <a:blip r:embed="rId1"/>
+          <a:blip r:embed="rId2"/>
           <a:stretch/>
         </p:blipFill>
         <p:spPr>
           <a:xfrm>
-            <a:off x="6505920" y="2072160"/>
-            <a:ext cx="4968360" cy="2366640"/>
+            <a:off x="6218280" y="2233080"/>
+            <a:ext cx="5596920" cy="2391480"/>
           </a:xfrm>
           <a:prstGeom prst="rect">
             <a:avLst/>
@@ -10504,7 +11401,7 @@
       </p:pic>
       <p:sp>
         <p:nvSpPr>
-          <p:cNvPr id="141" name="PlaceHolder 2"/>
+          <p:cNvPr id="138" name="PlaceHolder 2"/>
           <p:cNvSpPr>
             <a:spLocks noGrp="1"/>
           </p:cNvSpPr>
@@ -10514,8 +11411,8 @@
         </p:nvSpPr>
         <p:spPr>
           <a:xfrm>
-            <a:off x="836640" y="1659960"/>
-            <a:ext cx="5258880" cy="4210560"/>
+            <a:off x="653760" y="1800637"/>
+            <a:ext cx="5136480" cy="4210560"/>
           </a:xfrm>
           <a:prstGeom prst="rect">
             <a:avLst/>
@@ -10527,8 +11424,9 @@
         </p:spPr>
         <p:txBody>
           <a:bodyPr anchor="t">
-            <a:normAutofit/>
-          </a:bodyPr>
+            <a:normAutofit fontScale="97000"/>
+          </a:bodyPr>
+          <a:lstStyle/>
           <a:p>
             <a:pPr>
               <a:lnSpc>
@@ -10539,42 +11437,31 @@
               </a:spcBef>
               <a:buNone/>
               <a:tabLst>
-                <a:tab algn="l" pos="0"/>
+                <a:tab pos="0" algn="l"/>
               </a:tabLst>
             </a:pPr>
             <a:r>
-              <a:rPr b="0" lang="pt-PT" sz="2400" spc="-1" strike="noStrike">
+              <a:rPr lang="pt-PT" sz="2400" b="0" strike="noStrike" spc="-1" dirty="0">
                 <a:solidFill>
                   <a:srgbClr val="000000"/>
                 </a:solidFill>
                 <a:latin typeface="Calibri"/>
               </a:rPr>
-              <a:t>No Adivinhe a Palavra, o jogador tenta adivinhar letras de uma palavra oculta. Começa com 10 pontos de vida. Letras corretas aumentam os pontos, tentativas incorretas diminuem os pontos. Termina ao adivinhar todas as letras ou perder todos os pontos de vida.</a:t>
-            </a:r>
-            <a:endParaRPr b="0" lang="pt-PT" sz="2400" spc="-1" strike="noStrike">
-              <a:solidFill>
-                <a:srgbClr val="000000"/>
-              </a:solidFill>
-              <a:latin typeface="Calibri"/>
-            </a:endParaRPr>
+              <a:t>   No Pedra, Papel, Tesoura, o jogador enfrenta o computador escolhendo entre pedra, papel ou tesoura. As regras são simples: pedra vence tesoura, tesoura vence papel e papel vence pedra. Começa com 5 pontos de vida e precisa de 3 vitórias. Cada vitória dá um ponto, cada derrota tira um ponto de vida. O jogo acaba com 3 vitórias ou zero pontos de vida.</a:t>
+            </a:r>
           </a:p>
         </p:txBody>
       </p:sp>
     </p:spTree>
   </p:cSld>
-  <mc:AlternateContent>
-    <mc:Choice Requires="p14">
-      <p:transition spd="slow" p14:dur="2000"/>
-    </mc:Choice>
-    <mc:Fallback>
-      <p:transition spd="slow"/>
-    </mc:Fallback>
-  </mc:AlternateContent>
+  <p:clrMapOvr>
+    <a:masterClrMapping/>
+  </p:clrMapOvr>
 </p:sld>
 </file>
 
-<file path=ppt/slides/slide8.xml><?xml version="1.0" encoding="utf-8"?>
-<p:sld xmlns:a="http://schemas.openxmlformats.org/drawingml/2006/main" xmlns:p="http://schemas.openxmlformats.org/presentationml/2006/main" xmlns:r="http://schemas.openxmlformats.org/officeDocument/2006/relationships" xmlns:p14="http://schemas.microsoft.com/office/powerpoint/2010/main" xmlns:p15="http://schemas.microsoft.com/office/powerpoint/2012/main" xmlns:mc="http://schemas.openxmlformats.org/markup-compatibility/2006">
+<file path=ppt/slides/slide7.xml><?xml version="1.0" encoding="utf-8"?>
+<p:sld xmlns:a="http://schemas.openxmlformats.org/drawingml/2006/main" xmlns:r="http://schemas.openxmlformats.org/officeDocument/2006/relationships" xmlns:p="http://schemas.openxmlformats.org/presentationml/2006/main">
   <p:cSld>
     <p:spTree>
       <p:nvGrpSpPr>
@@ -10592,7 +11479,7 @@
       </p:grpSpPr>
       <p:sp>
         <p:nvSpPr>
-          <p:cNvPr id="142" name="PlaceHolder 1"/>
+          <p:cNvPr id="139" name="PlaceHolder 1"/>
           <p:cNvSpPr>
             <a:spLocks noGrp="1"/>
           </p:cNvSpPr>
@@ -10603,7 +11490,7 @@
         <p:spPr>
           <a:xfrm>
             <a:off x="839880" y="317880"/>
-            <a:ext cx="5332320" cy="1242000"/>
+            <a:ext cx="5136480" cy="1242000"/>
           </a:xfrm>
           <a:prstGeom prst="rect">
             <a:avLst/>
@@ -10617,6 +11504,7 @@
           <a:bodyPr anchor="b">
             <a:normAutofit/>
           </a:bodyPr>
+          <a:lstStyle/>
           <a:p>
             <a:pPr>
               <a:lnSpc>
@@ -10625,15 +11513,15 @@
               <a:buNone/>
             </a:pPr>
             <a:r>
-              <a:rPr b="0" lang="pt-PT" sz="4000" spc="-1" strike="noStrike">
+              <a:rPr lang="pt-PT" sz="3600" b="0" strike="noStrike" spc="-1">
                 <a:solidFill>
                   <a:srgbClr val="000000"/>
                 </a:solidFill>
                 <a:latin typeface="Calibri Light"/>
               </a:rPr>
-              <a:t>Manual de Utilizador</a:t>
-            </a:r>
-            <a:endParaRPr b="0" lang="pt-PT" sz="4000" spc="-1" strike="noStrike">
+              <a:t>Adivinhe a palavra</a:t>
+            </a:r>
+            <a:endParaRPr lang="pt-PT" sz="3600" b="0" strike="noStrike" spc="-1">
               <a:solidFill>
                 <a:srgbClr val="000000"/>
               </a:solidFill>
@@ -10642,9 +11530,32 @@
           </a:p>
         </p:txBody>
       </p:sp>
-      <p:sp>
-        <p:nvSpPr>
-          <p:cNvPr id="143" name="PlaceHolder 2"/>
+      <p:pic>
+        <p:nvPicPr>
+          <p:cNvPr id="140" name="Marcador de Posição de Conteúdo 4"/>
+          <p:cNvPicPr/>
+          <p:nvPr/>
+        </p:nvPicPr>
+        <p:blipFill>
+          <a:blip r:embed="rId2"/>
+          <a:stretch/>
+        </p:blipFill>
+        <p:spPr>
+          <a:xfrm>
+            <a:off x="6505920" y="2072160"/>
+            <a:ext cx="4968360" cy="2366640"/>
+          </a:xfrm>
+          <a:prstGeom prst="rect">
+            <a:avLst/>
+          </a:prstGeom>
+          <a:ln w="0">
+            <a:noFill/>
+          </a:ln>
+        </p:spPr>
+      </p:pic>
+      <p:sp>
+        <p:nvSpPr>
+          <p:cNvPr id="141" name="PlaceHolder 2"/>
           <p:cNvSpPr>
             <a:spLocks noGrp="1"/>
           </p:cNvSpPr>
@@ -10654,8 +11565,8 @@
         </p:nvSpPr>
         <p:spPr>
           <a:xfrm>
-            <a:off x="836640" y="1828800"/>
-            <a:ext cx="4278240" cy="4210560"/>
+            <a:off x="619006" y="1869369"/>
+            <a:ext cx="5258880" cy="4210560"/>
           </a:xfrm>
           <a:prstGeom prst="rect">
             <a:avLst/>
@@ -10669,6 +11580,7 @@
           <a:bodyPr anchor="t">
             <a:normAutofit/>
           </a:bodyPr>
+          <a:lstStyle/>
           <a:p>
             <a:pPr>
               <a:lnSpc>
@@ -10679,85 +11591,31 @@
               </a:spcBef>
               <a:buNone/>
               <a:tabLst>
-                <a:tab algn="l" pos="0"/>
+                <a:tab pos="0" algn="l"/>
               </a:tabLst>
             </a:pPr>
             <a:r>
-              <a:rPr b="0" lang="pt-PT" sz="2800" spc="-1" strike="noStrike">
+              <a:rPr lang="pt-PT" sz="2400" b="0" strike="noStrike" spc="-1" dirty="0">
                 <a:solidFill>
                   <a:srgbClr val="000000"/>
                 </a:solidFill>
                 <a:latin typeface="Calibri"/>
               </a:rPr>
-              <a:t>O manual de utilizador está localizado no diretório do programa como um arquivo de texto. O manual contém informações sobre como iniciar o jogo e como jogar cada um deles.</a:t>
-            </a:r>
-            <a:endParaRPr b="0" lang="pt-PT" sz="2800" spc="-1" strike="noStrike">
-              <a:solidFill>
-                <a:srgbClr val="000000"/>
-              </a:solidFill>
-              <a:latin typeface="Calibri"/>
-            </a:endParaRPr>
-          </a:p>
-          <a:p>
-            <a:pPr>
-              <a:lnSpc>
-                <a:spcPct val="90000"/>
-              </a:lnSpc>
-              <a:spcBef>
-                <a:spcPts val="1001"/>
-              </a:spcBef>
-              <a:buNone/>
-              <a:tabLst>
-                <a:tab algn="l" pos="0"/>
-              </a:tabLst>
-            </a:pPr>
-            <a:endParaRPr b="0" lang="pt-PT" sz="2400" spc="-1" strike="noStrike">
-              <a:solidFill>
-                <a:srgbClr val="000000"/>
-              </a:solidFill>
-              <a:latin typeface="Calibri"/>
-            </a:endParaRPr>
-          </a:p>
-        </p:txBody>
-      </p:sp>
-      <p:pic>
-        <p:nvPicPr>
-          <p:cNvPr id="144" name="Marcador de Posição de Conteúdo 10" descr=""/>
-          <p:cNvPicPr/>
-          <p:nvPr/>
-        </p:nvPicPr>
-        <p:blipFill>
-          <a:blip r:embed="rId1"/>
-          <a:stretch/>
-        </p:blipFill>
-        <p:spPr>
-          <a:xfrm>
-            <a:off x="5820840" y="1221120"/>
-            <a:ext cx="5886360" cy="4036680"/>
-          </a:xfrm>
-          <a:prstGeom prst="rect">
-            <a:avLst/>
-          </a:prstGeom>
-          <a:ln w="0">
-            <a:noFill/>
-          </a:ln>
-        </p:spPr>
-      </p:pic>
+              <a:t>   No Adivinhe a Palavra, o jogador tenta adivinhar letras de uma palavra oculta. Começa com 10 pontos de vida. Letras corretas aumentam os pontos, tentativas incorretas diminuem os pontos. Termina ao adivinhar todas as letras ou perder todos os pontos de vida.</a:t>
+            </a:r>
+          </a:p>
+        </p:txBody>
+      </p:sp>
     </p:spTree>
   </p:cSld>
-  <mc:AlternateContent>
-    <mc:Choice Requires="p14">
-      <p:transition spd="slow" p14:dur="2000"/>
-    </mc:Choice>
-    <mc:Fallback>
-      <p:transition spd="slow"/>
-    </mc:Fallback>
-  </mc:AlternateContent>
+  <p:clrMapOvr>
+    <a:masterClrMapping/>
+  </p:clrMapOvr>
 </p:sld>
 </file>
 
-<file path=ppt/slides/slide9.xml><?xml version="1.0" encoding="utf-8"?>
-<p:sld xmlns:a="http://schemas.openxmlformats.org/drawingml/2006/main" xmlns:p="http://schemas.openxmlformats.org/presentationml/2006/main" xmlns:r="http://schemas.openxmlformats.org/officeDocument/2006/relationships" xmlns:p14="http://schemas.microsoft.com/office/powerpoint/2010/main" xmlns:p15="http://schemas.microsoft.com/office/powerpoint/2012/main" xmlns:mc="http://schemas.openxmlformats.org/markup-compatibility/2006">
+<file path=ppt/slides/slide8.xml><?xml version="1.0" encoding="utf-8"?>
+<p:sld xmlns:a="http://schemas.openxmlformats.org/drawingml/2006/main" xmlns:r="http://schemas.openxmlformats.org/officeDocument/2006/relationships" xmlns:p="http://schemas.openxmlformats.org/presentationml/2006/main">
   <p:cSld>
     <p:spTree>
       <p:nvGrpSpPr>
@@ -10775,7 +11633,7 @@
       </p:grpSpPr>
       <p:sp>
         <p:nvSpPr>
-          <p:cNvPr id="145" name="PlaceHolder 1"/>
+          <p:cNvPr id="139" name="PlaceHolder 1"/>
           <p:cNvSpPr>
             <a:spLocks noGrp="1"/>
           </p:cNvSpPr>
@@ -10785,21 +11643,22 @@
         </p:nvSpPr>
         <p:spPr>
           <a:xfrm>
-            <a:off x="838080" y="365040"/>
-            <a:ext cx="10515240" cy="1325160"/>
-          </a:xfrm>
-          <a:prstGeom prst="rect">
-            <a:avLst/>
-          </a:prstGeom>
-          <a:noFill/>
-          <a:ln w="0">
-            <a:noFill/>
-          </a:ln>
-        </p:spPr>
-        <p:txBody>
-          <a:bodyPr anchor="ctr">
-            <a:noAutofit/>
-          </a:bodyPr>
+            <a:off x="839880" y="353327"/>
+            <a:ext cx="5136480" cy="589209"/>
+          </a:xfrm>
+          <a:prstGeom prst="rect">
+            <a:avLst/>
+          </a:prstGeom>
+          <a:noFill/>
+          <a:ln w="0">
+            <a:noFill/>
+          </a:ln>
+        </p:spPr>
+        <p:txBody>
+          <a:bodyPr anchor="b">
+            <a:normAutofit/>
+          </a:bodyPr>
+          <a:lstStyle/>
           <a:p>
             <a:pPr>
               <a:lnSpc>
@@ -10808,15 +11667,1181 @@
               <a:buNone/>
             </a:pPr>
             <a:r>
-              <a:rPr b="0" lang="pt-PT" sz="4400" spc="-1" strike="noStrike">
+              <a:rPr lang="pt-PT" sz="3600" b="0" strike="noStrike" spc="-1" dirty="0">
+                <a:solidFill>
+                  <a:srgbClr val="000000"/>
+                </a:solidFill>
+                <a:latin typeface="Calibri"/>
+              </a:rPr>
+              <a:t>Análise de </a:t>
+            </a:r>
+            <a:r>
+              <a:rPr lang="pt-PT" sz="3600" b="0" strike="noStrike" spc="-1" dirty="0" err="1">
+                <a:solidFill>
+                  <a:srgbClr val="000000"/>
+                </a:solidFill>
+                <a:latin typeface="Calibri"/>
+              </a:rPr>
+              <a:t>main.c</a:t>
+            </a:r>
+            <a:endParaRPr lang="pt-PT" sz="3600" b="0" strike="noStrike" spc="-1" dirty="0">
+              <a:solidFill>
+                <a:srgbClr val="000000"/>
+              </a:solidFill>
+              <a:latin typeface="Calibri"/>
+            </a:endParaRPr>
+          </a:p>
+        </p:txBody>
+      </p:sp>
+      <p:sp>
+        <p:nvSpPr>
+          <p:cNvPr id="3" name="Rectangle 2">
+            <a:extLst>
+              <a:ext uri="{FF2B5EF4-FFF2-40B4-BE49-F238E27FC236}">
+                <a16:creationId xmlns:a16="http://schemas.microsoft.com/office/drawing/2014/main" id="{64298BCA-D26A-49F8-B8CE-DD19802581E2}"/>
+              </a:ext>
+            </a:extLst>
+          </p:cNvPr>
+          <p:cNvSpPr>
+            <a:spLocks noChangeArrowheads="1"/>
+          </p:cNvSpPr>
+          <p:nvPr/>
+        </p:nvSpPr>
+        <p:spPr bwMode="auto">
+          <a:xfrm>
+            <a:off x="839880" y="995473"/>
+            <a:ext cx="10470545" cy="5478423"/>
+          </a:xfrm>
+          <a:prstGeom prst="rect">
+            <a:avLst/>
+          </a:prstGeom>
+          <a:noFill/>
+          <a:ln>
+            <a:noFill/>
+          </a:ln>
+          <a:effectLst/>
+          <a:extLst>
+            <a:ext uri="{909E8E84-426E-40DD-AFC4-6F175D3DCCD1}">
+              <a14:hiddenFill xmlns:a14="http://schemas.microsoft.com/office/drawing/2010/main">
+                <a:solidFill>
+                  <a:schemeClr val="accent1"/>
+                </a:solidFill>
+              </a14:hiddenFill>
+            </a:ext>
+            <a:ext uri="{91240B29-F687-4F45-9708-019B960494DF}">
+              <a14:hiddenLine xmlns:a14="http://schemas.microsoft.com/office/drawing/2010/main" w="9525">
+                <a:solidFill>
+                  <a:schemeClr val="tx1"/>
+                </a:solidFill>
+                <a:miter lim="800000"/>
+                <a:headEnd/>
+                <a:tailEnd/>
+              </a14:hiddenLine>
+            </a:ext>
+            <a:ext uri="{AF507438-7753-43E0-B8FC-AC1667EBCBE1}">
+              <a14:hiddenEffects xmlns:a14="http://schemas.microsoft.com/office/drawing/2010/main">
+                <a:effectLst>
+                  <a:outerShdw dist="35921" dir="2700000" algn="ctr" rotWithShape="0">
+                    <a:schemeClr val="bg2"/>
+                  </a:outerShdw>
+                </a:effectLst>
+              </a14:hiddenEffects>
+            </a:ext>
+          </a:extLst>
+        </p:spPr>
+        <p:txBody>
+          <a:bodyPr vert="horz" wrap="square" lIns="91440" tIns="45720" rIns="91440" bIns="45720" numCol="1" anchor="ctr" anchorCtr="0" compatLnSpc="1">
+            <a:prstTxWarp prst="textNoShape">
+              <a:avLst/>
+            </a:prstTxWarp>
+            <a:spAutoFit/>
+          </a:bodyPr>
+          <a:lstStyle/>
+          <a:p>
+            <a:pPr marL="0" marR="0" lvl="0" indent="0" algn="l" defTabSz="914400" rtl="0" eaLnBrk="0" fontAlgn="base" latinLnBrk="0" hangingPunct="0">
+              <a:lnSpc>
+                <a:spcPct val="100000"/>
+              </a:lnSpc>
+              <a:spcBef>
+                <a:spcPct val="0"/>
+              </a:spcBef>
+              <a:spcAft>
+                <a:spcPct val="0"/>
+              </a:spcAft>
+              <a:buClrTx/>
+              <a:buSzTx/>
+              <a:tabLst/>
+            </a:pPr>
+            <a:r>
+              <a:rPr lang="pt-PT" altLang="pt-PT" b="1" dirty="0">
+                <a:latin typeface="Arial" panose="020B0604020202020204" pitchFamily="34" charset="0"/>
+              </a:rPr>
+              <a:t>I</a:t>
+            </a:r>
+            <a:r>
+              <a:rPr kumimoji="0" lang="pt-PT" altLang="pt-PT" b="1" i="0" strike="noStrike" cap="none" normalizeH="0" baseline="0" dirty="0">
+                <a:ln>
+                  <a:noFill/>
+                </a:ln>
+                <a:solidFill>
+                  <a:schemeClr val="tx1"/>
+                </a:solidFill>
+                <a:effectLst/>
+                <a:latin typeface="Arial" panose="020B0604020202020204" pitchFamily="34" charset="0"/>
+              </a:rPr>
+              <a:t>nicialização e Configurações</a:t>
+            </a:r>
+            <a:r>
+              <a:rPr kumimoji="0" lang="pt-PT" altLang="pt-PT" b="0" i="0" strike="noStrike" cap="none" normalizeH="0" baseline="0" dirty="0">
+                <a:ln>
+                  <a:noFill/>
+                </a:ln>
+                <a:solidFill>
+                  <a:schemeClr val="tx1"/>
+                </a:solidFill>
+                <a:effectLst/>
+                <a:latin typeface="Arial" panose="020B0604020202020204" pitchFamily="34" charset="0"/>
+              </a:rPr>
+              <a:t>:</a:t>
+            </a:r>
+          </a:p>
+          <a:p>
+            <a:pPr marL="0" marR="0" lvl="0" indent="0" algn="l" defTabSz="914400" rtl="0" eaLnBrk="0" fontAlgn="base" latinLnBrk="0" hangingPunct="0">
+              <a:lnSpc>
+                <a:spcPct val="100000"/>
+              </a:lnSpc>
+              <a:spcBef>
+                <a:spcPct val="0"/>
+              </a:spcBef>
+              <a:spcAft>
+                <a:spcPct val="0"/>
+              </a:spcAft>
+              <a:buClrTx/>
+              <a:buSzTx/>
+              <a:tabLst/>
+            </a:pPr>
+            <a:r>
+              <a:rPr kumimoji="0" lang="pt-PT" altLang="pt-PT" sz="1600" b="0" i="0" strike="noStrike" cap="none" normalizeH="0" baseline="0" dirty="0" err="1">
+                <a:ln>
+                  <a:noFill/>
+                </a:ln>
+                <a:solidFill>
+                  <a:schemeClr val="tx1"/>
+                </a:solidFill>
+                <a:effectLst/>
+                <a:latin typeface="Arial Unicode MS" panose="020B0604020202020204" pitchFamily="34" charset="-128"/>
+              </a:rPr>
+              <a:t>srand</a:t>
+            </a:r>
+            <a:r>
+              <a:rPr kumimoji="0" lang="pt-PT" altLang="pt-PT" sz="1600" b="0" i="0" strike="noStrike" cap="none" normalizeH="0" baseline="0" dirty="0">
+                <a:ln>
+                  <a:noFill/>
+                </a:ln>
+                <a:solidFill>
+                  <a:schemeClr val="tx1"/>
+                </a:solidFill>
+                <a:effectLst/>
+                <a:latin typeface="Arial Unicode MS" panose="020B0604020202020204" pitchFamily="34" charset="-128"/>
+              </a:rPr>
+              <a:t>(time(NULL))</a:t>
+            </a:r>
+            <a:r>
+              <a:rPr kumimoji="0" lang="pt-PT" altLang="pt-PT" sz="1600" b="0" i="0" strike="noStrike" cap="none" normalizeH="0" baseline="0" dirty="0">
+                <a:ln>
+                  <a:noFill/>
+                </a:ln>
+                <a:solidFill>
+                  <a:schemeClr val="tx1"/>
+                </a:solidFill>
+                <a:effectLst/>
+              </a:rPr>
+              <a:t>: Inicializa a semente para gerar números aleatórios.</a:t>
+            </a:r>
+            <a:endParaRPr kumimoji="0" lang="pt-PT" altLang="pt-PT" sz="1600" b="0" i="0" strike="noStrike" cap="none" normalizeH="0" baseline="0" dirty="0">
+              <a:ln>
+                <a:noFill/>
+              </a:ln>
+              <a:solidFill>
+                <a:schemeClr val="tx1"/>
+              </a:solidFill>
+              <a:effectLst/>
+              <a:latin typeface="Arial" panose="020B0604020202020204" pitchFamily="34" charset="0"/>
+            </a:endParaRPr>
+          </a:p>
+          <a:p>
+            <a:pPr marL="0" marR="0" lvl="0" indent="0" algn="l" defTabSz="914400" rtl="0" eaLnBrk="0" fontAlgn="base" latinLnBrk="0" hangingPunct="0">
+              <a:lnSpc>
+                <a:spcPct val="100000"/>
+              </a:lnSpc>
+              <a:spcBef>
+                <a:spcPct val="0"/>
+              </a:spcBef>
+              <a:spcAft>
+                <a:spcPct val="0"/>
+              </a:spcAft>
+              <a:buClrTx/>
+              <a:buSzTx/>
+              <a:tabLst/>
+            </a:pPr>
+            <a:r>
+              <a:rPr kumimoji="0" lang="pt-PT" altLang="pt-PT" sz="1600" b="0" i="0" strike="noStrike" cap="none" normalizeH="0" baseline="0" dirty="0" err="1">
+                <a:ln>
+                  <a:noFill/>
+                </a:ln>
+                <a:solidFill>
+                  <a:schemeClr val="tx1"/>
+                </a:solidFill>
+                <a:effectLst/>
+                <a:latin typeface="Arial Unicode MS" panose="020B0604020202020204" pitchFamily="34" charset="-128"/>
+              </a:rPr>
+              <a:t>setlocale</a:t>
+            </a:r>
+            <a:r>
+              <a:rPr kumimoji="0" lang="pt-PT" altLang="pt-PT" sz="1600" b="0" i="0" strike="noStrike" cap="none" normalizeH="0" baseline="0" dirty="0">
+                <a:ln>
+                  <a:noFill/>
+                </a:ln>
+                <a:solidFill>
+                  <a:schemeClr val="tx1"/>
+                </a:solidFill>
+                <a:effectLst/>
+                <a:latin typeface="Arial Unicode MS" panose="020B0604020202020204" pitchFamily="34" charset="-128"/>
+              </a:rPr>
+              <a:t>(LC_ALL, "Portuguese")</a:t>
+            </a:r>
+            <a:r>
+              <a:rPr kumimoji="0" lang="pt-PT" altLang="pt-PT" sz="1600" b="0" i="0" strike="noStrike" cap="none" normalizeH="0" baseline="0" dirty="0">
+                <a:ln>
+                  <a:noFill/>
+                </a:ln>
+                <a:solidFill>
+                  <a:schemeClr val="tx1"/>
+                </a:solidFill>
+                <a:effectLst/>
+              </a:rPr>
+              <a:t>: Configura a localização para o idioma português.</a:t>
+            </a:r>
+            <a:endParaRPr kumimoji="0" lang="pt-PT" altLang="pt-PT" sz="1600" b="0" i="0" strike="noStrike" cap="none" normalizeH="0" baseline="0" dirty="0">
+              <a:ln>
+                <a:noFill/>
+              </a:ln>
+              <a:solidFill>
+                <a:schemeClr val="tx1"/>
+              </a:solidFill>
+              <a:effectLst/>
+              <a:latin typeface="Arial" panose="020B0604020202020204" pitchFamily="34" charset="0"/>
+            </a:endParaRPr>
+          </a:p>
+          <a:p>
+            <a:pPr marL="0" marR="0" lvl="0" indent="0" algn="l" defTabSz="914400" rtl="0" eaLnBrk="0" fontAlgn="base" latinLnBrk="0" hangingPunct="0">
+              <a:lnSpc>
+                <a:spcPct val="100000"/>
+              </a:lnSpc>
+              <a:spcBef>
+                <a:spcPct val="0"/>
+              </a:spcBef>
+              <a:spcAft>
+                <a:spcPct val="0"/>
+              </a:spcAft>
+              <a:buClrTx/>
+              <a:buSzTx/>
+              <a:tabLst/>
+            </a:pPr>
+            <a:r>
+              <a:rPr kumimoji="0" lang="pt-PT" altLang="pt-PT" b="1" i="0" strike="noStrike" cap="none" normalizeH="0" baseline="0" dirty="0">
+                <a:ln>
+                  <a:noFill/>
+                </a:ln>
+                <a:solidFill>
+                  <a:schemeClr val="tx1"/>
+                </a:solidFill>
+                <a:effectLst/>
+                <a:latin typeface="Arial" panose="020B0604020202020204" pitchFamily="34" charset="0"/>
+              </a:rPr>
+              <a:t>Saudação Baseada na Hora</a:t>
+            </a:r>
+            <a:r>
+              <a:rPr kumimoji="0" lang="pt-PT" altLang="pt-PT" b="0" i="0" strike="noStrike" cap="none" normalizeH="0" baseline="0" dirty="0">
+                <a:ln>
+                  <a:noFill/>
+                </a:ln>
+                <a:solidFill>
+                  <a:schemeClr val="tx1"/>
+                </a:solidFill>
+                <a:effectLst/>
+                <a:latin typeface="Arial" panose="020B0604020202020204" pitchFamily="34" charset="0"/>
+              </a:rPr>
+              <a:t>:</a:t>
+            </a:r>
+          </a:p>
+          <a:p>
+            <a:pPr marL="0" marR="0" lvl="0" indent="0" algn="l" defTabSz="914400" rtl="0" eaLnBrk="0" fontAlgn="base" latinLnBrk="0" hangingPunct="0">
+              <a:lnSpc>
+                <a:spcPct val="100000"/>
+              </a:lnSpc>
+              <a:spcBef>
+                <a:spcPct val="0"/>
+              </a:spcBef>
+              <a:spcAft>
+                <a:spcPct val="0"/>
+              </a:spcAft>
+              <a:buClrTx/>
+              <a:buSzTx/>
+              <a:tabLst/>
+            </a:pPr>
+            <a:r>
+              <a:rPr kumimoji="0" lang="pt-PT" altLang="pt-PT" sz="1600" b="0" i="0" strike="noStrike" cap="none" normalizeH="0" baseline="0" dirty="0" err="1">
+                <a:ln>
+                  <a:noFill/>
+                </a:ln>
+                <a:solidFill>
+                  <a:schemeClr val="tx1"/>
+                </a:solidFill>
+                <a:effectLst/>
+                <a:latin typeface="Arial Unicode MS" panose="020B0604020202020204" pitchFamily="34" charset="-128"/>
+              </a:rPr>
+              <a:t>getTimeGreeting</a:t>
+            </a:r>
+            <a:r>
+              <a:rPr kumimoji="0" lang="pt-PT" altLang="pt-PT" sz="1600" b="0" i="0" strike="noStrike" cap="none" normalizeH="0" baseline="0" dirty="0">
+                <a:ln>
+                  <a:noFill/>
+                </a:ln>
+                <a:solidFill>
+                  <a:schemeClr val="tx1"/>
+                </a:solidFill>
+                <a:effectLst/>
+                <a:latin typeface="Arial Unicode MS" panose="020B0604020202020204" pitchFamily="34" charset="-128"/>
+              </a:rPr>
+              <a:t>(</a:t>
+            </a:r>
+            <a:r>
+              <a:rPr kumimoji="0" lang="pt-PT" altLang="pt-PT" sz="1600" b="0" i="0" strike="noStrike" cap="none" normalizeH="0" baseline="0" dirty="0" err="1">
+                <a:ln>
+                  <a:noFill/>
+                </a:ln>
+                <a:solidFill>
+                  <a:schemeClr val="tx1"/>
+                </a:solidFill>
+                <a:effectLst/>
+                <a:latin typeface="Arial Unicode MS" panose="020B0604020202020204" pitchFamily="34" charset="-128"/>
+              </a:rPr>
+              <a:t>timeGreeting</a:t>
+            </a:r>
+            <a:r>
+              <a:rPr kumimoji="0" lang="pt-PT" altLang="pt-PT" sz="1600" b="0" i="0" strike="noStrike" cap="none" normalizeH="0" baseline="0" dirty="0">
+                <a:ln>
+                  <a:noFill/>
+                </a:ln>
+                <a:solidFill>
+                  <a:schemeClr val="tx1"/>
+                </a:solidFill>
+                <a:effectLst/>
+                <a:latin typeface="Arial Unicode MS" panose="020B0604020202020204" pitchFamily="34" charset="-128"/>
+              </a:rPr>
+              <a:t>)</a:t>
+            </a:r>
+            <a:r>
+              <a:rPr kumimoji="0" lang="pt-PT" altLang="pt-PT" sz="1600" b="0" i="0" strike="noStrike" cap="none" normalizeH="0" baseline="0" dirty="0">
+                <a:ln>
+                  <a:noFill/>
+                </a:ln>
+                <a:solidFill>
+                  <a:schemeClr val="tx1"/>
+                </a:solidFill>
+                <a:effectLst/>
+              </a:rPr>
+              <a:t>: Função que define uma saudação com base na hora atual (Bom dia, Boa tarde, Boa noite).</a:t>
+            </a:r>
+            <a:endParaRPr kumimoji="0" lang="pt-PT" altLang="pt-PT" sz="1600" b="0" i="0" strike="noStrike" cap="none" normalizeH="0" baseline="0" dirty="0">
+              <a:ln>
+                <a:noFill/>
+              </a:ln>
+              <a:solidFill>
+                <a:schemeClr val="tx1"/>
+              </a:solidFill>
+              <a:effectLst/>
+              <a:latin typeface="Arial" panose="020B0604020202020204" pitchFamily="34" charset="0"/>
+            </a:endParaRPr>
+          </a:p>
+          <a:p>
+            <a:pPr marL="0" marR="0" lvl="0" indent="0" algn="l" defTabSz="914400" rtl="0" eaLnBrk="0" fontAlgn="base" latinLnBrk="0" hangingPunct="0">
+              <a:lnSpc>
+                <a:spcPct val="100000"/>
+              </a:lnSpc>
+              <a:spcBef>
+                <a:spcPct val="0"/>
+              </a:spcBef>
+              <a:spcAft>
+                <a:spcPct val="0"/>
+              </a:spcAft>
+              <a:buClrTx/>
+              <a:buSzTx/>
+              <a:tabLst/>
+            </a:pPr>
+            <a:r>
+              <a:rPr kumimoji="0" lang="pt-PT" altLang="pt-PT" b="1" i="0" strike="noStrike" cap="none" normalizeH="0" baseline="0" dirty="0">
+                <a:ln>
+                  <a:noFill/>
+                </a:ln>
+                <a:solidFill>
+                  <a:schemeClr val="tx1"/>
+                </a:solidFill>
+                <a:effectLst/>
+                <a:latin typeface="Arial" panose="020B0604020202020204" pitchFamily="34" charset="0"/>
+              </a:rPr>
+              <a:t>Entrada do Nome do Usuário</a:t>
+            </a:r>
+            <a:r>
+              <a:rPr kumimoji="0" lang="pt-PT" altLang="pt-PT" b="0" i="0" strike="noStrike" cap="none" normalizeH="0" baseline="0" dirty="0">
+                <a:ln>
+                  <a:noFill/>
+                </a:ln>
+                <a:solidFill>
+                  <a:schemeClr val="tx1"/>
+                </a:solidFill>
+                <a:effectLst/>
+                <a:latin typeface="Arial" panose="020B0604020202020204" pitchFamily="34" charset="0"/>
+              </a:rPr>
+              <a:t>:</a:t>
+            </a:r>
+          </a:p>
+          <a:p>
+            <a:pPr marL="0" marR="0" lvl="0" indent="0" algn="l" defTabSz="914400" rtl="0" eaLnBrk="0" fontAlgn="base" latinLnBrk="0" hangingPunct="0">
+              <a:lnSpc>
+                <a:spcPct val="100000"/>
+              </a:lnSpc>
+              <a:spcBef>
+                <a:spcPct val="0"/>
+              </a:spcBef>
+              <a:spcAft>
+                <a:spcPct val="0"/>
+              </a:spcAft>
+              <a:buClrTx/>
+              <a:buSzTx/>
+              <a:tabLst/>
+            </a:pPr>
+            <a:r>
+              <a:rPr kumimoji="0" lang="pt-PT" altLang="pt-PT" sz="1600" b="0" i="0" strike="noStrike" cap="none" normalizeH="0" baseline="0" dirty="0">
+                <a:ln>
+                  <a:noFill/>
+                </a:ln>
+                <a:solidFill>
+                  <a:schemeClr val="tx1"/>
+                </a:solidFill>
+                <a:effectLst/>
+                <a:latin typeface="Arial" panose="020B0604020202020204" pitchFamily="34" charset="0"/>
+              </a:rPr>
+              <a:t>Solicita ao usuário que insira seu nome e o armazena em </a:t>
+            </a:r>
+            <a:r>
+              <a:rPr kumimoji="0" lang="pt-PT" altLang="pt-PT" sz="1600" b="0" i="0" strike="noStrike" cap="none" normalizeH="0" baseline="0" dirty="0" err="1">
+                <a:ln>
+                  <a:noFill/>
+                </a:ln>
+                <a:solidFill>
+                  <a:schemeClr val="tx1"/>
+                </a:solidFill>
+                <a:effectLst/>
+                <a:latin typeface="Arial Unicode MS" panose="020B0604020202020204" pitchFamily="34" charset="-128"/>
+              </a:rPr>
+              <a:t>usrName</a:t>
+            </a:r>
+            <a:r>
+              <a:rPr kumimoji="0" lang="pt-PT" altLang="pt-PT" sz="1600" b="0" i="0" strike="noStrike" cap="none" normalizeH="0" baseline="0" dirty="0">
+                <a:ln>
+                  <a:noFill/>
+                </a:ln>
+                <a:solidFill>
+                  <a:schemeClr val="tx1"/>
+                </a:solidFill>
+                <a:effectLst/>
+              </a:rPr>
+              <a:t>.</a:t>
+            </a:r>
+            <a:endParaRPr kumimoji="0" lang="pt-PT" altLang="pt-PT" sz="1600" b="0" i="0" strike="noStrike" cap="none" normalizeH="0" baseline="0" dirty="0">
+              <a:ln>
+                <a:noFill/>
+              </a:ln>
+              <a:solidFill>
+                <a:schemeClr val="tx1"/>
+              </a:solidFill>
+              <a:effectLst/>
+              <a:latin typeface="Arial" panose="020B0604020202020204" pitchFamily="34" charset="0"/>
+            </a:endParaRPr>
+          </a:p>
+          <a:p>
+            <a:pPr marL="0" marR="0" lvl="0" indent="0" algn="l" defTabSz="914400" rtl="0" eaLnBrk="0" fontAlgn="base" latinLnBrk="0" hangingPunct="0">
+              <a:lnSpc>
+                <a:spcPct val="100000"/>
+              </a:lnSpc>
+              <a:spcBef>
+                <a:spcPct val="0"/>
+              </a:spcBef>
+              <a:spcAft>
+                <a:spcPct val="0"/>
+              </a:spcAft>
+              <a:buClrTx/>
+              <a:buSzTx/>
+              <a:tabLst/>
+            </a:pPr>
+            <a:r>
+              <a:rPr kumimoji="0" lang="pt-PT" altLang="pt-PT" b="1" i="0" strike="noStrike" cap="none" normalizeH="0" baseline="0" dirty="0">
+                <a:ln>
+                  <a:noFill/>
+                </a:ln>
+                <a:solidFill>
+                  <a:schemeClr val="tx1"/>
+                </a:solidFill>
+                <a:effectLst/>
+                <a:latin typeface="Arial" panose="020B0604020202020204" pitchFamily="34" charset="0"/>
+              </a:rPr>
+              <a:t>Menu Principal</a:t>
+            </a:r>
+            <a:r>
+              <a:rPr kumimoji="0" lang="pt-PT" altLang="pt-PT" b="0" i="0" strike="noStrike" cap="none" normalizeH="0" baseline="0" dirty="0">
+                <a:ln>
+                  <a:noFill/>
+                </a:ln>
+                <a:solidFill>
+                  <a:schemeClr val="tx1"/>
+                </a:solidFill>
+                <a:effectLst/>
+                <a:latin typeface="Arial" panose="020B0604020202020204" pitchFamily="34" charset="0"/>
+              </a:rPr>
+              <a:t>:</a:t>
+            </a:r>
+          </a:p>
+          <a:p>
+            <a:pPr marL="0" marR="0" lvl="0" indent="0" algn="l" defTabSz="914400" rtl="0" eaLnBrk="0" fontAlgn="base" latinLnBrk="0" hangingPunct="0">
+              <a:lnSpc>
+                <a:spcPct val="100000"/>
+              </a:lnSpc>
+              <a:spcBef>
+                <a:spcPct val="0"/>
+              </a:spcBef>
+              <a:spcAft>
+                <a:spcPct val="0"/>
+              </a:spcAft>
+              <a:buClrTx/>
+              <a:buSzTx/>
+              <a:tabLst/>
+            </a:pPr>
+            <a:r>
+              <a:rPr kumimoji="0" lang="pt-PT" altLang="pt-PT" sz="1600" b="0" i="0" strike="noStrike" cap="none" normalizeH="0" baseline="0" dirty="0" err="1">
+                <a:ln>
+                  <a:noFill/>
+                </a:ln>
+                <a:solidFill>
+                  <a:schemeClr val="tx1"/>
+                </a:solidFill>
+                <a:effectLst/>
+                <a:latin typeface="Arial Unicode MS" panose="020B0604020202020204" pitchFamily="34" charset="-128"/>
+              </a:rPr>
+              <a:t>printMenu</a:t>
+            </a:r>
+            <a:r>
+              <a:rPr kumimoji="0" lang="pt-PT" altLang="pt-PT" sz="1600" b="0" i="0" strike="noStrike" cap="none" normalizeH="0" baseline="0" dirty="0">
+                <a:ln>
+                  <a:noFill/>
+                </a:ln>
+                <a:solidFill>
+                  <a:schemeClr val="tx1"/>
+                </a:solidFill>
+                <a:effectLst/>
+                <a:latin typeface="Arial Unicode MS" panose="020B0604020202020204" pitchFamily="34" charset="-128"/>
+              </a:rPr>
+              <a:t>(</a:t>
+            </a:r>
+            <a:r>
+              <a:rPr kumimoji="0" lang="pt-PT" altLang="pt-PT" sz="1600" b="0" i="0" strike="noStrike" cap="none" normalizeH="0" baseline="0" dirty="0" err="1">
+                <a:ln>
+                  <a:noFill/>
+                </a:ln>
+                <a:solidFill>
+                  <a:schemeClr val="tx1"/>
+                </a:solidFill>
+                <a:effectLst/>
+                <a:latin typeface="Arial Unicode MS" panose="020B0604020202020204" pitchFamily="34" charset="-128"/>
+              </a:rPr>
+              <a:t>usrName</a:t>
+            </a:r>
+            <a:r>
+              <a:rPr kumimoji="0" lang="pt-PT" altLang="pt-PT" sz="1600" b="0" i="0" strike="noStrike" cap="none" normalizeH="0" baseline="0" dirty="0">
+                <a:ln>
+                  <a:noFill/>
+                </a:ln>
+                <a:solidFill>
+                  <a:schemeClr val="tx1"/>
+                </a:solidFill>
+                <a:effectLst/>
+                <a:latin typeface="Arial Unicode MS" panose="020B0604020202020204" pitchFamily="34" charset="-128"/>
+              </a:rPr>
+              <a:t>)</a:t>
+            </a:r>
+            <a:r>
+              <a:rPr kumimoji="0" lang="pt-PT" altLang="pt-PT" sz="1600" b="0" i="0" strike="noStrike" cap="none" normalizeH="0" baseline="0" dirty="0">
+                <a:ln>
+                  <a:noFill/>
+                </a:ln>
+                <a:solidFill>
+                  <a:schemeClr val="tx1"/>
+                </a:solidFill>
+                <a:effectLst/>
+              </a:rPr>
+              <a:t>: Exibe o menu principal com as opções de jogos e a saudação ao usuário.</a:t>
+            </a:r>
+            <a:endParaRPr kumimoji="0" lang="pt-PT" altLang="pt-PT" sz="1600" b="0" i="0" strike="noStrike" cap="none" normalizeH="0" baseline="0" dirty="0">
+              <a:ln>
+                <a:noFill/>
+              </a:ln>
+              <a:solidFill>
+                <a:schemeClr val="tx1"/>
+              </a:solidFill>
+              <a:effectLst/>
+              <a:latin typeface="Arial" panose="020B0604020202020204" pitchFamily="34" charset="0"/>
+            </a:endParaRPr>
+          </a:p>
+          <a:p>
+            <a:pPr marL="0" marR="0" lvl="0" indent="0" algn="l" defTabSz="914400" rtl="0" eaLnBrk="0" fontAlgn="base" latinLnBrk="0" hangingPunct="0">
+              <a:lnSpc>
+                <a:spcPct val="100000"/>
+              </a:lnSpc>
+              <a:spcBef>
+                <a:spcPct val="0"/>
+              </a:spcBef>
+              <a:spcAft>
+                <a:spcPct val="0"/>
+              </a:spcAft>
+              <a:buClrTx/>
+              <a:buSzTx/>
+              <a:tabLst/>
+            </a:pPr>
+            <a:r>
+              <a:rPr kumimoji="0" lang="pt-PT" altLang="pt-PT" sz="1600" b="0" i="0" strike="noStrike" cap="none" normalizeH="0" baseline="0" dirty="0" err="1">
+                <a:ln>
+                  <a:noFill/>
+                </a:ln>
+                <a:solidFill>
+                  <a:schemeClr val="tx1"/>
+                </a:solidFill>
+                <a:effectLst/>
+                <a:latin typeface="Arial Unicode MS" panose="020B0604020202020204" pitchFamily="34" charset="-128"/>
+              </a:rPr>
+              <a:t>getUsrOption</a:t>
+            </a:r>
+            <a:r>
+              <a:rPr kumimoji="0" lang="pt-PT" altLang="pt-PT" sz="1600" b="0" i="0" strike="noStrike" cap="none" normalizeH="0" baseline="0" dirty="0">
+                <a:ln>
+                  <a:noFill/>
+                </a:ln>
+                <a:solidFill>
+                  <a:schemeClr val="tx1"/>
+                </a:solidFill>
+                <a:effectLst/>
+                <a:latin typeface="Arial Unicode MS" panose="020B0604020202020204" pitchFamily="34" charset="-128"/>
+              </a:rPr>
+              <a:t>(</a:t>
+            </a:r>
+            <a:r>
+              <a:rPr kumimoji="0" lang="pt-PT" altLang="pt-PT" sz="1600" b="0" i="0" strike="noStrike" cap="none" normalizeH="0" baseline="0" dirty="0" err="1">
+                <a:ln>
+                  <a:noFill/>
+                </a:ln>
+                <a:solidFill>
+                  <a:schemeClr val="tx1"/>
+                </a:solidFill>
+                <a:effectLst/>
+                <a:latin typeface="Arial Unicode MS" panose="020B0604020202020204" pitchFamily="34" charset="-128"/>
+              </a:rPr>
+              <a:t>menuOptions</a:t>
+            </a:r>
+            <a:r>
+              <a:rPr kumimoji="0" lang="pt-PT" altLang="pt-PT" sz="1600" b="0" i="0" strike="noStrike" cap="none" normalizeH="0" baseline="0" dirty="0">
+                <a:ln>
+                  <a:noFill/>
+                </a:ln>
+                <a:solidFill>
+                  <a:schemeClr val="tx1"/>
+                </a:solidFill>
+                <a:effectLst/>
+                <a:latin typeface="Arial Unicode MS" panose="020B0604020202020204" pitchFamily="34" charset="-128"/>
+              </a:rPr>
+              <a:t>)</a:t>
+            </a:r>
+            <a:r>
+              <a:rPr kumimoji="0" lang="pt-PT" altLang="pt-PT" sz="1600" b="0" i="0" strike="noStrike" cap="none" normalizeH="0" baseline="0" dirty="0">
+                <a:ln>
+                  <a:noFill/>
+                </a:ln>
+                <a:solidFill>
+                  <a:schemeClr val="tx1"/>
+                </a:solidFill>
+                <a:effectLst/>
+              </a:rPr>
+              <a:t>: Obtém a opção escolhida pelo usuário.</a:t>
+            </a:r>
+            <a:endParaRPr kumimoji="0" lang="pt-PT" altLang="pt-PT" sz="1600" b="0" i="0" strike="noStrike" cap="none" normalizeH="0" baseline="0" dirty="0">
+              <a:ln>
+                <a:noFill/>
+              </a:ln>
+              <a:solidFill>
+                <a:schemeClr val="tx1"/>
+              </a:solidFill>
+              <a:effectLst/>
+              <a:latin typeface="Arial" panose="020B0604020202020204" pitchFamily="34" charset="0"/>
+            </a:endParaRPr>
+          </a:p>
+          <a:p>
+            <a:pPr marL="0" marR="0" lvl="0" indent="0" algn="l" defTabSz="914400" rtl="0" eaLnBrk="0" fontAlgn="base" latinLnBrk="0" hangingPunct="0">
+              <a:lnSpc>
+                <a:spcPct val="100000"/>
+              </a:lnSpc>
+              <a:spcBef>
+                <a:spcPct val="0"/>
+              </a:spcBef>
+              <a:spcAft>
+                <a:spcPct val="0"/>
+              </a:spcAft>
+              <a:buClrTx/>
+              <a:buSzTx/>
+              <a:tabLst/>
+            </a:pPr>
+            <a:r>
+              <a:rPr kumimoji="0" lang="pt-PT" altLang="pt-PT" b="1" i="0" strike="noStrike" cap="none" normalizeH="0" baseline="0" dirty="0">
+                <a:ln>
+                  <a:noFill/>
+                </a:ln>
+                <a:solidFill>
+                  <a:schemeClr val="tx1"/>
+                </a:solidFill>
+                <a:effectLst/>
+                <a:latin typeface="Arial" panose="020B0604020202020204" pitchFamily="34" charset="0"/>
+              </a:rPr>
+              <a:t>Início do Jogo</a:t>
+            </a:r>
+            <a:r>
+              <a:rPr kumimoji="0" lang="pt-PT" altLang="pt-PT" b="0" i="0" strike="noStrike" cap="none" normalizeH="0" baseline="0" dirty="0">
+                <a:ln>
+                  <a:noFill/>
+                </a:ln>
+                <a:solidFill>
+                  <a:schemeClr val="tx1"/>
+                </a:solidFill>
+                <a:effectLst/>
+                <a:latin typeface="Arial" panose="020B0604020202020204" pitchFamily="34" charset="0"/>
+              </a:rPr>
+              <a:t>:</a:t>
+            </a:r>
+          </a:p>
+          <a:p>
+            <a:pPr marL="0" marR="0" lvl="0" indent="0" algn="l" defTabSz="914400" rtl="0" eaLnBrk="0" fontAlgn="base" latinLnBrk="0" hangingPunct="0">
+              <a:lnSpc>
+                <a:spcPct val="100000"/>
+              </a:lnSpc>
+              <a:spcBef>
+                <a:spcPct val="0"/>
+              </a:spcBef>
+              <a:spcAft>
+                <a:spcPct val="0"/>
+              </a:spcAft>
+              <a:buClrTx/>
+              <a:buSzTx/>
+              <a:tabLst/>
+            </a:pPr>
+            <a:r>
+              <a:rPr kumimoji="0" lang="pt-PT" altLang="pt-PT" sz="1600" b="0" i="0" strike="noStrike" cap="none" normalizeH="0" baseline="0" dirty="0" err="1">
+                <a:ln>
+                  <a:noFill/>
+                </a:ln>
+                <a:solidFill>
+                  <a:schemeClr val="tx1"/>
+                </a:solidFill>
+                <a:effectLst/>
+                <a:latin typeface="Arial Unicode MS" panose="020B0604020202020204" pitchFamily="34" charset="-128"/>
+              </a:rPr>
+              <a:t>startGame</a:t>
+            </a:r>
+            <a:r>
+              <a:rPr kumimoji="0" lang="pt-PT" altLang="pt-PT" sz="1600" b="0" i="0" strike="noStrike" cap="none" normalizeH="0" baseline="0" dirty="0">
+                <a:ln>
+                  <a:noFill/>
+                </a:ln>
+                <a:solidFill>
+                  <a:schemeClr val="tx1"/>
+                </a:solidFill>
+                <a:effectLst/>
+                <a:latin typeface="Arial Unicode MS" panose="020B0604020202020204" pitchFamily="34" charset="-128"/>
+              </a:rPr>
+              <a:t>(</a:t>
+            </a:r>
+            <a:r>
+              <a:rPr kumimoji="0" lang="pt-PT" altLang="pt-PT" sz="1600" b="0" i="0" strike="noStrike" cap="none" normalizeH="0" baseline="0" dirty="0" err="1">
+                <a:ln>
+                  <a:noFill/>
+                </a:ln>
+                <a:solidFill>
+                  <a:schemeClr val="tx1"/>
+                </a:solidFill>
+                <a:effectLst/>
+                <a:latin typeface="Arial Unicode MS" panose="020B0604020202020204" pitchFamily="34" charset="-128"/>
+              </a:rPr>
+              <a:t>option</a:t>
+            </a:r>
+            <a:r>
+              <a:rPr kumimoji="0" lang="pt-PT" altLang="pt-PT" sz="1600" b="0" i="0" strike="noStrike" cap="none" normalizeH="0" baseline="0" dirty="0">
+                <a:ln>
+                  <a:noFill/>
+                </a:ln>
+                <a:solidFill>
+                  <a:schemeClr val="tx1"/>
+                </a:solidFill>
+                <a:effectLst/>
+                <a:latin typeface="Arial Unicode MS" panose="020B0604020202020204" pitchFamily="34" charset="-128"/>
+              </a:rPr>
+              <a:t>)</a:t>
+            </a:r>
+            <a:r>
+              <a:rPr kumimoji="0" lang="pt-PT" altLang="pt-PT" sz="1600" b="0" i="0" strike="noStrike" cap="none" normalizeH="0" baseline="0" dirty="0">
+                <a:ln>
+                  <a:noFill/>
+                </a:ln>
+                <a:solidFill>
+                  <a:schemeClr val="tx1"/>
+                </a:solidFill>
+                <a:effectLst/>
+              </a:rPr>
+              <a:t>: Inicia o jogo correspondente à opção escolhida pelo usuário. Os jogos disponíveis são Cálculos, Adivinhe o Número, Pedra Papel Tesoura, e Adivinhe a Palavra.</a:t>
+            </a:r>
+            <a:endParaRPr kumimoji="0" lang="pt-PT" altLang="pt-PT" sz="1600" b="0" i="0" strike="noStrike" cap="none" normalizeH="0" baseline="0" dirty="0">
+              <a:ln>
+                <a:noFill/>
+              </a:ln>
+              <a:solidFill>
+                <a:schemeClr val="tx1"/>
+              </a:solidFill>
+              <a:effectLst/>
+              <a:latin typeface="Arial" panose="020B0604020202020204" pitchFamily="34" charset="0"/>
+            </a:endParaRPr>
+          </a:p>
+          <a:p>
+            <a:pPr marL="0" marR="0" lvl="0" indent="0" algn="l" defTabSz="914400" rtl="0" eaLnBrk="0" fontAlgn="base" latinLnBrk="0" hangingPunct="0">
+              <a:lnSpc>
+                <a:spcPct val="100000"/>
+              </a:lnSpc>
+              <a:spcBef>
+                <a:spcPct val="0"/>
+              </a:spcBef>
+              <a:spcAft>
+                <a:spcPct val="0"/>
+              </a:spcAft>
+              <a:buClrTx/>
+              <a:buSzTx/>
+              <a:tabLst/>
+            </a:pPr>
+            <a:r>
+              <a:rPr kumimoji="0" lang="pt-PT" altLang="pt-PT" b="1" i="0" strike="noStrike" cap="none" normalizeH="0" baseline="0" dirty="0">
+                <a:ln>
+                  <a:noFill/>
+                </a:ln>
+                <a:solidFill>
+                  <a:schemeClr val="tx1"/>
+                </a:solidFill>
+                <a:effectLst/>
+                <a:latin typeface="Arial" panose="020B0604020202020204" pitchFamily="34" charset="0"/>
+              </a:rPr>
+              <a:t>Pergunta de Continuação</a:t>
+            </a:r>
+            <a:r>
+              <a:rPr kumimoji="0" lang="pt-PT" altLang="pt-PT" b="0" i="0" strike="noStrike" cap="none" normalizeH="0" baseline="0" dirty="0">
+                <a:ln>
+                  <a:noFill/>
+                </a:ln>
+                <a:solidFill>
+                  <a:schemeClr val="tx1"/>
+                </a:solidFill>
+                <a:effectLst/>
+                <a:latin typeface="Arial" panose="020B0604020202020204" pitchFamily="34" charset="0"/>
+              </a:rPr>
+              <a:t>:</a:t>
+            </a:r>
+          </a:p>
+          <a:p>
+            <a:pPr marL="0" marR="0" lvl="0" indent="0" algn="l" defTabSz="914400" rtl="0" eaLnBrk="0" fontAlgn="base" latinLnBrk="0" hangingPunct="0">
+              <a:lnSpc>
+                <a:spcPct val="100000"/>
+              </a:lnSpc>
+              <a:spcBef>
+                <a:spcPct val="0"/>
+              </a:spcBef>
+              <a:spcAft>
+                <a:spcPct val="0"/>
+              </a:spcAft>
+              <a:buClrTx/>
+              <a:buSzTx/>
+              <a:tabLst/>
+            </a:pPr>
+            <a:r>
+              <a:rPr kumimoji="0" lang="pt-PT" altLang="pt-PT" sz="1600" b="0" i="0" strike="noStrike" cap="none" normalizeH="0" baseline="0" dirty="0" err="1">
+                <a:ln>
+                  <a:noFill/>
+                </a:ln>
+                <a:solidFill>
+                  <a:schemeClr val="tx1"/>
+                </a:solidFill>
+                <a:effectLst/>
+                <a:latin typeface="Arial Unicode MS" panose="020B0604020202020204" pitchFamily="34" charset="-128"/>
+              </a:rPr>
+              <a:t>askToContinue</a:t>
+            </a:r>
+            <a:r>
+              <a:rPr kumimoji="0" lang="pt-PT" altLang="pt-PT" sz="1600" b="0" i="0" strike="noStrike" cap="none" normalizeH="0" baseline="0" dirty="0">
+                <a:ln>
+                  <a:noFill/>
+                </a:ln>
+                <a:solidFill>
+                  <a:schemeClr val="tx1"/>
+                </a:solidFill>
+                <a:effectLst/>
+                <a:latin typeface="Arial Unicode MS" panose="020B0604020202020204" pitchFamily="34" charset="-128"/>
+              </a:rPr>
+              <a:t>()</a:t>
+            </a:r>
+            <a:r>
+              <a:rPr kumimoji="0" lang="pt-PT" altLang="pt-PT" sz="1600" b="0" i="0" strike="noStrike" cap="none" normalizeH="0" baseline="0" dirty="0">
+                <a:ln>
+                  <a:noFill/>
+                </a:ln>
+                <a:solidFill>
+                  <a:schemeClr val="tx1"/>
+                </a:solidFill>
+                <a:effectLst/>
+              </a:rPr>
+              <a:t>: Após o jogo, pergunta ao usuário se deseja jogar novamente, voltar ao menu ou sair do programa.</a:t>
+            </a:r>
+            <a:endParaRPr kumimoji="0" lang="pt-PT" altLang="pt-PT" sz="1600" b="0" i="0" strike="noStrike" cap="none" normalizeH="0" baseline="0" dirty="0">
+              <a:ln>
+                <a:noFill/>
+              </a:ln>
+              <a:solidFill>
+                <a:schemeClr val="tx1"/>
+              </a:solidFill>
+              <a:effectLst/>
+              <a:latin typeface="Arial" panose="020B0604020202020204" pitchFamily="34" charset="0"/>
+            </a:endParaRPr>
+          </a:p>
+          <a:p>
+            <a:pPr marL="0" marR="0" lvl="0" indent="0" algn="l" defTabSz="914400" rtl="0" eaLnBrk="0" fontAlgn="base" latinLnBrk="0" hangingPunct="0">
+              <a:lnSpc>
+                <a:spcPct val="100000"/>
+              </a:lnSpc>
+              <a:spcBef>
+                <a:spcPct val="0"/>
+              </a:spcBef>
+              <a:spcAft>
+                <a:spcPct val="0"/>
+              </a:spcAft>
+              <a:buClrTx/>
+              <a:buSzTx/>
+              <a:tabLst/>
+            </a:pPr>
+            <a:r>
+              <a:rPr kumimoji="0" lang="pt-PT" altLang="pt-PT" b="1" i="0" strike="noStrike" cap="none" normalizeH="0" baseline="0" dirty="0">
+                <a:ln>
+                  <a:noFill/>
+                </a:ln>
+                <a:solidFill>
+                  <a:schemeClr val="tx1"/>
+                </a:solidFill>
+                <a:effectLst/>
+                <a:latin typeface="Arial" panose="020B0604020202020204" pitchFamily="34" charset="0"/>
+              </a:rPr>
+              <a:t>Estrutura de Controle</a:t>
+            </a:r>
+            <a:r>
+              <a:rPr kumimoji="0" lang="pt-PT" altLang="pt-PT" b="0" i="0" strike="noStrike" cap="none" normalizeH="0" baseline="0" dirty="0">
+                <a:ln>
+                  <a:noFill/>
+                </a:ln>
+                <a:solidFill>
+                  <a:schemeClr val="tx1"/>
+                </a:solidFill>
+                <a:effectLst/>
+                <a:latin typeface="Arial" panose="020B0604020202020204" pitchFamily="34" charset="0"/>
+              </a:rPr>
+              <a:t>:</a:t>
+            </a:r>
+          </a:p>
+          <a:p>
+            <a:pPr marL="0" marR="0" lvl="0" indent="0" algn="l" defTabSz="914400" rtl="0" eaLnBrk="0" fontAlgn="base" latinLnBrk="0" hangingPunct="0">
+              <a:lnSpc>
+                <a:spcPct val="100000"/>
+              </a:lnSpc>
+              <a:spcBef>
+                <a:spcPct val="0"/>
+              </a:spcBef>
+              <a:spcAft>
+                <a:spcPct val="0"/>
+              </a:spcAft>
+              <a:buClrTx/>
+              <a:buSzTx/>
+              <a:tabLst/>
+            </a:pPr>
+            <a:r>
+              <a:rPr kumimoji="0" lang="pt-PT" altLang="pt-PT" sz="1600" b="0" i="0" strike="noStrike" cap="none" normalizeH="0" baseline="0" dirty="0">
+                <a:ln>
+                  <a:noFill/>
+                </a:ln>
+                <a:solidFill>
+                  <a:schemeClr val="tx1"/>
+                </a:solidFill>
+                <a:effectLst/>
+                <a:latin typeface="Arial" panose="020B0604020202020204" pitchFamily="34" charset="0"/>
+              </a:rPr>
+              <a:t>Utiliza </a:t>
+            </a:r>
+            <a:r>
+              <a:rPr kumimoji="0" lang="pt-PT" altLang="pt-PT" sz="1600" b="0" i="0" strike="noStrike" cap="none" normalizeH="0" baseline="0" dirty="0" err="1">
+                <a:ln>
+                  <a:noFill/>
+                </a:ln>
+                <a:solidFill>
+                  <a:schemeClr val="tx1"/>
+                </a:solidFill>
+                <a:effectLst/>
+                <a:latin typeface="Arial Unicode MS" panose="020B0604020202020204" pitchFamily="34" charset="-128"/>
+              </a:rPr>
+              <a:t>switch</a:t>
+            </a:r>
+            <a:r>
+              <a:rPr kumimoji="0" lang="pt-PT" altLang="pt-PT" sz="1600" b="0" i="0" strike="noStrike" cap="none" normalizeH="0" baseline="0" dirty="0">
+                <a:ln>
+                  <a:noFill/>
+                </a:ln>
+                <a:solidFill>
+                  <a:schemeClr val="tx1"/>
+                </a:solidFill>
+                <a:effectLst/>
+              </a:rPr>
+              <a:t> para tratar as diferentes opções do menu e dos jogos, além de verificar se o usuário quer continuar ou sair.</a:t>
+            </a:r>
+            <a:endParaRPr kumimoji="0" lang="pt-PT" altLang="pt-PT" sz="1600" b="0" i="0" strike="noStrike" cap="none" normalizeH="0" baseline="0" dirty="0">
+              <a:ln>
+                <a:noFill/>
+              </a:ln>
+              <a:solidFill>
+                <a:schemeClr val="tx1"/>
+              </a:solidFill>
+              <a:effectLst/>
+              <a:latin typeface="Arial" panose="020B0604020202020204" pitchFamily="34" charset="0"/>
+            </a:endParaRPr>
+          </a:p>
+          <a:p>
+            <a:pPr marL="0" marR="0" lvl="0" indent="0" algn="l" defTabSz="914400" rtl="0" eaLnBrk="0" fontAlgn="base" latinLnBrk="0" hangingPunct="0">
+              <a:lnSpc>
+                <a:spcPct val="100000"/>
+              </a:lnSpc>
+              <a:spcBef>
+                <a:spcPct val="0"/>
+              </a:spcBef>
+              <a:spcAft>
+                <a:spcPct val="0"/>
+              </a:spcAft>
+              <a:buClrTx/>
+              <a:buSzTx/>
+              <a:buFontTx/>
+              <a:buNone/>
+              <a:tabLst/>
+            </a:pPr>
+            <a:endParaRPr kumimoji="0" lang="pt-PT" altLang="pt-PT" sz="1800" b="0" i="0" strike="noStrike" cap="none" normalizeH="0" baseline="0" dirty="0">
+              <a:ln>
+                <a:noFill/>
+              </a:ln>
+              <a:solidFill>
+                <a:schemeClr val="tx1"/>
+              </a:solidFill>
+              <a:effectLst/>
+              <a:latin typeface="Arial" panose="020B0604020202020204" pitchFamily="34" charset="0"/>
+            </a:endParaRPr>
+          </a:p>
+        </p:txBody>
+      </p:sp>
+    </p:spTree>
+    <p:extLst>
+      <p:ext uri="{BB962C8B-B14F-4D97-AF65-F5344CB8AC3E}">
+        <p14:creationId xmlns:p14="http://schemas.microsoft.com/office/powerpoint/2010/main" val="27470625"/>
+      </p:ext>
+    </p:extLst>
+  </p:cSld>
+  <p:clrMapOvr>
+    <a:masterClrMapping/>
+  </p:clrMapOvr>
+</p:sld>
+</file>
+
+<file path=ppt/slides/slide9.xml><?xml version="1.0" encoding="utf-8"?>
+<p:sld xmlns:a="http://schemas.openxmlformats.org/drawingml/2006/main" xmlns:r="http://schemas.openxmlformats.org/officeDocument/2006/relationships" xmlns:p="http://schemas.openxmlformats.org/presentationml/2006/main">
+  <p:cSld>
+    <p:spTree>
+      <p:nvGrpSpPr>
+        <p:cNvPr id="1" name=""/>
+        <p:cNvGrpSpPr/>
+        <p:nvPr/>
+      </p:nvGrpSpPr>
+      <p:grpSpPr>
+        <a:xfrm>
+          <a:off x="0" y="0"/>
+          <a:ext cx="0" cy="0"/>
+          <a:chOff x="0" y="0"/>
+          <a:chExt cx="0" cy="0"/>
+        </a:xfrm>
+      </p:grpSpPr>
+      <p:sp>
+        <p:nvSpPr>
+          <p:cNvPr id="142" name="PlaceHolder 1"/>
+          <p:cNvSpPr>
+            <a:spLocks noGrp="1"/>
+          </p:cNvSpPr>
+          <p:nvPr>
+            <p:ph type="title"/>
+          </p:nvPr>
+        </p:nvSpPr>
+        <p:spPr>
+          <a:xfrm>
+            <a:off x="839880" y="317880"/>
+            <a:ext cx="5332320" cy="1242000"/>
+          </a:xfrm>
+          <a:prstGeom prst="rect">
+            <a:avLst/>
+          </a:prstGeom>
+          <a:noFill/>
+          <a:ln w="0">
+            <a:noFill/>
+          </a:ln>
+        </p:spPr>
+        <p:txBody>
+          <a:bodyPr anchor="b">
+            <a:normAutofit/>
+          </a:bodyPr>
+          <a:lstStyle/>
+          <a:p>
+            <a:pPr>
+              <a:lnSpc>
+                <a:spcPct val="90000"/>
+              </a:lnSpc>
+              <a:buNone/>
+            </a:pPr>
+            <a:r>
+              <a:rPr lang="pt-PT" sz="4000" b="0" strike="noStrike" spc="-1" dirty="0">
                 <a:solidFill>
                   <a:srgbClr val="000000"/>
                 </a:solidFill>
                 <a:latin typeface="Calibri Light"/>
               </a:rPr>
-              <a:t>Conclusão</a:t>
-            </a:r>
-            <a:endParaRPr b="0" lang="pt-PT" sz="4400" spc="-1" strike="noStrike">
+              <a:t>Manual de Utilizador</a:t>
+            </a:r>
+            <a:endParaRPr lang="pt-PT" sz="4000" b="0" strike="noStrike" spc="-1" dirty="0">
               <a:solidFill>
                 <a:srgbClr val="000000"/>
               </a:solidFill>
@@ -10827,7 +12852,7 @@
       </p:sp>
       <p:sp>
         <p:nvSpPr>
-          <p:cNvPr id="146" name="PlaceHolder 2"/>
+          <p:cNvPr id="143" name="PlaceHolder 2"/>
           <p:cNvSpPr>
             <a:spLocks noGrp="1"/>
           </p:cNvSpPr>
@@ -10837,8 +12862,8 @@
         </p:nvSpPr>
         <p:spPr>
           <a:xfrm>
-            <a:off x="838080" y="1825560"/>
-            <a:ext cx="10515240" cy="4350960"/>
+            <a:off x="653760" y="1772529"/>
+            <a:ext cx="4278240" cy="4210560"/>
           </a:xfrm>
           <a:prstGeom prst="rect">
             <a:avLst/>
@@ -10850,8 +12875,9 @@
         </p:spPr>
         <p:txBody>
           <a:bodyPr anchor="t">
-            <a:noAutofit/>
-          </a:bodyPr>
+            <a:normAutofit/>
+          </a:bodyPr>
+          <a:lstStyle/>
           <a:p>
             <a:pPr>
               <a:lnSpc>
@@ -10862,19 +12888,33 @@
               </a:spcBef>
               <a:buNone/>
               <a:tabLst>
-                <a:tab algn="l" pos="0"/>
+                <a:tab pos="0" algn="l"/>
               </a:tabLst>
             </a:pPr>
             <a:r>
-              <a:rPr b="0" lang="pt-PT" sz="2800" spc="-1" strike="noStrike">
+              <a:rPr lang="pt-PT" sz="2800" b="0" strike="noStrike" spc="-1" dirty="0">
                 <a:solidFill>
                   <a:srgbClr val="000000"/>
                 </a:solidFill>
                 <a:latin typeface="Calibri"/>
               </a:rPr>
-              <a:t>Nesta apresentação mostrei meu programa na linguagem de programação C. Trabalhei neste projeto durante vários dias, desenvolvendo quatro jogos diferentes que ofereciam desafios divertidos e variados. Foi uma experiência maravilhosa que me ajudou a aprender mais sobre programação e lógica.</a:t>
-            </a:r>
-            <a:endParaRPr b="0" lang="pt-PT" sz="2800" spc="-1" strike="noStrike">
+              <a:t>   O manual de utilizador está localizado no diretório do programa como um arquivo de texto. O manual contém informações sobre como iniciar o jogo e como jogar cada um deles.</a:t>
+            </a:r>
+          </a:p>
+          <a:p>
+            <a:pPr>
+              <a:lnSpc>
+                <a:spcPct val="90000"/>
+              </a:lnSpc>
+              <a:spcBef>
+                <a:spcPts val="1001"/>
+              </a:spcBef>
+              <a:buNone/>
+              <a:tabLst>
+                <a:tab pos="0" algn="l"/>
+              </a:tabLst>
+            </a:pPr>
+            <a:endParaRPr lang="pt-PT" sz="2400" b="0" strike="noStrike" spc="-1" dirty="0">
               <a:solidFill>
                 <a:srgbClr val="000000"/>
               </a:solidFill>
@@ -10883,16 +12923,34 @@
           </a:p>
         </p:txBody>
       </p:sp>
+      <p:pic>
+        <p:nvPicPr>
+          <p:cNvPr id="144" name="Marcador de Posição de Conteúdo 10"/>
+          <p:cNvPicPr/>
+          <p:nvPr/>
+        </p:nvPicPr>
+        <p:blipFill>
+          <a:blip r:embed="rId2"/>
+          <a:stretch/>
+        </p:blipFill>
+        <p:spPr>
+          <a:xfrm>
+            <a:off x="5820840" y="1221120"/>
+            <a:ext cx="5886360" cy="4036680"/>
+          </a:xfrm>
+          <a:prstGeom prst="rect">
+            <a:avLst/>
+          </a:prstGeom>
+          <a:ln w="0">
+            <a:noFill/>
+          </a:ln>
+        </p:spPr>
+      </p:pic>
     </p:spTree>
   </p:cSld>
-  <mc:AlternateContent>
-    <mc:Choice Requires="p14">
-      <p:transition spd="slow" p14:dur="2000"/>
-    </mc:Choice>
-    <mc:Fallback>
-      <p:transition spd="slow"/>
-    </mc:Fallback>
-  </mc:AlternateContent>
+  <p:clrMapOvr>
+    <a:masterClrMapping/>
+  </p:clrMapOvr>
 </p:sld>
 </file>
 
@@ -10907,34 +12965,34 @@
         <a:sysClr val="window" lastClr="FFFFFF"/>
       </a:lt1>
       <a:dk2>
-        <a:srgbClr val="44546a"/>
+        <a:srgbClr val="44546A"/>
       </a:dk2>
       <a:lt2>
-        <a:srgbClr val="e7e6e6"/>
+        <a:srgbClr val="E7E6E6"/>
       </a:lt2>
       <a:accent1>
-        <a:srgbClr val="4472c4"/>
+        <a:srgbClr val="4472C4"/>
       </a:accent1>
       <a:accent2>
-        <a:srgbClr val="ed7d31"/>
+        <a:srgbClr val="ED7D31"/>
       </a:accent2>
       <a:accent3>
-        <a:srgbClr val="a5a5a5"/>
+        <a:srgbClr val="A5A5A5"/>
       </a:accent3>
       <a:accent4>
-        <a:srgbClr val="ffc000"/>
+        <a:srgbClr val="FFC000"/>
       </a:accent4>
       <a:accent5>
-        <a:srgbClr val="5b9bd5"/>
+        <a:srgbClr val="5B9BD5"/>
       </a:accent5>
       <a:accent6>
-        <a:srgbClr val="70ad47"/>
+        <a:srgbClr val="70AD47"/>
       </a:accent6>
       <a:hlink>
-        <a:srgbClr val="0563c1"/>
+        <a:srgbClr val="0563C1"/>
       </a:hlink>
       <a:folHlink>
-        <a:srgbClr val="954f72"/>
+        <a:srgbClr val="954F72"/>
       </a:folHlink>
     </a:clrScheme>
     <a:fontScheme name="Office">
@@ -11119,6 +13177,8 @@
       </a:bgFillStyleLst>
     </a:fmtScheme>
   </a:themeElements>
+  <a:objectDefaults/>
+  <a:extraClrSchemeLst/>
 </a:theme>
 </file>
 
@@ -11133,34 +13193,34 @@
         <a:sysClr val="window" lastClr="FFFFFF"/>
       </a:lt1>
       <a:dk2>
-        <a:srgbClr val="44546a"/>
+        <a:srgbClr val="44546A"/>
       </a:dk2>
       <a:lt2>
-        <a:srgbClr val="e7e6e6"/>
+        <a:srgbClr val="E7E6E6"/>
       </a:lt2>
       <a:accent1>
-        <a:srgbClr val="4472c4"/>
+        <a:srgbClr val="4472C4"/>
       </a:accent1>
       <a:accent2>
-        <a:srgbClr val="ed7d31"/>
+        <a:srgbClr val="ED7D31"/>
       </a:accent2>
       <a:accent3>
-        <a:srgbClr val="a5a5a5"/>
+        <a:srgbClr val="A5A5A5"/>
       </a:accent3>
       <a:accent4>
-        <a:srgbClr val="ffc000"/>
+        <a:srgbClr val="FFC000"/>
       </a:accent4>
       <a:accent5>
-        <a:srgbClr val="5b9bd5"/>
+        <a:srgbClr val="5B9BD5"/>
       </a:accent5>
       <a:accent6>
-        <a:srgbClr val="70ad47"/>
+        <a:srgbClr val="70AD47"/>
       </a:accent6>
       <a:hlink>
-        <a:srgbClr val="0563c1"/>
+        <a:srgbClr val="0563C1"/>
       </a:hlink>
       <a:folHlink>
-        <a:srgbClr val="954f72"/>
+        <a:srgbClr val="954F72"/>
       </a:folHlink>
     </a:clrScheme>
     <a:fontScheme name="Office">
@@ -11345,6 +13405,8 @@
       </a:bgFillStyleLst>
     </a:fmtScheme>
   </a:themeElements>
+  <a:objectDefaults/>
+  <a:extraClrSchemeLst/>
 </a:theme>
 </file>
 
@@ -11359,34 +13421,34 @@
         <a:sysClr val="window" lastClr="FFFFFF"/>
       </a:lt1>
       <a:dk2>
-        <a:srgbClr val="44546a"/>
+        <a:srgbClr val="44546A"/>
       </a:dk2>
       <a:lt2>
-        <a:srgbClr val="e7e6e6"/>
+        <a:srgbClr val="E7E6E6"/>
       </a:lt2>
       <a:accent1>
-        <a:srgbClr val="4472c4"/>
+        <a:srgbClr val="4472C4"/>
       </a:accent1>
       <a:accent2>
-        <a:srgbClr val="ed7d31"/>
+        <a:srgbClr val="ED7D31"/>
       </a:accent2>
       <a:accent3>
-        <a:srgbClr val="a5a5a5"/>
+        <a:srgbClr val="A5A5A5"/>
       </a:accent3>
       <a:accent4>
-        <a:srgbClr val="ffc000"/>
+        <a:srgbClr val="FFC000"/>
       </a:accent4>
       <a:accent5>
-        <a:srgbClr val="5b9bd5"/>
+        <a:srgbClr val="5B9BD5"/>
       </a:accent5>
       <a:accent6>
-        <a:srgbClr val="70ad47"/>
+        <a:srgbClr val="70AD47"/>
       </a:accent6>
       <a:hlink>
-        <a:srgbClr val="0563c1"/>
+        <a:srgbClr val="0563C1"/>
       </a:hlink>
       <a:folHlink>
-        <a:srgbClr val="954f72"/>
+        <a:srgbClr val="954F72"/>
       </a:folHlink>
     </a:clrScheme>
     <a:fontScheme name="Office">
@@ -11571,5 +13633,7 @@
       </a:bgFillStyleLst>
     </a:fmtScheme>
   </a:themeElements>
+  <a:objectDefaults/>
+  <a:extraClrSchemeLst/>
 </a:theme>
 </file>